--- a/pages/engagement_model/media/ppt/Views_pictures.pptx
+++ b/pages/engagement_model/media/ppt/Views_pictures.pptx
@@ -4,10 +4,17 @@
   <p:sldMasterIdLst>
     <p:sldMasterId id="2147483648" r:id="rId1"/>
   </p:sldMasterIdLst>
+  <p:notesMasterIdLst>
+    <p:notesMasterId r:id="rId9"/>
+  </p:notesMasterIdLst>
   <p:sldIdLst>
-    <p:sldId id="257" r:id="rId2"/>
-    <p:sldId id="258" r:id="rId3"/>
-    <p:sldId id="259" r:id="rId4"/>
+    <p:sldId id="449" r:id="rId2"/>
+    <p:sldId id="450" r:id="rId3"/>
+    <p:sldId id="257" r:id="rId4"/>
+    <p:sldId id="258" r:id="rId5"/>
+    <p:sldId id="259" r:id="rId6"/>
+    <p:sldId id="454" r:id="rId7"/>
+    <p:sldId id="453" r:id="rId8"/>
   </p:sldIdLst>
   <p:sldSz cx="12192000" cy="6858000"/>
   <p:notesSz cx="6858000" cy="9144000"/>
@@ -106,7 +113,460 @@
       </a:defRPr>
     </a:lvl9pPr>
   </p:defaultTextStyle>
+  <p:extLst>
+    <p:ext uri="{EFAFB233-063F-42B5-8137-9DF3F51BA10A}">
+      <p15:sldGuideLst xmlns:p15="http://schemas.microsoft.com/office/powerpoint/2012/main"/>
+    </p:ext>
+  </p:extLst>
 </p:presentation>
+</file>
+
+<file path=ppt/notesMasters/notesMaster1.xml><?xml version="1.0" encoding="utf-8"?>
+<p:notesMaster xmlns:a="http://schemas.openxmlformats.org/drawingml/2006/main" xmlns:r="http://schemas.openxmlformats.org/officeDocument/2006/relationships" xmlns:p="http://schemas.openxmlformats.org/presentationml/2006/main">
+  <p:cSld>
+    <p:bg>
+      <p:bgRef idx="1001">
+        <a:schemeClr val="bg1"/>
+      </p:bgRef>
+    </p:bg>
+    <p:spTree>
+      <p:nvGrpSpPr>
+        <p:cNvPr id="1" name=""/>
+        <p:cNvGrpSpPr/>
+        <p:nvPr/>
+      </p:nvGrpSpPr>
+      <p:grpSpPr>
+        <a:xfrm>
+          <a:off x="0" y="0"/>
+          <a:ext cx="0" cy="0"/>
+          <a:chOff x="0" y="0"/>
+          <a:chExt cx="0" cy="0"/>
+        </a:xfrm>
+      </p:grpSpPr>
+      <p:sp>
+        <p:nvSpPr>
+          <p:cNvPr id="2" name="Header Placeholder 1"/>
+          <p:cNvSpPr>
+            <a:spLocks noGrp="1"/>
+          </p:cNvSpPr>
+          <p:nvPr>
+            <p:ph type="hdr" sz="quarter"/>
+          </p:nvPr>
+        </p:nvSpPr>
+        <p:spPr>
+          <a:xfrm>
+            <a:off x="0" y="0"/>
+            <a:ext cx="2971800" cy="458788"/>
+          </a:xfrm>
+          <a:prstGeom prst="rect">
+            <a:avLst/>
+          </a:prstGeom>
+        </p:spPr>
+        <p:txBody>
+          <a:bodyPr vert="horz" lIns="91440" tIns="45720" rIns="91440" bIns="45720" rtlCol="0"/>
+          <a:lstStyle>
+            <a:lvl1pPr algn="l">
+              <a:defRPr sz="1200"/>
+            </a:lvl1pPr>
+          </a:lstStyle>
+          <a:p>
+            <a:endParaRPr lang="sv-SE"/>
+          </a:p>
+        </p:txBody>
+      </p:sp>
+      <p:sp>
+        <p:nvSpPr>
+          <p:cNvPr id="3" name="Date Placeholder 2"/>
+          <p:cNvSpPr>
+            <a:spLocks noGrp="1"/>
+          </p:cNvSpPr>
+          <p:nvPr>
+            <p:ph type="dt" idx="1"/>
+          </p:nvPr>
+        </p:nvSpPr>
+        <p:spPr>
+          <a:xfrm>
+            <a:off x="3884613" y="0"/>
+            <a:ext cx="2971800" cy="458788"/>
+          </a:xfrm>
+          <a:prstGeom prst="rect">
+            <a:avLst/>
+          </a:prstGeom>
+        </p:spPr>
+        <p:txBody>
+          <a:bodyPr vert="horz" lIns="91440" tIns="45720" rIns="91440" bIns="45720" rtlCol="0"/>
+          <a:lstStyle>
+            <a:lvl1pPr algn="r">
+              <a:defRPr sz="1200"/>
+            </a:lvl1pPr>
+          </a:lstStyle>
+          <a:p>
+            <a:fld id="{1B656453-B7D9-4ACF-BD3C-ED9CE30BC7CF}" type="datetimeFigureOut">
+              <a:rPr lang="sv-SE" smtClean="0"/>
+              <a:t>2022-11-04</a:t>
+            </a:fld>
+            <a:endParaRPr lang="sv-SE"/>
+          </a:p>
+        </p:txBody>
+      </p:sp>
+      <p:sp>
+        <p:nvSpPr>
+          <p:cNvPr id="4" name="Slide Image Placeholder 3"/>
+          <p:cNvSpPr>
+            <a:spLocks noGrp="1" noRot="1" noChangeAspect="1"/>
+          </p:cNvSpPr>
+          <p:nvPr>
+            <p:ph type="sldImg" idx="2"/>
+          </p:nvPr>
+        </p:nvSpPr>
+        <p:spPr>
+          <a:xfrm>
+            <a:off x="685800" y="1143000"/>
+            <a:ext cx="5486400" cy="3086100"/>
+          </a:xfrm>
+          <a:prstGeom prst="rect">
+            <a:avLst/>
+          </a:prstGeom>
+          <a:noFill/>
+          <a:ln w="12700">
+            <a:solidFill>
+              <a:prstClr val="black"/>
+            </a:solidFill>
+          </a:ln>
+        </p:spPr>
+        <p:txBody>
+          <a:bodyPr vert="horz" lIns="91440" tIns="45720" rIns="91440" bIns="45720" rtlCol="0" anchor="ctr"/>
+          <a:lstStyle/>
+          <a:p>
+            <a:endParaRPr lang="sv-SE"/>
+          </a:p>
+        </p:txBody>
+      </p:sp>
+      <p:sp>
+        <p:nvSpPr>
+          <p:cNvPr id="5" name="Notes Placeholder 4"/>
+          <p:cNvSpPr>
+            <a:spLocks noGrp="1"/>
+          </p:cNvSpPr>
+          <p:nvPr>
+            <p:ph type="body" sz="quarter" idx="3"/>
+          </p:nvPr>
+        </p:nvSpPr>
+        <p:spPr>
+          <a:xfrm>
+            <a:off x="685800" y="4400550"/>
+            <a:ext cx="5486400" cy="3600450"/>
+          </a:xfrm>
+          <a:prstGeom prst="rect">
+            <a:avLst/>
+          </a:prstGeom>
+        </p:spPr>
+        <p:txBody>
+          <a:bodyPr vert="horz" lIns="91440" tIns="45720" rIns="91440" bIns="45720" rtlCol="0"/>
+          <a:lstStyle/>
+          <a:p>
+            <a:pPr lvl="0"/>
+            <a:r>
+              <a:rPr lang="en-US"/>
+              <a:t>Click to edit Master text styles</a:t>
+            </a:r>
+          </a:p>
+          <a:p>
+            <a:pPr lvl="1"/>
+            <a:r>
+              <a:rPr lang="en-US"/>
+              <a:t>Second level</a:t>
+            </a:r>
+          </a:p>
+          <a:p>
+            <a:pPr lvl="2"/>
+            <a:r>
+              <a:rPr lang="en-US"/>
+              <a:t>Third level</a:t>
+            </a:r>
+          </a:p>
+          <a:p>
+            <a:pPr lvl="3"/>
+            <a:r>
+              <a:rPr lang="en-US"/>
+              <a:t>Fourth level</a:t>
+            </a:r>
+          </a:p>
+          <a:p>
+            <a:pPr lvl="4"/>
+            <a:r>
+              <a:rPr lang="en-US"/>
+              <a:t>Fifth level</a:t>
+            </a:r>
+            <a:endParaRPr lang="sv-SE"/>
+          </a:p>
+        </p:txBody>
+      </p:sp>
+      <p:sp>
+        <p:nvSpPr>
+          <p:cNvPr id="6" name="Footer Placeholder 5"/>
+          <p:cNvSpPr>
+            <a:spLocks noGrp="1"/>
+          </p:cNvSpPr>
+          <p:nvPr>
+            <p:ph type="ftr" sz="quarter" idx="4"/>
+          </p:nvPr>
+        </p:nvSpPr>
+        <p:spPr>
+          <a:xfrm>
+            <a:off x="0" y="8685213"/>
+            <a:ext cx="2971800" cy="458787"/>
+          </a:xfrm>
+          <a:prstGeom prst="rect">
+            <a:avLst/>
+          </a:prstGeom>
+        </p:spPr>
+        <p:txBody>
+          <a:bodyPr vert="horz" lIns="91440" tIns="45720" rIns="91440" bIns="45720" rtlCol="0" anchor="b"/>
+          <a:lstStyle>
+            <a:lvl1pPr algn="l">
+              <a:defRPr sz="1200"/>
+            </a:lvl1pPr>
+          </a:lstStyle>
+          <a:p>
+            <a:endParaRPr lang="sv-SE"/>
+          </a:p>
+        </p:txBody>
+      </p:sp>
+      <p:sp>
+        <p:nvSpPr>
+          <p:cNvPr id="7" name="Slide Number Placeholder 6"/>
+          <p:cNvSpPr>
+            <a:spLocks noGrp="1"/>
+          </p:cNvSpPr>
+          <p:nvPr>
+            <p:ph type="sldNum" sz="quarter" idx="5"/>
+          </p:nvPr>
+        </p:nvSpPr>
+        <p:spPr>
+          <a:xfrm>
+            <a:off x="3884613" y="8685213"/>
+            <a:ext cx="2971800" cy="458787"/>
+          </a:xfrm>
+          <a:prstGeom prst="rect">
+            <a:avLst/>
+          </a:prstGeom>
+        </p:spPr>
+        <p:txBody>
+          <a:bodyPr vert="horz" lIns="91440" tIns="45720" rIns="91440" bIns="45720" rtlCol="0" anchor="b"/>
+          <a:lstStyle>
+            <a:lvl1pPr algn="r">
+              <a:defRPr sz="1200"/>
+            </a:lvl1pPr>
+          </a:lstStyle>
+          <a:p>
+            <a:fld id="{D9D688DF-0ECE-4069-B5C1-A45D9A5C1CAC}" type="slidenum">
+              <a:rPr lang="sv-SE" smtClean="0"/>
+              <a:t>‹#›</a:t>
+            </a:fld>
+            <a:endParaRPr lang="sv-SE"/>
+          </a:p>
+        </p:txBody>
+      </p:sp>
+    </p:spTree>
+    <p:extLst>
+      <p:ext uri="{BB962C8B-B14F-4D97-AF65-F5344CB8AC3E}">
+        <p14:creationId xmlns:p14="http://schemas.microsoft.com/office/powerpoint/2010/main" val="256157647"/>
+      </p:ext>
+    </p:extLst>
+  </p:cSld>
+  <p:clrMap bg1="lt1" tx1="dk1" bg2="lt2" tx2="dk2" accent1="accent1" accent2="accent2" accent3="accent3" accent4="accent4" accent5="accent5" accent6="accent6" hlink="hlink" folHlink="folHlink"/>
+  <p:notesStyle>
+    <a:lvl1pPr marL="0" algn="l" defTabSz="914400" rtl="0" eaLnBrk="1" latinLnBrk="0" hangingPunct="1">
+      <a:defRPr sz="1200" kern="1200">
+        <a:solidFill>
+          <a:schemeClr val="tx1"/>
+        </a:solidFill>
+        <a:latin typeface="+mn-lt"/>
+        <a:ea typeface="+mn-ea"/>
+        <a:cs typeface="+mn-cs"/>
+      </a:defRPr>
+    </a:lvl1pPr>
+    <a:lvl2pPr marL="457200" algn="l" defTabSz="914400" rtl="0" eaLnBrk="1" latinLnBrk="0" hangingPunct="1">
+      <a:defRPr sz="1200" kern="1200">
+        <a:solidFill>
+          <a:schemeClr val="tx1"/>
+        </a:solidFill>
+        <a:latin typeface="+mn-lt"/>
+        <a:ea typeface="+mn-ea"/>
+        <a:cs typeface="+mn-cs"/>
+      </a:defRPr>
+    </a:lvl2pPr>
+    <a:lvl3pPr marL="914400" algn="l" defTabSz="914400" rtl="0" eaLnBrk="1" latinLnBrk="0" hangingPunct="1">
+      <a:defRPr sz="1200" kern="1200">
+        <a:solidFill>
+          <a:schemeClr val="tx1"/>
+        </a:solidFill>
+        <a:latin typeface="+mn-lt"/>
+        <a:ea typeface="+mn-ea"/>
+        <a:cs typeface="+mn-cs"/>
+      </a:defRPr>
+    </a:lvl3pPr>
+    <a:lvl4pPr marL="1371600" algn="l" defTabSz="914400" rtl="0" eaLnBrk="1" latinLnBrk="0" hangingPunct="1">
+      <a:defRPr sz="1200" kern="1200">
+        <a:solidFill>
+          <a:schemeClr val="tx1"/>
+        </a:solidFill>
+        <a:latin typeface="+mn-lt"/>
+        <a:ea typeface="+mn-ea"/>
+        <a:cs typeface="+mn-cs"/>
+      </a:defRPr>
+    </a:lvl4pPr>
+    <a:lvl5pPr marL="1828800" algn="l" defTabSz="914400" rtl="0" eaLnBrk="1" latinLnBrk="0" hangingPunct="1">
+      <a:defRPr sz="1200" kern="1200">
+        <a:solidFill>
+          <a:schemeClr val="tx1"/>
+        </a:solidFill>
+        <a:latin typeface="+mn-lt"/>
+        <a:ea typeface="+mn-ea"/>
+        <a:cs typeface="+mn-cs"/>
+      </a:defRPr>
+    </a:lvl5pPr>
+    <a:lvl6pPr marL="2286000" algn="l" defTabSz="914400" rtl="0" eaLnBrk="1" latinLnBrk="0" hangingPunct="1">
+      <a:defRPr sz="1200" kern="1200">
+        <a:solidFill>
+          <a:schemeClr val="tx1"/>
+        </a:solidFill>
+        <a:latin typeface="+mn-lt"/>
+        <a:ea typeface="+mn-ea"/>
+        <a:cs typeface="+mn-cs"/>
+      </a:defRPr>
+    </a:lvl6pPr>
+    <a:lvl7pPr marL="2743200" algn="l" defTabSz="914400" rtl="0" eaLnBrk="1" latinLnBrk="0" hangingPunct="1">
+      <a:defRPr sz="1200" kern="1200">
+        <a:solidFill>
+          <a:schemeClr val="tx1"/>
+        </a:solidFill>
+        <a:latin typeface="+mn-lt"/>
+        <a:ea typeface="+mn-ea"/>
+        <a:cs typeface="+mn-cs"/>
+      </a:defRPr>
+    </a:lvl7pPr>
+    <a:lvl8pPr marL="3200400" algn="l" defTabSz="914400" rtl="0" eaLnBrk="1" latinLnBrk="0" hangingPunct="1">
+      <a:defRPr sz="1200" kern="1200">
+        <a:solidFill>
+          <a:schemeClr val="tx1"/>
+        </a:solidFill>
+        <a:latin typeface="+mn-lt"/>
+        <a:ea typeface="+mn-ea"/>
+        <a:cs typeface="+mn-cs"/>
+      </a:defRPr>
+    </a:lvl8pPr>
+    <a:lvl9pPr marL="3657600" algn="l" defTabSz="914400" rtl="0" eaLnBrk="1" latinLnBrk="0" hangingPunct="1">
+      <a:defRPr sz="1200" kern="1200">
+        <a:solidFill>
+          <a:schemeClr val="tx1"/>
+        </a:solidFill>
+        <a:latin typeface="+mn-lt"/>
+        <a:ea typeface="+mn-ea"/>
+        <a:cs typeface="+mn-cs"/>
+      </a:defRPr>
+    </a:lvl9pPr>
+  </p:notesStyle>
+</p:notesMaster>
+</file>
+
+<file path=ppt/notesSlides/notesSlide1.xml><?xml version="1.0" encoding="utf-8"?>
+<p:notes xmlns:a="http://schemas.openxmlformats.org/drawingml/2006/main" xmlns:r="http://schemas.openxmlformats.org/officeDocument/2006/relationships" xmlns:p="http://schemas.openxmlformats.org/presentationml/2006/main">
+  <p:cSld>
+    <p:spTree>
+      <p:nvGrpSpPr>
+        <p:cNvPr id="1" name=""/>
+        <p:cNvGrpSpPr/>
+        <p:nvPr/>
+      </p:nvGrpSpPr>
+      <p:grpSpPr>
+        <a:xfrm>
+          <a:off x="0" y="0"/>
+          <a:ext cx="0" cy="0"/>
+          <a:chOff x="0" y="0"/>
+          <a:chExt cx="0" cy="0"/>
+        </a:xfrm>
+      </p:grpSpPr>
+      <p:sp>
+        <p:nvSpPr>
+          <p:cNvPr id="2" name="Slide Image Placeholder 1"/>
+          <p:cNvSpPr>
+            <a:spLocks noGrp="1" noRot="1" noChangeAspect="1"/>
+          </p:cNvSpPr>
+          <p:nvPr>
+            <p:ph type="sldImg"/>
+          </p:nvPr>
+        </p:nvSpPr>
+        <p:spPr>
+          <a:xfrm>
+            <a:off x="685800" y="1143000"/>
+            <a:ext cx="5486400" cy="3086100"/>
+          </a:xfrm>
+        </p:spPr>
+      </p:sp>
+      <p:sp>
+        <p:nvSpPr>
+          <p:cNvPr id="3" name="Notes Placeholder 2"/>
+          <p:cNvSpPr>
+            <a:spLocks noGrp="1"/>
+          </p:cNvSpPr>
+          <p:nvPr>
+            <p:ph type="body" idx="1"/>
+          </p:nvPr>
+        </p:nvSpPr>
+        <p:spPr/>
+        <p:txBody>
+          <a:bodyPr/>
+          <a:lstStyle/>
+          <a:p>
+            <a:r>
+              <a:rPr lang="en-US" dirty="0"/>
+              <a:t>ECOSYSTEM MAP</a:t>
+            </a:r>
+          </a:p>
+          <a:p>
+            <a:endParaRPr lang="en-US" dirty="0"/>
+          </a:p>
+          <a:p>
+            <a:endParaRPr lang="en-US" dirty="0"/>
+          </a:p>
+        </p:txBody>
+      </p:sp>
+      <p:sp>
+        <p:nvSpPr>
+          <p:cNvPr id="4" name="Slide Number Placeholder 3"/>
+          <p:cNvSpPr>
+            <a:spLocks noGrp="1"/>
+          </p:cNvSpPr>
+          <p:nvPr>
+            <p:ph type="sldNum" sz="quarter" idx="5"/>
+          </p:nvPr>
+        </p:nvSpPr>
+        <p:spPr/>
+        <p:txBody>
+          <a:bodyPr/>
+          <a:lstStyle/>
+          <a:p>
+            <a:fld id="{F8C10F45-E900-413B-B1C0-0FB440D736F4}" type="slidenum">
+              <a:rPr lang="en-US" smtClean="0"/>
+              <a:t>1</a:t>
+            </a:fld>
+            <a:endParaRPr lang="en-US"/>
+          </a:p>
+        </p:txBody>
+      </p:sp>
+    </p:spTree>
+    <p:extLst>
+      <p:ext uri="{BB962C8B-B14F-4D97-AF65-F5344CB8AC3E}">
+        <p14:creationId xmlns:p14="http://schemas.microsoft.com/office/powerpoint/2010/main" val="4131129965"/>
+      </p:ext>
+    </p:extLst>
+  </p:cSld>
+  <p:clrMapOvr>
+    <a:masterClrMapping/>
+  </p:clrMapOvr>
+</p:notes>
 </file>
 
 <file path=ppt/slideLayouts/slideLayout1.xml><?xml version="1.0" encoding="utf-8"?>
@@ -3325,10 +3785,164 @@
       </p:grpSpPr>
       <p:sp>
         <p:nvSpPr>
-          <p:cNvPr id="2" name="Rektangel 1">
-            <a:extLst>
-              <a:ext uri="{FF2B5EF4-FFF2-40B4-BE49-F238E27FC236}">
-                <a16:creationId xmlns:a16="http://schemas.microsoft.com/office/drawing/2014/main" id="{48A38CD4-8497-6C3C-9CC3-2E5C80D991BE}"/>
+          <p:cNvPr id="8" name="TextBox 7">
+            <a:extLst>
+              <a:ext uri="{FF2B5EF4-FFF2-40B4-BE49-F238E27FC236}">
+                <a16:creationId xmlns:a16="http://schemas.microsoft.com/office/drawing/2014/main" id="{C8F650A9-FF5D-4BC2-A9E8-6D1048B549B2}"/>
+              </a:ext>
+            </a:extLst>
+          </p:cNvPr>
+          <p:cNvSpPr txBox="1"/>
+          <p:nvPr/>
+        </p:nvSpPr>
+        <p:spPr>
+          <a:xfrm>
+            <a:off x="1890938" y="173837"/>
+            <a:ext cx="2085827" cy="300082"/>
+          </a:xfrm>
+          <a:prstGeom prst="rect">
+            <a:avLst/>
+          </a:prstGeom>
+          <a:noFill/>
+        </p:spPr>
+        <p:txBody>
+          <a:bodyPr wrap="none" rtlCol="0">
+            <a:spAutoFit/>
+          </a:bodyPr>
+          <a:lstStyle/>
+          <a:p>
+            <a:r>
+              <a:rPr lang="en-IE" sz="1350" dirty="0">
+                <a:latin typeface="Century Gothic" panose="020B0502020202020204" pitchFamily="34" charset="0"/>
+              </a:rPr>
+              <a:t>VIEWPOINT AND VIEWS</a:t>
+            </a:r>
+          </a:p>
+        </p:txBody>
+      </p:sp>
+      <p:pic>
+        <p:nvPicPr>
+          <p:cNvPr id="14" name="Graphic 13">
+            <a:extLst>
+              <a:ext uri="{FF2B5EF4-FFF2-40B4-BE49-F238E27FC236}">
+                <a16:creationId xmlns:a16="http://schemas.microsoft.com/office/drawing/2014/main" id="{8FA4FA48-4C5C-0B1C-7D06-CBF2108DC567}"/>
+              </a:ext>
+            </a:extLst>
+          </p:cNvPr>
+          <p:cNvPicPr>
+            <a:picLocks noChangeAspect="1"/>
+          </p:cNvPicPr>
+          <p:nvPr/>
+        </p:nvPicPr>
+        <p:blipFill>
+          <a:blip r:embed="rId4">
+            <a:extLst>
+              <a:ext uri="{28A0092B-C50C-407E-A947-70E740481C1C}">
+                <a14:useLocalDpi xmlns:a14="http://schemas.microsoft.com/office/drawing/2010/main" val="0"/>
+              </a:ext>
+              <a:ext uri="{96DAC541-7B7A-43D3-8B79-37D633B846F1}">
+                <asvg:svgBlip xmlns:asvg="http://schemas.microsoft.com/office/drawing/2016/SVG/main" r:embed="rId5"/>
+              </a:ext>
+            </a:extLst>
+          </a:blip>
+          <a:stretch>
+            <a:fillRect/>
+          </a:stretch>
+        </p:blipFill>
+        <p:spPr>
+          <a:xfrm>
+            <a:off x="2351279" y="4843935"/>
+            <a:ext cx="927433" cy="741946"/>
+          </a:xfrm>
+          <a:prstGeom prst="rect">
+            <a:avLst/>
+          </a:prstGeom>
+        </p:spPr>
+      </p:pic>
+      <p:pic>
+        <p:nvPicPr>
+          <p:cNvPr id="16" name="Graphic 15">
+            <a:extLst>
+              <a:ext uri="{FF2B5EF4-FFF2-40B4-BE49-F238E27FC236}">
+                <a16:creationId xmlns:a16="http://schemas.microsoft.com/office/drawing/2014/main" id="{0499C18E-6C44-BA67-5E98-D87992E8B1B4}"/>
+              </a:ext>
+            </a:extLst>
+          </p:cNvPr>
+          <p:cNvPicPr>
+            <a:picLocks noChangeAspect="1"/>
+          </p:cNvPicPr>
+          <p:nvPr/>
+        </p:nvPicPr>
+        <p:blipFill>
+          <a:blip r:embed="rId6">
+            <a:extLst>
+              <a:ext uri="{28A0092B-C50C-407E-A947-70E740481C1C}">
+                <a14:useLocalDpi xmlns:a14="http://schemas.microsoft.com/office/drawing/2010/main" val="0"/>
+              </a:ext>
+              <a:ext uri="{96DAC541-7B7A-43D3-8B79-37D633B846F1}">
+                <asvg:svgBlip xmlns:asvg="http://schemas.microsoft.com/office/drawing/2016/SVG/main" r:embed="rId7"/>
+              </a:ext>
+            </a:extLst>
+          </a:blip>
+          <a:stretch>
+            <a:fillRect/>
+          </a:stretch>
+        </p:blipFill>
+        <p:spPr>
+          <a:xfrm>
+            <a:off x="2325535" y="1667758"/>
+            <a:ext cx="649204" cy="741947"/>
+          </a:xfrm>
+          <a:prstGeom prst="rect">
+            <a:avLst/>
+          </a:prstGeom>
+        </p:spPr>
+      </p:pic>
+      <p:pic>
+        <p:nvPicPr>
+          <p:cNvPr id="21" name="Graphic 20">
+            <a:extLst>
+              <a:ext uri="{FF2B5EF4-FFF2-40B4-BE49-F238E27FC236}">
+                <a16:creationId xmlns:a16="http://schemas.microsoft.com/office/drawing/2014/main" id="{92FA76D3-7FFB-D305-2AF1-0084D09E54C9}"/>
+              </a:ext>
+            </a:extLst>
+          </p:cNvPr>
+          <p:cNvPicPr>
+            <a:picLocks noChangeAspect="1"/>
+          </p:cNvPicPr>
+          <p:nvPr/>
+        </p:nvPicPr>
+        <p:blipFill>
+          <a:blip r:embed="rId8">
+            <a:extLst>
+              <a:ext uri="{28A0092B-C50C-407E-A947-70E740481C1C}">
+                <a14:useLocalDpi xmlns:a14="http://schemas.microsoft.com/office/drawing/2010/main" val="0"/>
+              </a:ext>
+              <a:ext uri="{96DAC541-7B7A-43D3-8B79-37D633B846F1}">
+                <asvg:svgBlip xmlns:asvg="http://schemas.microsoft.com/office/drawing/2016/SVG/main" r:embed="rId9"/>
+              </a:ext>
+            </a:extLst>
+          </a:blip>
+          <a:stretch>
+            <a:fillRect/>
+          </a:stretch>
+        </p:blipFill>
+        <p:spPr>
+          <a:xfrm>
+            <a:off x="2351279" y="3213467"/>
+            <a:ext cx="649203" cy="741946"/>
+          </a:xfrm>
+          <a:prstGeom prst="rect">
+            <a:avLst/>
+          </a:prstGeom>
+        </p:spPr>
+      </p:pic>
+      <p:sp>
+        <p:nvSpPr>
+          <p:cNvPr id="26" name="Rectangle 25">
+            <a:extLst>
+              <a:ext uri="{FF2B5EF4-FFF2-40B4-BE49-F238E27FC236}">
+                <a16:creationId xmlns:a16="http://schemas.microsoft.com/office/drawing/2014/main" id="{25BC7666-B5DA-0F31-FC9E-EA206589F27F}"/>
               </a:ext>
             </a:extLst>
           </p:cNvPr>
@@ -3337,12 +3951,17 @@
         </p:nvSpPr>
         <p:spPr>
           <a:xfrm>
-            <a:off x="97660" y="556335"/>
-            <a:ext cx="2825681" cy="557814"/>
+            <a:off x="6096001" y="1281363"/>
+            <a:ext cx="2791326" cy="4806616"/>
           </a:xfrm>
           <a:prstGeom prst="rect">
             <a:avLst/>
           </a:prstGeom>
+          <a:ln w="57150">
+            <a:solidFill>
+              <a:schemeClr val="tx1"/>
+            </a:solidFill>
+          </a:ln>
         </p:spPr>
         <p:style>
           <a:lnRef idx="2">
@@ -3365,19 +3984,53 @@
           <a:lstStyle/>
           <a:p>
             <a:pPr algn="ctr"/>
-            <a:r>
-              <a:rPr lang="sv-SE" dirty="0"/>
-              <a:t>1.Plan</a:t>
-            </a:r>
-          </a:p>
-        </p:txBody>
-      </p:sp>
-      <p:sp>
-        <p:nvSpPr>
-          <p:cNvPr id="3" name="Rektangel 2">
-            <a:extLst>
-              <a:ext uri="{FF2B5EF4-FFF2-40B4-BE49-F238E27FC236}">
-                <a16:creationId xmlns:a16="http://schemas.microsoft.com/office/drawing/2014/main" id="{33777DEF-8BD6-9C98-189D-A40E9FAEEF41}"/>
+            <a:endParaRPr lang="sv-SE" sz="1200"/>
+          </a:p>
+        </p:txBody>
+      </p:sp>
+      <p:sp>
+        <p:nvSpPr>
+          <p:cNvPr id="67" name="TextBox 66">
+            <a:extLst>
+              <a:ext uri="{FF2B5EF4-FFF2-40B4-BE49-F238E27FC236}">
+                <a16:creationId xmlns:a16="http://schemas.microsoft.com/office/drawing/2014/main" id="{4C091744-5695-7EAE-4304-A815D49B835A}"/>
+              </a:ext>
+            </a:extLst>
+          </p:cNvPr>
+          <p:cNvSpPr txBox="1"/>
+          <p:nvPr/>
+        </p:nvSpPr>
+        <p:spPr>
+          <a:xfrm>
+            <a:off x="6085950" y="927339"/>
+            <a:ext cx="1744388" cy="300082"/>
+          </a:xfrm>
+          <a:prstGeom prst="rect">
+            <a:avLst/>
+          </a:prstGeom>
+          <a:noFill/>
+        </p:spPr>
+        <p:txBody>
+          <a:bodyPr wrap="none" rtlCol="0">
+            <a:spAutoFit/>
+          </a:bodyPr>
+          <a:lstStyle/>
+          <a:p>
+            <a:r>
+              <a:rPr lang="en-IE" sz="1350" dirty="0">
+                <a:latin typeface="Century Gothic" panose="020B0502020202020204" pitchFamily="34" charset="0"/>
+              </a:rPr>
+              <a:t>THE ARCHITECTURE</a:t>
+            </a:r>
+          </a:p>
+        </p:txBody>
+      </p:sp>
+      <p:sp>
+        <p:nvSpPr>
+          <p:cNvPr id="27" name="Rectangle 26">
+            <a:extLst>
+              <a:ext uri="{FF2B5EF4-FFF2-40B4-BE49-F238E27FC236}">
+                <a16:creationId xmlns:a16="http://schemas.microsoft.com/office/drawing/2014/main" id="{79A92881-DF3D-8ACA-9F81-643C1D1C8C08}"/>
               </a:ext>
             </a:extLst>
           </p:cNvPr>
@@ -3386,12 +4039,22 @@
         </p:nvSpPr>
         <p:spPr>
           <a:xfrm>
-            <a:off x="3071123" y="556335"/>
-            <a:ext cx="2825681" cy="557814"/>
+            <a:off x="6570499" y="1619895"/>
+            <a:ext cx="1407696" cy="914400"/>
           </a:xfrm>
           <a:prstGeom prst="rect">
             <a:avLst/>
           </a:prstGeom>
+          <a:solidFill>
+            <a:schemeClr val="bg1">
+              <a:lumMod val="65000"/>
+            </a:schemeClr>
+          </a:solidFill>
+          <a:ln w="57150">
+            <a:solidFill>
+              <a:schemeClr val="tx1"/>
+            </a:solidFill>
+          </a:ln>
         </p:spPr>
         <p:style>
           <a:lnRef idx="2">
@@ -3414,19 +4077,22 @@
           <a:lstStyle/>
           <a:p>
             <a:pPr algn="ctr"/>
-            <a:r>
-              <a:rPr lang="sv-SE" dirty="0"/>
-              <a:t>2.Design</a:t>
-            </a:r>
-          </a:p>
-        </p:txBody>
-      </p:sp>
-      <p:sp>
-        <p:nvSpPr>
-          <p:cNvPr id="13" name="Rektangel 12">
-            <a:extLst>
-              <a:ext uri="{FF2B5EF4-FFF2-40B4-BE49-F238E27FC236}">
-                <a16:creationId xmlns:a16="http://schemas.microsoft.com/office/drawing/2014/main" id="{5536DBC5-DB4F-E7AC-D715-15C664B319C8}"/>
+            <a:endParaRPr lang="sv-SE">
+              <a:ln w="38100">
+                <a:solidFill>
+                  <a:schemeClr val="tx1"/>
+                </a:solidFill>
+              </a:ln>
+            </a:endParaRPr>
+          </a:p>
+        </p:txBody>
+      </p:sp>
+      <p:sp>
+        <p:nvSpPr>
+          <p:cNvPr id="70" name="Rectangle 69">
+            <a:extLst>
+              <a:ext uri="{FF2B5EF4-FFF2-40B4-BE49-F238E27FC236}">
+                <a16:creationId xmlns:a16="http://schemas.microsoft.com/office/drawing/2014/main" id="{81F247B1-2CEC-D99B-5992-9F1213FC2C05}"/>
               </a:ext>
             </a:extLst>
           </p:cNvPr>
@@ -3435,12 +4101,22 @@
         </p:nvSpPr>
         <p:spPr>
           <a:xfrm>
-            <a:off x="6044586" y="552453"/>
-            <a:ext cx="2825681" cy="557814"/>
+            <a:off x="6702777" y="1731440"/>
+            <a:ext cx="1407696" cy="914400"/>
           </a:xfrm>
           <a:prstGeom prst="rect">
             <a:avLst/>
           </a:prstGeom>
+          <a:solidFill>
+            <a:schemeClr val="bg1">
+              <a:lumMod val="65000"/>
+            </a:schemeClr>
+          </a:solidFill>
+          <a:ln w="57150">
+            <a:solidFill>
+              <a:schemeClr val="tx1"/>
+            </a:solidFill>
+          </a:ln>
         </p:spPr>
         <p:style>
           <a:lnRef idx="2">
@@ -3463,19 +4139,22 @@
           <a:lstStyle/>
           <a:p>
             <a:pPr algn="ctr"/>
-            <a:r>
-              <a:rPr lang="sv-SE" dirty="0"/>
-              <a:t>3.Market</a:t>
-            </a:r>
-          </a:p>
-        </p:txBody>
-      </p:sp>
-      <p:sp>
-        <p:nvSpPr>
-          <p:cNvPr id="14" name="Rektangel 13">
-            <a:extLst>
-              <a:ext uri="{FF2B5EF4-FFF2-40B4-BE49-F238E27FC236}">
-                <a16:creationId xmlns:a16="http://schemas.microsoft.com/office/drawing/2014/main" id="{889A6A6B-539D-3C21-89DA-FFAB929A9FEA}"/>
+            <a:endParaRPr lang="sv-SE">
+              <a:ln w="38100">
+                <a:solidFill>
+                  <a:schemeClr val="tx1"/>
+                </a:solidFill>
+              </a:ln>
+            </a:endParaRPr>
+          </a:p>
+        </p:txBody>
+      </p:sp>
+      <p:sp>
+        <p:nvSpPr>
+          <p:cNvPr id="72" name="Rectangle 71">
+            <a:extLst>
+              <a:ext uri="{FF2B5EF4-FFF2-40B4-BE49-F238E27FC236}">
+                <a16:creationId xmlns:a16="http://schemas.microsoft.com/office/drawing/2014/main" id="{B9187953-83B0-157C-750E-5BF35501716D}"/>
               </a:ext>
             </a:extLst>
           </p:cNvPr>
@@ -3484,12 +4163,22 @@
         </p:nvSpPr>
         <p:spPr>
           <a:xfrm>
-            <a:off x="9018046" y="552453"/>
-            <a:ext cx="2825681" cy="557814"/>
+            <a:off x="6818962" y="1826078"/>
+            <a:ext cx="1407696" cy="914400"/>
           </a:xfrm>
           <a:prstGeom prst="rect">
             <a:avLst/>
           </a:prstGeom>
+          <a:solidFill>
+            <a:schemeClr val="bg1">
+              <a:lumMod val="65000"/>
+            </a:schemeClr>
+          </a:solidFill>
+          <a:ln w="57150">
+            <a:solidFill>
+              <a:schemeClr val="tx1"/>
+            </a:solidFill>
+          </a:ln>
         </p:spPr>
         <p:style>
           <a:lnRef idx="2">
@@ -3512,19 +4201,22 @@
           <a:lstStyle/>
           <a:p>
             <a:pPr algn="ctr"/>
-            <a:r>
-              <a:rPr lang="sv-SE" dirty="0"/>
-              <a:t>4.Build</a:t>
-            </a:r>
-          </a:p>
-        </p:txBody>
-      </p:sp>
-      <p:sp>
-        <p:nvSpPr>
-          <p:cNvPr id="16" name="Rektangel 15">
-            <a:extLst>
-              <a:ext uri="{FF2B5EF4-FFF2-40B4-BE49-F238E27FC236}">
-                <a16:creationId xmlns:a16="http://schemas.microsoft.com/office/drawing/2014/main" id="{E2A07095-87CB-1DD5-2292-DE5ECC8CB755}"/>
+            <a:endParaRPr lang="sv-SE">
+              <a:ln w="38100">
+                <a:solidFill>
+                  <a:schemeClr val="tx1"/>
+                </a:solidFill>
+              </a:ln>
+            </a:endParaRPr>
+          </a:p>
+        </p:txBody>
+      </p:sp>
+      <p:sp>
+        <p:nvSpPr>
+          <p:cNvPr id="73" name="Rectangle 72">
+            <a:extLst>
+              <a:ext uri="{FF2B5EF4-FFF2-40B4-BE49-F238E27FC236}">
+                <a16:creationId xmlns:a16="http://schemas.microsoft.com/office/drawing/2014/main" id="{8FCE5711-CC11-D317-E740-42BA4D144989}"/>
               </a:ext>
             </a:extLst>
           </p:cNvPr>
@@ -3533,18 +4225,22 @@
         </p:nvSpPr>
         <p:spPr>
           <a:xfrm>
-            <a:off x="97660" y="1182578"/>
-            <a:ext cx="2825681" cy="3497617"/>
+            <a:off x="6604833" y="3128127"/>
+            <a:ext cx="1407696" cy="914400"/>
           </a:xfrm>
           <a:prstGeom prst="rect">
             <a:avLst/>
           </a:prstGeom>
           <a:solidFill>
-            <a:schemeClr val="tx2">
-              <a:lumMod val="20000"/>
-              <a:lumOff val="80000"/>
+            <a:schemeClr val="bg1">
+              <a:lumMod val="65000"/>
             </a:schemeClr>
           </a:solidFill>
+          <a:ln w="57150">
+            <a:solidFill>
+              <a:schemeClr val="tx1"/>
+            </a:solidFill>
+          </a:ln>
         </p:spPr>
         <p:style>
           <a:lnRef idx="2">
@@ -3567,16 +4263,22 @@
           <a:lstStyle/>
           <a:p>
             <a:pPr algn="ctr"/>
-            <a:endParaRPr lang="sv-SE" dirty="0"/>
-          </a:p>
-        </p:txBody>
-      </p:sp>
-      <p:sp>
-        <p:nvSpPr>
-          <p:cNvPr id="17" name="Rektangel 16">
-            <a:extLst>
-              <a:ext uri="{FF2B5EF4-FFF2-40B4-BE49-F238E27FC236}">
-                <a16:creationId xmlns:a16="http://schemas.microsoft.com/office/drawing/2014/main" id="{38270318-5230-4C79-4D0C-77C9D6238096}"/>
+            <a:endParaRPr lang="sv-SE">
+              <a:ln w="38100">
+                <a:solidFill>
+                  <a:schemeClr val="tx1"/>
+                </a:solidFill>
+              </a:ln>
+            </a:endParaRPr>
+          </a:p>
+        </p:txBody>
+      </p:sp>
+      <p:sp>
+        <p:nvSpPr>
+          <p:cNvPr id="74" name="Rectangle 73">
+            <a:extLst>
+              <a:ext uri="{FF2B5EF4-FFF2-40B4-BE49-F238E27FC236}">
+                <a16:creationId xmlns:a16="http://schemas.microsoft.com/office/drawing/2014/main" id="{F9C4D0DE-10DE-781F-41F3-7D1BE8F36663}"/>
               </a:ext>
             </a:extLst>
           </p:cNvPr>
@@ -3585,18 +4287,22 @@
         </p:nvSpPr>
         <p:spPr>
           <a:xfrm>
-            <a:off x="3071122" y="1182578"/>
-            <a:ext cx="2825681" cy="3497617"/>
+            <a:off x="6737111" y="3239672"/>
+            <a:ext cx="1407696" cy="914400"/>
           </a:xfrm>
           <a:prstGeom prst="rect">
             <a:avLst/>
           </a:prstGeom>
           <a:solidFill>
-            <a:schemeClr val="tx2">
-              <a:lumMod val="20000"/>
-              <a:lumOff val="80000"/>
+            <a:schemeClr val="bg1">
+              <a:lumMod val="65000"/>
             </a:schemeClr>
           </a:solidFill>
+          <a:ln w="57150">
+            <a:solidFill>
+              <a:schemeClr val="tx1"/>
+            </a:solidFill>
+          </a:ln>
         </p:spPr>
         <p:style>
           <a:lnRef idx="2">
@@ -3619,16 +4325,22 @@
           <a:lstStyle/>
           <a:p>
             <a:pPr algn="ctr"/>
-            <a:endParaRPr lang="sv-SE" dirty="0"/>
-          </a:p>
-        </p:txBody>
-      </p:sp>
-      <p:sp>
-        <p:nvSpPr>
-          <p:cNvPr id="18" name="Rektangel 17">
-            <a:extLst>
-              <a:ext uri="{FF2B5EF4-FFF2-40B4-BE49-F238E27FC236}">
-                <a16:creationId xmlns:a16="http://schemas.microsoft.com/office/drawing/2014/main" id="{D6DD3DA9-AE62-824E-3CE5-7434DAE57D2D}"/>
+            <a:endParaRPr lang="sv-SE">
+              <a:ln w="38100">
+                <a:solidFill>
+                  <a:schemeClr val="tx1"/>
+                </a:solidFill>
+              </a:ln>
+            </a:endParaRPr>
+          </a:p>
+        </p:txBody>
+      </p:sp>
+      <p:sp>
+        <p:nvSpPr>
+          <p:cNvPr id="75" name="Rectangle 74">
+            <a:extLst>
+              <a:ext uri="{FF2B5EF4-FFF2-40B4-BE49-F238E27FC236}">
+                <a16:creationId xmlns:a16="http://schemas.microsoft.com/office/drawing/2014/main" id="{50170DC3-54B3-5DD6-F597-A8624AE831E1}"/>
               </a:ext>
             </a:extLst>
           </p:cNvPr>
@@ -3637,18 +4349,22 @@
         </p:nvSpPr>
         <p:spPr>
           <a:xfrm>
-            <a:off x="6044584" y="1207548"/>
-            <a:ext cx="2825681" cy="3497617"/>
+            <a:off x="6853296" y="3334310"/>
+            <a:ext cx="1407696" cy="914400"/>
           </a:xfrm>
           <a:prstGeom prst="rect">
             <a:avLst/>
           </a:prstGeom>
           <a:solidFill>
-            <a:schemeClr val="tx2">
-              <a:lumMod val="20000"/>
-              <a:lumOff val="80000"/>
+            <a:schemeClr val="bg1">
+              <a:lumMod val="65000"/>
             </a:schemeClr>
           </a:solidFill>
+          <a:ln w="57150">
+            <a:solidFill>
+              <a:schemeClr val="tx1"/>
+            </a:solidFill>
+          </a:ln>
         </p:spPr>
         <p:style>
           <a:lnRef idx="2">
@@ -3671,16 +4387,22 @@
           <a:lstStyle/>
           <a:p>
             <a:pPr algn="ctr"/>
-            <a:endParaRPr lang="sv-SE" dirty="0"/>
-          </a:p>
-        </p:txBody>
-      </p:sp>
-      <p:sp>
-        <p:nvSpPr>
-          <p:cNvPr id="19" name="Rektangel 18">
-            <a:extLst>
-              <a:ext uri="{FF2B5EF4-FFF2-40B4-BE49-F238E27FC236}">
-                <a16:creationId xmlns:a16="http://schemas.microsoft.com/office/drawing/2014/main" id="{5D0F1A71-1FDB-4B01-4676-E0B4BE02585C}"/>
+            <a:endParaRPr lang="sv-SE">
+              <a:ln w="38100">
+                <a:solidFill>
+                  <a:schemeClr val="tx1"/>
+                </a:solidFill>
+              </a:ln>
+            </a:endParaRPr>
+          </a:p>
+        </p:txBody>
+      </p:sp>
+      <p:sp>
+        <p:nvSpPr>
+          <p:cNvPr id="77" name="Rectangle 76">
+            <a:extLst>
+              <a:ext uri="{FF2B5EF4-FFF2-40B4-BE49-F238E27FC236}">
+                <a16:creationId xmlns:a16="http://schemas.microsoft.com/office/drawing/2014/main" id="{608E806E-B868-0D6D-179F-5BD270096123}"/>
               </a:ext>
             </a:extLst>
           </p:cNvPr>
@@ -3689,18 +4411,22 @@
         </p:nvSpPr>
         <p:spPr>
           <a:xfrm>
-            <a:off x="9018046" y="1207548"/>
-            <a:ext cx="2825681" cy="3497617"/>
+            <a:off x="6627942" y="4732390"/>
+            <a:ext cx="1407696" cy="914400"/>
           </a:xfrm>
           <a:prstGeom prst="rect">
             <a:avLst/>
           </a:prstGeom>
           <a:solidFill>
-            <a:schemeClr val="tx2">
-              <a:lumMod val="20000"/>
-              <a:lumOff val="80000"/>
+            <a:schemeClr val="bg1">
+              <a:lumMod val="65000"/>
             </a:schemeClr>
           </a:solidFill>
+          <a:ln w="57150">
+            <a:solidFill>
+              <a:schemeClr val="tx1"/>
+            </a:solidFill>
+          </a:ln>
         </p:spPr>
         <p:style>
           <a:lnRef idx="2">
@@ -3723,16 +4449,22 @@
           <a:lstStyle/>
           <a:p>
             <a:pPr algn="ctr"/>
-            <a:endParaRPr lang="sv-SE" dirty="0"/>
-          </a:p>
-        </p:txBody>
-      </p:sp>
-      <p:sp>
-        <p:nvSpPr>
-          <p:cNvPr id="4" name="Rektangel 3">
-            <a:extLst>
-              <a:ext uri="{FF2B5EF4-FFF2-40B4-BE49-F238E27FC236}">
-                <a16:creationId xmlns:a16="http://schemas.microsoft.com/office/drawing/2014/main" id="{1C6857BC-CC77-AD9B-E2CE-0741EF23A6A3}"/>
+            <a:endParaRPr lang="sv-SE">
+              <a:ln w="38100">
+                <a:solidFill>
+                  <a:schemeClr val="tx1"/>
+                </a:solidFill>
+              </a:ln>
+            </a:endParaRPr>
+          </a:p>
+        </p:txBody>
+      </p:sp>
+      <p:sp>
+        <p:nvSpPr>
+          <p:cNvPr id="84" name="Rectangle 83">
+            <a:extLst>
+              <a:ext uri="{FF2B5EF4-FFF2-40B4-BE49-F238E27FC236}">
+                <a16:creationId xmlns:a16="http://schemas.microsoft.com/office/drawing/2014/main" id="{9BB7575C-1BC3-6EC3-48E0-BAC24AD080DF}"/>
               </a:ext>
             </a:extLst>
           </p:cNvPr>
@@ -3741,17 +4473,22 @@
         </p:nvSpPr>
         <p:spPr>
           <a:xfrm>
-            <a:off x="250928" y="1315375"/>
-            <a:ext cx="1595023" cy="313677"/>
+            <a:off x="6760220" y="4843935"/>
+            <a:ext cx="1407696" cy="914400"/>
           </a:xfrm>
           <a:prstGeom prst="rect">
             <a:avLst/>
           </a:prstGeom>
           <a:solidFill>
-            <a:schemeClr val="accent1">
-              <a:lumMod val="75000"/>
+            <a:schemeClr val="bg1">
+              <a:lumMod val="65000"/>
             </a:schemeClr>
           </a:solidFill>
+          <a:ln w="57150">
+            <a:solidFill>
+              <a:schemeClr val="tx1"/>
+            </a:solidFill>
+          </a:ln>
         </p:spPr>
         <p:style>
           <a:lnRef idx="2">
@@ -3774,19 +4511,22 @@
           <a:lstStyle/>
           <a:p>
             <a:pPr algn="ctr"/>
-            <a:r>
-              <a:rPr lang="sv-SE" dirty="0"/>
-              <a:t>HR-Enterprise</a:t>
-            </a:r>
-          </a:p>
-        </p:txBody>
-      </p:sp>
-      <p:sp>
-        <p:nvSpPr>
-          <p:cNvPr id="20" name="Rektangel 19">
-            <a:extLst>
-              <a:ext uri="{FF2B5EF4-FFF2-40B4-BE49-F238E27FC236}">
-                <a16:creationId xmlns:a16="http://schemas.microsoft.com/office/drawing/2014/main" id="{6FB591F5-C60E-78A1-3495-2145BB49276B}"/>
+            <a:endParaRPr lang="sv-SE">
+              <a:ln w="38100">
+                <a:solidFill>
+                  <a:schemeClr val="tx1"/>
+                </a:solidFill>
+              </a:ln>
+            </a:endParaRPr>
+          </a:p>
+        </p:txBody>
+      </p:sp>
+      <p:sp>
+        <p:nvSpPr>
+          <p:cNvPr id="86" name="Rectangle 85">
+            <a:extLst>
+              <a:ext uri="{FF2B5EF4-FFF2-40B4-BE49-F238E27FC236}">
+                <a16:creationId xmlns:a16="http://schemas.microsoft.com/office/drawing/2014/main" id="{B3FBA9F8-8ADC-1D9B-7E9D-BCCF8A6FA57E}"/>
               </a:ext>
             </a:extLst>
           </p:cNvPr>
@@ -3795,17 +4535,22 @@
         </p:nvSpPr>
         <p:spPr>
           <a:xfrm>
-            <a:off x="250928" y="1697481"/>
-            <a:ext cx="1595023" cy="313677"/>
+            <a:off x="6876405" y="4938573"/>
+            <a:ext cx="1407696" cy="914400"/>
           </a:xfrm>
           <a:prstGeom prst="rect">
             <a:avLst/>
           </a:prstGeom>
           <a:solidFill>
-            <a:schemeClr val="accent1">
-              <a:lumMod val="75000"/>
+            <a:schemeClr val="bg1">
+              <a:lumMod val="65000"/>
             </a:schemeClr>
           </a:solidFill>
+          <a:ln w="57150">
+            <a:solidFill>
+              <a:schemeClr val="tx1"/>
+            </a:solidFill>
+          </a:ln>
         </p:spPr>
         <p:style>
           <a:lnRef idx="2">
@@ -3828,20 +4573,139 @@
           <a:lstStyle/>
           <a:p>
             <a:pPr algn="ctr"/>
-            <a:r>
-              <a:rPr lang="sv-SE" dirty="0" err="1"/>
-              <a:t>Biz-Report</a:t>
-            </a:r>
-            <a:endParaRPr lang="sv-SE" dirty="0"/>
-          </a:p>
-        </p:txBody>
-      </p:sp>
-      <p:sp>
-        <p:nvSpPr>
-          <p:cNvPr id="21" name="Rektangel 20">
-            <a:extLst>
-              <a:ext uri="{FF2B5EF4-FFF2-40B4-BE49-F238E27FC236}">
-                <a16:creationId xmlns:a16="http://schemas.microsoft.com/office/drawing/2014/main" id="{7D351082-FCAA-6077-4FC8-AA2CA3E29F94}"/>
+            <a:endParaRPr lang="sv-SE">
+              <a:ln w="38100">
+                <a:solidFill>
+                  <a:schemeClr val="tx1"/>
+                </a:solidFill>
+              </a:ln>
+            </a:endParaRPr>
+          </a:p>
+        </p:txBody>
+      </p:sp>
+      <p:pic>
+        <p:nvPicPr>
+          <p:cNvPr id="31" name="Graphic 30">
+            <a:extLst>
+              <a:ext uri="{FF2B5EF4-FFF2-40B4-BE49-F238E27FC236}">
+                <a16:creationId xmlns:a16="http://schemas.microsoft.com/office/drawing/2014/main" id="{9B530121-6F3A-72BE-3F24-9D819C66A55C}"/>
+              </a:ext>
+            </a:extLst>
+          </p:cNvPr>
+          <p:cNvPicPr>
+            <a:picLocks noChangeAspect="1"/>
+          </p:cNvPicPr>
+          <p:nvPr/>
+        </p:nvPicPr>
+        <p:blipFill>
+          <a:blip r:embed="rId10">
+            <a:extLst>
+              <a:ext uri="{28A0092B-C50C-407E-A947-70E740481C1C}">
+                <a14:useLocalDpi xmlns:a14="http://schemas.microsoft.com/office/drawing/2010/main" val="0"/>
+              </a:ext>
+              <a:ext uri="{96DAC541-7B7A-43D3-8B79-37D633B846F1}">
+                <asvg:svgBlip xmlns:asvg="http://schemas.microsoft.com/office/drawing/2016/SVG/main" r:embed="rId11"/>
+              </a:ext>
+            </a:extLst>
+          </a:blip>
+          <a:stretch>
+            <a:fillRect/>
+          </a:stretch>
+        </p:blipFill>
+        <p:spPr>
+          <a:xfrm>
+            <a:off x="7124275" y="3445592"/>
+            <a:ext cx="778317" cy="691837"/>
+          </a:xfrm>
+          <a:prstGeom prst="rect">
+            <a:avLst/>
+          </a:prstGeom>
+        </p:spPr>
+      </p:pic>
+      <p:pic>
+        <p:nvPicPr>
+          <p:cNvPr id="33" name="Graphic 32">
+            <a:extLst>
+              <a:ext uri="{FF2B5EF4-FFF2-40B4-BE49-F238E27FC236}">
+                <a16:creationId xmlns:a16="http://schemas.microsoft.com/office/drawing/2014/main" id="{C1AE20F9-C8A9-EC27-BAD3-43F4F0A17864}"/>
+              </a:ext>
+            </a:extLst>
+          </p:cNvPr>
+          <p:cNvPicPr>
+            <a:picLocks noChangeAspect="1"/>
+          </p:cNvPicPr>
+          <p:nvPr/>
+        </p:nvPicPr>
+        <p:blipFill>
+          <a:blip r:embed="rId12">
+            <a:extLst>
+              <a:ext uri="{28A0092B-C50C-407E-A947-70E740481C1C}">
+                <a14:useLocalDpi xmlns:a14="http://schemas.microsoft.com/office/drawing/2010/main" val="0"/>
+              </a:ext>
+              <a:ext uri="{96DAC541-7B7A-43D3-8B79-37D633B846F1}">
+                <asvg:svgBlip xmlns:asvg="http://schemas.microsoft.com/office/drawing/2016/SVG/main" r:embed="rId13"/>
+              </a:ext>
+            </a:extLst>
+          </a:blip>
+          <a:stretch>
+            <a:fillRect/>
+          </a:stretch>
+        </p:blipFill>
+        <p:spPr>
+          <a:xfrm>
+            <a:off x="7247213" y="5105805"/>
+            <a:ext cx="652531" cy="652531"/>
+          </a:xfrm>
+          <a:prstGeom prst="rect">
+            <a:avLst/>
+          </a:prstGeom>
+        </p:spPr>
+      </p:pic>
+      <p:pic>
+        <p:nvPicPr>
+          <p:cNvPr id="37" name="Graphic 36">
+            <a:extLst>
+              <a:ext uri="{FF2B5EF4-FFF2-40B4-BE49-F238E27FC236}">
+                <a16:creationId xmlns:a16="http://schemas.microsoft.com/office/drawing/2014/main" id="{30158D75-43B1-5593-50F4-D1483899A4C1}"/>
+              </a:ext>
+            </a:extLst>
+          </p:cNvPr>
+          <p:cNvPicPr>
+            <a:picLocks noChangeAspect="1"/>
+          </p:cNvPicPr>
+          <p:nvPr/>
+        </p:nvPicPr>
+        <p:blipFill>
+          <a:blip r:embed="rId14">
+            <a:extLst>
+              <a:ext uri="{28A0092B-C50C-407E-A947-70E740481C1C}">
+                <a14:useLocalDpi xmlns:a14="http://schemas.microsoft.com/office/drawing/2010/main" val="0"/>
+              </a:ext>
+              <a:ext uri="{96DAC541-7B7A-43D3-8B79-37D633B846F1}">
+                <asvg:svgBlip xmlns:asvg="http://schemas.microsoft.com/office/drawing/2016/SVG/main" r:embed="rId15"/>
+              </a:ext>
+            </a:extLst>
+          </a:blip>
+          <a:stretch>
+            <a:fillRect/>
+          </a:stretch>
+        </p:blipFill>
+        <p:spPr>
+          <a:xfrm>
+            <a:off x="7072633" y="1795294"/>
+            <a:ext cx="827036" cy="945184"/>
+          </a:xfrm>
+          <a:prstGeom prst="rect">
+            <a:avLst/>
+          </a:prstGeom>
+        </p:spPr>
+      </p:pic>
+      <p:sp>
+        <p:nvSpPr>
+          <p:cNvPr id="87" name="Rectangle 86">
+            <a:extLst>
+              <a:ext uri="{FF2B5EF4-FFF2-40B4-BE49-F238E27FC236}">
+                <a16:creationId xmlns:a16="http://schemas.microsoft.com/office/drawing/2014/main" id="{804B3BF2-998E-4558-D55F-F7EB8F8C9BDB}"/>
               </a:ext>
             </a:extLst>
           </p:cNvPr>
@@ -3850,17 +4714,23 @@
         </p:nvSpPr>
         <p:spPr>
           <a:xfrm>
-            <a:off x="250927" y="2079587"/>
-            <a:ext cx="1595023" cy="313677"/>
+            <a:off x="4375744" y="1526426"/>
+            <a:ext cx="885274" cy="364195"/>
           </a:xfrm>
           <a:prstGeom prst="rect">
             <a:avLst/>
           </a:prstGeom>
           <a:solidFill>
-            <a:schemeClr val="accent1">
-              <a:lumMod val="75000"/>
+            <a:schemeClr val="accent5">
+              <a:lumMod val="40000"/>
+              <a:lumOff val="60000"/>
             </a:schemeClr>
           </a:solidFill>
+          <a:ln>
+            <a:solidFill>
+              <a:schemeClr val="tx1"/>
+            </a:solidFill>
+          </a:ln>
         </p:spPr>
         <p:style>
           <a:lnRef idx="2">
@@ -3884,18 +4754,22 @@
           <a:p>
             <a:pPr algn="ctr"/>
             <a:r>
-              <a:rPr lang="sv-SE" dirty="0"/>
-              <a:t>Project-Plan</a:t>
-            </a:r>
-          </a:p>
-        </p:txBody>
-      </p:sp>
-      <p:sp>
-        <p:nvSpPr>
-          <p:cNvPr id="22" name="Rektangel 21">
-            <a:extLst>
-              <a:ext uri="{FF2B5EF4-FFF2-40B4-BE49-F238E27FC236}">
-                <a16:creationId xmlns:a16="http://schemas.microsoft.com/office/drawing/2014/main" id="{EC53918A-14EF-80C5-8F63-1AF5E492491A}"/>
+              <a:rPr lang="sv-SE" sz="1100" dirty="0">
+                <a:solidFill>
+                  <a:schemeClr val="tx1"/>
+                </a:solidFill>
+              </a:rPr>
+              <a:t>STRATEGIC VIEWPOINT</a:t>
+            </a:r>
+          </a:p>
+        </p:txBody>
+      </p:sp>
+      <p:sp>
+        <p:nvSpPr>
+          <p:cNvPr id="97" name="Oval 96">
+            <a:extLst>
+              <a:ext uri="{FF2B5EF4-FFF2-40B4-BE49-F238E27FC236}">
+                <a16:creationId xmlns:a16="http://schemas.microsoft.com/office/drawing/2014/main" id="{4187C060-A83E-AE82-59F1-C0328893A562}"/>
               </a:ext>
             </a:extLst>
           </p:cNvPr>
@@ -3904,17 +4778,23 @@
         </p:nvSpPr>
         <p:spPr>
           <a:xfrm>
-            <a:off x="3244181" y="1315375"/>
-            <a:ext cx="1595023" cy="313677"/>
-          </a:xfrm>
-          <a:prstGeom prst="rect">
+            <a:off x="4633352" y="2008947"/>
+            <a:ext cx="370061" cy="364195"/>
+          </a:xfrm>
+          <a:prstGeom prst="ellipse">
             <a:avLst/>
           </a:prstGeom>
           <a:solidFill>
-            <a:schemeClr val="accent1">
-              <a:lumMod val="75000"/>
+            <a:schemeClr val="accent5">
+              <a:lumMod val="40000"/>
+              <a:lumOff val="60000"/>
             </a:schemeClr>
           </a:solidFill>
+          <a:ln w="57150">
+            <a:solidFill>
+              <a:schemeClr val="tx1"/>
+            </a:solidFill>
+          </a:ln>
         </p:spPr>
         <p:style>
           <a:lnRef idx="2">
@@ -3937,19 +4817,22 @@
           <a:lstStyle/>
           <a:p>
             <a:pPr algn="ctr"/>
-            <a:r>
-              <a:rPr lang="sv-SE" dirty="0"/>
-              <a:t>CAD-MAN</a:t>
-            </a:r>
-          </a:p>
-        </p:txBody>
-      </p:sp>
-      <p:sp>
-        <p:nvSpPr>
-          <p:cNvPr id="23" name="Rektangel 22">
-            <a:extLst>
-              <a:ext uri="{FF2B5EF4-FFF2-40B4-BE49-F238E27FC236}">
-                <a16:creationId xmlns:a16="http://schemas.microsoft.com/office/drawing/2014/main" id="{4AC3CDA8-8317-70F5-D78E-C3FF9A891062}"/>
+            <a:endParaRPr lang="sv-SE">
+              <a:ln w="38100">
+                <a:solidFill>
+                  <a:schemeClr val="tx1"/>
+                </a:solidFill>
+              </a:ln>
+            </a:endParaRPr>
+          </a:p>
+        </p:txBody>
+      </p:sp>
+      <p:sp>
+        <p:nvSpPr>
+          <p:cNvPr id="98" name="Rectangle 97">
+            <a:extLst>
+              <a:ext uri="{FF2B5EF4-FFF2-40B4-BE49-F238E27FC236}">
+                <a16:creationId xmlns:a16="http://schemas.microsoft.com/office/drawing/2014/main" id="{9BA13DA1-29EB-2584-82C5-DF36D2D36DDC}"/>
               </a:ext>
             </a:extLst>
           </p:cNvPr>
@@ -3958,17 +4841,23 @@
         </p:nvSpPr>
         <p:spPr>
           <a:xfrm>
-            <a:off x="3244179" y="2080880"/>
-            <a:ext cx="1595023" cy="313677"/>
+            <a:off x="4332687" y="3105765"/>
+            <a:ext cx="985218" cy="364195"/>
           </a:xfrm>
           <a:prstGeom prst="rect">
             <a:avLst/>
           </a:prstGeom>
           <a:solidFill>
-            <a:schemeClr val="accent1">
-              <a:lumMod val="75000"/>
+            <a:schemeClr val="accent5">
+              <a:lumMod val="40000"/>
+              <a:lumOff val="60000"/>
             </a:schemeClr>
           </a:solidFill>
+          <a:ln>
+            <a:solidFill>
+              <a:schemeClr val="tx1"/>
+            </a:solidFill>
+          </a:ln>
         </p:spPr>
         <p:style>
           <a:lnRef idx="2">
@@ -3992,18 +4881,33 @@
           <a:p>
             <a:pPr algn="ctr"/>
             <a:r>
-              <a:rPr lang="sv-SE" dirty="0"/>
-              <a:t>FX4-Design</a:t>
-            </a:r>
-          </a:p>
-        </p:txBody>
-      </p:sp>
-      <p:sp>
-        <p:nvSpPr>
-          <p:cNvPr id="24" name="Rektangel 23">
-            <a:extLst>
-              <a:ext uri="{FF2B5EF4-FFF2-40B4-BE49-F238E27FC236}">
-                <a16:creationId xmlns:a16="http://schemas.microsoft.com/office/drawing/2014/main" id="{5A6DF37E-1538-CC80-1112-7AC8E70A18BD}"/>
+              <a:rPr lang="sv-SE" sz="1100" dirty="0">
+                <a:solidFill>
+                  <a:schemeClr val="tx1"/>
+                </a:solidFill>
+              </a:rPr>
+              <a:t>CONTEXT</a:t>
+            </a:r>
+          </a:p>
+          <a:p>
+            <a:pPr algn="ctr"/>
+            <a:r>
+              <a:rPr lang="sv-SE" sz="1100" dirty="0">
+                <a:solidFill>
+                  <a:schemeClr val="tx1"/>
+                </a:solidFill>
+              </a:rPr>
+              <a:t>VIEWPOINT</a:t>
+            </a:r>
+          </a:p>
+        </p:txBody>
+      </p:sp>
+      <p:sp>
+        <p:nvSpPr>
+          <p:cNvPr id="99" name="Oval 98">
+            <a:extLst>
+              <a:ext uri="{FF2B5EF4-FFF2-40B4-BE49-F238E27FC236}">
+                <a16:creationId xmlns:a16="http://schemas.microsoft.com/office/drawing/2014/main" id="{F806065F-2534-F853-76EE-5F77D0724976}"/>
               </a:ext>
             </a:extLst>
           </p:cNvPr>
@@ -4012,17 +4916,23 @@
         </p:nvSpPr>
         <p:spPr>
           <a:xfrm>
-            <a:off x="6232994" y="1697481"/>
-            <a:ext cx="1595023" cy="313677"/>
-          </a:xfrm>
-          <a:prstGeom prst="rect">
+            <a:off x="4658527" y="3591219"/>
+            <a:ext cx="370061" cy="364195"/>
+          </a:xfrm>
+          <a:prstGeom prst="ellipse">
             <a:avLst/>
           </a:prstGeom>
           <a:solidFill>
-            <a:schemeClr val="accent1">
-              <a:lumMod val="75000"/>
+            <a:schemeClr val="accent5">
+              <a:lumMod val="40000"/>
+              <a:lumOff val="60000"/>
             </a:schemeClr>
           </a:solidFill>
+          <a:ln w="57150">
+            <a:solidFill>
+              <a:schemeClr val="tx1"/>
+            </a:solidFill>
+          </a:ln>
         </p:spPr>
         <p:style>
           <a:lnRef idx="2">
@@ -4045,20 +4955,22 @@
           <a:lstStyle/>
           <a:p>
             <a:pPr algn="ctr"/>
-            <a:r>
-              <a:rPr lang="sv-SE" dirty="0" err="1"/>
-              <a:t>Biz-Report</a:t>
-            </a:r>
-            <a:endParaRPr lang="sv-SE" dirty="0"/>
-          </a:p>
-        </p:txBody>
-      </p:sp>
-      <p:sp>
-        <p:nvSpPr>
-          <p:cNvPr id="25" name="Rektangel 24">
-            <a:extLst>
-              <a:ext uri="{FF2B5EF4-FFF2-40B4-BE49-F238E27FC236}">
-                <a16:creationId xmlns:a16="http://schemas.microsoft.com/office/drawing/2014/main" id="{D37BB1C6-ADD8-F025-4EA9-ED355F8BCCB9}"/>
+            <a:endParaRPr lang="sv-SE">
+              <a:ln w="38100">
+                <a:solidFill>
+                  <a:schemeClr val="tx1"/>
+                </a:solidFill>
+              </a:ln>
+            </a:endParaRPr>
+          </a:p>
+        </p:txBody>
+      </p:sp>
+      <p:sp>
+        <p:nvSpPr>
+          <p:cNvPr id="100" name="Rectangle 99">
+            <a:extLst>
+              <a:ext uri="{FF2B5EF4-FFF2-40B4-BE49-F238E27FC236}">
+                <a16:creationId xmlns:a16="http://schemas.microsoft.com/office/drawing/2014/main" id="{89C51711-82DB-60A2-907E-92EDB5A6A69D}"/>
               </a:ext>
             </a:extLst>
           </p:cNvPr>
@@ -4067,17 +4979,23 @@
         </p:nvSpPr>
         <p:spPr>
           <a:xfrm>
-            <a:off x="9175207" y="1315375"/>
-            <a:ext cx="1595023" cy="313677"/>
+            <a:off x="4326091" y="4658600"/>
+            <a:ext cx="985218" cy="364195"/>
           </a:xfrm>
           <a:prstGeom prst="rect">
             <a:avLst/>
           </a:prstGeom>
           <a:solidFill>
-            <a:schemeClr val="accent1">
-              <a:lumMod val="75000"/>
+            <a:schemeClr val="accent5">
+              <a:lumMod val="40000"/>
+              <a:lumOff val="60000"/>
             </a:schemeClr>
           </a:solidFill>
+          <a:ln>
+            <a:solidFill>
+              <a:schemeClr val="tx1"/>
+            </a:solidFill>
+          </a:ln>
         </p:spPr>
         <p:style>
           <a:lnRef idx="2">
@@ -4101,18 +5019,33 @@
           <a:p>
             <a:pPr algn="ctr"/>
             <a:r>
-              <a:rPr lang="sv-SE" dirty="0"/>
-              <a:t>CAD-MAN</a:t>
-            </a:r>
-          </a:p>
-        </p:txBody>
-      </p:sp>
-      <p:sp>
-        <p:nvSpPr>
-          <p:cNvPr id="26" name="Rektangel 25">
-            <a:extLst>
-              <a:ext uri="{FF2B5EF4-FFF2-40B4-BE49-F238E27FC236}">
-                <a16:creationId xmlns:a16="http://schemas.microsoft.com/office/drawing/2014/main" id="{1445A073-89A4-5A5C-ADF9-2E98133D643B}"/>
+              <a:rPr lang="sv-SE" sz="1100" dirty="0">
+                <a:solidFill>
+                  <a:schemeClr val="tx1"/>
+                </a:solidFill>
+              </a:rPr>
+              <a:t>PHYSICAL</a:t>
+            </a:r>
+          </a:p>
+          <a:p>
+            <a:pPr algn="ctr"/>
+            <a:r>
+              <a:rPr lang="sv-SE" sz="1100" dirty="0">
+                <a:solidFill>
+                  <a:schemeClr val="tx1"/>
+                </a:solidFill>
+              </a:rPr>
+              <a:t>VIEWPOINT</a:t>
+            </a:r>
+          </a:p>
+        </p:txBody>
+      </p:sp>
+      <p:sp>
+        <p:nvSpPr>
+          <p:cNvPr id="101" name="Oval 100">
+            <a:extLst>
+              <a:ext uri="{FF2B5EF4-FFF2-40B4-BE49-F238E27FC236}">
+                <a16:creationId xmlns:a16="http://schemas.microsoft.com/office/drawing/2014/main" id="{CA30ACE4-BFBA-C56A-E362-38D4B6B43859}"/>
               </a:ext>
             </a:extLst>
           </p:cNvPr>
@@ -4121,17 +5054,23 @@
         </p:nvSpPr>
         <p:spPr>
           <a:xfrm>
-            <a:off x="250926" y="2461693"/>
-            <a:ext cx="1595023" cy="313677"/>
-          </a:xfrm>
-          <a:prstGeom prst="rect">
+            <a:off x="4651931" y="5144054"/>
+            <a:ext cx="370061" cy="364195"/>
+          </a:xfrm>
+          <a:prstGeom prst="ellipse">
             <a:avLst/>
           </a:prstGeom>
           <a:solidFill>
-            <a:schemeClr val="accent1">
-              <a:lumMod val="75000"/>
+            <a:schemeClr val="accent5">
+              <a:lumMod val="40000"/>
+              <a:lumOff val="60000"/>
             </a:schemeClr>
           </a:solidFill>
+          <a:ln w="57150">
+            <a:solidFill>
+              <a:schemeClr val="tx1"/>
+            </a:solidFill>
+          </a:ln>
         </p:spPr>
         <p:style>
           <a:lnRef idx="2">
@@ -4154,19 +5093,22 @@
           <a:lstStyle/>
           <a:p>
             <a:pPr algn="ctr"/>
-            <a:r>
-              <a:rPr lang="sv-SE" dirty="0"/>
-              <a:t>Collabor8</a:t>
-            </a:r>
-          </a:p>
-        </p:txBody>
-      </p:sp>
-      <p:sp>
-        <p:nvSpPr>
-          <p:cNvPr id="27" name="Rektangel 26">
-            <a:extLst>
-              <a:ext uri="{FF2B5EF4-FFF2-40B4-BE49-F238E27FC236}">
-                <a16:creationId xmlns:a16="http://schemas.microsoft.com/office/drawing/2014/main" id="{9FB178B0-B183-88CD-97BE-1D523586A71B}"/>
+            <a:endParaRPr lang="sv-SE">
+              <a:ln w="38100">
+                <a:solidFill>
+                  <a:schemeClr val="tx1"/>
+                </a:solidFill>
+              </a:ln>
+            </a:endParaRPr>
+          </a:p>
+        </p:txBody>
+      </p:sp>
+      <p:sp>
+        <p:nvSpPr>
+          <p:cNvPr id="104" name="Rectangle 103">
+            <a:extLst>
+              <a:ext uri="{FF2B5EF4-FFF2-40B4-BE49-F238E27FC236}">
+                <a16:creationId xmlns:a16="http://schemas.microsoft.com/office/drawing/2014/main" id="{1954DE6D-D72C-7420-4BB3-81A7111FE728}"/>
               </a:ext>
             </a:extLst>
           </p:cNvPr>
@@ -4175,17 +5117,22 @@
         </p:nvSpPr>
         <p:spPr>
           <a:xfrm>
-            <a:off x="3244179" y="2461692"/>
-            <a:ext cx="1595023" cy="313677"/>
+            <a:off x="6588871" y="4458310"/>
+            <a:ext cx="1506571" cy="195369"/>
           </a:xfrm>
           <a:prstGeom prst="rect">
             <a:avLst/>
           </a:prstGeom>
           <a:solidFill>
-            <a:schemeClr val="accent1">
-              <a:lumMod val="75000"/>
+            <a:schemeClr val="bg1">
+              <a:lumMod val="50000"/>
             </a:schemeClr>
           </a:solidFill>
+          <a:ln>
+            <a:solidFill>
+              <a:schemeClr val="tx1"/>
+            </a:solidFill>
+          </a:ln>
         </p:spPr>
         <p:style>
           <a:lnRef idx="2">
@@ -4209,18 +5156,18 @@
           <a:p>
             <a:pPr algn="ctr"/>
             <a:r>
-              <a:rPr lang="sv-SE" dirty="0"/>
-              <a:t>Collabor8</a:t>
-            </a:r>
-          </a:p>
-        </p:txBody>
-      </p:sp>
-      <p:sp>
-        <p:nvSpPr>
-          <p:cNvPr id="28" name="Rektangel 27">
-            <a:extLst>
-              <a:ext uri="{FF2B5EF4-FFF2-40B4-BE49-F238E27FC236}">
-                <a16:creationId xmlns:a16="http://schemas.microsoft.com/office/drawing/2014/main" id="{343624E6-C57F-EB1B-54A2-83AF2CCC6C46}"/>
+              <a:rPr lang="sv-SE" sz="1100" dirty="0"/>
+              <a:t>PHYSICAL VIEWS</a:t>
+            </a:r>
+          </a:p>
+        </p:txBody>
+      </p:sp>
+      <p:sp>
+        <p:nvSpPr>
+          <p:cNvPr id="105" name="Rectangle 104">
+            <a:extLst>
+              <a:ext uri="{FF2B5EF4-FFF2-40B4-BE49-F238E27FC236}">
+                <a16:creationId xmlns:a16="http://schemas.microsoft.com/office/drawing/2014/main" id="{FF5C52C2-0DC6-771F-989E-F48AAC1D656C}"/>
               </a:ext>
             </a:extLst>
           </p:cNvPr>
@@ -4229,17 +5176,22 @@
         </p:nvSpPr>
         <p:spPr>
           <a:xfrm>
-            <a:off x="6232994" y="2461692"/>
-            <a:ext cx="1595023" cy="313677"/>
+            <a:off x="6570500" y="2865884"/>
+            <a:ext cx="1506571" cy="195369"/>
           </a:xfrm>
           <a:prstGeom prst="rect">
             <a:avLst/>
           </a:prstGeom>
           <a:solidFill>
-            <a:schemeClr val="accent1">
-              <a:lumMod val="75000"/>
+            <a:schemeClr val="bg1">
+              <a:lumMod val="50000"/>
             </a:schemeClr>
           </a:solidFill>
+          <a:ln>
+            <a:solidFill>
+              <a:schemeClr val="tx1"/>
+            </a:solidFill>
+          </a:ln>
         </p:spPr>
         <p:style>
           <a:lnRef idx="2">
@@ -4263,18 +5215,18 @@
           <a:p>
             <a:pPr algn="ctr"/>
             <a:r>
-              <a:rPr lang="sv-SE" dirty="0"/>
-              <a:t>Collabor8</a:t>
-            </a:r>
-          </a:p>
-        </p:txBody>
-      </p:sp>
-      <p:sp>
-        <p:nvSpPr>
-          <p:cNvPr id="29" name="Rektangel 28">
-            <a:extLst>
-              <a:ext uri="{FF2B5EF4-FFF2-40B4-BE49-F238E27FC236}">
-                <a16:creationId xmlns:a16="http://schemas.microsoft.com/office/drawing/2014/main" id="{841D9E06-ACAB-E0F4-5C97-DDEC4395294B}"/>
+              <a:rPr lang="sv-SE" sz="1100" dirty="0"/>
+              <a:t>CONTEXT VIEWS</a:t>
+            </a:r>
+          </a:p>
+        </p:txBody>
+      </p:sp>
+      <p:sp>
+        <p:nvSpPr>
+          <p:cNvPr id="106" name="Rectangle 105">
+            <a:extLst>
+              <a:ext uri="{FF2B5EF4-FFF2-40B4-BE49-F238E27FC236}">
+                <a16:creationId xmlns:a16="http://schemas.microsoft.com/office/drawing/2014/main" id="{1255FFA4-818F-64C1-F7A6-32AA3BBE6799}"/>
               </a:ext>
             </a:extLst>
           </p:cNvPr>
@@ -4283,17 +5235,22 @@
         </p:nvSpPr>
         <p:spPr>
           <a:xfrm>
-            <a:off x="9175207" y="2446251"/>
-            <a:ext cx="1595023" cy="313677"/>
+            <a:off x="6529068" y="1357652"/>
+            <a:ext cx="1506571" cy="195369"/>
           </a:xfrm>
           <a:prstGeom prst="rect">
             <a:avLst/>
           </a:prstGeom>
           <a:solidFill>
-            <a:schemeClr val="accent1">
-              <a:lumMod val="75000"/>
+            <a:schemeClr val="bg1">
+              <a:lumMod val="50000"/>
             </a:schemeClr>
           </a:solidFill>
+          <a:ln>
+            <a:solidFill>
+              <a:schemeClr val="tx1"/>
+            </a:solidFill>
+          </a:ln>
         </p:spPr>
         <p:style>
           <a:lnRef idx="2">
@@ -4317,357 +5274,426 @@
           <a:p>
             <a:pPr algn="ctr"/>
             <a:r>
-              <a:rPr lang="sv-SE" dirty="0"/>
-              <a:t>Collabor8</a:t>
-            </a:r>
-          </a:p>
-        </p:txBody>
-      </p:sp>
-      <p:sp>
-        <p:nvSpPr>
-          <p:cNvPr id="30" name="Rektangel 29">
-            <a:extLst>
-              <a:ext uri="{FF2B5EF4-FFF2-40B4-BE49-F238E27FC236}">
-                <a16:creationId xmlns:a16="http://schemas.microsoft.com/office/drawing/2014/main" id="{E57180AD-8944-DD6C-0A70-1233B73191F8}"/>
-              </a:ext>
-            </a:extLst>
-          </p:cNvPr>
-          <p:cNvSpPr/>
-          <p:nvPr/>
-        </p:nvSpPr>
-        <p:spPr>
-          <a:xfrm>
-            <a:off x="6232994" y="2866350"/>
-            <a:ext cx="1595023" cy="313677"/>
-          </a:xfrm>
-          <a:prstGeom prst="rect">
-            <a:avLst/>
-          </a:prstGeom>
-          <a:solidFill>
-            <a:schemeClr val="accent1">
-              <a:lumMod val="75000"/>
-            </a:schemeClr>
-          </a:solidFill>
+              <a:rPr lang="sv-SE" sz="1100" dirty="0"/>
+              <a:t>STRATEGIC VIEWS</a:t>
+            </a:r>
+          </a:p>
+        </p:txBody>
+      </p:sp>
+      <p:cxnSp>
+        <p:nvCxnSpPr>
+          <p:cNvPr id="44" name="Straight Arrow Connector 43">
+            <a:extLst>
+              <a:ext uri="{FF2B5EF4-FFF2-40B4-BE49-F238E27FC236}">
+                <a16:creationId xmlns:a16="http://schemas.microsoft.com/office/drawing/2014/main" id="{0A321C66-582B-20D6-8526-AD6141B1968F}"/>
+              </a:ext>
+            </a:extLst>
+          </p:cNvPr>
+          <p:cNvCxnSpPr>
+            <a:cxnSpLocks/>
+          </p:cNvCxnSpPr>
+          <p:nvPr/>
+        </p:nvCxnSpPr>
+        <p:spPr>
+          <a:xfrm>
+            <a:off x="5109412" y="2201780"/>
+            <a:ext cx="1263315" cy="0"/>
+          </a:xfrm>
+          <a:prstGeom prst="straightConnector1">
+            <a:avLst/>
+          </a:prstGeom>
+          <a:ln>
+            <a:tailEnd type="triangle"/>
+          </a:ln>
         </p:spPr>
         <p:style>
-          <a:lnRef idx="2">
-            <a:schemeClr val="accent1">
-              <a:shade val="50000"/>
-            </a:schemeClr>
+          <a:lnRef idx="3">
+            <a:schemeClr val="dk1"/>
           </a:lnRef>
-          <a:fillRef idx="1">
-            <a:schemeClr val="accent1"/>
+          <a:fillRef idx="0">
+            <a:schemeClr val="dk1"/>
           </a:fillRef>
-          <a:effectRef idx="0">
-            <a:schemeClr val="accent1"/>
+          <a:effectRef idx="2">
+            <a:schemeClr val="dk1"/>
           </a:effectRef>
           <a:fontRef idx="minor">
-            <a:schemeClr val="lt1"/>
+            <a:schemeClr val="tx1"/>
           </a:fontRef>
         </p:style>
-        <p:txBody>
-          <a:bodyPr rtlCol="0" anchor="ctr"/>
-          <a:lstStyle/>
-          <a:p>
-            <a:pPr algn="ctr"/>
-            <a:r>
-              <a:rPr lang="sv-SE" dirty="0"/>
-              <a:t>Market-CRM</a:t>
-            </a:r>
-          </a:p>
-        </p:txBody>
-      </p:sp>
-      <p:sp>
-        <p:nvSpPr>
-          <p:cNvPr id="33" name="Rektangel 32">
-            <a:extLst>
-              <a:ext uri="{FF2B5EF4-FFF2-40B4-BE49-F238E27FC236}">
-                <a16:creationId xmlns:a16="http://schemas.microsoft.com/office/drawing/2014/main" id="{B9FCBBD4-A69E-39DE-4B20-AE2811AAA711}"/>
-              </a:ext>
-            </a:extLst>
-          </p:cNvPr>
-          <p:cNvSpPr/>
-          <p:nvPr/>
-        </p:nvSpPr>
-        <p:spPr>
-          <a:xfrm>
-            <a:off x="9175207" y="1697481"/>
-            <a:ext cx="1595023" cy="313677"/>
-          </a:xfrm>
-          <a:prstGeom prst="rect">
-            <a:avLst/>
-          </a:prstGeom>
-          <a:solidFill>
-            <a:schemeClr val="accent1">
-              <a:lumMod val="75000"/>
-            </a:schemeClr>
-          </a:solidFill>
+      </p:cxnSp>
+      <p:cxnSp>
+        <p:nvCxnSpPr>
+          <p:cNvPr id="107" name="Straight Arrow Connector 106">
+            <a:extLst>
+              <a:ext uri="{FF2B5EF4-FFF2-40B4-BE49-F238E27FC236}">
+                <a16:creationId xmlns:a16="http://schemas.microsoft.com/office/drawing/2014/main" id="{3A7F743D-CFFA-6FC6-6233-9533320F396B}"/>
+              </a:ext>
+            </a:extLst>
+          </p:cNvPr>
+          <p:cNvCxnSpPr>
+            <a:cxnSpLocks/>
+          </p:cNvCxnSpPr>
+          <p:nvPr/>
+        </p:nvCxnSpPr>
+        <p:spPr>
+          <a:xfrm>
+            <a:off x="5109412" y="3761875"/>
+            <a:ext cx="1263315" cy="0"/>
+          </a:xfrm>
+          <a:prstGeom prst="straightConnector1">
+            <a:avLst/>
+          </a:prstGeom>
+          <a:ln>
+            <a:tailEnd type="triangle"/>
+          </a:ln>
         </p:spPr>
         <p:style>
-          <a:lnRef idx="2">
-            <a:schemeClr val="accent1">
-              <a:shade val="50000"/>
-            </a:schemeClr>
+          <a:lnRef idx="3">
+            <a:schemeClr val="dk1"/>
           </a:lnRef>
-          <a:fillRef idx="1">
-            <a:schemeClr val="accent1"/>
+          <a:fillRef idx="0">
+            <a:schemeClr val="dk1"/>
           </a:fillRef>
-          <a:effectRef idx="0">
-            <a:schemeClr val="accent1"/>
+          <a:effectRef idx="2">
+            <a:schemeClr val="dk1"/>
           </a:effectRef>
           <a:fontRef idx="minor">
-            <a:schemeClr val="lt1"/>
+            <a:schemeClr val="tx1"/>
           </a:fontRef>
         </p:style>
-        <p:txBody>
-          <a:bodyPr rtlCol="0" anchor="ctr"/>
-          <a:lstStyle/>
-          <a:p>
-            <a:pPr algn="ctr"/>
-            <a:r>
-              <a:rPr lang="sv-SE" dirty="0" err="1"/>
-              <a:t>Biz-Report</a:t>
-            </a:r>
-            <a:endParaRPr lang="sv-SE" dirty="0"/>
-          </a:p>
-        </p:txBody>
-      </p:sp>
-      <p:sp>
-        <p:nvSpPr>
-          <p:cNvPr id="34" name="Rektangel 33">
-            <a:extLst>
-              <a:ext uri="{FF2B5EF4-FFF2-40B4-BE49-F238E27FC236}">
-                <a16:creationId xmlns:a16="http://schemas.microsoft.com/office/drawing/2014/main" id="{0808268B-C011-17BB-A2F6-8B492DB51136}"/>
-              </a:ext>
-            </a:extLst>
-          </p:cNvPr>
-          <p:cNvSpPr/>
-          <p:nvPr/>
-        </p:nvSpPr>
-        <p:spPr>
-          <a:xfrm>
-            <a:off x="250926" y="3275446"/>
-            <a:ext cx="1595023" cy="313677"/>
-          </a:xfrm>
-          <a:prstGeom prst="rect">
-            <a:avLst/>
-          </a:prstGeom>
-          <a:solidFill>
-            <a:schemeClr val="accent1">
-              <a:lumMod val="75000"/>
-            </a:schemeClr>
-          </a:solidFill>
+      </p:cxnSp>
+      <p:cxnSp>
+        <p:nvCxnSpPr>
+          <p:cNvPr id="108" name="Straight Arrow Connector 107">
+            <a:extLst>
+              <a:ext uri="{FF2B5EF4-FFF2-40B4-BE49-F238E27FC236}">
+                <a16:creationId xmlns:a16="http://schemas.microsoft.com/office/drawing/2014/main" id="{EE32D7DE-06A3-6666-FDE1-2241FA771190}"/>
+              </a:ext>
+            </a:extLst>
+          </p:cNvPr>
+          <p:cNvCxnSpPr>
+            <a:cxnSpLocks/>
+          </p:cNvCxnSpPr>
+          <p:nvPr/>
+        </p:nvCxnSpPr>
+        <p:spPr>
+          <a:xfrm>
+            <a:off x="5109412" y="5334661"/>
+            <a:ext cx="1263315" cy="0"/>
+          </a:xfrm>
+          <a:prstGeom prst="straightConnector1">
+            <a:avLst/>
+          </a:prstGeom>
+          <a:ln>
+            <a:tailEnd type="triangle"/>
+          </a:ln>
         </p:spPr>
         <p:style>
-          <a:lnRef idx="2">
-            <a:schemeClr val="accent1">
-              <a:shade val="50000"/>
-            </a:schemeClr>
+          <a:lnRef idx="3">
+            <a:schemeClr val="dk1"/>
           </a:lnRef>
-          <a:fillRef idx="1">
-            <a:schemeClr val="accent1"/>
+          <a:fillRef idx="0">
+            <a:schemeClr val="dk1"/>
           </a:fillRef>
-          <a:effectRef idx="0">
-            <a:schemeClr val="accent1"/>
+          <a:effectRef idx="2">
+            <a:schemeClr val="dk1"/>
           </a:effectRef>
           <a:fontRef idx="minor">
-            <a:schemeClr val="lt1"/>
+            <a:schemeClr val="tx1"/>
           </a:fontRef>
         </p:style>
-        <p:txBody>
-          <a:bodyPr rtlCol="0" anchor="ctr"/>
-          <a:lstStyle/>
-          <a:p>
-            <a:pPr algn="ctr"/>
-            <a:r>
-              <a:rPr lang="sv-SE" dirty="0" err="1"/>
-              <a:t>Flow</a:t>
-            </a:r>
-            <a:r>
-              <a:rPr lang="sv-SE" dirty="0"/>
-              <a:t>-ERP</a:t>
-            </a:r>
-          </a:p>
-        </p:txBody>
-      </p:sp>
-      <p:sp>
-        <p:nvSpPr>
-          <p:cNvPr id="35" name="Rektangel 34">
-            <a:extLst>
-              <a:ext uri="{FF2B5EF4-FFF2-40B4-BE49-F238E27FC236}">
-                <a16:creationId xmlns:a16="http://schemas.microsoft.com/office/drawing/2014/main" id="{5BAE7A41-7F2F-1E8D-88E5-4390D26BAA87}"/>
-              </a:ext>
-            </a:extLst>
-          </p:cNvPr>
-          <p:cNvSpPr/>
-          <p:nvPr/>
-        </p:nvSpPr>
-        <p:spPr>
-          <a:xfrm>
-            <a:off x="3243573" y="3278062"/>
-            <a:ext cx="1595023" cy="313677"/>
+      </p:cxnSp>
+      <p:sp>
+        <p:nvSpPr>
+          <p:cNvPr id="110" name="TextBox 109">
+            <a:extLst>
+              <a:ext uri="{FF2B5EF4-FFF2-40B4-BE49-F238E27FC236}">
+                <a16:creationId xmlns:a16="http://schemas.microsoft.com/office/drawing/2014/main" id="{36E1C467-A1E5-3B4C-E74D-22810B57DF2B}"/>
+              </a:ext>
+            </a:extLst>
+          </p:cNvPr>
+          <p:cNvSpPr txBox="1"/>
+          <p:nvPr/>
+        </p:nvSpPr>
+        <p:spPr>
+          <a:xfrm>
+            <a:off x="1921506" y="2381310"/>
+            <a:ext cx="1553630" cy="253916"/>
           </a:xfrm>
           <a:prstGeom prst="rect">
             <a:avLst/>
           </a:prstGeom>
-          <a:solidFill>
-            <a:schemeClr val="accent1">
-              <a:lumMod val="75000"/>
-            </a:schemeClr>
-          </a:solidFill>
+          <a:noFill/>
+        </p:spPr>
+        <p:txBody>
+          <a:bodyPr wrap="none" rtlCol="0">
+            <a:spAutoFit/>
+          </a:bodyPr>
+          <a:lstStyle/>
+          <a:p>
+            <a:r>
+              <a:rPr lang="en-IE" sz="1050" dirty="0">
+                <a:latin typeface="Century Gothic" panose="020B0502020202020204" pitchFamily="34" charset="0"/>
+              </a:rPr>
+              <a:t>Executives, CTO, CIO</a:t>
+            </a:r>
+          </a:p>
+        </p:txBody>
+      </p:sp>
+      <p:sp>
+        <p:nvSpPr>
+          <p:cNvPr id="111" name="TextBox 110">
+            <a:extLst>
+              <a:ext uri="{FF2B5EF4-FFF2-40B4-BE49-F238E27FC236}">
+                <a16:creationId xmlns:a16="http://schemas.microsoft.com/office/drawing/2014/main" id="{F1F73BFA-635F-60E0-9A1A-26461E68682E}"/>
+              </a:ext>
+            </a:extLst>
+          </p:cNvPr>
+          <p:cNvSpPr txBox="1"/>
+          <p:nvPr/>
+        </p:nvSpPr>
+        <p:spPr>
+          <a:xfrm>
+            <a:off x="1993641" y="3955413"/>
+            <a:ext cx="1479892" cy="415498"/>
+          </a:xfrm>
+          <a:prstGeom prst="rect">
+            <a:avLst/>
+          </a:prstGeom>
+          <a:noFill/>
+        </p:spPr>
+        <p:txBody>
+          <a:bodyPr wrap="none" rtlCol="0">
+            <a:spAutoFit/>
+          </a:bodyPr>
+          <a:lstStyle/>
+          <a:p>
+            <a:r>
+              <a:rPr lang="en-IE" sz="1050" dirty="0">
+                <a:latin typeface="Century Gothic" panose="020B0502020202020204" pitchFamily="34" charset="0"/>
+              </a:rPr>
+              <a:t>Product owners, UX,</a:t>
+            </a:r>
+            <a:br>
+              <a:rPr lang="en-IE" sz="1050" dirty="0">
+                <a:latin typeface="Century Gothic" panose="020B0502020202020204" pitchFamily="34" charset="0"/>
+              </a:rPr>
+            </a:br>
+            <a:r>
+              <a:rPr lang="en-IE" sz="1050" dirty="0">
+                <a:latin typeface="Century Gothic" panose="020B0502020202020204" pitchFamily="34" charset="0"/>
+              </a:rPr>
+              <a:t>developers</a:t>
+            </a:r>
+          </a:p>
+        </p:txBody>
+      </p:sp>
+      <p:sp>
+        <p:nvSpPr>
+          <p:cNvPr id="112" name="TextBox 111">
+            <a:extLst>
+              <a:ext uri="{FF2B5EF4-FFF2-40B4-BE49-F238E27FC236}">
+                <a16:creationId xmlns:a16="http://schemas.microsoft.com/office/drawing/2014/main" id="{0D84B995-7780-5A33-E0A4-92953A899714}"/>
+              </a:ext>
+            </a:extLst>
+          </p:cNvPr>
+          <p:cNvSpPr txBox="1"/>
+          <p:nvPr/>
+        </p:nvSpPr>
+        <p:spPr>
+          <a:xfrm>
+            <a:off x="1993641" y="5613157"/>
+            <a:ext cx="1475084" cy="253916"/>
+          </a:xfrm>
+          <a:prstGeom prst="rect">
+            <a:avLst/>
+          </a:prstGeom>
+          <a:noFill/>
+        </p:spPr>
+        <p:txBody>
+          <a:bodyPr wrap="none" rtlCol="0">
+            <a:spAutoFit/>
+          </a:bodyPr>
+          <a:lstStyle/>
+          <a:p>
+            <a:r>
+              <a:rPr lang="en-IE" sz="1050" dirty="0">
+                <a:latin typeface="Century Gothic" panose="020B0502020202020204" pitchFamily="34" charset="0"/>
+              </a:rPr>
+              <a:t>Operations, security</a:t>
+            </a:r>
+          </a:p>
+        </p:txBody>
+      </p:sp>
+      <p:pic>
+        <p:nvPicPr>
+          <p:cNvPr id="53" name="Graphic 52">
+            <a:extLst>
+              <a:ext uri="{FF2B5EF4-FFF2-40B4-BE49-F238E27FC236}">
+                <a16:creationId xmlns:a16="http://schemas.microsoft.com/office/drawing/2014/main" id="{ACB7207D-D5DB-83B0-1A05-91CDCE1ABADD}"/>
+              </a:ext>
+            </a:extLst>
+          </p:cNvPr>
+          <p:cNvPicPr>
+            <a:picLocks noChangeAspect="1"/>
+          </p:cNvPicPr>
+          <p:nvPr/>
+        </p:nvPicPr>
+        <p:blipFill>
+          <a:blip r:embed="rId16">
+            <a:extLst>
+              <a:ext uri="{28A0092B-C50C-407E-A947-70E740481C1C}">
+                <a14:useLocalDpi xmlns:a14="http://schemas.microsoft.com/office/drawing/2010/main" val="0"/>
+              </a:ext>
+              <a:ext uri="{96DAC541-7B7A-43D3-8B79-37D633B846F1}">
+                <asvg:svgBlip xmlns:asvg="http://schemas.microsoft.com/office/drawing/2016/SVG/main" r:embed="rId17"/>
+              </a:ext>
+            </a:extLst>
+          </a:blip>
+          <a:stretch>
+            <a:fillRect/>
+          </a:stretch>
+        </p:blipFill>
+        <p:spPr>
+          <a:xfrm>
+            <a:off x="2942620" y="3238057"/>
+            <a:ext cx="415498" cy="415498"/>
+          </a:xfrm>
+          <a:prstGeom prst="rect">
+            <a:avLst/>
+          </a:prstGeom>
+        </p:spPr>
+      </p:pic>
+      <p:cxnSp>
+        <p:nvCxnSpPr>
+          <p:cNvPr id="113" name="Straight Arrow Connector 112">
+            <a:extLst>
+              <a:ext uri="{FF2B5EF4-FFF2-40B4-BE49-F238E27FC236}">
+                <a16:creationId xmlns:a16="http://schemas.microsoft.com/office/drawing/2014/main" id="{4EC8BFB4-E3D2-D145-530A-67A5C51E9E9C}"/>
+              </a:ext>
+            </a:extLst>
+          </p:cNvPr>
+          <p:cNvCxnSpPr>
+            <a:cxnSpLocks/>
+          </p:cNvCxnSpPr>
+          <p:nvPr/>
+        </p:nvCxnSpPr>
+        <p:spPr>
+          <a:xfrm flipV="1">
+            <a:off x="3629527" y="2184632"/>
+            <a:ext cx="913717" cy="4009"/>
+          </a:xfrm>
+          <a:prstGeom prst="straightConnector1">
+            <a:avLst/>
+          </a:prstGeom>
+          <a:ln>
+            <a:tailEnd type="triangle"/>
+          </a:ln>
         </p:spPr>
         <p:style>
-          <a:lnRef idx="2">
-            <a:schemeClr val="accent1">
-              <a:shade val="50000"/>
-            </a:schemeClr>
+          <a:lnRef idx="3">
+            <a:schemeClr val="dk1"/>
           </a:lnRef>
-          <a:fillRef idx="1">
-            <a:schemeClr val="accent1"/>
+          <a:fillRef idx="0">
+            <a:schemeClr val="dk1"/>
           </a:fillRef>
-          <a:effectRef idx="0">
-            <a:schemeClr val="accent1"/>
+          <a:effectRef idx="2">
+            <a:schemeClr val="dk1"/>
           </a:effectRef>
           <a:fontRef idx="minor">
-            <a:schemeClr val="lt1"/>
+            <a:schemeClr val="tx1"/>
           </a:fontRef>
         </p:style>
-        <p:txBody>
-          <a:bodyPr rtlCol="0" anchor="ctr"/>
-          <a:lstStyle/>
-          <a:p>
-            <a:pPr algn="ctr"/>
-            <a:r>
-              <a:rPr lang="sv-SE" dirty="0" err="1"/>
-              <a:t>Flow</a:t>
-            </a:r>
-            <a:r>
-              <a:rPr lang="sv-SE" dirty="0"/>
-              <a:t>-ERP</a:t>
-            </a:r>
-          </a:p>
-        </p:txBody>
-      </p:sp>
-      <p:sp>
-        <p:nvSpPr>
-          <p:cNvPr id="36" name="Rektangel 35">
-            <a:extLst>
-              <a:ext uri="{FF2B5EF4-FFF2-40B4-BE49-F238E27FC236}">
-                <a16:creationId xmlns:a16="http://schemas.microsoft.com/office/drawing/2014/main" id="{44C029D3-91F8-6B08-CA8F-7A6E44DC6CD7}"/>
-              </a:ext>
-            </a:extLst>
-          </p:cNvPr>
-          <p:cNvSpPr/>
-          <p:nvPr/>
-        </p:nvSpPr>
-        <p:spPr>
-          <a:xfrm>
-            <a:off x="6232993" y="3278062"/>
-            <a:ext cx="1595023" cy="313677"/>
-          </a:xfrm>
-          <a:prstGeom prst="rect">
-            <a:avLst/>
-          </a:prstGeom>
-          <a:solidFill>
-            <a:schemeClr val="accent1">
-              <a:lumMod val="75000"/>
-            </a:schemeClr>
-          </a:solidFill>
+      </p:cxnSp>
+      <p:cxnSp>
+        <p:nvCxnSpPr>
+          <p:cNvPr id="114" name="Straight Arrow Connector 113">
+            <a:extLst>
+              <a:ext uri="{FF2B5EF4-FFF2-40B4-BE49-F238E27FC236}">
+                <a16:creationId xmlns:a16="http://schemas.microsoft.com/office/drawing/2014/main" id="{C9326F96-076F-D97F-53F4-1D79DF2BC80C}"/>
+              </a:ext>
+            </a:extLst>
+          </p:cNvPr>
+          <p:cNvCxnSpPr>
+            <a:cxnSpLocks/>
+          </p:cNvCxnSpPr>
+          <p:nvPr/>
+        </p:nvCxnSpPr>
+        <p:spPr>
+          <a:xfrm flipV="1">
+            <a:off x="3624564" y="3783546"/>
+            <a:ext cx="913717" cy="4009"/>
+          </a:xfrm>
+          <a:prstGeom prst="straightConnector1">
+            <a:avLst/>
+          </a:prstGeom>
+          <a:ln>
+            <a:tailEnd type="triangle"/>
+          </a:ln>
         </p:spPr>
         <p:style>
-          <a:lnRef idx="2">
-            <a:schemeClr val="accent1">
-              <a:shade val="50000"/>
-            </a:schemeClr>
+          <a:lnRef idx="3">
+            <a:schemeClr val="dk1"/>
           </a:lnRef>
-          <a:fillRef idx="1">
-            <a:schemeClr val="accent1"/>
+          <a:fillRef idx="0">
+            <a:schemeClr val="dk1"/>
           </a:fillRef>
-          <a:effectRef idx="0">
-            <a:schemeClr val="accent1"/>
+          <a:effectRef idx="2">
+            <a:schemeClr val="dk1"/>
           </a:effectRef>
           <a:fontRef idx="minor">
-            <a:schemeClr val="lt1"/>
+            <a:schemeClr val="tx1"/>
           </a:fontRef>
         </p:style>
-        <p:txBody>
-          <a:bodyPr rtlCol="0" anchor="ctr"/>
-          <a:lstStyle/>
-          <a:p>
-            <a:pPr algn="ctr"/>
-            <a:r>
-              <a:rPr lang="sv-SE" dirty="0" err="1"/>
-              <a:t>Flow</a:t>
-            </a:r>
-            <a:r>
-              <a:rPr lang="sv-SE" dirty="0"/>
-              <a:t>-ERP</a:t>
-            </a:r>
-          </a:p>
-        </p:txBody>
-      </p:sp>
-      <p:sp>
-        <p:nvSpPr>
-          <p:cNvPr id="37" name="Rektangel 36">
-            <a:extLst>
-              <a:ext uri="{FF2B5EF4-FFF2-40B4-BE49-F238E27FC236}">
-                <a16:creationId xmlns:a16="http://schemas.microsoft.com/office/drawing/2014/main" id="{D839CF8B-DDBE-971A-73B9-822781EFA64D}"/>
-              </a:ext>
-            </a:extLst>
-          </p:cNvPr>
-          <p:cNvSpPr/>
-          <p:nvPr/>
-        </p:nvSpPr>
-        <p:spPr>
-          <a:xfrm>
-            <a:off x="9167945" y="3283605"/>
-            <a:ext cx="1595023" cy="313677"/>
-          </a:xfrm>
-          <a:prstGeom prst="rect">
-            <a:avLst/>
-          </a:prstGeom>
-          <a:solidFill>
-            <a:schemeClr val="accent1">
-              <a:lumMod val="75000"/>
-            </a:schemeClr>
-          </a:solidFill>
+      </p:cxnSp>
+      <p:cxnSp>
+        <p:nvCxnSpPr>
+          <p:cNvPr id="115" name="Straight Arrow Connector 114">
+            <a:extLst>
+              <a:ext uri="{FF2B5EF4-FFF2-40B4-BE49-F238E27FC236}">
+                <a16:creationId xmlns:a16="http://schemas.microsoft.com/office/drawing/2014/main" id="{3C0D2D43-3C2C-D533-C603-C3056BC08F75}"/>
+              </a:ext>
+            </a:extLst>
+          </p:cNvPr>
+          <p:cNvCxnSpPr>
+            <a:cxnSpLocks/>
+          </p:cNvCxnSpPr>
+          <p:nvPr/>
+        </p:nvCxnSpPr>
+        <p:spPr>
+          <a:xfrm flipV="1">
+            <a:off x="3626113" y="5380494"/>
+            <a:ext cx="913717" cy="4009"/>
+          </a:xfrm>
+          <a:prstGeom prst="straightConnector1">
+            <a:avLst/>
+          </a:prstGeom>
+          <a:ln>
+            <a:tailEnd type="triangle"/>
+          </a:ln>
         </p:spPr>
         <p:style>
-          <a:lnRef idx="2">
-            <a:schemeClr val="accent1">
-              <a:shade val="50000"/>
-            </a:schemeClr>
+          <a:lnRef idx="3">
+            <a:schemeClr val="dk1"/>
           </a:lnRef>
-          <a:fillRef idx="1">
-            <a:schemeClr val="accent1"/>
+          <a:fillRef idx="0">
+            <a:schemeClr val="dk1"/>
           </a:fillRef>
-          <a:effectRef idx="0">
-            <a:schemeClr val="accent1"/>
+          <a:effectRef idx="2">
+            <a:schemeClr val="dk1"/>
           </a:effectRef>
           <a:fontRef idx="minor">
-            <a:schemeClr val="lt1"/>
+            <a:schemeClr val="tx1"/>
           </a:fontRef>
         </p:style>
-        <p:txBody>
-          <a:bodyPr rtlCol="0" anchor="ctr"/>
-          <a:lstStyle/>
-          <a:p>
-            <a:pPr algn="ctr"/>
-            <a:r>
-              <a:rPr lang="sv-SE" dirty="0" err="1"/>
-              <a:t>Flow</a:t>
-            </a:r>
-            <a:r>
-              <a:rPr lang="sv-SE" dirty="0"/>
-              <a:t>-ERP</a:t>
-            </a:r>
-          </a:p>
-        </p:txBody>
-      </p:sp>
+      </p:cxnSp>
     </p:spTree>
+    <p:custDataLst>
+      <p:tags r:id="rId1"/>
+    </p:custDataLst>
     <p:extLst>
       <p:ext uri="{BB962C8B-B14F-4D97-AF65-F5344CB8AC3E}">
-        <p14:creationId xmlns:p14="http://schemas.microsoft.com/office/powerpoint/2010/main" val="2920758134"/>
+        <p14:creationId xmlns:p14="http://schemas.microsoft.com/office/powerpoint/2010/main" val="1585033006"/>
       </p:ext>
     </p:extLst>
   </p:cSld>
@@ -4696,1115 +5722,78 @@
       </p:grpSpPr>
       <p:sp>
         <p:nvSpPr>
-          <p:cNvPr id="4" name="Rektangel 3">
-            <a:extLst>
-              <a:ext uri="{FF2B5EF4-FFF2-40B4-BE49-F238E27FC236}">
-                <a16:creationId xmlns:a16="http://schemas.microsoft.com/office/drawing/2014/main" id="{1C6857BC-CC77-AD9B-E2CE-0741EF23A6A3}"/>
-              </a:ext>
-            </a:extLst>
-          </p:cNvPr>
-          <p:cNvSpPr/>
-          <p:nvPr/>
-        </p:nvSpPr>
-        <p:spPr>
-          <a:xfrm>
-            <a:off x="3689543" y="1540643"/>
-            <a:ext cx="1595023" cy="313677"/>
+          <p:cNvPr id="2" name="Slide Number Placeholder 1">
+            <a:extLst>
+              <a:ext uri="{FF2B5EF4-FFF2-40B4-BE49-F238E27FC236}">
+                <a16:creationId xmlns:a16="http://schemas.microsoft.com/office/drawing/2014/main" id="{A5065B2C-541D-F7CF-CDED-DEFD6D3CFC60}"/>
+              </a:ext>
+            </a:extLst>
+          </p:cNvPr>
+          <p:cNvSpPr>
+            <a:spLocks noGrp="1"/>
+          </p:cNvSpPr>
+          <p:nvPr>
+            <p:ph type="sldNum" sz="quarter" idx="12"/>
+          </p:nvPr>
+        </p:nvSpPr>
+        <p:spPr/>
+        <p:txBody>
+          <a:bodyPr/>
+          <a:lstStyle/>
+          <a:p>
+            <a:fld id="{675CBC34-D68A-417C-A62D-60993CEB5261}" type="slidenum">
+              <a:rPr lang="en-US" smtClean="0"/>
+              <a:t>2</a:t>
+            </a:fld>
+            <a:endParaRPr lang="en-US"/>
+          </a:p>
+        </p:txBody>
+      </p:sp>
+      <p:pic>
+        <p:nvPicPr>
+          <p:cNvPr id="3" name="Picture 2">
+            <a:extLst>
+              <a:ext uri="{FF2B5EF4-FFF2-40B4-BE49-F238E27FC236}">
+                <a16:creationId xmlns:a16="http://schemas.microsoft.com/office/drawing/2014/main" id="{67CD1F22-A30D-4DF3-5221-8C2D35B95F7B}"/>
+              </a:ext>
+            </a:extLst>
+          </p:cNvPr>
+          <p:cNvPicPr>
+            <a:picLocks noChangeAspect="1"/>
+          </p:cNvPicPr>
+          <p:nvPr/>
+        </p:nvPicPr>
+        <p:blipFill>
+          <a:blip r:embed="rId2">
+            <a:extLst>
+              <a:ext uri="{28A0092B-C50C-407E-A947-70E740481C1C}">
+                <a14:useLocalDpi xmlns:a14="http://schemas.microsoft.com/office/drawing/2010/main" val="0"/>
+              </a:ext>
+            </a:extLst>
+          </a:blip>
+          <a:srcRect/>
+          <a:stretch>
+            <a:fillRect/>
+          </a:stretch>
+        </p:blipFill>
+        <p:spPr bwMode="auto">
+          <a:xfrm>
+            <a:off x="3124200" y="1820545"/>
+            <a:ext cx="5943600" cy="3216910"/>
           </a:xfrm>
           <a:prstGeom prst="rect">
             <a:avLst/>
           </a:prstGeom>
-          <a:solidFill>
-            <a:schemeClr val="accent1">
-              <a:lumMod val="75000"/>
-            </a:schemeClr>
-          </a:solidFill>
-        </p:spPr>
-        <p:style>
-          <a:lnRef idx="2">
-            <a:schemeClr val="accent1">
-              <a:shade val="50000"/>
-            </a:schemeClr>
-          </a:lnRef>
-          <a:fillRef idx="1">
-            <a:schemeClr val="accent1"/>
-          </a:fillRef>
-          <a:effectRef idx="0">
-            <a:schemeClr val="accent1"/>
-          </a:effectRef>
-          <a:fontRef idx="minor">
-            <a:schemeClr val="lt1"/>
-          </a:fontRef>
-        </p:style>
-        <p:txBody>
-          <a:bodyPr rtlCol="0" anchor="ctr"/>
-          <a:lstStyle/>
-          <a:p>
-            <a:pPr algn="ctr"/>
-            <a:r>
-              <a:rPr lang="sv-SE" dirty="0"/>
-              <a:t>HR-Enterprise</a:t>
-            </a:r>
-          </a:p>
-        </p:txBody>
-      </p:sp>
-      <p:sp>
-        <p:nvSpPr>
-          <p:cNvPr id="21" name="Rektangel 20">
-            <a:extLst>
-              <a:ext uri="{FF2B5EF4-FFF2-40B4-BE49-F238E27FC236}">
-                <a16:creationId xmlns:a16="http://schemas.microsoft.com/office/drawing/2014/main" id="{7D351082-FCAA-6077-4FC8-AA2CA3E29F94}"/>
-              </a:ext>
-            </a:extLst>
-          </p:cNvPr>
-          <p:cNvSpPr/>
-          <p:nvPr/>
-        </p:nvSpPr>
-        <p:spPr>
-          <a:xfrm>
-            <a:off x="250925" y="1543781"/>
-            <a:ext cx="1595023" cy="313677"/>
-          </a:xfrm>
-          <a:prstGeom prst="rect">
-            <a:avLst/>
-          </a:prstGeom>
-          <a:solidFill>
-            <a:schemeClr val="accent1">
-              <a:lumMod val="75000"/>
-            </a:schemeClr>
-          </a:solidFill>
-        </p:spPr>
-        <p:style>
-          <a:lnRef idx="2">
-            <a:schemeClr val="accent1">
-              <a:shade val="50000"/>
-            </a:schemeClr>
-          </a:lnRef>
-          <a:fillRef idx="1">
-            <a:schemeClr val="accent1"/>
-          </a:fillRef>
-          <a:effectRef idx="0">
-            <a:schemeClr val="accent1"/>
-          </a:effectRef>
-          <a:fontRef idx="minor">
-            <a:schemeClr val="lt1"/>
-          </a:fontRef>
-        </p:style>
-        <p:txBody>
-          <a:bodyPr rtlCol="0" anchor="ctr"/>
-          <a:lstStyle/>
-          <a:p>
-            <a:pPr algn="ctr"/>
-            <a:r>
-              <a:rPr lang="sv-SE" dirty="0"/>
-              <a:t>Project-Plan</a:t>
-            </a:r>
-          </a:p>
-        </p:txBody>
-      </p:sp>
-      <p:sp>
-        <p:nvSpPr>
-          <p:cNvPr id="22" name="Rektangel 21">
-            <a:extLst>
-              <a:ext uri="{FF2B5EF4-FFF2-40B4-BE49-F238E27FC236}">
-                <a16:creationId xmlns:a16="http://schemas.microsoft.com/office/drawing/2014/main" id="{EC53918A-14EF-80C5-8F63-1AF5E492491A}"/>
-              </a:ext>
-            </a:extLst>
-          </p:cNvPr>
-          <p:cNvSpPr/>
-          <p:nvPr/>
-        </p:nvSpPr>
-        <p:spPr>
-          <a:xfrm>
-            <a:off x="1992430" y="3965952"/>
-            <a:ext cx="1595023" cy="313677"/>
-          </a:xfrm>
-          <a:prstGeom prst="rect">
-            <a:avLst/>
-          </a:prstGeom>
-          <a:solidFill>
-            <a:schemeClr val="accent1">
-              <a:lumMod val="75000"/>
-            </a:schemeClr>
-          </a:solidFill>
-        </p:spPr>
-        <p:style>
-          <a:lnRef idx="2">
-            <a:schemeClr val="accent1">
-              <a:shade val="50000"/>
-            </a:schemeClr>
-          </a:lnRef>
-          <a:fillRef idx="1">
-            <a:schemeClr val="accent1"/>
-          </a:fillRef>
-          <a:effectRef idx="0">
-            <a:schemeClr val="accent1"/>
-          </a:effectRef>
-          <a:fontRef idx="minor">
-            <a:schemeClr val="lt1"/>
-          </a:fontRef>
-        </p:style>
-        <p:txBody>
-          <a:bodyPr rtlCol="0" anchor="ctr"/>
-          <a:lstStyle/>
-          <a:p>
-            <a:pPr algn="ctr"/>
-            <a:r>
-              <a:rPr lang="sv-SE" dirty="0"/>
-              <a:t>CAD-MAN</a:t>
-            </a:r>
-          </a:p>
-        </p:txBody>
-      </p:sp>
-      <p:sp>
-        <p:nvSpPr>
-          <p:cNvPr id="23" name="Rektangel 22">
-            <a:extLst>
-              <a:ext uri="{FF2B5EF4-FFF2-40B4-BE49-F238E27FC236}">
-                <a16:creationId xmlns:a16="http://schemas.microsoft.com/office/drawing/2014/main" id="{4AC3CDA8-8317-70F5-D78E-C3FF9A891062}"/>
-              </a:ext>
-            </a:extLst>
-          </p:cNvPr>
-          <p:cNvSpPr/>
-          <p:nvPr/>
-        </p:nvSpPr>
-        <p:spPr>
-          <a:xfrm>
-            <a:off x="250925" y="3965952"/>
-            <a:ext cx="1595023" cy="313677"/>
-          </a:xfrm>
-          <a:prstGeom prst="rect">
-            <a:avLst/>
-          </a:prstGeom>
-          <a:solidFill>
-            <a:schemeClr val="accent1">
-              <a:lumMod val="75000"/>
-            </a:schemeClr>
-          </a:solidFill>
-        </p:spPr>
-        <p:style>
-          <a:lnRef idx="2">
-            <a:schemeClr val="accent1">
-              <a:shade val="50000"/>
-            </a:schemeClr>
-          </a:lnRef>
-          <a:fillRef idx="1">
-            <a:schemeClr val="accent1"/>
-          </a:fillRef>
-          <a:effectRef idx="0">
-            <a:schemeClr val="accent1"/>
-          </a:effectRef>
-          <a:fontRef idx="minor">
-            <a:schemeClr val="lt1"/>
-          </a:fontRef>
-        </p:style>
-        <p:txBody>
-          <a:bodyPr rtlCol="0" anchor="ctr"/>
-          <a:lstStyle/>
-          <a:p>
-            <a:pPr algn="ctr"/>
-            <a:r>
-              <a:rPr lang="sv-SE" dirty="0"/>
-              <a:t>FX4-Design</a:t>
-            </a:r>
-          </a:p>
-        </p:txBody>
-      </p:sp>
-      <p:sp>
-        <p:nvSpPr>
-          <p:cNvPr id="24" name="Rektangel 23">
-            <a:extLst>
-              <a:ext uri="{FF2B5EF4-FFF2-40B4-BE49-F238E27FC236}">
-                <a16:creationId xmlns:a16="http://schemas.microsoft.com/office/drawing/2014/main" id="{5A6DF37E-1538-CC80-1112-7AC8E70A18BD}"/>
-              </a:ext>
-            </a:extLst>
-          </p:cNvPr>
-          <p:cNvSpPr/>
-          <p:nvPr/>
-        </p:nvSpPr>
-        <p:spPr>
-          <a:xfrm>
-            <a:off x="250926" y="393566"/>
-            <a:ext cx="7437136" cy="313677"/>
-          </a:xfrm>
-          <a:prstGeom prst="rect">
-            <a:avLst/>
-          </a:prstGeom>
-          <a:solidFill>
-            <a:schemeClr val="accent1">
-              <a:lumMod val="75000"/>
-            </a:schemeClr>
-          </a:solidFill>
-        </p:spPr>
-        <p:style>
-          <a:lnRef idx="2">
-            <a:schemeClr val="accent1">
-              <a:shade val="50000"/>
-            </a:schemeClr>
-          </a:lnRef>
-          <a:fillRef idx="1">
-            <a:schemeClr val="accent1"/>
-          </a:fillRef>
-          <a:effectRef idx="0">
-            <a:schemeClr val="accent1"/>
-          </a:effectRef>
-          <a:fontRef idx="minor">
-            <a:schemeClr val="lt1"/>
-          </a:fontRef>
-        </p:style>
-        <p:txBody>
-          <a:bodyPr rtlCol="0" anchor="ctr"/>
-          <a:lstStyle/>
-          <a:p>
-            <a:pPr algn="ctr"/>
-            <a:r>
-              <a:rPr lang="sv-SE" dirty="0" err="1"/>
-              <a:t>Biz-Report</a:t>
-            </a:r>
-            <a:endParaRPr lang="sv-SE" dirty="0"/>
-          </a:p>
-        </p:txBody>
-      </p:sp>
-      <p:sp>
-        <p:nvSpPr>
-          <p:cNvPr id="26" name="Rektangel 25">
-            <a:extLst>
-              <a:ext uri="{FF2B5EF4-FFF2-40B4-BE49-F238E27FC236}">
-                <a16:creationId xmlns:a16="http://schemas.microsoft.com/office/drawing/2014/main" id="{1445A073-89A4-5A5C-ADF9-2E98133D643B}"/>
-              </a:ext>
-            </a:extLst>
-          </p:cNvPr>
-          <p:cNvSpPr/>
-          <p:nvPr/>
-        </p:nvSpPr>
-        <p:spPr>
-          <a:xfrm>
-            <a:off x="250926" y="5003680"/>
-            <a:ext cx="7437134" cy="313677"/>
-          </a:xfrm>
-          <a:prstGeom prst="rect">
-            <a:avLst/>
-          </a:prstGeom>
-          <a:solidFill>
-            <a:schemeClr val="accent1">
-              <a:lumMod val="75000"/>
-            </a:schemeClr>
-          </a:solidFill>
-        </p:spPr>
-        <p:style>
-          <a:lnRef idx="2">
-            <a:schemeClr val="accent1">
-              <a:shade val="50000"/>
-            </a:schemeClr>
-          </a:lnRef>
-          <a:fillRef idx="1">
-            <a:schemeClr val="accent1"/>
-          </a:fillRef>
-          <a:effectRef idx="0">
-            <a:schemeClr val="accent1"/>
-          </a:effectRef>
-          <a:fontRef idx="minor">
-            <a:schemeClr val="lt1"/>
-          </a:fontRef>
-        </p:style>
-        <p:txBody>
-          <a:bodyPr rtlCol="0" anchor="ctr"/>
-          <a:lstStyle/>
-          <a:p>
-            <a:pPr algn="ctr"/>
-            <a:r>
-              <a:rPr lang="sv-SE" dirty="0"/>
-              <a:t>Collabor8</a:t>
-            </a:r>
-          </a:p>
-        </p:txBody>
-      </p:sp>
-      <p:sp>
-        <p:nvSpPr>
-          <p:cNvPr id="30" name="Rektangel 29">
-            <a:extLst>
-              <a:ext uri="{FF2B5EF4-FFF2-40B4-BE49-F238E27FC236}">
-                <a16:creationId xmlns:a16="http://schemas.microsoft.com/office/drawing/2014/main" id="{E57180AD-8944-DD6C-0A70-1233B73191F8}"/>
-              </a:ext>
-            </a:extLst>
-          </p:cNvPr>
-          <p:cNvSpPr/>
-          <p:nvPr/>
-        </p:nvSpPr>
-        <p:spPr>
-          <a:xfrm>
-            <a:off x="1992430" y="1540642"/>
-            <a:ext cx="1595023" cy="313677"/>
-          </a:xfrm>
-          <a:prstGeom prst="rect">
-            <a:avLst/>
-          </a:prstGeom>
-          <a:solidFill>
-            <a:schemeClr val="accent1">
-              <a:lumMod val="75000"/>
-            </a:schemeClr>
-          </a:solidFill>
-        </p:spPr>
-        <p:style>
-          <a:lnRef idx="2">
-            <a:schemeClr val="accent1">
-              <a:shade val="50000"/>
-            </a:schemeClr>
-          </a:lnRef>
-          <a:fillRef idx="1">
-            <a:schemeClr val="accent1"/>
-          </a:fillRef>
-          <a:effectRef idx="0">
-            <a:schemeClr val="accent1"/>
-          </a:effectRef>
-          <a:fontRef idx="minor">
-            <a:schemeClr val="lt1"/>
-          </a:fontRef>
-        </p:style>
-        <p:txBody>
-          <a:bodyPr rtlCol="0" anchor="ctr"/>
-          <a:lstStyle/>
-          <a:p>
-            <a:pPr algn="ctr"/>
-            <a:r>
-              <a:rPr lang="sv-SE" dirty="0"/>
-              <a:t>Market-CRM</a:t>
-            </a:r>
-          </a:p>
-        </p:txBody>
-      </p:sp>
-      <p:sp>
-        <p:nvSpPr>
-          <p:cNvPr id="34" name="Rektangel 33">
-            <a:extLst>
-              <a:ext uri="{FF2B5EF4-FFF2-40B4-BE49-F238E27FC236}">
-                <a16:creationId xmlns:a16="http://schemas.microsoft.com/office/drawing/2014/main" id="{0808268B-C011-17BB-A2F6-8B492DB51136}"/>
-              </a:ext>
-            </a:extLst>
-          </p:cNvPr>
-          <p:cNvSpPr/>
-          <p:nvPr/>
-        </p:nvSpPr>
-        <p:spPr>
-          <a:xfrm>
-            <a:off x="1992431" y="2801645"/>
-            <a:ext cx="5695631" cy="313677"/>
-          </a:xfrm>
-          <a:prstGeom prst="rect">
-            <a:avLst/>
-          </a:prstGeom>
-          <a:solidFill>
-            <a:schemeClr val="accent1">
-              <a:lumMod val="75000"/>
-            </a:schemeClr>
-          </a:solidFill>
-        </p:spPr>
-        <p:style>
-          <a:lnRef idx="2">
-            <a:schemeClr val="accent1">
-              <a:shade val="50000"/>
-            </a:schemeClr>
-          </a:lnRef>
-          <a:fillRef idx="1">
-            <a:schemeClr val="accent1"/>
-          </a:fillRef>
-          <a:effectRef idx="0">
-            <a:schemeClr val="accent1"/>
-          </a:effectRef>
-          <a:fontRef idx="minor">
-            <a:schemeClr val="lt1"/>
-          </a:fontRef>
-        </p:style>
-        <p:txBody>
-          <a:bodyPr rtlCol="0" anchor="ctr"/>
-          <a:lstStyle/>
-          <a:p>
-            <a:pPr algn="ctr"/>
-            <a:r>
-              <a:rPr lang="sv-SE" dirty="0" err="1"/>
-              <a:t>Flow</a:t>
-            </a:r>
-            <a:r>
-              <a:rPr lang="sv-SE" dirty="0"/>
-              <a:t>-ERP</a:t>
-            </a:r>
-          </a:p>
-        </p:txBody>
-      </p:sp>
-      <p:cxnSp>
-        <p:nvCxnSpPr>
-          <p:cNvPr id="6" name="Rak pilkoppling 5">
-            <a:extLst>
-              <a:ext uri="{FF2B5EF4-FFF2-40B4-BE49-F238E27FC236}">
-                <a16:creationId xmlns:a16="http://schemas.microsoft.com/office/drawing/2014/main" id="{4B5D6605-3965-7BF8-5DCB-2ED81381A6A5}"/>
-              </a:ext>
-            </a:extLst>
-          </p:cNvPr>
-          <p:cNvCxnSpPr>
-            <a:stCxn id="23" idx="2"/>
-          </p:cNvCxnSpPr>
-          <p:nvPr/>
-        </p:nvCxnSpPr>
-        <p:spPr>
-          <a:xfrm>
-            <a:off x="1048437" y="4279629"/>
-            <a:ext cx="0" cy="724051"/>
-          </a:xfrm>
-          <a:prstGeom prst="straightConnector1">
-            <a:avLst/>
-          </a:prstGeom>
+          <a:noFill/>
           <a:ln>
-            <a:tailEnd type="triangle"/>
+            <a:noFill/>
           </a:ln>
         </p:spPr>
-        <p:style>
-          <a:lnRef idx="1">
-            <a:schemeClr val="accent1"/>
-          </a:lnRef>
-          <a:fillRef idx="0">
-            <a:schemeClr val="accent1"/>
-          </a:fillRef>
-          <a:effectRef idx="0">
-            <a:schemeClr val="accent1"/>
-          </a:effectRef>
-          <a:fontRef idx="minor">
-            <a:schemeClr val="tx1"/>
-          </a:fontRef>
-        </p:style>
-      </p:cxnSp>
-      <p:sp>
-        <p:nvSpPr>
-          <p:cNvPr id="8" name="textruta 7">
-            <a:extLst>
-              <a:ext uri="{FF2B5EF4-FFF2-40B4-BE49-F238E27FC236}">
-                <a16:creationId xmlns:a16="http://schemas.microsoft.com/office/drawing/2014/main" id="{26FC4038-677C-7DE3-42E6-F5FBD0B050AD}"/>
-              </a:ext>
-            </a:extLst>
-          </p:cNvPr>
-          <p:cNvSpPr txBox="1"/>
-          <p:nvPr/>
-        </p:nvSpPr>
-        <p:spPr>
-          <a:xfrm>
-            <a:off x="1048436" y="4470703"/>
-            <a:ext cx="609462" cy="430887"/>
-          </a:xfrm>
-          <a:prstGeom prst="rect">
-            <a:avLst/>
-          </a:prstGeom>
-          <a:noFill/>
-        </p:spPr>
-        <p:txBody>
-          <a:bodyPr wrap="none" rtlCol="0">
-            <a:spAutoFit/>
-          </a:bodyPr>
-          <a:lstStyle/>
-          <a:p>
-            <a:r>
-              <a:rPr lang="sv-SE" sz="1100" dirty="0"/>
-              <a:t>Visual </a:t>
-            </a:r>
-          </a:p>
-          <a:p>
-            <a:r>
-              <a:rPr lang="sv-SE" sz="1100" dirty="0"/>
-              <a:t>designs</a:t>
-            </a:r>
-          </a:p>
-        </p:txBody>
-      </p:sp>
-      <p:cxnSp>
-        <p:nvCxnSpPr>
-          <p:cNvPr id="9" name="Rak pilkoppling 8">
-            <a:extLst>
-              <a:ext uri="{FF2B5EF4-FFF2-40B4-BE49-F238E27FC236}">
-                <a16:creationId xmlns:a16="http://schemas.microsoft.com/office/drawing/2014/main" id="{C4471820-0B21-34F4-5B3D-E586466CE3B4}"/>
-              </a:ext>
-            </a:extLst>
-          </p:cNvPr>
-          <p:cNvCxnSpPr/>
-          <p:nvPr/>
-        </p:nvCxnSpPr>
-        <p:spPr>
-          <a:xfrm>
-            <a:off x="2701163" y="4279629"/>
-            <a:ext cx="0" cy="724051"/>
-          </a:xfrm>
-          <a:prstGeom prst="straightConnector1">
-            <a:avLst/>
-          </a:prstGeom>
-          <a:ln>
-            <a:tailEnd type="triangle"/>
-          </a:ln>
-        </p:spPr>
-        <p:style>
-          <a:lnRef idx="1">
-            <a:schemeClr val="accent1"/>
-          </a:lnRef>
-          <a:fillRef idx="0">
-            <a:schemeClr val="accent1"/>
-          </a:fillRef>
-          <a:effectRef idx="0">
-            <a:schemeClr val="accent1"/>
-          </a:effectRef>
-          <a:fontRef idx="minor">
-            <a:schemeClr val="tx1"/>
-          </a:fontRef>
-        </p:style>
-      </p:cxnSp>
-      <p:sp>
-        <p:nvSpPr>
-          <p:cNvPr id="10" name="textruta 9">
-            <a:extLst>
-              <a:ext uri="{FF2B5EF4-FFF2-40B4-BE49-F238E27FC236}">
-                <a16:creationId xmlns:a16="http://schemas.microsoft.com/office/drawing/2014/main" id="{B0029849-A8E4-153D-04A3-B78DC3ABDCB6}"/>
-              </a:ext>
-            </a:extLst>
-          </p:cNvPr>
-          <p:cNvSpPr txBox="1"/>
-          <p:nvPr/>
-        </p:nvSpPr>
-        <p:spPr>
-          <a:xfrm>
-            <a:off x="2701163" y="4426211"/>
-            <a:ext cx="721672" cy="430887"/>
-          </a:xfrm>
-          <a:prstGeom prst="rect">
-            <a:avLst/>
-          </a:prstGeom>
-          <a:noFill/>
-        </p:spPr>
-        <p:txBody>
-          <a:bodyPr wrap="none" rtlCol="0">
-            <a:spAutoFit/>
-          </a:bodyPr>
-          <a:lstStyle/>
-          <a:p>
-            <a:r>
-              <a:rPr lang="sv-SE" sz="1100" dirty="0" err="1"/>
-              <a:t>Technical</a:t>
-            </a:r>
-            <a:endParaRPr lang="sv-SE" sz="1100" dirty="0"/>
-          </a:p>
-          <a:p>
-            <a:r>
-              <a:rPr lang="sv-SE" sz="1100" dirty="0"/>
-              <a:t> designs</a:t>
-            </a:r>
-          </a:p>
-        </p:txBody>
-      </p:sp>
-      <p:cxnSp>
-        <p:nvCxnSpPr>
-          <p:cNvPr id="12" name="Rak pilkoppling 11">
-            <a:extLst>
-              <a:ext uri="{FF2B5EF4-FFF2-40B4-BE49-F238E27FC236}">
-                <a16:creationId xmlns:a16="http://schemas.microsoft.com/office/drawing/2014/main" id="{D283A7A4-99BF-F4CA-5B3C-3BE5DCE0A185}"/>
-              </a:ext>
-            </a:extLst>
-          </p:cNvPr>
-          <p:cNvCxnSpPr>
-            <a:cxnSpLocks/>
-            <a:stCxn id="21" idx="0"/>
-          </p:cNvCxnSpPr>
-          <p:nvPr/>
-        </p:nvCxnSpPr>
-        <p:spPr>
-          <a:xfrm flipH="1" flipV="1">
-            <a:off x="1048436" y="774896"/>
-            <a:ext cx="1" cy="768885"/>
-          </a:xfrm>
-          <a:prstGeom prst="straightConnector1">
-            <a:avLst/>
-          </a:prstGeom>
-          <a:ln>
-            <a:tailEnd type="triangle"/>
-          </a:ln>
-        </p:spPr>
-        <p:style>
-          <a:lnRef idx="1">
-            <a:schemeClr val="accent1"/>
-          </a:lnRef>
-          <a:fillRef idx="0">
-            <a:schemeClr val="accent1"/>
-          </a:fillRef>
-          <a:effectRef idx="0">
-            <a:schemeClr val="accent1"/>
-          </a:effectRef>
-          <a:fontRef idx="minor">
-            <a:schemeClr val="tx1"/>
-          </a:fontRef>
-        </p:style>
-      </p:cxnSp>
-      <p:sp>
-        <p:nvSpPr>
-          <p:cNvPr id="31" name="textruta 30">
-            <a:extLst>
-              <a:ext uri="{FF2B5EF4-FFF2-40B4-BE49-F238E27FC236}">
-                <a16:creationId xmlns:a16="http://schemas.microsoft.com/office/drawing/2014/main" id="{5C5F5136-CF1E-1D9F-F01F-6C9C819EED18}"/>
-              </a:ext>
-            </a:extLst>
-          </p:cNvPr>
-          <p:cNvSpPr txBox="1"/>
-          <p:nvPr/>
-        </p:nvSpPr>
-        <p:spPr>
-          <a:xfrm>
-            <a:off x="1060934" y="943894"/>
-            <a:ext cx="590226" cy="430887"/>
-          </a:xfrm>
-          <a:prstGeom prst="rect">
-            <a:avLst/>
-          </a:prstGeom>
-          <a:noFill/>
-        </p:spPr>
-        <p:txBody>
-          <a:bodyPr wrap="none" rtlCol="0">
-            <a:spAutoFit/>
-          </a:bodyPr>
-          <a:lstStyle/>
-          <a:p>
-            <a:r>
-              <a:rPr lang="sv-SE" sz="1100" dirty="0"/>
-              <a:t>Project</a:t>
-            </a:r>
-          </a:p>
-          <a:p>
-            <a:r>
-              <a:rPr lang="sv-SE" sz="1100" dirty="0"/>
-              <a:t>status</a:t>
-            </a:r>
-          </a:p>
-        </p:txBody>
-      </p:sp>
-      <p:cxnSp>
-        <p:nvCxnSpPr>
-          <p:cNvPr id="38" name="Rak pilkoppling 37">
-            <a:extLst>
-              <a:ext uri="{FF2B5EF4-FFF2-40B4-BE49-F238E27FC236}">
-                <a16:creationId xmlns:a16="http://schemas.microsoft.com/office/drawing/2014/main" id="{19776189-DB29-888B-514E-A1B741700971}"/>
-              </a:ext>
-            </a:extLst>
-          </p:cNvPr>
-          <p:cNvCxnSpPr>
-            <a:cxnSpLocks/>
-            <a:stCxn id="4" idx="0"/>
-          </p:cNvCxnSpPr>
-          <p:nvPr/>
-        </p:nvCxnSpPr>
-        <p:spPr>
-          <a:xfrm flipV="1">
-            <a:off x="4487055" y="782103"/>
-            <a:ext cx="0" cy="758540"/>
-          </a:xfrm>
-          <a:prstGeom prst="straightConnector1">
-            <a:avLst/>
-          </a:prstGeom>
-          <a:ln>
-            <a:tailEnd type="triangle"/>
-          </a:ln>
-        </p:spPr>
-        <p:style>
-          <a:lnRef idx="1">
-            <a:schemeClr val="accent1"/>
-          </a:lnRef>
-          <a:fillRef idx="0">
-            <a:schemeClr val="accent1"/>
-          </a:fillRef>
-          <a:effectRef idx="0">
-            <a:schemeClr val="accent1"/>
-          </a:effectRef>
-          <a:fontRef idx="minor">
-            <a:schemeClr val="tx1"/>
-          </a:fontRef>
-        </p:style>
-      </p:cxnSp>
-      <p:sp>
-        <p:nvSpPr>
-          <p:cNvPr id="40" name="textruta 39">
-            <a:extLst>
-              <a:ext uri="{FF2B5EF4-FFF2-40B4-BE49-F238E27FC236}">
-                <a16:creationId xmlns:a16="http://schemas.microsoft.com/office/drawing/2014/main" id="{F07A4D1A-0296-5D2E-B661-81D69F83C7FF}"/>
-              </a:ext>
-            </a:extLst>
-          </p:cNvPr>
-          <p:cNvSpPr txBox="1"/>
-          <p:nvPr/>
-        </p:nvSpPr>
-        <p:spPr>
-          <a:xfrm>
-            <a:off x="4487054" y="910488"/>
-            <a:ext cx="527709" cy="430887"/>
-          </a:xfrm>
-          <a:prstGeom prst="rect">
-            <a:avLst/>
-          </a:prstGeom>
-          <a:noFill/>
-        </p:spPr>
-        <p:txBody>
-          <a:bodyPr wrap="none" rtlCol="0">
-            <a:spAutoFit/>
-          </a:bodyPr>
-          <a:lstStyle/>
-          <a:p>
-            <a:r>
-              <a:rPr lang="sv-SE" sz="1100" dirty="0"/>
-              <a:t>HR</a:t>
-            </a:r>
-          </a:p>
-          <a:p>
-            <a:r>
-              <a:rPr lang="sv-SE" sz="1100" dirty="0"/>
-              <a:t>status</a:t>
-            </a:r>
-          </a:p>
-        </p:txBody>
-      </p:sp>
-      <p:cxnSp>
-        <p:nvCxnSpPr>
-          <p:cNvPr id="41" name="Rak pilkoppling 40">
-            <a:extLst>
-              <a:ext uri="{FF2B5EF4-FFF2-40B4-BE49-F238E27FC236}">
-                <a16:creationId xmlns:a16="http://schemas.microsoft.com/office/drawing/2014/main" id="{C6CACA88-7348-2692-07AA-F80D6486BC7D}"/>
-              </a:ext>
-            </a:extLst>
-          </p:cNvPr>
-          <p:cNvCxnSpPr>
-            <a:cxnSpLocks/>
-          </p:cNvCxnSpPr>
-          <p:nvPr/>
-        </p:nvCxnSpPr>
-        <p:spPr>
-          <a:xfrm flipV="1">
-            <a:off x="2804132" y="725440"/>
-            <a:ext cx="0" cy="758540"/>
-          </a:xfrm>
-          <a:prstGeom prst="straightConnector1">
-            <a:avLst/>
-          </a:prstGeom>
-          <a:ln>
-            <a:tailEnd type="triangle"/>
-          </a:ln>
-        </p:spPr>
-        <p:style>
-          <a:lnRef idx="1">
-            <a:schemeClr val="accent1"/>
-          </a:lnRef>
-          <a:fillRef idx="0">
-            <a:schemeClr val="accent1"/>
-          </a:fillRef>
-          <a:effectRef idx="0">
-            <a:schemeClr val="accent1"/>
-          </a:effectRef>
-          <a:fontRef idx="minor">
-            <a:schemeClr val="tx1"/>
-          </a:fontRef>
-        </p:style>
-      </p:cxnSp>
-      <p:sp>
-        <p:nvSpPr>
-          <p:cNvPr id="42" name="textruta 41">
-            <a:extLst>
-              <a:ext uri="{FF2B5EF4-FFF2-40B4-BE49-F238E27FC236}">
-                <a16:creationId xmlns:a16="http://schemas.microsoft.com/office/drawing/2014/main" id="{B5F82EEF-5B3C-F7CF-773C-E088C212A17D}"/>
-              </a:ext>
-            </a:extLst>
-          </p:cNvPr>
-          <p:cNvSpPr txBox="1"/>
-          <p:nvPr/>
-        </p:nvSpPr>
-        <p:spPr>
-          <a:xfrm>
-            <a:off x="2804131" y="943893"/>
-            <a:ext cx="647934" cy="261610"/>
-          </a:xfrm>
-          <a:prstGeom prst="rect">
-            <a:avLst/>
-          </a:prstGeom>
-          <a:noFill/>
-        </p:spPr>
-        <p:txBody>
-          <a:bodyPr wrap="none" rtlCol="0">
-            <a:spAutoFit/>
-          </a:bodyPr>
-          <a:lstStyle/>
-          <a:p>
-            <a:r>
-              <a:rPr lang="sv-SE" sz="1100" dirty="0"/>
-              <a:t>Prognos</a:t>
-            </a:r>
-          </a:p>
-        </p:txBody>
-      </p:sp>
-      <p:cxnSp>
-        <p:nvCxnSpPr>
-          <p:cNvPr id="45" name="Rak pilkoppling 44">
-            <a:extLst>
-              <a:ext uri="{FF2B5EF4-FFF2-40B4-BE49-F238E27FC236}">
-                <a16:creationId xmlns:a16="http://schemas.microsoft.com/office/drawing/2014/main" id="{2FE05051-7CC2-E286-E88F-F8914EE2F341}"/>
-              </a:ext>
-            </a:extLst>
-          </p:cNvPr>
-          <p:cNvCxnSpPr>
-            <a:cxnSpLocks/>
-          </p:cNvCxnSpPr>
-          <p:nvPr/>
-        </p:nvCxnSpPr>
-        <p:spPr>
-          <a:xfrm flipH="1" flipV="1">
-            <a:off x="5713652" y="782103"/>
-            <a:ext cx="1" cy="1984874"/>
-          </a:xfrm>
-          <a:prstGeom prst="straightConnector1">
-            <a:avLst/>
-          </a:prstGeom>
-          <a:ln>
-            <a:tailEnd type="triangle"/>
-          </a:ln>
-        </p:spPr>
-        <p:style>
-          <a:lnRef idx="1">
-            <a:schemeClr val="accent1"/>
-          </a:lnRef>
-          <a:fillRef idx="0">
-            <a:schemeClr val="accent1"/>
-          </a:fillRef>
-          <a:effectRef idx="0">
-            <a:schemeClr val="accent1"/>
-          </a:effectRef>
-          <a:fontRef idx="minor">
-            <a:schemeClr val="tx1"/>
-          </a:fontRef>
-        </p:style>
-      </p:cxnSp>
-      <p:sp>
-        <p:nvSpPr>
-          <p:cNvPr id="46" name="textruta 45">
-            <a:extLst>
-              <a:ext uri="{FF2B5EF4-FFF2-40B4-BE49-F238E27FC236}">
-                <a16:creationId xmlns:a16="http://schemas.microsoft.com/office/drawing/2014/main" id="{ACC80376-42FE-5846-C687-EDA5DA8CF04C}"/>
-              </a:ext>
-            </a:extLst>
-          </p:cNvPr>
-          <p:cNvSpPr txBox="1"/>
-          <p:nvPr/>
-        </p:nvSpPr>
-        <p:spPr>
-          <a:xfrm>
-            <a:off x="5698873" y="1483980"/>
-            <a:ext cx="1059906" cy="600164"/>
-          </a:xfrm>
-          <a:prstGeom prst="rect">
-            <a:avLst/>
-          </a:prstGeom>
-          <a:noFill/>
-        </p:spPr>
-        <p:txBody>
-          <a:bodyPr wrap="none" rtlCol="0">
-            <a:spAutoFit/>
-          </a:bodyPr>
-          <a:lstStyle/>
-          <a:p>
-            <a:r>
-              <a:rPr lang="sv-SE" sz="1100" dirty="0" err="1"/>
-              <a:t>Sales</a:t>
-            </a:r>
-            <a:r>
-              <a:rPr lang="sv-SE" sz="1100" dirty="0"/>
-              <a:t>,</a:t>
-            </a:r>
-          </a:p>
-          <a:p>
-            <a:r>
-              <a:rPr lang="sv-SE" sz="1100" dirty="0" err="1"/>
-              <a:t>Capacity</a:t>
-            </a:r>
-            <a:r>
-              <a:rPr lang="sv-SE" sz="1100" dirty="0"/>
-              <a:t>,</a:t>
-            </a:r>
-          </a:p>
-          <a:p>
-            <a:r>
-              <a:rPr lang="sv-SE" sz="1100" dirty="0" err="1"/>
-              <a:t>Produced</a:t>
-            </a:r>
-            <a:r>
-              <a:rPr lang="sv-SE" sz="1100" dirty="0"/>
-              <a:t> </a:t>
-            </a:r>
-            <a:r>
-              <a:rPr lang="sv-SE" sz="1100" dirty="0" err="1"/>
-              <a:t>Units</a:t>
-            </a:r>
-            <a:endParaRPr lang="sv-SE" sz="1100" dirty="0"/>
-          </a:p>
-        </p:txBody>
-      </p:sp>
-      <p:cxnSp>
-        <p:nvCxnSpPr>
-          <p:cNvPr id="48" name="Rak pilkoppling 47">
-            <a:extLst>
-              <a:ext uri="{FF2B5EF4-FFF2-40B4-BE49-F238E27FC236}">
-                <a16:creationId xmlns:a16="http://schemas.microsoft.com/office/drawing/2014/main" id="{CA1343C9-7D1D-EF9E-CD03-3B266A845845}"/>
-              </a:ext>
-            </a:extLst>
-          </p:cNvPr>
-          <p:cNvCxnSpPr>
-            <a:cxnSpLocks/>
-          </p:cNvCxnSpPr>
-          <p:nvPr/>
-        </p:nvCxnSpPr>
-        <p:spPr>
-          <a:xfrm>
-            <a:off x="2804131" y="1899011"/>
-            <a:ext cx="0" cy="902634"/>
-          </a:xfrm>
-          <a:prstGeom prst="straightConnector1">
-            <a:avLst/>
-          </a:prstGeom>
-          <a:ln>
-            <a:tailEnd type="triangle"/>
-          </a:ln>
-        </p:spPr>
-        <p:style>
-          <a:lnRef idx="1">
-            <a:schemeClr val="accent1"/>
-          </a:lnRef>
-          <a:fillRef idx="0">
-            <a:schemeClr val="accent1"/>
-          </a:fillRef>
-          <a:effectRef idx="0">
-            <a:schemeClr val="accent1"/>
-          </a:effectRef>
-          <a:fontRef idx="minor">
-            <a:schemeClr val="tx1"/>
-          </a:fontRef>
-        </p:style>
-      </p:cxnSp>
-      <p:sp>
-        <p:nvSpPr>
-          <p:cNvPr id="50" name="textruta 49">
-            <a:extLst>
-              <a:ext uri="{FF2B5EF4-FFF2-40B4-BE49-F238E27FC236}">
-                <a16:creationId xmlns:a16="http://schemas.microsoft.com/office/drawing/2014/main" id="{102661DE-5D70-B8F7-84B4-171E70B36ACF}"/>
-              </a:ext>
-            </a:extLst>
-          </p:cNvPr>
-          <p:cNvSpPr txBox="1"/>
-          <p:nvPr/>
-        </p:nvSpPr>
-        <p:spPr>
-          <a:xfrm>
-            <a:off x="2830637" y="2092281"/>
-            <a:ext cx="647934" cy="261610"/>
-          </a:xfrm>
-          <a:prstGeom prst="rect">
-            <a:avLst/>
-          </a:prstGeom>
-          <a:noFill/>
-        </p:spPr>
-        <p:txBody>
-          <a:bodyPr wrap="none" rtlCol="0">
-            <a:spAutoFit/>
-          </a:bodyPr>
-          <a:lstStyle/>
-          <a:p>
-            <a:r>
-              <a:rPr lang="sv-SE" sz="1100" dirty="0"/>
-              <a:t>Prognos</a:t>
-            </a:r>
-          </a:p>
-        </p:txBody>
-      </p:sp>
-      <p:cxnSp>
-        <p:nvCxnSpPr>
-          <p:cNvPr id="51" name="Rak pilkoppling 50">
-            <a:extLst>
-              <a:ext uri="{FF2B5EF4-FFF2-40B4-BE49-F238E27FC236}">
-                <a16:creationId xmlns:a16="http://schemas.microsoft.com/office/drawing/2014/main" id="{E72AC851-362B-25D9-C923-A73CAE1BAED4}"/>
-              </a:ext>
-            </a:extLst>
-          </p:cNvPr>
-          <p:cNvCxnSpPr>
-            <a:cxnSpLocks/>
-          </p:cNvCxnSpPr>
-          <p:nvPr/>
-        </p:nvCxnSpPr>
-        <p:spPr>
-          <a:xfrm>
-            <a:off x="5713652" y="3231573"/>
-            <a:ext cx="0" cy="1670017"/>
-          </a:xfrm>
-          <a:prstGeom prst="straightConnector1">
-            <a:avLst/>
-          </a:prstGeom>
-          <a:ln>
-            <a:headEnd type="triangle" w="med" len="med"/>
-            <a:tailEnd type="triangle" w="med" len="med"/>
-          </a:ln>
-        </p:spPr>
-        <p:style>
-          <a:lnRef idx="1">
-            <a:schemeClr val="accent1"/>
-          </a:lnRef>
-          <a:fillRef idx="0">
-            <a:schemeClr val="accent1"/>
-          </a:fillRef>
-          <a:effectRef idx="0">
-            <a:schemeClr val="accent1"/>
-          </a:effectRef>
-          <a:fontRef idx="minor">
-            <a:schemeClr val="tx1"/>
-          </a:fontRef>
-        </p:style>
-      </p:cxnSp>
-      <p:sp>
-        <p:nvSpPr>
-          <p:cNvPr id="54" name="textruta 53">
-            <a:extLst>
-              <a:ext uri="{FF2B5EF4-FFF2-40B4-BE49-F238E27FC236}">
-                <a16:creationId xmlns:a16="http://schemas.microsoft.com/office/drawing/2014/main" id="{0AA01FB3-0171-D672-BB7D-4FC4AD931336}"/>
-              </a:ext>
-            </a:extLst>
-          </p:cNvPr>
-          <p:cNvSpPr txBox="1"/>
-          <p:nvPr/>
-        </p:nvSpPr>
-        <p:spPr>
-          <a:xfrm>
-            <a:off x="5698873" y="3907346"/>
-            <a:ext cx="822661" cy="430887"/>
-          </a:xfrm>
-          <a:prstGeom prst="rect">
-            <a:avLst/>
-          </a:prstGeom>
-          <a:noFill/>
-        </p:spPr>
-        <p:txBody>
-          <a:bodyPr wrap="none" rtlCol="0">
-            <a:spAutoFit/>
-          </a:bodyPr>
-          <a:lstStyle/>
-          <a:p>
-            <a:r>
-              <a:rPr lang="sv-SE" sz="1100" dirty="0"/>
-              <a:t>Product</a:t>
-            </a:r>
-          </a:p>
-          <a:p>
-            <a:r>
-              <a:rPr lang="sv-SE" sz="1100" dirty="0" err="1"/>
-              <a:t>documents</a:t>
-            </a:r>
-            <a:endParaRPr lang="sv-SE" sz="1100" dirty="0"/>
-          </a:p>
-        </p:txBody>
-      </p:sp>
+      </p:pic>
     </p:spTree>
     <p:extLst>
       <p:ext uri="{BB962C8B-B14F-4D97-AF65-F5344CB8AC3E}">
-        <p14:creationId xmlns:p14="http://schemas.microsoft.com/office/powerpoint/2010/main" val="3936243370"/>
+        <p14:creationId xmlns:p14="http://schemas.microsoft.com/office/powerpoint/2010/main" val="1648665453"/>
       </p:ext>
     </p:extLst>
   </p:cSld>
@@ -5833,10 +5822,10 @@
       </p:grpSpPr>
       <p:sp>
         <p:nvSpPr>
-          <p:cNvPr id="24" name="Rektangel 23">
-            <a:extLst>
-              <a:ext uri="{FF2B5EF4-FFF2-40B4-BE49-F238E27FC236}">
-                <a16:creationId xmlns:a16="http://schemas.microsoft.com/office/drawing/2014/main" id="{5A6DF37E-1538-CC80-1112-7AC8E70A18BD}"/>
+          <p:cNvPr id="2" name="Rektangel 1">
+            <a:extLst>
+              <a:ext uri="{FF2B5EF4-FFF2-40B4-BE49-F238E27FC236}">
+                <a16:creationId xmlns:a16="http://schemas.microsoft.com/office/drawing/2014/main" id="{48A38CD4-8497-6C3C-9CC3-2E5C80D991BE}"/>
               </a:ext>
             </a:extLst>
           </p:cNvPr>
@@ -5845,17 +5834,12 @@
         </p:nvSpPr>
         <p:spPr>
           <a:xfrm>
-            <a:off x="5765247" y="1225228"/>
-            <a:ext cx="1840550" cy="313677"/>
+            <a:off x="97660" y="556335"/>
+            <a:ext cx="2825681" cy="557814"/>
           </a:xfrm>
           <a:prstGeom prst="rect">
             <a:avLst/>
           </a:prstGeom>
-          <a:solidFill>
-            <a:schemeClr val="accent1">
-              <a:lumMod val="75000"/>
-            </a:schemeClr>
-          </a:solidFill>
         </p:spPr>
         <p:style>
           <a:lnRef idx="2">
@@ -5879,19 +5863,18 @@
           <a:p>
             <a:pPr algn="ctr"/>
             <a:r>
-              <a:rPr lang="sv-SE" dirty="0" err="1"/>
-              <a:t>Biz-Report</a:t>
-            </a:r>
-            <a:endParaRPr lang="sv-SE" dirty="0"/>
-          </a:p>
-        </p:txBody>
-      </p:sp>
-      <p:sp>
-        <p:nvSpPr>
-          <p:cNvPr id="26" name="Rektangel 25">
-            <a:extLst>
-              <a:ext uri="{FF2B5EF4-FFF2-40B4-BE49-F238E27FC236}">
-                <a16:creationId xmlns:a16="http://schemas.microsoft.com/office/drawing/2014/main" id="{1445A073-89A4-5A5C-ADF9-2E98133D643B}"/>
+              <a:rPr lang="sv-SE" dirty="0"/>
+              <a:t>1.Plan</a:t>
+            </a:r>
+          </a:p>
+        </p:txBody>
+      </p:sp>
+      <p:sp>
+        <p:nvSpPr>
+          <p:cNvPr id="3" name="Rektangel 2">
+            <a:extLst>
+              <a:ext uri="{FF2B5EF4-FFF2-40B4-BE49-F238E27FC236}">
+                <a16:creationId xmlns:a16="http://schemas.microsoft.com/office/drawing/2014/main" id="{33777DEF-8BD6-9C98-189D-A40E9FAEEF41}"/>
               </a:ext>
             </a:extLst>
           </p:cNvPr>
@@ -5900,17 +5883,12 @@
         </p:nvSpPr>
         <p:spPr>
           <a:xfrm>
-            <a:off x="5924279" y="5257767"/>
-            <a:ext cx="1811043" cy="313677"/>
+            <a:off x="3071123" y="556335"/>
+            <a:ext cx="2825681" cy="557814"/>
           </a:xfrm>
           <a:prstGeom prst="rect">
             <a:avLst/>
           </a:prstGeom>
-          <a:solidFill>
-            <a:schemeClr val="accent1">
-              <a:lumMod val="75000"/>
-            </a:schemeClr>
-          </a:solidFill>
         </p:spPr>
         <p:style>
           <a:lnRef idx="2">
@@ -5935,17 +5913,17 @@
             <a:pPr algn="ctr"/>
             <a:r>
               <a:rPr lang="sv-SE" dirty="0"/>
-              <a:t>Collabor8</a:t>
-            </a:r>
-          </a:p>
-        </p:txBody>
-      </p:sp>
-      <p:sp>
-        <p:nvSpPr>
-          <p:cNvPr id="30" name="Rektangel 29">
-            <a:extLst>
-              <a:ext uri="{FF2B5EF4-FFF2-40B4-BE49-F238E27FC236}">
-                <a16:creationId xmlns:a16="http://schemas.microsoft.com/office/drawing/2014/main" id="{E57180AD-8944-DD6C-0A70-1233B73191F8}"/>
+              <a:t>2.Design</a:t>
+            </a:r>
+          </a:p>
+        </p:txBody>
+      </p:sp>
+      <p:sp>
+        <p:nvSpPr>
+          <p:cNvPr id="13" name="Rektangel 12">
+            <a:extLst>
+              <a:ext uri="{FF2B5EF4-FFF2-40B4-BE49-F238E27FC236}">
+                <a16:creationId xmlns:a16="http://schemas.microsoft.com/office/drawing/2014/main" id="{5536DBC5-DB4F-E7AC-D715-15C664B319C8}"/>
               </a:ext>
             </a:extLst>
           </p:cNvPr>
@@ -5954,17 +5932,12 @@
         </p:nvSpPr>
         <p:spPr>
           <a:xfrm>
-            <a:off x="2968973" y="1221046"/>
-            <a:ext cx="1595023" cy="313677"/>
+            <a:off x="6044586" y="552453"/>
+            <a:ext cx="2825681" cy="557814"/>
           </a:xfrm>
           <a:prstGeom prst="rect">
             <a:avLst/>
           </a:prstGeom>
-          <a:solidFill>
-            <a:schemeClr val="accent1">
-              <a:lumMod val="75000"/>
-            </a:schemeClr>
-          </a:solidFill>
         </p:spPr>
         <p:style>
           <a:lnRef idx="2">
@@ -5989,17 +5962,17 @@
             <a:pPr algn="ctr"/>
             <a:r>
               <a:rPr lang="sv-SE" dirty="0"/>
-              <a:t>Market-CRM</a:t>
-            </a:r>
-          </a:p>
-        </p:txBody>
-      </p:sp>
-      <p:sp>
-        <p:nvSpPr>
-          <p:cNvPr id="34" name="Rektangel 33">
-            <a:extLst>
-              <a:ext uri="{FF2B5EF4-FFF2-40B4-BE49-F238E27FC236}">
-                <a16:creationId xmlns:a16="http://schemas.microsoft.com/office/drawing/2014/main" id="{0808268B-C011-17BB-A2F6-8B492DB51136}"/>
+              <a:t>3.Market</a:t>
+            </a:r>
+          </a:p>
+        </p:txBody>
+      </p:sp>
+      <p:sp>
+        <p:nvSpPr>
+          <p:cNvPr id="14" name="Rektangel 13">
+            <a:extLst>
+              <a:ext uri="{FF2B5EF4-FFF2-40B4-BE49-F238E27FC236}">
+                <a16:creationId xmlns:a16="http://schemas.microsoft.com/office/drawing/2014/main" id="{889A6A6B-539D-3C21-89DA-FFAB929A9FEA}"/>
               </a:ext>
             </a:extLst>
           </p:cNvPr>
@@ -6008,17 +5981,12 @@
         </p:nvSpPr>
         <p:spPr>
           <a:xfrm>
-            <a:off x="2968974" y="2482049"/>
-            <a:ext cx="5695631" cy="1630759"/>
+            <a:off x="9018046" y="552453"/>
+            <a:ext cx="2825681" cy="557814"/>
           </a:xfrm>
           <a:prstGeom prst="rect">
             <a:avLst/>
           </a:prstGeom>
-          <a:solidFill>
-            <a:schemeClr val="accent1">
-              <a:lumMod val="75000"/>
-            </a:schemeClr>
-          </a:solidFill>
         </p:spPr>
         <p:style>
           <a:lnRef idx="2">
@@ -6042,6 +6010,973 @@
           <a:p>
             <a:pPr algn="ctr"/>
             <a:r>
+              <a:rPr lang="sv-SE" dirty="0"/>
+              <a:t>4.Build</a:t>
+            </a:r>
+          </a:p>
+        </p:txBody>
+      </p:sp>
+      <p:sp>
+        <p:nvSpPr>
+          <p:cNvPr id="16" name="Rektangel 15">
+            <a:extLst>
+              <a:ext uri="{FF2B5EF4-FFF2-40B4-BE49-F238E27FC236}">
+                <a16:creationId xmlns:a16="http://schemas.microsoft.com/office/drawing/2014/main" id="{E2A07095-87CB-1DD5-2292-DE5ECC8CB755}"/>
+              </a:ext>
+            </a:extLst>
+          </p:cNvPr>
+          <p:cNvSpPr/>
+          <p:nvPr/>
+        </p:nvSpPr>
+        <p:spPr>
+          <a:xfrm>
+            <a:off x="97660" y="1182578"/>
+            <a:ext cx="2825681" cy="3497617"/>
+          </a:xfrm>
+          <a:prstGeom prst="rect">
+            <a:avLst/>
+          </a:prstGeom>
+          <a:solidFill>
+            <a:schemeClr val="tx2">
+              <a:lumMod val="20000"/>
+              <a:lumOff val="80000"/>
+            </a:schemeClr>
+          </a:solidFill>
+        </p:spPr>
+        <p:style>
+          <a:lnRef idx="2">
+            <a:schemeClr val="accent1">
+              <a:shade val="50000"/>
+            </a:schemeClr>
+          </a:lnRef>
+          <a:fillRef idx="1">
+            <a:schemeClr val="accent1"/>
+          </a:fillRef>
+          <a:effectRef idx="0">
+            <a:schemeClr val="accent1"/>
+          </a:effectRef>
+          <a:fontRef idx="minor">
+            <a:schemeClr val="lt1"/>
+          </a:fontRef>
+        </p:style>
+        <p:txBody>
+          <a:bodyPr rtlCol="0" anchor="ctr"/>
+          <a:lstStyle/>
+          <a:p>
+            <a:pPr algn="ctr"/>
+            <a:endParaRPr lang="sv-SE" dirty="0"/>
+          </a:p>
+        </p:txBody>
+      </p:sp>
+      <p:sp>
+        <p:nvSpPr>
+          <p:cNvPr id="17" name="Rektangel 16">
+            <a:extLst>
+              <a:ext uri="{FF2B5EF4-FFF2-40B4-BE49-F238E27FC236}">
+                <a16:creationId xmlns:a16="http://schemas.microsoft.com/office/drawing/2014/main" id="{38270318-5230-4C79-4D0C-77C9D6238096}"/>
+              </a:ext>
+            </a:extLst>
+          </p:cNvPr>
+          <p:cNvSpPr/>
+          <p:nvPr/>
+        </p:nvSpPr>
+        <p:spPr>
+          <a:xfrm>
+            <a:off x="3071122" y="1182578"/>
+            <a:ext cx="2825681" cy="3497617"/>
+          </a:xfrm>
+          <a:prstGeom prst="rect">
+            <a:avLst/>
+          </a:prstGeom>
+          <a:solidFill>
+            <a:schemeClr val="tx2">
+              <a:lumMod val="20000"/>
+              <a:lumOff val="80000"/>
+            </a:schemeClr>
+          </a:solidFill>
+        </p:spPr>
+        <p:style>
+          <a:lnRef idx="2">
+            <a:schemeClr val="accent1">
+              <a:shade val="50000"/>
+            </a:schemeClr>
+          </a:lnRef>
+          <a:fillRef idx="1">
+            <a:schemeClr val="accent1"/>
+          </a:fillRef>
+          <a:effectRef idx="0">
+            <a:schemeClr val="accent1"/>
+          </a:effectRef>
+          <a:fontRef idx="minor">
+            <a:schemeClr val="lt1"/>
+          </a:fontRef>
+        </p:style>
+        <p:txBody>
+          <a:bodyPr rtlCol="0" anchor="ctr"/>
+          <a:lstStyle/>
+          <a:p>
+            <a:pPr algn="ctr"/>
+            <a:endParaRPr lang="sv-SE" dirty="0"/>
+          </a:p>
+        </p:txBody>
+      </p:sp>
+      <p:sp>
+        <p:nvSpPr>
+          <p:cNvPr id="18" name="Rektangel 17">
+            <a:extLst>
+              <a:ext uri="{FF2B5EF4-FFF2-40B4-BE49-F238E27FC236}">
+                <a16:creationId xmlns:a16="http://schemas.microsoft.com/office/drawing/2014/main" id="{D6DD3DA9-AE62-824E-3CE5-7434DAE57D2D}"/>
+              </a:ext>
+            </a:extLst>
+          </p:cNvPr>
+          <p:cNvSpPr/>
+          <p:nvPr/>
+        </p:nvSpPr>
+        <p:spPr>
+          <a:xfrm>
+            <a:off x="6044584" y="1207548"/>
+            <a:ext cx="2825681" cy="3497617"/>
+          </a:xfrm>
+          <a:prstGeom prst="rect">
+            <a:avLst/>
+          </a:prstGeom>
+          <a:solidFill>
+            <a:schemeClr val="tx2">
+              <a:lumMod val="20000"/>
+              <a:lumOff val="80000"/>
+            </a:schemeClr>
+          </a:solidFill>
+        </p:spPr>
+        <p:style>
+          <a:lnRef idx="2">
+            <a:schemeClr val="accent1">
+              <a:shade val="50000"/>
+            </a:schemeClr>
+          </a:lnRef>
+          <a:fillRef idx="1">
+            <a:schemeClr val="accent1"/>
+          </a:fillRef>
+          <a:effectRef idx="0">
+            <a:schemeClr val="accent1"/>
+          </a:effectRef>
+          <a:fontRef idx="minor">
+            <a:schemeClr val="lt1"/>
+          </a:fontRef>
+        </p:style>
+        <p:txBody>
+          <a:bodyPr rtlCol="0" anchor="ctr"/>
+          <a:lstStyle/>
+          <a:p>
+            <a:pPr algn="ctr"/>
+            <a:endParaRPr lang="sv-SE" dirty="0"/>
+          </a:p>
+        </p:txBody>
+      </p:sp>
+      <p:sp>
+        <p:nvSpPr>
+          <p:cNvPr id="19" name="Rektangel 18">
+            <a:extLst>
+              <a:ext uri="{FF2B5EF4-FFF2-40B4-BE49-F238E27FC236}">
+                <a16:creationId xmlns:a16="http://schemas.microsoft.com/office/drawing/2014/main" id="{5D0F1A71-1FDB-4B01-4676-E0B4BE02585C}"/>
+              </a:ext>
+            </a:extLst>
+          </p:cNvPr>
+          <p:cNvSpPr/>
+          <p:nvPr/>
+        </p:nvSpPr>
+        <p:spPr>
+          <a:xfrm>
+            <a:off x="9018046" y="1207548"/>
+            <a:ext cx="2825681" cy="3497617"/>
+          </a:xfrm>
+          <a:prstGeom prst="rect">
+            <a:avLst/>
+          </a:prstGeom>
+          <a:solidFill>
+            <a:schemeClr val="tx2">
+              <a:lumMod val="20000"/>
+              <a:lumOff val="80000"/>
+            </a:schemeClr>
+          </a:solidFill>
+        </p:spPr>
+        <p:style>
+          <a:lnRef idx="2">
+            <a:schemeClr val="accent1">
+              <a:shade val="50000"/>
+            </a:schemeClr>
+          </a:lnRef>
+          <a:fillRef idx="1">
+            <a:schemeClr val="accent1"/>
+          </a:fillRef>
+          <a:effectRef idx="0">
+            <a:schemeClr val="accent1"/>
+          </a:effectRef>
+          <a:fontRef idx="minor">
+            <a:schemeClr val="lt1"/>
+          </a:fontRef>
+        </p:style>
+        <p:txBody>
+          <a:bodyPr rtlCol="0" anchor="ctr"/>
+          <a:lstStyle/>
+          <a:p>
+            <a:pPr algn="ctr"/>
+            <a:endParaRPr lang="sv-SE" dirty="0"/>
+          </a:p>
+        </p:txBody>
+      </p:sp>
+      <p:sp>
+        <p:nvSpPr>
+          <p:cNvPr id="4" name="Rektangel 3">
+            <a:extLst>
+              <a:ext uri="{FF2B5EF4-FFF2-40B4-BE49-F238E27FC236}">
+                <a16:creationId xmlns:a16="http://schemas.microsoft.com/office/drawing/2014/main" id="{1C6857BC-CC77-AD9B-E2CE-0741EF23A6A3}"/>
+              </a:ext>
+            </a:extLst>
+          </p:cNvPr>
+          <p:cNvSpPr/>
+          <p:nvPr/>
+        </p:nvSpPr>
+        <p:spPr>
+          <a:xfrm>
+            <a:off x="250928" y="1315375"/>
+            <a:ext cx="1595023" cy="313677"/>
+          </a:xfrm>
+          <a:prstGeom prst="rect">
+            <a:avLst/>
+          </a:prstGeom>
+          <a:solidFill>
+            <a:schemeClr val="accent1">
+              <a:lumMod val="75000"/>
+            </a:schemeClr>
+          </a:solidFill>
+        </p:spPr>
+        <p:style>
+          <a:lnRef idx="2">
+            <a:schemeClr val="accent1">
+              <a:shade val="50000"/>
+            </a:schemeClr>
+          </a:lnRef>
+          <a:fillRef idx="1">
+            <a:schemeClr val="accent1"/>
+          </a:fillRef>
+          <a:effectRef idx="0">
+            <a:schemeClr val="accent1"/>
+          </a:effectRef>
+          <a:fontRef idx="minor">
+            <a:schemeClr val="lt1"/>
+          </a:fontRef>
+        </p:style>
+        <p:txBody>
+          <a:bodyPr rtlCol="0" anchor="ctr"/>
+          <a:lstStyle/>
+          <a:p>
+            <a:pPr algn="ctr"/>
+            <a:r>
+              <a:rPr lang="sv-SE" dirty="0"/>
+              <a:t>HR-Enterprise</a:t>
+            </a:r>
+          </a:p>
+        </p:txBody>
+      </p:sp>
+      <p:sp>
+        <p:nvSpPr>
+          <p:cNvPr id="20" name="Rektangel 19">
+            <a:extLst>
+              <a:ext uri="{FF2B5EF4-FFF2-40B4-BE49-F238E27FC236}">
+                <a16:creationId xmlns:a16="http://schemas.microsoft.com/office/drawing/2014/main" id="{6FB591F5-C60E-78A1-3495-2145BB49276B}"/>
+              </a:ext>
+            </a:extLst>
+          </p:cNvPr>
+          <p:cNvSpPr/>
+          <p:nvPr/>
+        </p:nvSpPr>
+        <p:spPr>
+          <a:xfrm>
+            <a:off x="250928" y="1697481"/>
+            <a:ext cx="1595023" cy="313677"/>
+          </a:xfrm>
+          <a:prstGeom prst="rect">
+            <a:avLst/>
+          </a:prstGeom>
+          <a:solidFill>
+            <a:schemeClr val="accent1">
+              <a:lumMod val="75000"/>
+            </a:schemeClr>
+          </a:solidFill>
+        </p:spPr>
+        <p:style>
+          <a:lnRef idx="2">
+            <a:schemeClr val="accent1">
+              <a:shade val="50000"/>
+            </a:schemeClr>
+          </a:lnRef>
+          <a:fillRef idx="1">
+            <a:schemeClr val="accent1"/>
+          </a:fillRef>
+          <a:effectRef idx="0">
+            <a:schemeClr val="accent1"/>
+          </a:effectRef>
+          <a:fontRef idx="minor">
+            <a:schemeClr val="lt1"/>
+          </a:fontRef>
+        </p:style>
+        <p:txBody>
+          <a:bodyPr rtlCol="0" anchor="ctr"/>
+          <a:lstStyle/>
+          <a:p>
+            <a:pPr algn="ctr"/>
+            <a:r>
+              <a:rPr lang="sv-SE" dirty="0" err="1"/>
+              <a:t>Biz-Report</a:t>
+            </a:r>
+            <a:endParaRPr lang="sv-SE" dirty="0"/>
+          </a:p>
+        </p:txBody>
+      </p:sp>
+      <p:sp>
+        <p:nvSpPr>
+          <p:cNvPr id="21" name="Rektangel 20">
+            <a:extLst>
+              <a:ext uri="{FF2B5EF4-FFF2-40B4-BE49-F238E27FC236}">
+                <a16:creationId xmlns:a16="http://schemas.microsoft.com/office/drawing/2014/main" id="{7D351082-FCAA-6077-4FC8-AA2CA3E29F94}"/>
+              </a:ext>
+            </a:extLst>
+          </p:cNvPr>
+          <p:cNvSpPr/>
+          <p:nvPr/>
+        </p:nvSpPr>
+        <p:spPr>
+          <a:xfrm>
+            <a:off x="250927" y="2079587"/>
+            <a:ext cx="1595023" cy="313677"/>
+          </a:xfrm>
+          <a:prstGeom prst="rect">
+            <a:avLst/>
+          </a:prstGeom>
+          <a:solidFill>
+            <a:schemeClr val="accent1">
+              <a:lumMod val="75000"/>
+            </a:schemeClr>
+          </a:solidFill>
+        </p:spPr>
+        <p:style>
+          <a:lnRef idx="2">
+            <a:schemeClr val="accent1">
+              <a:shade val="50000"/>
+            </a:schemeClr>
+          </a:lnRef>
+          <a:fillRef idx="1">
+            <a:schemeClr val="accent1"/>
+          </a:fillRef>
+          <a:effectRef idx="0">
+            <a:schemeClr val="accent1"/>
+          </a:effectRef>
+          <a:fontRef idx="minor">
+            <a:schemeClr val="lt1"/>
+          </a:fontRef>
+        </p:style>
+        <p:txBody>
+          <a:bodyPr rtlCol="0" anchor="ctr"/>
+          <a:lstStyle/>
+          <a:p>
+            <a:pPr algn="ctr"/>
+            <a:r>
+              <a:rPr lang="sv-SE" dirty="0"/>
+              <a:t>Project-Plan</a:t>
+            </a:r>
+          </a:p>
+        </p:txBody>
+      </p:sp>
+      <p:sp>
+        <p:nvSpPr>
+          <p:cNvPr id="22" name="Rektangel 21">
+            <a:extLst>
+              <a:ext uri="{FF2B5EF4-FFF2-40B4-BE49-F238E27FC236}">
+                <a16:creationId xmlns:a16="http://schemas.microsoft.com/office/drawing/2014/main" id="{EC53918A-14EF-80C5-8F63-1AF5E492491A}"/>
+              </a:ext>
+            </a:extLst>
+          </p:cNvPr>
+          <p:cNvSpPr/>
+          <p:nvPr/>
+        </p:nvSpPr>
+        <p:spPr>
+          <a:xfrm>
+            <a:off x="3244181" y="1315375"/>
+            <a:ext cx="1595023" cy="313677"/>
+          </a:xfrm>
+          <a:prstGeom prst="rect">
+            <a:avLst/>
+          </a:prstGeom>
+          <a:solidFill>
+            <a:schemeClr val="accent1">
+              <a:lumMod val="75000"/>
+            </a:schemeClr>
+          </a:solidFill>
+        </p:spPr>
+        <p:style>
+          <a:lnRef idx="2">
+            <a:schemeClr val="accent1">
+              <a:shade val="50000"/>
+            </a:schemeClr>
+          </a:lnRef>
+          <a:fillRef idx="1">
+            <a:schemeClr val="accent1"/>
+          </a:fillRef>
+          <a:effectRef idx="0">
+            <a:schemeClr val="accent1"/>
+          </a:effectRef>
+          <a:fontRef idx="minor">
+            <a:schemeClr val="lt1"/>
+          </a:fontRef>
+        </p:style>
+        <p:txBody>
+          <a:bodyPr rtlCol="0" anchor="ctr"/>
+          <a:lstStyle/>
+          <a:p>
+            <a:pPr algn="ctr"/>
+            <a:r>
+              <a:rPr lang="sv-SE" dirty="0"/>
+              <a:t>CAD-MAN</a:t>
+            </a:r>
+          </a:p>
+        </p:txBody>
+      </p:sp>
+      <p:sp>
+        <p:nvSpPr>
+          <p:cNvPr id="23" name="Rektangel 22">
+            <a:extLst>
+              <a:ext uri="{FF2B5EF4-FFF2-40B4-BE49-F238E27FC236}">
+                <a16:creationId xmlns:a16="http://schemas.microsoft.com/office/drawing/2014/main" id="{4AC3CDA8-8317-70F5-D78E-C3FF9A891062}"/>
+              </a:ext>
+            </a:extLst>
+          </p:cNvPr>
+          <p:cNvSpPr/>
+          <p:nvPr/>
+        </p:nvSpPr>
+        <p:spPr>
+          <a:xfrm>
+            <a:off x="3244179" y="2080880"/>
+            <a:ext cx="1595023" cy="313677"/>
+          </a:xfrm>
+          <a:prstGeom prst="rect">
+            <a:avLst/>
+          </a:prstGeom>
+          <a:solidFill>
+            <a:schemeClr val="accent1">
+              <a:lumMod val="75000"/>
+            </a:schemeClr>
+          </a:solidFill>
+        </p:spPr>
+        <p:style>
+          <a:lnRef idx="2">
+            <a:schemeClr val="accent1">
+              <a:shade val="50000"/>
+            </a:schemeClr>
+          </a:lnRef>
+          <a:fillRef idx="1">
+            <a:schemeClr val="accent1"/>
+          </a:fillRef>
+          <a:effectRef idx="0">
+            <a:schemeClr val="accent1"/>
+          </a:effectRef>
+          <a:fontRef idx="minor">
+            <a:schemeClr val="lt1"/>
+          </a:fontRef>
+        </p:style>
+        <p:txBody>
+          <a:bodyPr rtlCol="0" anchor="ctr"/>
+          <a:lstStyle/>
+          <a:p>
+            <a:pPr algn="ctr"/>
+            <a:r>
+              <a:rPr lang="sv-SE" dirty="0"/>
+              <a:t>FX4-Design</a:t>
+            </a:r>
+          </a:p>
+        </p:txBody>
+      </p:sp>
+      <p:sp>
+        <p:nvSpPr>
+          <p:cNvPr id="24" name="Rektangel 23">
+            <a:extLst>
+              <a:ext uri="{FF2B5EF4-FFF2-40B4-BE49-F238E27FC236}">
+                <a16:creationId xmlns:a16="http://schemas.microsoft.com/office/drawing/2014/main" id="{5A6DF37E-1538-CC80-1112-7AC8E70A18BD}"/>
+              </a:ext>
+            </a:extLst>
+          </p:cNvPr>
+          <p:cNvSpPr/>
+          <p:nvPr/>
+        </p:nvSpPr>
+        <p:spPr>
+          <a:xfrm>
+            <a:off x="6232994" y="1697481"/>
+            <a:ext cx="1595023" cy="313677"/>
+          </a:xfrm>
+          <a:prstGeom prst="rect">
+            <a:avLst/>
+          </a:prstGeom>
+          <a:solidFill>
+            <a:schemeClr val="accent1">
+              <a:lumMod val="75000"/>
+            </a:schemeClr>
+          </a:solidFill>
+        </p:spPr>
+        <p:style>
+          <a:lnRef idx="2">
+            <a:schemeClr val="accent1">
+              <a:shade val="50000"/>
+            </a:schemeClr>
+          </a:lnRef>
+          <a:fillRef idx="1">
+            <a:schemeClr val="accent1"/>
+          </a:fillRef>
+          <a:effectRef idx="0">
+            <a:schemeClr val="accent1"/>
+          </a:effectRef>
+          <a:fontRef idx="minor">
+            <a:schemeClr val="lt1"/>
+          </a:fontRef>
+        </p:style>
+        <p:txBody>
+          <a:bodyPr rtlCol="0" anchor="ctr"/>
+          <a:lstStyle/>
+          <a:p>
+            <a:pPr algn="ctr"/>
+            <a:r>
+              <a:rPr lang="sv-SE" dirty="0" err="1"/>
+              <a:t>Biz-Report</a:t>
+            </a:r>
+            <a:endParaRPr lang="sv-SE" dirty="0"/>
+          </a:p>
+        </p:txBody>
+      </p:sp>
+      <p:sp>
+        <p:nvSpPr>
+          <p:cNvPr id="25" name="Rektangel 24">
+            <a:extLst>
+              <a:ext uri="{FF2B5EF4-FFF2-40B4-BE49-F238E27FC236}">
+                <a16:creationId xmlns:a16="http://schemas.microsoft.com/office/drawing/2014/main" id="{D37BB1C6-ADD8-F025-4EA9-ED355F8BCCB9}"/>
+              </a:ext>
+            </a:extLst>
+          </p:cNvPr>
+          <p:cNvSpPr/>
+          <p:nvPr/>
+        </p:nvSpPr>
+        <p:spPr>
+          <a:xfrm>
+            <a:off x="9175207" y="1315375"/>
+            <a:ext cx="1595023" cy="313677"/>
+          </a:xfrm>
+          <a:prstGeom prst="rect">
+            <a:avLst/>
+          </a:prstGeom>
+          <a:solidFill>
+            <a:schemeClr val="accent1">
+              <a:lumMod val="75000"/>
+            </a:schemeClr>
+          </a:solidFill>
+        </p:spPr>
+        <p:style>
+          <a:lnRef idx="2">
+            <a:schemeClr val="accent1">
+              <a:shade val="50000"/>
+            </a:schemeClr>
+          </a:lnRef>
+          <a:fillRef idx="1">
+            <a:schemeClr val="accent1"/>
+          </a:fillRef>
+          <a:effectRef idx="0">
+            <a:schemeClr val="accent1"/>
+          </a:effectRef>
+          <a:fontRef idx="minor">
+            <a:schemeClr val="lt1"/>
+          </a:fontRef>
+        </p:style>
+        <p:txBody>
+          <a:bodyPr rtlCol="0" anchor="ctr"/>
+          <a:lstStyle/>
+          <a:p>
+            <a:pPr algn="ctr"/>
+            <a:r>
+              <a:rPr lang="sv-SE" dirty="0"/>
+              <a:t>CAD-MAN</a:t>
+            </a:r>
+          </a:p>
+        </p:txBody>
+      </p:sp>
+      <p:sp>
+        <p:nvSpPr>
+          <p:cNvPr id="26" name="Rektangel 25">
+            <a:extLst>
+              <a:ext uri="{FF2B5EF4-FFF2-40B4-BE49-F238E27FC236}">
+                <a16:creationId xmlns:a16="http://schemas.microsoft.com/office/drawing/2014/main" id="{1445A073-89A4-5A5C-ADF9-2E98133D643B}"/>
+              </a:ext>
+            </a:extLst>
+          </p:cNvPr>
+          <p:cNvSpPr/>
+          <p:nvPr/>
+        </p:nvSpPr>
+        <p:spPr>
+          <a:xfrm>
+            <a:off x="250926" y="2461693"/>
+            <a:ext cx="1595023" cy="313677"/>
+          </a:xfrm>
+          <a:prstGeom prst="rect">
+            <a:avLst/>
+          </a:prstGeom>
+          <a:solidFill>
+            <a:schemeClr val="accent1">
+              <a:lumMod val="75000"/>
+            </a:schemeClr>
+          </a:solidFill>
+        </p:spPr>
+        <p:style>
+          <a:lnRef idx="2">
+            <a:schemeClr val="accent1">
+              <a:shade val="50000"/>
+            </a:schemeClr>
+          </a:lnRef>
+          <a:fillRef idx="1">
+            <a:schemeClr val="accent1"/>
+          </a:fillRef>
+          <a:effectRef idx="0">
+            <a:schemeClr val="accent1"/>
+          </a:effectRef>
+          <a:fontRef idx="minor">
+            <a:schemeClr val="lt1"/>
+          </a:fontRef>
+        </p:style>
+        <p:txBody>
+          <a:bodyPr rtlCol="0" anchor="ctr"/>
+          <a:lstStyle/>
+          <a:p>
+            <a:pPr algn="ctr"/>
+            <a:r>
+              <a:rPr lang="sv-SE" dirty="0"/>
+              <a:t>Collabor8</a:t>
+            </a:r>
+          </a:p>
+        </p:txBody>
+      </p:sp>
+      <p:sp>
+        <p:nvSpPr>
+          <p:cNvPr id="27" name="Rektangel 26">
+            <a:extLst>
+              <a:ext uri="{FF2B5EF4-FFF2-40B4-BE49-F238E27FC236}">
+                <a16:creationId xmlns:a16="http://schemas.microsoft.com/office/drawing/2014/main" id="{9FB178B0-B183-88CD-97BE-1D523586A71B}"/>
+              </a:ext>
+            </a:extLst>
+          </p:cNvPr>
+          <p:cNvSpPr/>
+          <p:nvPr/>
+        </p:nvSpPr>
+        <p:spPr>
+          <a:xfrm>
+            <a:off x="3244179" y="2461692"/>
+            <a:ext cx="1595023" cy="313677"/>
+          </a:xfrm>
+          <a:prstGeom prst="rect">
+            <a:avLst/>
+          </a:prstGeom>
+          <a:solidFill>
+            <a:schemeClr val="accent1">
+              <a:lumMod val="75000"/>
+            </a:schemeClr>
+          </a:solidFill>
+        </p:spPr>
+        <p:style>
+          <a:lnRef idx="2">
+            <a:schemeClr val="accent1">
+              <a:shade val="50000"/>
+            </a:schemeClr>
+          </a:lnRef>
+          <a:fillRef idx="1">
+            <a:schemeClr val="accent1"/>
+          </a:fillRef>
+          <a:effectRef idx="0">
+            <a:schemeClr val="accent1"/>
+          </a:effectRef>
+          <a:fontRef idx="minor">
+            <a:schemeClr val="lt1"/>
+          </a:fontRef>
+        </p:style>
+        <p:txBody>
+          <a:bodyPr rtlCol="0" anchor="ctr"/>
+          <a:lstStyle/>
+          <a:p>
+            <a:pPr algn="ctr"/>
+            <a:r>
+              <a:rPr lang="sv-SE" dirty="0"/>
+              <a:t>Collabor8</a:t>
+            </a:r>
+          </a:p>
+        </p:txBody>
+      </p:sp>
+      <p:sp>
+        <p:nvSpPr>
+          <p:cNvPr id="28" name="Rektangel 27">
+            <a:extLst>
+              <a:ext uri="{FF2B5EF4-FFF2-40B4-BE49-F238E27FC236}">
+                <a16:creationId xmlns:a16="http://schemas.microsoft.com/office/drawing/2014/main" id="{343624E6-C57F-EB1B-54A2-83AF2CCC6C46}"/>
+              </a:ext>
+            </a:extLst>
+          </p:cNvPr>
+          <p:cNvSpPr/>
+          <p:nvPr/>
+        </p:nvSpPr>
+        <p:spPr>
+          <a:xfrm>
+            <a:off x="6232994" y="2461692"/>
+            <a:ext cx="1595023" cy="313677"/>
+          </a:xfrm>
+          <a:prstGeom prst="rect">
+            <a:avLst/>
+          </a:prstGeom>
+          <a:solidFill>
+            <a:schemeClr val="accent1">
+              <a:lumMod val="75000"/>
+            </a:schemeClr>
+          </a:solidFill>
+        </p:spPr>
+        <p:style>
+          <a:lnRef idx="2">
+            <a:schemeClr val="accent1">
+              <a:shade val="50000"/>
+            </a:schemeClr>
+          </a:lnRef>
+          <a:fillRef idx="1">
+            <a:schemeClr val="accent1"/>
+          </a:fillRef>
+          <a:effectRef idx="0">
+            <a:schemeClr val="accent1"/>
+          </a:effectRef>
+          <a:fontRef idx="minor">
+            <a:schemeClr val="lt1"/>
+          </a:fontRef>
+        </p:style>
+        <p:txBody>
+          <a:bodyPr rtlCol="0" anchor="ctr"/>
+          <a:lstStyle/>
+          <a:p>
+            <a:pPr algn="ctr"/>
+            <a:r>
+              <a:rPr lang="sv-SE" dirty="0"/>
+              <a:t>Collabor8</a:t>
+            </a:r>
+          </a:p>
+        </p:txBody>
+      </p:sp>
+      <p:sp>
+        <p:nvSpPr>
+          <p:cNvPr id="29" name="Rektangel 28">
+            <a:extLst>
+              <a:ext uri="{FF2B5EF4-FFF2-40B4-BE49-F238E27FC236}">
+                <a16:creationId xmlns:a16="http://schemas.microsoft.com/office/drawing/2014/main" id="{841D9E06-ACAB-E0F4-5C97-DDEC4395294B}"/>
+              </a:ext>
+            </a:extLst>
+          </p:cNvPr>
+          <p:cNvSpPr/>
+          <p:nvPr/>
+        </p:nvSpPr>
+        <p:spPr>
+          <a:xfrm>
+            <a:off x="9175207" y="2446251"/>
+            <a:ext cx="1595023" cy="313677"/>
+          </a:xfrm>
+          <a:prstGeom prst="rect">
+            <a:avLst/>
+          </a:prstGeom>
+          <a:solidFill>
+            <a:schemeClr val="accent1">
+              <a:lumMod val="75000"/>
+            </a:schemeClr>
+          </a:solidFill>
+        </p:spPr>
+        <p:style>
+          <a:lnRef idx="2">
+            <a:schemeClr val="accent1">
+              <a:shade val="50000"/>
+            </a:schemeClr>
+          </a:lnRef>
+          <a:fillRef idx="1">
+            <a:schemeClr val="accent1"/>
+          </a:fillRef>
+          <a:effectRef idx="0">
+            <a:schemeClr val="accent1"/>
+          </a:effectRef>
+          <a:fontRef idx="minor">
+            <a:schemeClr val="lt1"/>
+          </a:fontRef>
+        </p:style>
+        <p:txBody>
+          <a:bodyPr rtlCol="0" anchor="ctr"/>
+          <a:lstStyle/>
+          <a:p>
+            <a:pPr algn="ctr"/>
+            <a:r>
+              <a:rPr lang="sv-SE" dirty="0"/>
+              <a:t>Collabor8</a:t>
+            </a:r>
+          </a:p>
+        </p:txBody>
+      </p:sp>
+      <p:sp>
+        <p:nvSpPr>
+          <p:cNvPr id="30" name="Rektangel 29">
+            <a:extLst>
+              <a:ext uri="{FF2B5EF4-FFF2-40B4-BE49-F238E27FC236}">
+                <a16:creationId xmlns:a16="http://schemas.microsoft.com/office/drawing/2014/main" id="{E57180AD-8944-DD6C-0A70-1233B73191F8}"/>
+              </a:ext>
+            </a:extLst>
+          </p:cNvPr>
+          <p:cNvSpPr/>
+          <p:nvPr/>
+        </p:nvSpPr>
+        <p:spPr>
+          <a:xfrm>
+            <a:off x="6232994" y="2866350"/>
+            <a:ext cx="1595023" cy="313677"/>
+          </a:xfrm>
+          <a:prstGeom prst="rect">
+            <a:avLst/>
+          </a:prstGeom>
+          <a:solidFill>
+            <a:schemeClr val="accent1">
+              <a:lumMod val="75000"/>
+            </a:schemeClr>
+          </a:solidFill>
+        </p:spPr>
+        <p:style>
+          <a:lnRef idx="2">
+            <a:schemeClr val="accent1">
+              <a:shade val="50000"/>
+            </a:schemeClr>
+          </a:lnRef>
+          <a:fillRef idx="1">
+            <a:schemeClr val="accent1"/>
+          </a:fillRef>
+          <a:effectRef idx="0">
+            <a:schemeClr val="accent1"/>
+          </a:effectRef>
+          <a:fontRef idx="minor">
+            <a:schemeClr val="lt1"/>
+          </a:fontRef>
+        </p:style>
+        <p:txBody>
+          <a:bodyPr rtlCol="0" anchor="ctr"/>
+          <a:lstStyle/>
+          <a:p>
+            <a:pPr algn="ctr"/>
+            <a:r>
+              <a:rPr lang="sv-SE" dirty="0"/>
+              <a:t>Market-CRM</a:t>
+            </a:r>
+          </a:p>
+        </p:txBody>
+      </p:sp>
+      <p:sp>
+        <p:nvSpPr>
+          <p:cNvPr id="33" name="Rektangel 32">
+            <a:extLst>
+              <a:ext uri="{FF2B5EF4-FFF2-40B4-BE49-F238E27FC236}">
+                <a16:creationId xmlns:a16="http://schemas.microsoft.com/office/drawing/2014/main" id="{B9FCBBD4-A69E-39DE-4B20-AE2811AAA711}"/>
+              </a:ext>
+            </a:extLst>
+          </p:cNvPr>
+          <p:cNvSpPr/>
+          <p:nvPr/>
+        </p:nvSpPr>
+        <p:spPr>
+          <a:xfrm>
+            <a:off x="9175207" y="1697481"/>
+            <a:ext cx="1595023" cy="313677"/>
+          </a:xfrm>
+          <a:prstGeom prst="rect">
+            <a:avLst/>
+          </a:prstGeom>
+          <a:solidFill>
+            <a:schemeClr val="accent1">
+              <a:lumMod val="75000"/>
+            </a:schemeClr>
+          </a:solidFill>
+        </p:spPr>
+        <p:style>
+          <a:lnRef idx="2">
+            <a:schemeClr val="accent1">
+              <a:shade val="50000"/>
+            </a:schemeClr>
+          </a:lnRef>
+          <a:fillRef idx="1">
+            <a:schemeClr val="accent1"/>
+          </a:fillRef>
+          <a:effectRef idx="0">
+            <a:schemeClr val="accent1"/>
+          </a:effectRef>
+          <a:fontRef idx="minor">
+            <a:schemeClr val="lt1"/>
+          </a:fontRef>
+        </p:style>
+        <p:txBody>
+          <a:bodyPr rtlCol="0" anchor="ctr"/>
+          <a:lstStyle/>
+          <a:p>
+            <a:pPr algn="ctr"/>
+            <a:r>
+              <a:rPr lang="sv-SE" dirty="0" err="1"/>
+              <a:t>Biz-Report</a:t>
+            </a:r>
+            <a:endParaRPr lang="sv-SE" dirty="0"/>
+          </a:p>
+        </p:txBody>
+      </p:sp>
+      <p:sp>
+        <p:nvSpPr>
+          <p:cNvPr id="34" name="Rektangel 33">
+            <a:extLst>
+              <a:ext uri="{FF2B5EF4-FFF2-40B4-BE49-F238E27FC236}">
+                <a16:creationId xmlns:a16="http://schemas.microsoft.com/office/drawing/2014/main" id="{0808268B-C011-17BB-A2F6-8B492DB51136}"/>
+              </a:ext>
+            </a:extLst>
+          </p:cNvPr>
+          <p:cNvSpPr/>
+          <p:nvPr/>
+        </p:nvSpPr>
+        <p:spPr>
+          <a:xfrm>
+            <a:off x="250926" y="3275446"/>
+            <a:ext cx="1595023" cy="313677"/>
+          </a:xfrm>
+          <a:prstGeom prst="rect">
+            <a:avLst/>
+          </a:prstGeom>
+          <a:solidFill>
+            <a:schemeClr val="accent1">
+              <a:lumMod val="75000"/>
+            </a:schemeClr>
+          </a:solidFill>
+        </p:spPr>
+        <p:style>
+          <a:lnRef idx="2">
+            <a:schemeClr val="accent1">
+              <a:shade val="50000"/>
+            </a:schemeClr>
+          </a:lnRef>
+          <a:fillRef idx="1">
+            <a:schemeClr val="accent1"/>
+          </a:fillRef>
+          <a:effectRef idx="0">
+            <a:schemeClr val="accent1"/>
+          </a:effectRef>
+          <a:fontRef idx="minor">
+            <a:schemeClr val="lt1"/>
+          </a:fontRef>
+        </p:style>
+        <p:txBody>
+          <a:bodyPr rtlCol="0" anchor="ctr"/>
+          <a:lstStyle/>
+          <a:p>
+            <a:pPr algn="ctr"/>
+            <a:r>
               <a:rPr lang="sv-SE" dirty="0" err="1"/>
               <a:t>Flow</a:t>
             </a:r>
@@ -6052,24 +6987,665 @@
           </a:p>
         </p:txBody>
       </p:sp>
+      <p:sp>
+        <p:nvSpPr>
+          <p:cNvPr id="35" name="Rektangel 34">
+            <a:extLst>
+              <a:ext uri="{FF2B5EF4-FFF2-40B4-BE49-F238E27FC236}">
+                <a16:creationId xmlns:a16="http://schemas.microsoft.com/office/drawing/2014/main" id="{5BAE7A41-7F2F-1E8D-88E5-4390D26BAA87}"/>
+              </a:ext>
+            </a:extLst>
+          </p:cNvPr>
+          <p:cNvSpPr/>
+          <p:nvPr/>
+        </p:nvSpPr>
+        <p:spPr>
+          <a:xfrm>
+            <a:off x="3243573" y="3278062"/>
+            <a:ext cx="1595023" cy="313677"/>
+          </a:xfrm>
+          <a:prstGeom prst="rect">
+            <a:avLst/>
+          </a:prstGeom>
+          <a:solidFill>
+            <a:schemeClr val="accent1">
+              <a:lumMod val="75000"/>
+            </a:schemeClr>
+          </a:solidFill>
+        </p:spPr>
+        <p:style>
+          <a:lnRef idx="2">
+            <a:schemeClr val="accent1">
+              <a:shade val="50000"/>
+            </a:schemeClr>
+          </a:lnRef>
+          <a:fillRef idx="1">
+            <a:schemeClr val="accent1"/>
+          </a:fillRef>
+          <a:effectRef idx="0">
+            <a:schemeClr val="accent1"/>
+          </a:effectRef>
+          <a:fontRef idx="minor">
+            <a:schemeClr val="lt1"/>
+          </a:fontRef>
+        </p:style>
+        <p:txBody>
+          <a:bodyPr rtlCol="0" anchor="ctr"/>
+          <a:lstStyle/>
+          <a:p>
+            <a:pPr algn="ctr"/>
+            <a:r>
+              <a:rPr lang="sv-SE" dirty="0" err="1"/>
+              <a:t>Flow</a:t>
+            </a:r>
+            <a:r>
+              <a:rPr lang="sv-SE" dirty="0"/>
+              <a:t>-ERP</a:t>
+            </a:r>
+          </a:p>
+        </p:txBody>
+      </p:sp>
+      <p:sp>
+        <p:nvSpPr>
+          <p:cNvPr id="36" name="Rektangel 35">
+            <a:extLst>
+              <a:ext uri="{FF2B5EF4-FFF2-40B4-BE49-F238E27FC236}">
+                <a16:creationId xmlns:a16="http://schemas.microsoft.com/office/drawing/2014/main" id="{44C029D3-91F8-6B08-CA8F-7A6E44DC6CD7}"/>
+              </a:ext>
+            </a:extLst>
+          </p:cNvPr>
+          <p:cNvSpPr/>
+          <p:nvPr/>
+        </p:nvSpPr>
+        <p:spPr>
+          <a:xfrm>
+            <a:off x="6232993" y="3278062"/>
+            <a:ext cx="1595023" cy="313677"/>
+          </a:xfrm>
+          <a:prstGeom prst="rect">
+            <a:avLst/>
+          </a:prstGeom>
+          <a:solidFill>
+            <a:schemeClr val="accent1">
+              <a:lumMod val="75000"/>
+            </a:schemeClr>
+          </a:solidFill>
+        </p:spPr>
+        <p:style>
+          <a:lnRef idx="2">
+            <a:schemeClr val="accent1">
+              <a:shade val="50000"/>
+            </a:schemeClr>
+          </a:lnRef>
+          <a:fillRef idx="1">
+            <a:schemeClr val="accent1"/>
+          </a:fillRef>
+          <a:effectRef idx="0">
+            <a:schemeClr val="accent1"/>
+          </a:effectRef>
+          <a:fontRef idx="minor">
+            <a:schemeClr val="lt1"/>
+          </a:fontRef>
+        </p:style>
+        <p:txBody>
+          <a:bodyPr rtlCol="0" anchor="ctr"/>
+          <a:lstStyle/>
+          <a:p>
+            <a:pPr algn="ctr"/>
+            <a:r>
+              <a:rPr lang="sv-SE" dirty="0" err="1"/>
+              <a:t>Flow</a:t>
+            </a:r>
+            <a:r>
+              <a:rPr lang="sv-SE" dirty="0"/>
+              <a:t>-ERP</a:t>
+            </a:r>
+          </a:p>
+        </p:txBody>
+      </p:sp>
+      <p:sp>
+        <p:nvSpPr>
+          <p:cNvPr id="37" name="Rektangel 36">
+            <a:extLst>
+              <a:ext uri="{FF2B5EF4-FFF2-40B4-BE49-F238E27FC236}">
+                <a16:creationId xmlns:a16="http://schemas.microsoft.com/office/drawing/2014/main" id="{D839CF8B-DDBE-971A-73B9-822781EFA64D}"/>
+              </a:ext>
+            </a:extLst>
+          </p:cNvPr>
+          <p:cNvSpPr/>
+          <p:nvPr/>
+        </p:nvSpPr>
+        <p:spPr>
+          <a:xfrm>
+            <a:off x="9167945" y="3283605"/>
+            <a:ext cx="1595023" cy="313677"/>
+          </a:xfrm>
+          <a:prstGeom prst="rect">
+            <a:avLst/>
+          </a:prstGeom>
+          <a:solidFill>
+            <a:schemeClr val="accent1">
+              <a:lumMod val="75000"/>
+            </a:schemeClr>
+          </a:solidFill>
+        </p:spPr>
+        <p:style>
+          <a:lnRef idx="2">
+            <a:schemeClr val="accent1">
+              <a:shade val="50000"/>
+            </a:schemeClr>
+          </a:lnRef>
+          <a:fillRef idx="1">
+            <a:schemeClr val="accent1"/>
+          </a:fillRef>
+          <a:effectRef idx="0">
+            <a:schemeClr val="accent1"/>
+          </a:effectRef>
+          <a:fontRef idx="minor">
+            <a:schemeClr val="lt1"/>
+          </a:fontRef>
+        </p:style>
+        <p:txBody>
+          <a:bodyPr rtlCol="0" anchor="ctr"/>
+          <a:lstStyle/>
+          <a:p>
+            <a:pPr algn="ctr"/>
+            <a:r>
+              <a:rPr lang="sv-SE" dirty="0" err="1"/>
+              <a:t>Flow</a:t>
+            </a:r>
+            <a:r>
+              <a:rPr lang="sv-SE" dirty="0"/>
+              <a:t>-ERP</a:t>
+            </a:r>
+          </a:p>
+        </p:txBody>
+      </p:sp>
+    </p:spTree>
+    <p:extLst>
+      <p:ext uri="{BB962C8B-B14F-4D97-AF65-F5344CB8AC3E}">
+        <p14:creationId xmlns:p14="http://schemas.microsoft.com/office/powerpoint/2010/main" val="2920758134"/>
+      </p:ext>
+    </p:extLst>
+  </p:cSld>
+  <p:clrMapOvr>
+    <a:masterClrMapping/>
+  </p:clrMapOvr>
+</p:sld>
+</file>
+
+<file path=ppt/slides/slide4.xml><?xml version="1.0" encoding="utf-8"?>
+<p:sld xmlns:a="http://schemas.openxmlformats.org/drawingml/2006/main" xmlns:r="http://schemas.openxmlformats.org/officeDocument/2006/relationships" xmlns:p="http://schemas.openxmlformats.org/presentationml/2006/main">
+  <p:cSld>
+    <p:spTree>
+      <p:nvGrpSpPr>
+        <p:cNvPr id="1" name=""/>
+        <p:cNvGrpSpPr/>
+        <p:nvPr/>
+      </p:nvGrpSpPr>
+      <p:grpSpPr>
+        <a:xfrm>
+          <a:off x="0" y="0"/>
+          <a:ext cx="0" cy="0"/>
+          <a:chOff x="0" y="0"/>
+          <a:chExt cx="0" cy="0"/>
+        </a:xfrm>
+      </p:grpSpPr>
+      <p:sp>
+        <p:nvSpPr>
+          <p:cNvPr id="4" name="Rektangel 3">
+            <a:extLst>
+              <a:ext uri="{FF2B5EF4-FFF2-40B4-BE49-F238E27FC236}">
+                <a16:creationId xmlns:a16="http://schemas.microsoft.com/office/drawing/2014/main" id="{1C6857BC-CC77-AD9B-E2CE-0741EF23A6A3}"/>
+              </a:ext>
+            </a:extLst>
+          </p:cNvPr>
+          <p:cNvSpPr/>
+          <p:nvPr/>
+        </p:nvSpPr>
+        <p:spPr>
+          <a:xfrm>
+            <a:off x="3689543" y="1540643"/>
+            <a:ext cx="1595023" cy="313677"/>
+          </a:xfrm>
+          <a:prstGeom prst="rect">
+            <a:avLst/>
+          </a:prstGeom>
+          <a:solidFill>
+            <a:schemeClr val="accent1">
+              <a:lumMod val="75000"/>
+            </a:schemeClr>
+          </a:solidFill>
+        </p:spPr>
+        <p:style>
+          <a:lnRef idx="2">
+            <a:schemeClr val="accent1">
+              <a:shade val="50000"/>
+            </a:schemeClr>
+          </a:lnRef>
+          <a:fillRef idx="1">
+            <a:schemeClr val="accent1"/>
+          </a:fillRef>
+          <a:effectRef idx="0">
+            <a:schemeClr val="accent1"/>
+          </a:effectRef>
+          <a:fontRef idx="minor">
+            <a:schemeClr val="lt1"/>
+          </a:fontRef>
+        </p:style>
+        <p:txBody>
+          <a:bodyPr rtlCol="0" anchor="ctr"/>
+          <a:lstStyle/>
+          <a:p>
+            <a:pPr algn="ctr"/>
+            <a:r>
+              <a:rPr lang="sv-SE" dirty="0"/>
+              <a:t>HR-Enterprise</a:t>
+            </a:r>
+          </a:p>
+        </p:txBody>
+      </p:sp>
+      <p:sp>
+        <p:nvSpPr>
+          <p:cNvPr id="21" name="Rektangel 20">
+            <a:extLst>
+              <a:ext uri="{FF2B5EF4-FFF2-40B4-BE49-F238E27FC236}">
+                <a16:creationId xmlns:a16="http://schemas.microsoft.com/office/drawing/2014/main" id="{7D351082-FCAA-6077-4FC8-AA2CA3E29F94}"/>
+              </a:ext>
+            </a:extLst>
+          </p:cNvPr>
+          <p:cNvSpPr/>
+          <p:nvPr/>
+        </p:nvSpPr>
+        <p:spPr>
+          <a:xfrm>
+            <a:off x="250925" y="1543781"/>
+            <a:ext cx="1595023" cy="313677"/>
+          </a:xfrm>
+          <a:prstGeom prst="rect">
+            <a:avLst/>
+          </a:prstGeom>
+          <a:solidFill>
+            <a:schemeClr val="accent1">
+              <a:lumMod val="75000"/>
+            </a:schemeClr>
+          </a:solidFill>
+        </p:spPr>
+        <p:style>
+          <a:lnRef idx="2">
+            <a:schemeClr val="accent1">
+              <a:shade val="50000"/>
+            </a:schemeClr>
+          </a:lnRef>
+          <a:fillRef idx="1">
+            <a:schemeClr val="accent1"/>
+          </a:fillRef>
+          <a:effectRef idx="0">
+            <a:schemeClr val="accent1"/>
+          </a:effectRef>
+          <a:fontRef idx="minor">
+            <a:schemeClr val="lt1"/>
+          </a:fontRef>
+        </p:style>
+        <p:txBody>
+          <a:bodyPr rtlCol="0" anchor="ctr"/>
+          <a:lstStyle/>
+          <a:p>
+            <a:pPr algn="ctr"/>
+            <a:r>
+              <a:rPr lang="sv-SE" dirty="0"/>
+              <a:t>Project-Plan</a:t>
+            </a:r>
+          </a:p>
+        </p:txBody>
+      </p:sp>
+      <p:sp>
+        <p:nvSpPr>
+          <p:cNvPr id="22" name="Rektangel 21">
+            <a:extLst>
+              <a:ext uri="{FF2B5EF4-FFF2-40B4-BE49-F238E27FC236}">
+                <a16:creationId xmlns:a16="http://schemas.microsoft.com/office/drawing/2014/main" id="{EC53918A-14EF-80C5-8F63-1AF5E492491A}"/>
+              </a:ext>
+            </a:extLst>
+          </p:cNvPr>
+          <p:cNvSpPr/>
+          <p:nvPr/>
+        </p:nvSpPr>
+        <p:spPr>
+          <a:xfrm>
+            <a:off x="1992430" y="3965952"/>
+            <a:ext cx="1595023" cy="313677"/>
+          </a:xfrm>
+          <a:prstGeom prst="rect">
+            <a:avLst/>
+          </a:prstGeom>
+          <a:solidFill>
+            <a:schemeClr val="accent1">
+              <a:lumMod val="75000"/>
+            </a:schemeClr>
+          </a:solidFill>
+        </p:spPr>
+        <p:style>
+          <a:lnRef idx="2">
+            <a:schemeClr val="accent1">
+              <a:shade val="50000"/>
+            </a:schemeClr>
+          </a:lnRef>
+          <a:fillRef idx="1">
+            <a:schemeClr val="accent1"/>
+          </a:fillRef>
+          <a:effectRef idx="0">
+            <a:schemeClr val="accent1"/>
+          </a:effectRef>
+          <a:fontRef idx="minor">
+            <a:schemeClr val="lt1"/>
+          </a:fontRef>
+        </p:style>
+        <p:txBody>
+          <a:bodyPr rtlCol="0" anchor="ctr"/>
+          <a:lstStyle/>
+          <a:p>
+            <a:pPr algn="ctr"/>
+            <a:r>
+              <a:rPr lang="sv-SE" dirty="0"/>
+              <a:t>CAD-MAN</a:t>
+            </a:r>
+          </a:p>
+        </p:txBody>
+      </p:sp>
+      <p:sp>
+        <p:nvSpPr>
+          <p:cNvPr id="23" name="Rektangel 22">
+            <a:extLst>
+              <a:ext uri="{FF2B5EF4-FFF2-40B4-BE49-F238E27FC236}">
+                <a16:creationId xmlns:a16="http://schemas.microsoft.com/office/drawing/2014/main" id="{4AC3CDA8-8317-70F5-D78E-C3FF9A891062}"/>
+              </a:ext>
+            </a:extLst>
+          </p:cNvPr>
+          <p:cNvSpPr/>
+          <p:nvPr/>
+        </p:nvSpPr>
+        <p:spPr>
+          <a:xfrm>
+            <a:off x="250925" y="3965952"/>
+            <a:ext cx="1595023" cy="313677"/>
+          </a:xfrm>
+          <a:prstGeom prst="rect">
+            <a:avLst/>
+          </a:prstGeom>
+          <a:solidFill>
+            <a:schemeClr val="accent1">
+              <a:lumMod val="75000"/>
+            </a:schemeClr>
+          </a:solidFill>
+        </p:spPr>
+        <p:style>
+          <a:lnRef idx="2">
+            <a:schemeClr val="accent1">
+              <a:shade val="50000"/>
+            </a:schemeClr>
+          </a:lnRef>
+          <a:fillRef idx="1">
+            <a:schemeClr val="accent1"/>
+          </a:fillRef>
+          <a:effectRef idx="0">
+            <a:schemeClr val="accent1"/>
+          </a:effectRef>
+          <a:fontRef idx="minor">
+            <a:schemeClr val="lt1"/>
+          </a:fontRef>
+        </p:style>
+        <p:txBody>
+          <a:bodyPr rtlCol="0" anchor="ctr"/>
+          <a:lstStyle/>
+          <a:p>
+            <a:pPr algn="ctr"/>
+            <a:r>
+              <a:rPr lang="sv-SE" dirty="0"/>
+              <a:t>FX4-Design</a:t>
+            </a:r>
+          </a:p>
+        </p:txBody>
+      </p:sp>
+      <p:sp>
+        <p:nvSpPr>
+          <p:cNvPr id="24" name="Rektangel 23">
+            <a:extLst>
+              <a:ext uri="{FF2B5EF4-FFF2-40B4-BE49-F238E27FC236}">
+                <a16:creationId xmlns:a16="http://schemas.microsoft.com/office/drawing/2014/main" id="{5A6DF37E-1538-CC80-1112-7AC8E70A18BD}"/>
+              </a:ext>
+            </a:extLst>
+          </p:cNvPr>
+          <p:cNvSpPr/>
+          <p:nvPr/>
+        </p:nvSpPr>
+        <p:spPr>
+          <a:xfrm>
+            <a:off x="250926" y="393566"/>
+            <a:ext cx="7437136" cy="313677"/>
+          </a:xfrm>
+          <a:prstGeom prst="rect">
+            <a:avLst/>
+          </a:prstGeom>
+          <a:solidFill>
+            <a:schemeClr val="accent1">
+              <a:lumMod val="75000"/>
+            </a:schemeClr>
+          </a:solidFill>
+        </p:spPr>
+        <p:style>
+          <a:lnRef idx="2">
+            <a:schemeClr val="accent1">
+              <a:shade val="50000"/>
+            </a:schemeClr>
+          </a:lnRef>
+          <a:fillRef idx="1">
+            <a:schemeClr val="accent1"/>
+          </a:fillRef>
+          <a:effectRef idx="0">
+            <a:schemeClr val="accent1"/>
+          </a:effectRef>
+          <a:fontRef idx="minor">
+            <a:schemeClr val="lt1"/>
+          </a:fontRef>
+        </p:style>
+        <p:txBody>
+          <a:bodyPr rtlCol="0" anchor="ctr"/>
+          <a:lstStyle/>
+          <a:p>
+            <a:pPr algn="ctr"/>
+            <a:r>
+              <a:rPr lang="sv-SE" dirty="0" err="1"/>
+              <a:t>Biz-Report</a:t>
+            </a:r>
+            <a:endParaRPr lang="sv-SE" dirty="0"/>
+          </a:p>
+        </p:txBody>
+      </p:sp>
+      <p:sp>
+        <p:nvSpPr>
+          <p:cNvPr id="26" name="Rektangel 25">
+            <a:extLst>
+              <a:ext uri="{FF2B5EF4-FFF2-40B4-BE49-F238E27FC236}">
+                <a16:creationId xmlns:a16="http://schemas.microsoft.com/office/drawing/2014/main" id="{1445A073-89A4-5A5C-ADF9-2E98133D643B}"/>
+              </a:ext>
+            </a:extLst>
+          </p:cNvPr>
+          <p:cNvSpPr/>
+          <p:nvPr/>
+        </p:nvSpPr>
+        <p:spPr>
+          <a:xfrm>
+            <a:off x="250926" y="5003680"/>
+            <a:ext cx="7437134" cy="313677"/>
+          </a:xfrm>
+          <a:prstGeom prst="rect">
+            <a:avLst/>
+          </a:prstGeom>
+          <a:solidFill>
+            <a:schemeClr val="accent1">
+              <a:lumMod val="75000"/>
+            </a:schemeClr>
+          </a:solidFill>
+        </p:spPr>
+        <p:style>
+          <a:lnRef idx="2">
+            <a:schemeClr val="accent1">
+              <a:shade val="50000"/>
+            </a:schemeClr>
+          </a:lnRef>
+          <a:fillRef idx="1">
+            <a:schemeClr val="accent1"/>
+          </a:fillRef>
+          <a:effectRef idx="0">
+            <a:schemeClr val="accent1"/>
+          </a:effectRef>
+          <a:fontRef idx="minor">
+            <a:schemeClr val="lt1"/>
+          </a:fontRef>
+        </p:style>
+        <p:txBody>
+          <a:bodyPr rtlCol="0" anchor="ctr"/>
+          <a:lstStyle/>
+          <a:p>
+            <a:pPr algn="ctr"/>
+            <a:r>
+              <a:rPr lang="sv-SE" dirty="0"/>
+              <a:t>Collabor8</a:t>
+            </a:r>
+          </a:p>
+        </p:txBody>
+      </p:sp>
+      <p:sp>
+        <p:nvSpPr>
+          <p:cNvPr id="30" name="Rektangel 29">
+            <a:extLst>
+              <a:ext uri="{FF2B5EF4-FFF2-40B4-BE49-F238E27FC236}">
+                <a16:creationId xmlns:a16="http://schemas.microsoft.com/office/drawing/2014/main" id="{E57180AD-8944-DD6C-0A70-1233B73191F8}"/>
+              </a:ext>
+            </a:extLst>
+          </p:cNvPr>
+          <p:cNvSpPr/>
+          <p:nvPr/>
+        </p:nvSpPr>
+        <p:spPr>
+          <a:xfrm>
+            <a:off x="1992430" y="1540642"/>
+            <a:ext cx="1595023" cy="313677"/>
+          </a:xfrm>
+          <a:prstGeom prst="rect">
+            <a:avLst/>
+          </a:prstGeom>
+          <a:solidFill>
+            <a:schemeClr val="accent1">
+              <a:lumMod val="75000"/>
+            </a:schemeClr>
+          </a:solidFill>
+        </p:spPr>
+        <p:style>
+          <a:lnRef idx="2">
+            <a:schemeClr val="accent1">
+              <a:shade val="50000"/>
+            </a:schemeClr>
+          </a:lnRef>
+          <a:fillRef idx="1">
+            <a:schemeClr val="accent1"/>
+          </a:fillRef>
+          <a:effectRef idx="0">
+            <a:schemeClr val="accent1"/>
+          </a:effectRef>
+          <a:fontRef idx="minor">
+            <a:schemeClr val="lt1"/>
+          </a:fontRef>
+        </p:style>
+        <p:txBody>
+          <a:bodyPr rtlCol="0" anchor="ctr"/>
+          <a:lstStyle/>
+          <a:p>
+            <a:pPr algn="ctr"/>
+            <a:r>
+              <a:rPr lang="sv-SE" dirty="0"/>
+              <a:t>Market-CRM</a:t>
+            </a:r>
+          </a:p>
+        </p:txBody>
+      </p:sp>
+      <p:sp>
+        <p:nvSpPr>
+          <p:cNvPr id="34" name="Rektangel 33">
+            <a:extLst>
+              <a:ext uri="{FF2B5EF4-FFF2-40B4-BE49-F238E27FC236}">
+                <a16:creationId xmlns:a16="http://schemas.microsoft.com/office/drawing/2014/main" id="{0808268B-C011-17BB-A2F6-8B492DB51136}"/>
+              </a:ext>
+            </a:extLst>
+          </p:cNvPr>
+          <p:cNvSpPr/>
+          <p:nvPr/>
+        </p:nvSpPr>
+        <p:spPr>
+          <a:xfrm>
+            <a:off x="1992431" y="2801645"/>
+            <a:ext cx="5695631" cy="313677"/>
+          </a:xfrm>
+          <a:prstGeom prst="rect">
+            <a:avLst/>
+          </a:prstGeom>
+          <a:solidFill>
+            <a:schemeClr val="accent1">
+              <a:lumMod val="75000"/>
+            </a:schemeClr>
+          </a:solidFill>
+        </p:spPr>
+        <p:style>
+          <a:lnRef idx="2">
+            <a:schemeClr val="accent1">
+              <a:shade val="50000"/>
+            </a:schemeClr>
+          </a:lnRef>
+          <a:fillRef idx="1">
+            <a:schemeClr val="accent1"/>
+          </a:fillRef>
+          <a:effectRef idx="0">
+            <a:schemeClr val="accent1"/>
+          </a:effectRef>
+          <a:fontRef idx="minor">
+            <a:schemeClr val="lt1"/>
+          </a:fontRef>
+        </p:style>
+        <p:txBody>
+          <a:bodyPr rtlCol="0" anchor="ctr"/>
+          <a:lstStyle/>
+          <a:p>
+            <a:pPr algn="ctr"/>
+            <a:r>
+              <a:rPr lang="sv-SE" dirty="0" err="1"/>
+              <a:t>Flow</a:t>
+            </a:r>
+            <a:r>
+              <a:rPr lang="sv-SE" dirty="0"/>
+              <a:t>-ERP</a:t>
+            </a:r>
+          </a:p>
+        </p:txBody>
+      </p:sp>
       <p:cxnSp>
         <p:nvCxnSpPr>
-          <p:cNvPr id="45" name="Rak pilkoppling 44">
-            <a:extLst>
-              <a:ext uri="{FF2B5EF4-FFF2-40B4-BE49-F238E27FC236}">
-                <a16:creationId xmlns:a16="http://schemas.microsoft.com/office/drawing/2014/main" id="{2FE05051-7CC2-E286-E88F-F8914EE2F341}"/>
+          <p:cNvPr id="6" name="Rak pilkoppling 5">
+            <a:extLst>
+              <a:ext uri="{FF2B5EF4-FFF2-40B4-BE49-F238E27FC236}">
+                <a16:creationId xmlns:a16="http://schemas.microsoft.com/office/drawing/2014/main" id="{4B5D6605-3965-7BF8-5DCB-2ED81381A6A5}"/>
               </a:ext>
             </a:extLst>
           </p:cNvPr>
           <p:cNvCxnSpPr>
-            <a:cxnSpLocks/>
+            <a:stCxn id="23" idx="2"/>
           </p:cNvCxnSpPr>
           <p:nvPr/>
         </p:nvCxnSpPr>
         <p:spPr>
-          <a:xfrm flipV="1">
-            <a:off x="6690196" y="1579415"/>
-            <a:ext cx="0" cy="867966"/>
+          <a:xfrm>
+            <a:off x="1048437" y="4279629"/>
+            <a:ext cx="0" cy="724051"/>
           </a:xfrm>
           <a:prstGeom prst="straightConnector1">
             <a:avLst/>
@@ -6095,10 +7671,10 @@
       </p:cxnSp>
       <p:sp>
         <p:nvSpPr>
-          <p:cNvPr id="46" name="textruta 45">
-            <a:extLst>
-              <a:ext uri="{FF2B5EF4-FFF2-40B4-BE49-F238E27FC236}">
-                <a16:creationId xmlns:a16="http://schemas.microsoft.com/office/drawing/2014/main" id="{ACC80376-42FE-5846-C687-EDA5DA8CF04C}"/>
+          <p:cNvPr id="8" name="textruta 7">
+            <a:extLst>
+              <a:ext uri="{FF2B5EF4-FFF2-40B4-BE49-F238E27FC236}">
+                <a16:creationId xmlns:a16="http://schemas.microsoft.com/office/drawing/2014/main" id="{26FC4038-677C-7DE3-42E6-F5FBD0B050AD}"/>
               </a:ext>
             </a:extLst>
           </p:cNvPr>
@@ -6107,8 +7683,8 @@
         </p:nvSpPr>
         <p:spPr>
           <a:xfrm>
-            <a:off x="6829800" y="1658008"/>
-            <a:ext cx="1059906" cy="600164"/>
+            <a:off x="1048436" y="4470703"/>
+            <a:ext cx="609462" cy="430887"/>
           </a:xfrm>
           <a:prstGeom prst="rect">
             <a:avLst/>
@@ -6122,59 +7698,34 @@
           <a:lstStyle/>
           <a:p>
             <a:r>
-              <a:rPr lang="sv-SE" sz="1100" dirty="0" err="1"/>
-              <a:t>Sales</a:t>
-            </a:r>
-            <a:r>
               <a:rPr lang="sv-SE" sz="1100" dirty="0"/>
-              <a:t>,</a:t>
-            </a:r>
-          </a:p>
-          <a:p>
-            <a:r>
-              <a:rPr lang="sv-SE" sz="1100" dirty="0" err="1"/>
-              <a:t>Capacity</a:t>
-            </a:r>
+              <a:t>Visual </a:t>
+            </a:r>
+          </a:p>
+          <a:p>
             <a:r>
               <a:rPr lang="sv-SE" sz="1100" dirty="0"/>
-              <a:t>,</a:t>
-            </a:r>
-          </a:p>
-          <a:p>
-            <a:r>
-              <a:rPr lang="sv-SE" sz="1100" dirty="0" err="1"/>
-              <a:t>Produced</a:t>
-            </a:r>
-            <a:r>
-              <a:rPr lang="sv-SE" sz="1100" dirty="0"/>
-              <a:t> </a:t>
-            </a:r>
-            <a:r>
-              <a:rPr lang="sv-SE" sz="1100" dirty="0" err="1"/>
-              <a:t>Units</a:t>
-            </a:r>
-            <a:endParaRPr lang="sv-SE" sz="1100" dirty="0"/>
+              <a:t>designs</a:t>
+            </a:r>
           </a:p>
         </p:txBody>
       </p:sp>
       <p:cxnSp>
         <p:nvCxnSpPr>
-          <p:cNvPr id="48" name="Rak pilkoppling 47">
-            <a:extLst>
-              <a:ext uri="{FF2B5EF4-FFF2-40B4-BE49-F238E27FC236}">
-                <a16:creationId xmlns:a16="http://schemas.microsoft.com/office/drawing/2014/main" id="{CA1343C9-7D1D-EF9E-CD03-3B266A845845}"/>
-              </a:ext>
-            </a:extLst>
-          </p:cNvPr>
-          <p:cNvCxnSpPr>
-            <a:cxnSpLocks/>
-          </p:cNvCxnSpPr>
+          <p:cNvPr id="9" name="Rak pilkoppling 8">
+            <a:extLst>
+              <a:ext uri="{FF2B5EF4-FFF2-40B4-BE49-F238E27FC236}">
+                <a16:creationId xmlns:a16="http://schemas.microsoft.com/office/drawing/2014/main" id="{C4471820-0B21-34F4-5B3D-E586466CE3B4}"/>
+              </a:ext>
+            </a:extLst>
+          </p:cNvPr>
+          <p:cNvCxnSpPr/>
           <p:nvPr/>
         </p:nvCxnSpPr>
         <p:spPr>
           <a:xfrm>
-            <a:off x="3780674" y="1579415"/>
-            <a:ext cx="0" cy="902634"/>
+            <a:off x="2701163" y="4279629"/>
+            <a:ext cx="0" cy="724051"/>
           </a:xfrm>
           <a:prstGeom prst="straightConnector1">
             <a:avLst/>
@@ -6200,10 +7751,10 @@
       </p:cxnSp>
       <p:sp>
         <p:nvSpPr>
-          <p:cNvPr id="50" name="textruta 49">
-            <a:extLst>
-              <a:ext uri="{FF2B5EF4-FFF2-40B4-BE49-F238E27FC236}">
-                <a16:creationId xmlns:a16="http://schemas.microsoft.com/office/drawing/2014/main" id="{102661DE-5D70-B8F7-84B4-171E70B36ACF}"/>
+          <p:cNvPr id="10" name="textruta 9">
+            <a:extLst>
+              <a:ext uri="{FF2B5EF4-FFF2-40B4-BE49-F238E27FC236}">
+                <a16:creationId xmlns:a16="http://schemas.microsoft.com/office/drawing/2014/main" id="{B0029849-A8E4-153D-04A3-B78DC3ABDCB6}"/>
               </a:ext>
             </a:extLst>
           </p:cNvPr>
@@ -6212,8 +7763,8 @@
         </p:nvSpPr>
         <p:spPr>
           <a:xfrm>
-            <a:off x="3851568" y="1845592"/>
-            <a:ext cx="647934" cy="261610"/>
+            <a:off x="2701163" y="4426211"/>
+            <a:ext cx="721672" cy="430887"/>
           </a:xfrm>
           <a:prstGeom prst="rect">
             <a:avLst/>
@@ -6227,37 +7778,44 @@
           <a:lstStyle/>
           <a:p>
             <a:r>
+              <a:rPr lang="sv-SE" sz="1100" dirty="0" err="1"/>
+              <a:t>Technical</a:t>
+            </a:r>
+            <a:endParaRPr lang="sv-SE" sz="1100" dirty="0"/>
+          </a:p>
+          <a:p>
+            <a:r>
               <a:rPr lang="sv-SE" sz="1100" dirty="0"/>
-              <a:t>Prognos</a:t>
+              <a:t> designs</a:t>
             </a:r>
           </a:p>
         </p:txBody>
       </p:sp>
       <p:cxnSp>
         <p:nvCxnSpPr>
-          <p:cNvPr id="51" name="Rak pilkoppling 50">
-            <a:extLst>
-              <a:ext uri="{FF2B5EF4-FFF2-40B4-BE49-F238E27FC236}">
-                <a16:creationId xmlns:a16="http://schemas.microsoft.com/office/drawing/2014/main" id="{E72AC851-362B-25D9-C923-A73CAE1BAED4}"/>
+          <p:cNvPr id="12" name="Rak pilkoppling 11">
+            <a:extLst>
+              <a:ext uri="{FF2B5EF4-FFF2-40B4-BE49-F238E27FC236}">
+                <a16:creationId xmlns:a16="http://schemas.microsoft.com/office/drawing/2014/main" id="{D283A7A4-99BF-F4CA-5B3C-3BE5DCE0A185}"/>
               </a:ext>
             </a:extLst>
           </p:cNvPr>
           <p:cNvCxnSpPr>
             <a:cxnSpLocks/>
+            <a:stCxn id="21" idx="0"/>
           </p:cNvCxnSpPr>
           <p:nvPr/>
         </p:nvCxnSpPr>
         <p:spPr>
-          <a:xfrm>
-            <a:off x="6701407" y="4189000"/>
-            <a:ext cx="0" cy="994244"/>
+          <a:xfrm flipH="1" flipV="1">
+            <a:off x="1048436" y="774896"/>
+            <a:ext cx="1" cy="768885"/>
           </a:xfrm>
           <a:prstGeom prst="straightConnector1">
             <a:avLst/>
           </a:prstGeom>
           <a:ln>
-            <a:headEnd type="triangle" w="med" len="med"/>
-            <a:tailEnd type="triangle" w="med" len="med"/>
+            <a:tailEnd type="triangle"/>
           </a:ln>
         </p:spPr>
         <p:style>
@@ -6277,10 +7835,10 @@
       </p:cxnSp>
       <p:sp>
         <p:nvSpPr>
-          <p:cNvPr id="54" name="textruta 53">
-            <a:extLst>
-              <a:ext uri="{FF2B5EF4-FFF2-40B4-BE49-F238E27FC236}">
-                <a16:creationId xmlns:a16="http://schemas.microsoft.com/office/drawing/2014/main" id="{0AA01FB3-0171-D672-BB7D-4FC4AD931336}"/>
+          <p:cNvPr id="31" name="textruta 30">
+            <a:extLst>
+              <a:ext uri="{FF2B5EF4-FFF2-40B4-BE49-F238E27FC236}">
+                <a16:creationId xmlns:a16="http://schemas.microsoft.com/office/drawing/2014/main" id="{5C5F5136-CF1E-1D9F-F01F-6C9C819EED18}"/>
               </a:ext>
             </a:extLst>
           </p:cNvPr>
@@ -6289,8 +7847,8 @@
         </p:nvSpPr>
         <p:spPr>
           <a:xfrm>
-            <a:off x="6701407" y="4469844"/>
-            <a:ext cx="822661" cy="430887"/>
+            <a:off x="1060934" y="943894"/>
+            <a:ext cx="590226" cy="430887"/>
           </a:xfrm>
           <a:prstGeom prst="rect">
             <a:avLst/>
@@ -6305,6 +7863,429 @@
           <a:p>
             <a:r>
               <a:rPr lang="sv-SE" sz="1100" dirty="0"/>
+              <a:t>Project</a:t>
+            </a:r>
+          </a:p>
+          <a:p>
+            <a:r>
+              <a:rPr lang="sv-SE" sz="1100" dirty="0"/>
+              <a:t>status</a:t>
+            </a:r>
+          </a:p>
+        </p:txBody>
+      </p:sp>
+      <p:cxnSp>
+        <p:nvCxnSpPr>
+          <p:cNvPr id="38" name="Rak pilkoppling 37">
+            <a:extLst>
+              <a:ext uri="{FF2B5EF4-FFF2-40B4-BE49-F238E27FC236}">
+                <a16:creationId xmlns:a16="http://schemas.microsoft.com/office/drawing/2014/main" id="{19776189-DB29-888B-514E-A1B741700971}"/>
+              </a:ext>
+            </a:extLst>
+          </p:cNvPr>
+          <p:cNvCxnSpPr>
+            <a:cxnSpLocks/>
+            <a:stCxn id="4" idx="0"/>
+          </p:cNvCxnSpPr>
+          <p:nvPr/>
+        </p:nvCxnSpPr>
+        <p:spPr>
+          <a:xfrm flipV="1">
+            <a:off x="4487055" y="782103"/>
+            <a:ext cx="0" cy="758540"/>
+          </a:xfrm>
+          <a:prstGeom prst="straightConnector1">
+            <a:avLst/>
+          </a:prstGeom>
+          <a:ln>
+            <a:tailEnd type="triangle"/>
+          </a:ln>
+        </p:spPr>
+        <p:style>
+          <a:lnRef idx="1">
+            <a:schemeClr val="accent1"/>
+          </a:lnRef>
+          <a:fillRef idx="0">
+            <a:schemeClr val="accent1"/>
+          </a:fillRef>
+          <a:effectRef idx="0">
+            <a:schemeClr val="accent1"/>
+          </a:effectRef>
+          <a:fontRef idx="minor">
+            <a:schemeClr val="tx1"/>
+          </a:fontRef>
+        </p:style>
+      </p:cxnSp>
+      <p:sp>
+        <p:nvSpPr>
+          <p:cNvPr id="40" name="textruta 39">
+            <a:extLst>
+              <a:ext uri="{FF2B5EF4-FFF2-40B4-BE49-F238E27FC236}">
+                <a16:creationId xmlns:a16="http://schemas.microsoft.com/office/drawing/2014/main" id="{F07A4D1A-0296-5D2E-B661-81D69F83C7FF}"/>
+              </a:ext>
+            </a:extLst>
+          </p:cNvPr>
+          <p:cNvSpPr txBox="1"/>
+          <p:nvPr/>
+        </p:nvSpPr>
+        <p:spPr>
+          <a:xfrm>
+            <a:off x="4487054" y="910488"/>
+            <a:ext cx="527709" cy="430887"/>
+          </a:xfrm>
+          <a:prstGeom prst="rect">
+            <a:avLst/>
+          </a:prstGeom>
+          <a:noFill/>
+        </p:spPr>
+        <p:txBody>
+          <a:bodyPr wrap="none" rtlCol="0">
+            <a:spAutoFit/>
+          </a:bodyPr>
+          <a:lstStyle/>
+          <a:p>
+            <a:r>
+              <a:rPr lang="sv-SE" sz="1100" dirty="0"/>
+              <a:t>HR</a:t>
+            </a:r>
+          </a:p>
+          <a:p>
+            <a:r>
+              <a:rPr lang="sv-SE" sz="1100" dirty="0"/>
+              <a:t>status</a:t>
+            </a:r>
+          </a:p>
+        </p:txBody>
+      </p:sp>
+      <p:cxnSp>
+        <p:nvCxnSpPr>
+          <p:cNvPr id="41" name="Rak pilkoppling 40">
+            <a:extLst>
+              <a:ext uri="{FF2B5EF4-FFF2-40B4-BE49-F238E27FC236}">
+                <a16:creationId xmlns:a16="http://schemas.microsoft.com/office/drawing/2014/main" id="{C6CACA88-7348-2692-07AA-F80D6486BC7D}"/>
+              </a:ext>
+            </a:extLst>
+          </p:cNvPr>
+          <p:cNvCxnSpPr>
+            <a:cxnSpLocks/>
+          </p:cNvCxnSpPr>
+          <p:nvPr/>
+        </p:nvCxnSpPr>
+        <p:spPr>
+          <a:xfrm flipV="1">
+            <a:off x="2804132" y="725440"/>
+            <a:ext cx="0" cy="758540"/>
+          </a:xfrm>
+          <a:prstGeom prst="straightConnector1">
+            <a:avLst/>
+          </a:prstGeom>
+          <a:ln>
+            <a:tailEnd type="triangle"/>
+          </a:ln>
+        </p:spPr>
+        <p:style>
+          <a:lnRef idx="1">
+            <a:schemeClr val="accent1"/>
+          </a:lnRef>
+          <a:fillRef idx="0">
+            <a:schemeClr val="accent1"/>
+          </a:fillRef>
+          <a:effectRef idx="0">
+            <a:schemeClr val="accent1"/>
+          </a:effectRef>
+          <a:fontRef idx="minor">
+            <a:schemeClr val="tx1"/>
+          </a:fontRef>
+        </p:style>
+      </p:cxnSp>
+      <p:sp>
+        <p:nvSpPr>
+          <p:cNvPr id="42" name="textruta 41">
+            <a:extLst>
+              <a:ext uri="{FF2B5EF4-FFF2-40B4-BE49-F238E27FC236}">
+                <a16:creationId xmlns:a16="http://schemas.microsoft.com/office/drawing/2014/main" id="{B5F82EEF-5B3C-F7CF-773C-E088C212A17D}"/>
+              </a:ext>
+            </a:extLst>
+          </p:cNvPr>
+          <p:cNvSpPr txBox="1"/>
+          <p:nvPr/>
+        </p:nvSpPr>
+        <p:spPr>
+          <a:xfrm>
+            <a:off x="2804131" y="943893"/>
+            <a:ext cx="647934" cy="261610"/>
+          </a:xfrm>
+          <a:prstGeom prst="rect">
+            <a:avLst/>
+          </a:prstGeom>
+          <a:noFill/>
+        </p:spPr>
+        <p:txBody>
+          <a:bodyPr wrap="none" rtlCol="0">
+            <a:spAutoFit/>
+          </a:bodyPr>
+          <a:lstStyle/>
+          <a:p>
+            <a:r>
+              <a:rPr lang="sv-SE" sz="1100" dirty="0"/>
+              <a:t>Prognos</a:t>
+            </a:r>
+          </a:p>
+        </p:txBody>
+      </p:sp>
+      <p:cxnSp>
+        <p:nvCxnSpPr>
+          <p:cNvPr id="45" name="Rak pilkoppling 44">
+            <a:extLst>
+              <a:ext uri="{FF2B5EF4-FFF2-40B4-BE49-F238E27FC236}">
+                <a16:creationId xmlns:a16="http://schemas.microsoft.com/office/drawing/2014/main" id="{2FE05051-7CC2-E286-E88F-F8914EE2F341}"/>
+              </a:ext>
+            </a:extLst>
+          </p:cNvPr>
+          <p:cNvCxnSpPr>
+            <a:cxnSpLocks/>
+          </p:cNvCxnSpPr>
+          <p:nvPr/>
+        </p:nvCxnSpPr>
+        <p:spPr>
+          <a:xfrm flipH="1" flipV="1">
+            <a:off x="5713652" y="782103"/>
+            <a:ext cx="1" cy="1984874"/>
+          </a:xfrm>
+          <a:prstGeom prst="straightConnector1">
+            <a:avLst/>
+          </a:prstGeom>
+          <a:ln>
+            <a:tailEnd type="triangle"/>
+          </a:ln>
+        </p:spPr>
+        <p:style>
+          <a:lnRef idx="1">
+            <a:schemeClr val="accent1"/>
+          </a:lnRef>
+          <a:fillRef idx="0">
+            <a:schemeClr val="accent1"/>
+          </a:fillRef>
+          <a:effectRef idx="0">
+            <a:schemeClr val="accent1"/>
+          </a:effectRef>
+          <a:fontRef idx="minor">
+            <a:schemeClr val="tx1"/>
+          </a:fontRef>
+        </p:style>
+      </p:cxnSp>
+      <p:sp>
+        <p:nvSpPr>
+          <p:cNvPr id="46" name="textruta 45">
+            <a:extLst>
+              <a:ext uri="{FF2B5EF4-FFF2-40B4-BE49-F238E27FC236}">
+                <a16:creationId xmlns:a16="http://schemas.microsoft.com/office/drawing/2014/main" id="{ACC80376-42FE-5846-C687-EDA5DA8CF04C}"/>
+              </a:ext>
+            </a:extLst>
+          </p:cNvPr>
+          <p:cNvSpPr txBox="1"/>
+          <p:nvPr/>
+        </p:nvSpPr>
+        <p:spPr>
+          <a:xfrm>
+            <a:off x="5698873" y="1483980"/>
+            <a:ext cx="1059906" cy="600164"/>
+          </a:xfrm>
+          <a:prstGeom prst="rect">
+            <a:avLst/>
+          </a:prstGeom>
+          <a:noFill/>
+        </p:spPr>
+        <p:txBody>
+          <a:bodyPr wrap="none" rtlCol="0">
+            <a:spAutoFit/>
+          </a:bodyPr>
+          <a:lstStyle/>
+          <a:p>
+            <a:r>
+              <a:rPr lang="sv-SE" sz="1100" dirty="0" err="1"/>
+              <a:t>Sales</a:t>
+            </a:r>
+            <a:r>
+              <a:rPr lang="sv-SE" sz="1100" dirty="0"/>
+              <a:t>,</a:t>
+            </a:r>
+          </a:p>
+          <a:p>
+            <a:r>
+              <a:rPr lang="sv-SE" sz="1100" dirty="0" err="1"/>
+              <a:t>Capacity</a:t>
+            </a:r>
+            <a:r>
+              <a:rPr lang="sv-SE" sz="1100" dirty="0"/>
+              <a:t>,</a:t>
+            </a:r>
+          </a:p>
+          <a:p>
+            <a:r>
+              <a:rPr lang="sv-SE" sz="1100" dirty="0" err="1"/>
+              <a:t>Produced</a:t>
+            </a:r>
+            <a:r>
+              <a:rPr lang="sv-SE" sz="1100" dirty="0"/>
+              <a:t> </a:t>
+            </a:r>
+            <a:r>
+              <a:rPr lang="sv-SE" sz="1100" dirty="0" err="1"/>
+              <a:t>Units</a:t>
+            </a:r>
+            <a:endParaRPr lang="sv-SE" sz="1100" dirty="0"/>
+          </a:p>
+        </p:txBody>
+      </p:sp>
+      <p:cxnSp>
+        <p:nvCxnSpPr>
+          <p:cNvPr id="48" name="Rak pilkoppling 47">
+            <a:extLst>
+              <a:ext uri="{FF2B5EF4-FFF2-40B4-BE49-F238E27FC236}">
+                <a16:creationId xmlns:a16="http://schemas.microsoft.com/office/drawing/2014/main" id="{CA1343C9-7D1D-EF9E-CD03-3B266A845845}"/>
+              </a:ext>
+            </a:extLst>
+          </p:cNvPr>
+          <p:cNvCxnSpPr>
+            <a:cxnSpLocks/>
+          </p:cNvCxnSpPr>
+          <p:nvPr/>
+        </p:nvCxnSpPr>
+        <p:spPr>
+          <a:xfrm>
+            <a:off x="2804131" y="1899011"/>
+            <a:ext cx="0" cy="902634"/>
+          </a:xfrm>
+          <a:prstGeom prst="straightConnector1">
+            <a:avLst/>
+          </a:prstGeom>
+          <a:ln>
+            <a:tailEnd type="triangle"/>
+          </a:ln>
+        </p:spPr>
+        <p:style>
+          <a:lnRef idx="1">
+            <a:schemeClr val="accent1"/>
+          </a:lnRef>
+          <a:fillRef idx="0">
+            <a:schemeClr val="accent1"/>
+          </a:fillRef>
+          <a:effectRef idx="0">
+            <a:schemeClr val="accent1"/>
+          </a:effectRef>
+          <a:fontRef idx="minor">
+            <a:schemeClr val="tx1"/>
+          </a:fontRef>
+        </p:style>
+      </p:cxnSp>
+      <p:sp>
+        <p:nvSpPr>
+          <p:cNvPr id="50" name="textruta 49">
+            <a:extLst>
+              <a:ext uri="{FF2B5EF4-FFF2-40B4-BE49-F238E27FC236}">
+                <a16:creationId xmlns:a16="http://schemas.microsoft.com/office/drawing/2014/main" id="{102661DE-5D70-B8F7-84B4-171E70B36ACF}"/>
+              </a:ext>
+            </a:extLst>
+          </p:cNvPr>
+          <p:cNvSpPr txBox="1"/>
+          <p:nvPr/>
+        </p:nvSpPr>
+        <p:spPr>
+          <a:xfrm>
+            <a:off x="2830637" y="2092281"/>
+            <a:ext cx="647934" cy="261610"/>
+          </a:xfrm>
+          <a:prstGeom prst="rect">
+            <a:avLst/>
+          </a:prstGeom>
+          <a:noFill/>
+        </p:spPr>
+        <p:txBody>
+          <a:bodyPr wrap="none" rtlCol="0">
+            <a:spAutoFit/>
+          </a:bodyPr>
+          <a:lstStyle/>
+          <a:p>
+            <a:r>
+              <a:rPr lang="sv-SE" sz="1100" dirty="0"/>
+              <a:t>Prognos</a:t>
+            </a:r>
+          </a:p>
+        </p:txBody>
+      </p:sp>
+      <p:cxnSp>
+        <p:nvCxnSpPr>
+          <p:cNvPr id="51" name="Rak pilkoppling 50">
+            <a:extLst>
+              <a:ext uri="{FF2B5EF4-FFF2-40B4-BE49-F238E27FC236}">
+                <a16:creationId xmlns:a16="http://schemas.microsoft.com/office/drawing/2014/main" id="{E72AC851-362B-25D9-C923-A73CAE1BAED4}"/>
+              </a:ext>
+            </a:extLst>
+          </p:cNvPr>
+          <p:cNvCxnSpPr>
+            <a:cxnSpLocks/>
+          </p:cNvCxnSpPr>
+          <p:nvPr/>
+        </p:nvCxnSpPr>
+        <p:spPr>
+          <a:xfrm>
+            <a:off x="5713652" y="3231573"/>
+            <a:ext cx="0" cy="1670017"/>
+          </a:xfrm>
+          <a:prstGeom prst="straightConnector1">
+            <a:avLst/>
+          </a:prstGeom>
+          <a:ln>
+            <a:headEnd type="triangle" w="med" len="med"/>
+            <a:tailEnd type="triangle" w="med" len="med"/>
+          </a:ln>
+        </p:spPr>
+        <p:style>
+          <a:lnRef idx="1">
+            <a:schemeClr val="accent1"/>
+          </a:lnRef>
+          <a:fillRef idx="0">
+            <a:schemeClr val="accent1"/>
+          </a:fillRef>
+          <a:effectRef idx="0">
+            <a:schemeClr val="accent1"/>
+          </a:effectRef>
+          <a:fontRef idx="minor">
+            <a:schemeClr val="tx1"/>
+          </a:fontRef>
+        </p:style>
+      </p:cxnSp>
+      <p:sp>
+        <p:nvSpPr>
+          <p:cNvPr id="54" name="textruta 53">
+            <a:extLst>
+              <a:ext uri="{FF2B5EF4-FFF2-40B4-BE49-F238E27FC236}">
+                <a16:creationId xmlns:a16="http://schemas.microsoft.com/office/drawing/2014/main" id="{0AA01FB3-0171-D672-BB7D-4FC4AD931336}"/>
+              </a:ext>
+            </a:extLst>
+          </p:cNvPr>
+          <p:cNvSpPr txBox="1"/>
+          <p:nvPr/>
+        </p:nvSpPr>
+        <p:spPr>
+          <a:xfrm>
+            <a:off x="5698873" y="3907346"/>
+            <a:ext cx="822661" cy="430887"/>
+          </a:xfrm>
+          <a:prstGeom prst="rect">
+            <a:avLst/>
+          </a:prstGeom>
+          <a:noFill/>
+        </p:spPr>
+        <p:txBody>
+          <a:bodyPr wrap="none" rtlCol="0">
+            <a:spAutoFit/>
+          </a:bodyPr>
+          <a:lstStyle/>
+          <a:p>
+            <a:r>
+              <a:rPr lang="sv-SE" sz="1100" dirty="0"/>
               <a:t>Product</a:t>
             </a:r>
           </a:p>
@@ -6314,6 +8295,1490 @@
               <a:t>documents</a:t>
             </a:r>
             <a:endParaRPr lang="sv-SE" sz="1100" dirty="0"/>
+          </a:p>
+        </p:txBody>
+      </p:sp>
+    </p:spTree>
+    <p:extLst>
+      <p:ext uri="{BB962C8B-B14F-4D97-AF65-F5344CB8AC3E}">
+        <p14:creationId xmlns:p14="http://schemas.microsoft.com/office/powerpoint/2010/main" val="3936243370"/>
+      </p:ext>
+    </p:extLst>
+  </p:cSld>
+  <p:clrMapOvr>
+    <a:masterClrMapping/>
+  </p:clrMapOvr>
+</p:sld>
+</file>
+
+<file path=ppt/slides/slide5.xml><?xml version="1.0" encoding="utf-8"?>
+<p:sld xmlns:a="http://schemas.openxmlformats.org/drawingml/2006/main" xmlns:r="http://schemas.openxmlformats.org/officeDocument/2006/relationships" xmlns:p="http://schemas.openxmlformats.org/presentationml/2006/main">
+  <p:cSld>
+    <p:spTree>
+      <p:nvGrpSpPr>
+        <p:cNvPr id="1" name=""/>
+        <p:cNvGrpSpPr/>
+        <p:nvPr/>
+      </p:nvGrpSpPr>
+      <p:grpSpPr>
+        <a:xfrm>
+          <a:off x="0" y="0"/>
+          <a:ext cx="0" cy="0"/>
+          <a:chOff x="0" y="0"/>
+          <a:chExt cx="0" cy="0"/>
+        </a:xfrm>
+      </p:grpSpPr>
+      <p:sp>
+        <p:nvSpPr>
+          <p:cNvPr id="24" name="Rektangel 23">
+            <a:extLst>
+              <a:ext uri="{FF2B5EF4-FFF2-40B4-BE49-F238E27FC236}">
+                <a16:creationId xmlns:a16="http://schemas.microsoft.com/office/drawing/2014/main" id="{5A6DF37E-1538-CC80-1112-7AC8E70A18BD}"/>
+              </a:ext>
+            </a:extLst>
+          </p:cNvPr>
+          <p:cNvSpPr/>
+          <p:nvPr/>
+        </p:nvSpPr>
+        <p:spPr>
+          <a:xfrm>
+            <a:off x="5765247" y="1225228"/>
+            <a:ext cx="1840550" cy="313677"/>
+          </a:xfrm>
+          <a:prstGeom prst="rect">
+            <a:avLst/>
+          </a:prstGeom>
+          <a:solidFill>
+            <a:schemeClr val="accent1">
+              <a:lumMod val="75000"/>
+            </a:schemeClr>
+          </a:solidFill>
+        </p:spPr>
+        <p:style>
+          <a:lnRef idx="2">
+            <a:schemeClr val="accent1">
+              <a:shade val="50000"/>
+            </a:schemeClr>
+          </a:lnRef>
+          <a:fillRef idx="1">
+            <a:schemeClr val="accent1"/>
+          </a:fillRef>
+          <a:effectRef idx="0">
+            <a:schemeClr val="accent1"/>
+          </a:effectRef>
+          <a:fontRef idx="minor">
+            <a:schemeClr val="lt1"/>
+          </a:fontRef>
+        </p:style>
+        <p:txBody>
+          <a:bodyPr rtlCol="0" anchor="ctr"/>
+          <a:lstStyle/>
+          <a:p>
+            <a:pPr algn="ctr"/>
+            <a:r>
+              <a:rPr lang="sv-SE" dirty="0" err="1"/>
+              <a:t>Biz-Report</a:t>
+            </a:r>
+            <a:endParaRPr lang="sv-SE" dirty="0"/>
+          </a:p>
+        </p:txBody>
+      </p:sp>
+      <p:sp>
+        <p:nvSpPr>
+          <p:cNvPr id="26" name="Rektangel 25">
+            <a:extLst>
+              <a:ext uri="{FF2B5EF4-FFF2-40B4-BE49-F238E27FC236}">
+                <a16:creationId xmlns:a16="http://schemas.microsoft.com/office/drawing/2014/main" id="{1445A073-89A4-5A5C-ADF9-2E98133D643B}"/>
+              </a:ext>
+            </a:extLst>
+          </p:cNvPr>
+          <p:cNvSpPr/>
+          <p:nvPr/>
+        </p:nvSpPr>
+        <p:spPr>
+          <a:xfrm>
+            <a:off x="5924279" y="5257767"/>
+            <a:ext cx="1811043" cy="313677"/>
+          </a:xfrm>
+          <a:prstGeom prst="rect">
+            <a:avLst/>
+          </a:prstGeom>
+          <a:solidFill>
+            <a:schemeClr val="accent1">
+              <a:lumMod val="75000"/>
+            </a:schemeClr>
+          </a:solidFill>
+        </p:spPr>
+        <p:style>
+          <a:lnRef idx="2">
+            <a:schemeClr val="accent1">
+              <a:shade val="50000"/>
+            </a:schemeClr>
+          </a:lnRef>
+          <a:fillRef idx="1">
+            <a:schemeClr val="accent1"/>
+          </a:fillRef>
+          <a:effectRef idx="0">
+            <a:schemeClr val="accent1"/>
+          </a:effectRef>
+          <a:fontRef idx="minor">
+            <a:schemeClr val="lt1"/>
+          </a:fontRef>
+        </p:style>
+        <p:txBody>
+          <a:bodyPr rtlCol="0" anchor="ctr"/>
+          <a:lstStyle/>
+          <a:p>
+            <a:pPr algn="ctr"/>
+            <a:r>
+              <a:rPr lang="sv-SE" dirty="0"/>
+              <a:t>Collabor8</a:t>
+            </a:r>
+          </a:p>
+        </p:txBody>
+      </p:sp>
+      <p:sp>
+        <p:nvSpPr>
+          <p:cNvPr id="30" name="Rektangel 29">
+            <a:extLst>
+              <a:ext uri="{FF2B5EF4-FFF2-40B4-BE49-F238E27FC236}">
+                <a16:creationId xmlns:a16="http://schemas.microsoft.com/office/drawing/2014/main" id="{E57180AD-8944-DD6C-0A70-1233B73191F8}"/>
+              </a:ext>
+            </a:extLst>
+          </p:cNvPr>
+          <p:cNvSpPr/>
+          <p:nvPr/>
+        </p:nvSpPr>
+        <p:spPr>
+          <a:xfrm>
+            <a:off x="2968973" y="1221046"/>
+            <a:ext cx="1595023" cy="313677"/>
+          </a:xfrm>
+          <a:prstGeom prst="rect">
+            <a:avLst/>
+          </a:prstGeom>
+          <a:solidFill>
+            <a:schemeClr val="accent1">
+              <a:lumMod val="75000"/>
+            </a:schemeClr>
+          </a:solidFill>
+        </p:spPr>
+        <p:style>
+          <a:lnRef idx="2">
+            <a:schemeClr val="accent1">
+              <a:shade val="50000"/>
+            </a:schemeClr>
+          </a:lnRef>
+          <a:fillRef idx="1">
+            <a:schemeClr val="accent1"/>
+          </a:fillRef>
+          <a:effectRef idx="0">
+            <a:schemeClr val="accent1"/>
+          </a:effectRef>
+          <a:fontRef idx="minor">
+            <a:schemeClr val="lt1"/>
+          </a:fontRef>
+        </p:style>
+        <p:txBody>
+          <a:bodyPr rtlCol="0" anchor="ctr"/>
+          <a:lstStyle/>
+          <a:p>
+            <a:pPr algn="ctr"/>
+            <a:r>
+              <a:rPr lang="sv-SE" dirty="0"/>
+              <a:t>Market-CRM</a:t>
+            </a:r>
+          </a:p>
+        </p:txBody>
+      </p:sp>
+      <p:sp>
+        <p:nvSpPr>
+          <p:cNvPr id="34" name="Rektangel 33">
+            <a:extLst>
+              <a:ext uri="{FF2B5EF4-FFF2-40B4-BE49-F238E27FC236}">
+                <a16:creationId xmlns:a16="http://schemas.microsoft.com/office/drawing/2014/main" id="{0808268B-C011-17BB-A2F6-8B492DB51136}"/>
+              </a:ext>
+            </a:extLst>
+          </p:cNvPr>
+          <p:cNvSpPr/>
+          <p:nvPr/>
+        </p:nvSpPr>
+        <p:spPr>
+          <a:xfrm>
+            <a:off x="2968974" y="2482049"/>
+            <a:ext cx="5695631" cy="1630759"/>
+          </a:xfrm>
+          <a:prstGeom prst="rect">
+            <a:avLst/>
+          </a:prstGeom>
+          <a:solidFill>
+            <a:schemeClr val="accent1">
+              <a:lumMod val="75000"/>
+            </a:schemeClr>
+          </a:solidFill>
+        </p:spPr>
+        <p:style>
+          <a:lnRef idx="2">
+            <a:schemeClr val="accent1">
+              <a:shade val="50000"/>
+            </a:schemeClr>
+          </a:lnRef>
+          <a:fillRef idx="1">
+            <a:schemeClr val="accent1"/>
+          </a:fillRef>
+          <a:effectRef idx="0">
+            <a:schemeClr val="accent1"/>
+          </a:effectRef>
+          <a:fontRef idx="minor">
+            <a:schemeClr val="lt1"/>
+          </a:fontRef>
+        </p:style>
+        <p:txBody>
+          <a:bodyPr rtlCol="0" anchor="ctr"/>
+          <a:lstStyle/>
+          <a:p>
+            <a:pPr algn="ctr"/>
+            <a:r>
+              <a:rPr lang="sv-SE" dirty="0" err="1"/>
+              <a:t>Flow</a:t>
+            </a:r>
+            <a:r>
+              <a:rPr lang="sv-SE" dirty="0"/>
+              <a:t>-ERP</a:t>
+            </a:r>
+          </a:p>
+        </p:txBody>
+      </p:sp>
+      <p:cxnSp>
+        <p:nvCxnSpPr>
+          <p:cNvPr id="45" name="Rak pilkoppling 44">
+            <a:extLst>
+              <a:ext uri="{FF2B5EF4-FFF2-40B4-BE49-F238E27FC236}">
+                <a16:creationId xmlns:a16="http://schemas.microsoft.com/office/drawing/2014/main" id="{2FE05051-7CC2-E286-E88F-F8914EE2F341}"/>
+              </a:ext>
+            </a:extLst>
+          </p:cNvPr>
+          <p:cNvCxnSpPr>
+            <a:cxnSpLocks/>
+          </p:cNvCxnSpPr>
+          <p:nvPr/>
+        </p:nvCxnSpPr>
+        <p:spPr>
+          <a:xfrm flipV="1">
+            <a:off x="6690196" y="1579415"/>
+            <a:ext cx="0" cy="867966"/>
+          </a:xfrm>
+          <a:prstGeom prst="straightConnector1">
+            <a:avLst/>
+          </a:prstGeom>
+          <a:ln>
+            <a:tailEnd type="triangle"/>
+          </a:ln>
+        </p:spPr>
+        <p:style>
+          <a:lnRef idx="1">
+            <a:schemeClr val="accent1"/>
+          </a:lnRef>
+          <a:fillRef idx="0">
+            <a:schemeClr val="accent1"/>
+          </a:fillRef>
+          <a:effectRef idx="0">
+            <a:schemeClr val="accent1"/>
+          </a:effectRef>
+          <a:fontRef idx="minor">
+            <a:schemeClr val="tx1"/>
+          </a:fontRef>
+        </p:style>
+      </p:cxnSp>
+      <p:sp>
+        <p:nvSpPr>
+          <p:cNvPr id="46" name="textruta 45">
+            <a:extLst>
+              <a:ext uri="{FF2B5EF4-FFF2-40B4-BE49-F238E27FC236}">
+                <a16:creationId xmlns:a16="http://schemas.microsoft.com/office/drawing/2014/main" id="{ACC80376-42FE-5846-C687-EDA5DA8CF04C}"/>
+              </a:ext>
+            </a:extLst>
+          </p:cNvPr>
+          <p:cNvSpPr txBox="1"/>
+          <p:nvPr/>
+        </p:nvSpPr>
+        <p:spPr>
+          <a:xfrm>
+            <a:off x="6829800" y="1658008"/>
+            <a:ext cx="1059906" cy="600164"/>
+          </a:xfrm>
+          <a:prstGeom prst="rect">
+            <a:avLst/>
+          </a:prstGeom>
+          <a:noFill/>
+        </p:spPr>
+        <p:txBody>
+          <a:bodyPr wrap="none" rtlCol="0">
+            <a:spAutoFit/>
+          </a:bodyPr>
+          <a:lstStyle/>
+          <a:p>
+            <a:r>
+              <a:rPr lang="sv-SE" sz="1100" dirty="0" err="1"/>
+              <a:t>Sales</a:t>
+            </a:r>
+            <a:r>
+              <a:rPr lang="sv-SE" sz="1100" dirty="0"/>
+              <a:t>,</a:t>
+            </a:r>
+          </a:p>
+          <a:p>
+            <a:r>
+              <a:rPr lang="sv-SE" sz="1100" dirty="0" err="1"/>
+              <a:t>Capacity</a:t>
+            </a:r>
+            <a:r>
+              <a:rPr lang="sv-SE" sz="1100" dirty="0"/>
+              <a:t>,</a:t>
+            </a:r>
+          </a:p>
+          <a:p>
+            <a:r>
+              <a:rPr lang="sv-SE" sz="1100" dirty="0" err="1"/>
+              <a:t>Produced</a:t>
+            </a:r>
+            <a:r>
+              <a:rPr lang="sv-SE" sz="1100" dirty="0"/>
+              <a:t> </a:t>
+            </a:r>
+            <a:r>
+              <a:rPr lang="sv-SE" sz="1100" dirty="0" err="1"/>
+              <a:t>Units</a:t>
+            </a:r>
+            <a:endParaRPr lang="sv-SE" sz="1100" dirty="0"/>
+          </a:p>
+        </p:txBody>
+      </p:sp>
+      <p:cxnSp>
+        <p:nvCxnSpPr>
+          <p:cNvPr id="48" name="Rak pilkoppling 47">
+            <a:extLst>
+              <a:ext uri="{FF2B5EF4-FFF2-40B4-BE49-F238E27FC236}">
+                <a16:creationId xmlns:a16="http://schemas.microsoft.com/office/drawing/2014/main" id="{CA1343C9-7D1D-EF9E-CD03-3B266A845845}"/>
+              </a:ext>
+            </a:extLst>
+          </p:cNvPr>
+          <p:cNvCxnSpPr>
+            <a:cxnSpLocks/>
+          </p:cNvCxnSpPr>
+          <p:nvPr/>
+        </p:nvCxnSpPr>
+        <p:spPr>
+          <a:xfrm>
+            <a:off x="3780674" y="1579415"/>
+            <a:ext cx="0" cy="902634"/>
+          </a:xfrm>
+          <a:prstGeom prst="straightConnector1">
+            <a:avLst/>
+          </a:prstGeom>
+          <a:ln>
+            <a:tailEnd type="triangle"/>
+          </a:ln>
+        </p:spPr>
+        <p:style>
+          <a:lnRef idx="1">
+            <a:schemeClr val="accent1"/>
+          </a:lnRef>
+          <a:fillRef idx="0">
+            <a:schemeClr val="accent1"/>
+          </a:fillRef>
+          <a:effectRef idx="0">
+            <a:schemeClr val="accent1"/>
+          </a:effectRef>
+          <a:fontRef idx="minor">
+            <a:schemeClr val="tx1"/>
+          </a:fontRef>
+        </p:style>
+      </p:cxnSp>
+      <p:sp>
+        <p:nvSpPr>
+          <p:cNvPr id="50" name="textruta 49">
+            <a:extLst>
+              <a:ext uri="{FF2B5EF4-FFF2-40B4-BE49-F238E27FC236}">
+                <a16:creationId xmlns:a16="http://schemas.microsoft.com/office/drawing/2014/main" id="{102661DE-5D70-B8F7-84B4-171E70B36ACF}"/>
+              </a:ext>
+            </a:extLst>
+          </p:cNvPr>
+          <p:cNvSpPr txBox="1"/>
+          <p:nvPr/>
+        </p:nvSpPr>
+        <p:spPr>
+          <a:xfrm>
+            <a:off x="3851568" y="1845592"/>
+            <a:ext cx="647934" cy="261610"/>
+          </a:xfrm>
+          <a:prstGeom prst="rect">
+            <a:avLst/>
+          </a:prstGeom>
+          <a:noFill/>
+        </p:spPr>
+        <p:txBody>
+          <a:bodyPr wrap="none" rtlCol="0">
+            <a:spAutoFit/>
+          </a:bodyPr>
+          <a:lstStyle/>
+          <a:p>
+            <a:r>
+              <a:rPr lang="sv-SE" sz="1100" dirty="0"/>
+              <a:t>Prognos</a:t>
+            </a:r>
+          </a:p>
+        </p:txBody>
+      </p:sp>
+      <p:cxnSp>
+        <p:nvCxnSpPr>
+          <p:cNvPr id="51" name="Rak pilkoppling 50">
+            <a:extLst>
+              <a:ext uri="{FF2B5EF4-FFF2-40B4-BE49-F238E27FC236}">
+                <a16:creationId xmlns:a16="http://schemas.microsoft.com/office/drawing/2014/main" id="{E72AC851-362B-25D9-C923-A73CAE1BAED4}"/>
+              </a:ext>
+            </a:extLst>
+          </p:cNvPr>
+          <p:cNvCxnSpPr>
+            <a:cxnSpLocks/>
+          </p:cNvCxnSpPr>
+          <p:nvPr/>
+        </p:nvCxnSpPr>
+        <p:spPr>
+          <a:xfrm>
+            <a:off x="6701407" y="4189000"/>
+            <a:ext cx="0" cy="994244"/>
+          </a:xfrm>
+          <a:prstGeom prst="straightConnector1">
+            <a:avLst/>
+          </a:prstGeom>
+          <a:ln>
+            <a:headEnd type="triangle" w="med" len="med"/>
+            <a:tailEnd type="triangle" w="med" len="med"/>
+          </a:ln>
+        </p:spPr>
+        <p:style>
+          <a:lnRef idx="1">
+            <a:schemeClr val="accent1"/>
+          </a:lnRef>
+          <a:fillRef idx="0">
+            <a:schemeClr val="accent1"/>
+          </a:fillRef>
+          <a:effectRef idx="0">
+            <a:schemeClr val="accent1"/>
+          </a:effectRef>
+          <a:fontRef idx="minor">
+            <a:schemeClr val="tx1"/>
+          </a:fontRef>
+        </p:style>
+      </p:cxnSp>
+      <p:sp>
+        <p:nvSpPr>
+          <p:cNvPr id="54" name="textruta 53">
+            <a:extLst>
+              <a:ext uri="{FF2B5EF4-FFF2-40B4-BE49-F238E27FC236}">
+                <a16:creationId xmlns:a16="http://schemas.microsoft.com/office/drawing/2014/main" id="{0AA01FB3-0171-D672-BB7D-4FC4AD931336}"/>
+              </a:ext>
+            </a:extLst>
+          </p:cNvPr>
+          <p:cNvSpPr txBox="1"/>
+          <p:nvPr/>
+        </p:nvSpPr>
+        <p:spPr>
+          <a:xfrm>
+            <a:off x="6701407" y="4469844"/>
+            <a:ext cx="822661" cy="430887"/>
+          </a:xfrm>
+          <a:prstGeom prst="rect">
+            <a:avLst/>
+          </a:prstGeom>
+          <a:noFill/>
+        </p:spPr>
+        <p:txBody>
+          <a:bodyPr wrap="none" rtlCol="0">
+            <a:spAutoFit/>
+          </a:bodyPr>
+          <a:lstStyle/>
+          <a:p>
+            <a:r>
+              <a:rPr lang="sv-SE" sz="1100" dirty="0"/>
+              <a:t>Product</a:t>
+            </a:r>
+          </a:p>
+          <a:p>
+            <a:r>
+              <a:rPr lang="sv-SE" sz="1100" dirty="0" err="1"/>
+              <a:t>documents</a:t>
+            </a:r>
+            <a:endParaRPr lang="sv-SE" sz="1100" dirty="0"/>
+          </a:p>
+        </p:txBody>
+      </p:sp>
+      <p:grpSp>
+        <p:nvGrpSpPr>
+          <p:cNvPr id="21" name="Group 20">
+            <a:extLst>
+              <a:ext uri="{FF2B5EF4-FFF2-40B4-BE49-F238E27FC236}">
+                <a16:creationId xmlns:a16="http://schemas.microsoft.com/office/drawing/2014/main" id="{9BC5C5FB-9A7B-0551-2102-FE3BC41C4ED9}"/>
+              </a:ext>
+            </a:extLst>
+          </p:cNvPr>
+          <p:cNvGrpSpPr/>
+          <p:nvPr/>
+        </p:nvGrpSpPr>
+        <p:grpSpPr>
+          <a:xfrm>
+            <a:off x="350397" y="3670175"/>
+            <a:ext cx="735018" cy="1370383"/>
+            <a:chOff x="363249" y="3460169"/>
+            <a:chExt cx="735018" cy="1370383"/>
+          </a:xfrm>
+        </p:grpSpPr>
+        <p:grpSp>
+          <p:nvGrpSpPr>
+            <p:cNvPr id="11" name="Group 10">
+              <a:extLst>
+                <a:ext uri="{FF2B5EF4-FFF2-40B4-BE49-F238E27FC236}">
+                  <a16:creationId xmlns:a16="http://schemas.microsoft.com/office/drawing/2014/main" id="{12C253FC-B1A5-33C0-EA73-594FEF36FDA3}"/>
+                </a:ext>
+              </a:extLst>
+            </p:cNvPr>
+            <p:cNvGrpSpPr/>
+            <p:nvPr/>
+          </p:nvGrpSpPr>
+          <p:grpSpPr>
+            <a:xfrm>
+              <a:off x="363249" y="3460169"/>
+              <a:ext cx="735018" cy="917429"/>
+              <a:chOff x="488962" y="2820360"/>
+              <a:chExt cx="735018" cy="917429"/>
+            </a:xfrm>
+          </p:grpSpPr>
+          <p:pic>
+            <p:nvPicPr>
+              <p:cNvPr id="6" name="Graphic 5">
+                <a:extLst>
+                  <a:ext uri="{FF2B5EF4-FFF2-40B4-BE49-F238E27FC236}">
+                    <a16:creationId xmlns:a16="http://schemas.microsoft.com/office/drawing/2014/main" id="{3F035542-674A-E64A-5EED-BF7021DCE85B}"/>
+                  </a:ext>
+                </a:extLst>
+              </p:cNvPr>
+              <p:cNvPicPr>
+                <a:picLocks noChangeAspect="1"/>
+              </p:cNvPicPr>
+              <p:nvPr/>
+            </p:nvPicPr>
+            <p:blipFill>
+              <a:blip r:embed="rId2">
+                <a:extLst>
+                  <a:ext uri="{28A0092B-C50C-407E-A947-70E740481C1C}">
+                    <a14:useLocalDpi xmlns:a14="http://schemas.microsoft.com/office/drawing/2010/main" val="0"/>
+                  </a:ext>
+                  <a:ext uri="{96DAC541-7B7A-43D3-8B79-37D633B846F1}">
+                    <asvg:svgBlip xmlns:asvg="http://schemas.microsoft.com/office/drawing/2016/SVG/main" r:embed="rId3"/>
+                  </a:ext>
+                </a:extLst>
+              </a:blip>
+              <a:stretch>
+                <a:fillRect/>
+              </a:stretch>
+            </p:blipFill>
+            <p:spPr>
+              <a:xfrm>
+                <a:off x="819285" y="2820360"/>
+                <a:ext cx="367509" cy="420010"/>
+              </a:xfrm>
+              <a:prstGeom prst="rect">
+                <a:avLst/>
+              </a:prstGeom>
+            </p:spPr>
+          </p:pic>
+          <p:pic>
+            <p:nvPicPr>
+              <p:cNvPr id="7" name="Graphic 6">
+                <a:extLst>
+                  <a:ext uri="{FF2B5EF4-FFF2-40B4-BE49-F238E27FC236}">
+                    <a16:creationId xmlns:a16="http://schemas.microsoft.com/office/drawing/2014/main" id="{9FC8AF36-2797-C10E-BFCC-50CDC6216FDB}"/>
+                  </a:ext>
+                </a:extLst>
+              </p:cNvPr>
+              <p:cNvPicPr>
+                <a:picLocks noChangeAspect="1"/>
+              </p:cNvPicPr>
+              <p:nvPr/>
+            </p:nvPicPr>
+            <p:blipFill>
+              <a:blip r:embed="rId2">
+                <a:extLst>
+                  <a:ext uri="{28A0092B-C50C-407E-A947-70E740481C1C}">
+                    <a14:useLocalDpi xmlns:a14="http://schemas.microsoft.com/office/drawing/2010/main" val="0"/>
+                  </a:ext>
+                  <a:ext uri="{96DAC541-7B7A-43D3-8B79-37D633B846F1}">
+                    <asvg:svgBlip xmlns:asvg="http://schemas.microsoft.com/office/drawing/2016/SVG/main" r:embed="rId3"/>
+                  </a:ext>
+                </a:extLst>
+              </a:blip>
+              <a:stretch>
+                <a:fillRect/>
+              </a:stretch>
+            </p:blipFill>
+            <p:spPr>
+              <a:xfrm>
+                <a:off x="488962" y="3030365"/>
+                <a:ext cx="367509" cy="420010"/>
+              </a:xfrm>
+              <a:prstGeom prst="rect">
+                <a:avLst/>
+              </a:prstGeom>
+            </p:spPr>
+          </p:pic>
+          <p:pic>
+            <p:nvPicPr>
+              <p:cNvPr id="8" name="Graphic 7">
+                <a:extLst>
+                  <a:ext uri="{FF2B5EF4-FFF2-40B4-BE49-F238E27FC236}">
+                    <a16:creationId xmlns:a16="http://schemas.microsoft.com/office/drawing/2014/main" id="{3393677E-6607-99C6-1C17-0342E40D9C0D}"/>
+                  </a:ext>
+                </a:extLst>
+              </p:cNvPr>
+              <p:cNvPicPr>
+                <a:picLocks noChangeAspect="1"/>
+              </p:cNvPicPr>
+              <p:nvPr/>
+            </p:nvPicPr>
+            <p:blipFill>
+              <a:blip r:embed="rId2">
+                <a:extLst>
+                  <a:ext uri="{28A0092B-C50C-407E-A947-70E740481C1C}">
+                    <a14:useLocalDpi xmlns:a14="http://schemas.microsoft.com/office/drawing/2010/main" val="0"/>
+                  </a:ext>
+                  <a:ext uri="{96DAC541-7B7A-43D3-8B79-37D633B846F1}">
+                    <asvg:svgBlip xmlns:asvg="http://schemas.microsoft.com/office/drawing/2016/SVG/main" r:embed="rId3"/>
+                  </a:ext>
+                </a:extLst>
+              </a:blip>
+              <a:stretch>
+                <a:fillRect/>
+              </a:stretch>
+            </p:blipFill>
+            <p:spPr>
+              <a:xfrm>
+                <a:off x="856471" y="3317779"/>
+                <a:ext cx="367509" cy="420010"/>
+              </a:xfrm>
+              <a:prstGeom prst="rect">
+                <a:avLst/>
+              </a:prstGeom>
+            </p:spPr>
+          </p:pic>
+        </p:grpSp>
+        <p:sp>
+          <p:nvSpPr>
+            <p:cNvPr id="9" name="textruta 53">
+              <a:extLst>
+                <a:ext uri="{FF2B5EF4-FFF2-40B4-BE49-F238E27FC236}">
+                  <a16:creationId xmlns:a16="http://schemas.microsoft.com/office/drawing/2014/main" id="{6B2E446A-1957-18AB-AC4A-ACA9F919C252}"/>
+                </a:ext>
+              </a:extLst>
+            </p:cNvPr>
+            <p:cNvSpPr txBox="1"/>
+            <p:nvPr/>
+          </p:nvSpPr>
+          <p:spPr>
+            <a:xfrm>
+              <a:off x="422174" y="4399665"/>
+              <a:ext cx="567784" cy="430887"/>
+            </a:xfrm>
+            <a:prstGeom prst="rect">
+              <a:avLst/>
+            </a:prstGeom>
+            <a:noFill/>
+          </p:spPr>
+          <p:txBody>
+            <a:bodyPr wrap="none" rtlCol="0">
+              <a:spAutoFit/>
+            </a:bodyPr>
+            <a:lstStyle/>
+            <a:p>
+              <a:r>
+                <a:rPr lang="sv-SE" sz="1100" dirty="0"/>
+                <a:t>Design</a:t>
+              </a:r>
+            </a:p>
+            <a:p>
+              <a:r>
+                <a:rPr lang="sv-SE" sz="1100" dirty="0"/>
+                <a:t>Users</a:t>
+              </a:r>
+            </a:p>
+          </p:txBody>
+        </p:sp>
+      </p:grpSp>
+      <p:sp>
+        <p:nvSpPr>
+          <p:cNvPr id="10" name="textruta 53">
+            <a:extLst>
+              <a:ext uri="{FF2B5EF4-FFF2-40B4-BE49-F238E27FC236}">
+                <a16:creationId xmlns:a16="http://schemas.microsoft.com/office/drawing/2014/main" id="{46E2F325-1750-BAB9-F735-50387FAF3B00}"/>
+              </a:ext>
+            </a:extLst>
+          </p:cNvPr>
+          <p:cNvSpPr txBox="1"/>
+          <p:nvPr/>
+        </p:nvSpPr>
+        <p:spPr>
+          <a:xfrm>
+            <a:off x="10545965" y="2123203"/>
+            <a:ext cx="785793" cy="261610"/>
+          </a:xfrm>
+          <a:prstGeom prst="rect">
+            <a:avLst/>
+          </a:prstGeom>
+          <a:noFill/>
+        </p:spPr>
+        <p:txBody>
+          <a:bodyPr wrap="none" rtlCol="0">
+            <a:spAutoFit/>
+          </a:bodyPr>
+          <a:lstStyle/>
+          <a:p>
+            <a:r>
+              <a:rPr lang="sv-SE" sz="1100" dirty="0"/>
+              <a:t>Executives</a:t>
+            </a:r>
+          </a:p>
+        </p:txBody>
+      </p:sp>
+      <p:grpSp>
+        <p:nvGrpSpPr>
+          <p:cNvPr id="12" name="Group 11">
+            <a:extLst>
+              <a:ext uri="{FF2B5EF4-FFF2-40B4-BE49-F238E27FC236}">
+                <a16:creationId xmlns:a16="http://schemas.microsoft.com/office/drawing/2014/main" id="{3C4DF31E-980F-3D14-0F76-7E090466E0A5}"/>
+              </a:ext>
+            </a:extLst>
+          </p:cNvPr>
+          <p:cNvGrpSpPr/>
+          <p:nvPr/>
+        </p:nvGrpSpPr>
+        <p:grpSpPr>
+          <a:xfrm>
+            <a:off x="10571352" y="2384813"/>
+            <a:ext cx="735018" cy="917429"/>
+            <a:chOff x="488962" y="2820360"/>
+            <a:chExt cx="735018" cy="917429"/>
+          </a:xfrm>
+        </p:grpSpPr>
+        <p:pic>
+          <p:nvPicPr>
+            <p:cNvPr id="13" name="Graphic 12">
+              <a:extLst>
+                <a:ext uri="{FF2B5EF4-FFF2-40B4-BE49-F238E27FC236}">
+                  <a16:creationId xmlns:a16="http://schemas.microsoft.com/office/drawing/2014/main" id="{1E14C53E-6477-79B9-3C1E-A9E9F08F9A43}"/>
+                </a:ext>
+              </a:extLst>
+            </p:cNvPr>
+            <p:cNvPicPr>
+              <a:picLocks noChangeAspect="1"/>
+            </p:cNvPicPr>
+            <p:nvPr/>
+          </p:nvPicPr>
+          <p:blipFill>
+            <a:blip r:embed="rId2">
+              <a:extLst>
+                <a:ext uri="{28A0092B-C50C-407E-A947-70E740481C1C}">
+                  <a14:useLocalDpi xmlns:a14="http://schemas.microsoft.com/office/drawing/2010/main" val="0"/>
+                </a:ext>
+                <a:ext uri="{96DAC541-7B7A-43D3-8B79-37D633B846F1}">
+                  <asvg:svgBlip xmlns:asvg="http://schemas.microsoft.com/office/drawing/2016/SVG/main" r:embed="rId3"/>
+                </a:ext>
+              </a:extLst>
+            </a:blip>
+            <a:stretch>
+              <a:fillRect/>
+            </a:stretch>
+          </p:blipFill>
+          <p:spPr>
+            <a:xfrm>
+              <a:off x="819285" y="2820360"/>
+              <a:ext cx="367509" cy="420010"/>
+            </a:xfrm>
+            <a:prstGeom prst="rect">
+              <a:avLst/>
+            </a:prstGeom>
+          </p:spPr>
+        </p:pic>
+        <p:pic>
+          <p:nvPicPr>
+            <p:cNvPr id="14" name="Graphic 13">
+              <a:extLst>
+                <a:ext uri="{FF2B5EF4-FFF2-40B4-BE49-F238E27FC236}">
+                  <a16:creationId xmlns:a16="http://schemas.microsoft.com/office/drawing/2014/main" id="{797E7647-A324-FDBD-2D0F-49D3F6362242}"/>
+                </a:ext>
+              </a:extLst>
+            </p:cNvPr>
+            <p:cNvPicPr>
+              <a:picLocks noChangeAspect="1"/>
+            </p:cNvPicPr>
+            <p:nvPr/>
+          </p:nvPicPr>
+          <p:blipFill>
+            <a:blip r:embed="rId2">
+              <a:extLst>
+                <a:ext uri="{28A0092B-C50C-407E-A947-70E740481C1C}">
+                  <a14:useLocalDpi xmlns:a14="http://schemas.microsoft.com/office/drawing/2010/main" val="0"/>
+                </a:ext>
+                <a:ext uri="{96DAC541-7B7A-43D3-8B79-37D633B846F1}">
+                  <asvg:svgBlip xmlns:asvg="http://schemas.microsoft.com/office/drawing/2016/SVG/main" r:embed="rId3"/>
+                </a:ext>
+              </a:extLst>
+            </a:blip>
+            <a:stretch>
+              <a:fillRect/>
+            </a:stretch>
+          </p:blipFill>
+          <p:spPr>
+            <a:xfrm>
+              <a:off x="488962" y="3030365"/>
+              <a:ext cx="367509" cy="420010"/>
+            </a:xfrm>
+            <a:prstGeom prst="rect">
+              <a:avLst/>
+            </a:prstGeom>
+          </p:spPr>
+        </p:pic>
+        <p:pic>
+          <p:nvPicPr>
+            <p:cNvPr id="15" name="Graphic 14">
+              <a:extLst>
+                <a:ext uri="{FF2B5EF4-FFF2-40B4-BE49-F238E27FC236}">
+                  <a16:creationId xmlns:a16="http://schemas.microsoft.com/office/drawing/2014/main" id="{CED103DB-BA12-F103-C035-143CF531064D}"/>
+                </a:ext>
+              </a:extLst>
+            </p:cNvPr>
+            <p:cNvPicPr>
+              <a:picLocks noChangeAspect="1"/>
+            </p:cNvPicPr>
+            <p:nvPr/>
+          </p:nvPicPr>
+          <p:blipFill>
+            <a:blip r:embed="rId2">
+              <a:extLst>
+                <a:ext uri="{28A0092B-C50C-407E-A947-70E740481C1C}">
+                  <a14:useLocalDpi xmlns:a14="http://schemas.microsoft.com/office/drawing/2010/main" val="0"/>
+                </a:ext>
+                <a:ext uri="{96DAC541-7B7A-43D3-8B79-37D633B846F1}">
+                  <asvg:svgBlip xmlns:asvg="http://schemas.microsoft.com/office/drawing/2016/SVG/main" r:embed="rId3"/>
+                </a:ext>
+              </a:extLst>
+            </a:blip>
+            <a:stretch>
+              <a:fillRect/>
+            </a:stretch>
+          </p:blipFill>
+          <p:spPr>
+            <a:xfrm>
+              <a:off x="856471" y="3317779"/>
+              <a:ext cx="367509" cy="420010"/>
+            </a:xfrm>
+            <a:prstGeom prst="rect">
+              <a:avLst/>
+            </a:prstGeom>
+          </p:spPr>
+        </p:pic>
+      </p:grpSp>
+      <p:grpSp>
+        <p:nvGrpSpPr>
+          <p:cNvPr id="22" name="Group 21">
+            <a:extLst>
+              <a:ext uri="{FF2B5EF4-FFF2-40B4-BE49-F238E27FC236}">
+                <a16:creationId xmlns:a16="http://schemas.microsoft.com/office/drawing/2014/main" id="{22E36592-D119-38B6-F5E4-EA9D94BC09EC}"/>
+              </a:ext>
+            </a:extLst>
+          </p:cNvPr>
+          <p:cNvGrpSpPr/>
+          <p:nvPr/>
+        </p:nvGrpSpPr>
+        <p:grpSpPr>
+          <a:xfrm>
+            <a:off x="202380" y="1926099"/>
+            <a:ext cx="1031051" cy="1371329"/>
+            <a:chOff x="285941" y="1112264"/>
+            <a:chExt cx="1031051" cy="1371329"/>
+          </a:xfrm>
+        </p:grpSpPr>
+        <p:grpSp>
+          <p:nvGrpSpPr>
+            <p:cNvPr id="16" name="Group 15">
+              <a:extLst>
+                <a:ext uri="{FF2B5EF4-FFF2-40B4-BE49-F238E27FC236}">
+                  <a16:creationId xmlns:a16="http://schemas.microsoft.com/office/drawing/2014/main" id="{DC8E7DE0-BB90-5EB7-CDF9-3AED65933B5E}"/>
+                </a:ext>
+              </a:extLst>
+            </p:cNvPr>
+            <p:cNvGrpSpPr/>
+            <p:nvPr/>
+          </p:nvGrpSpPr>
+          <p:grpSpPr>
+            <a:xfrm>
+              <a:off x="410770" y="1112264"/>
+              <a:ext cx="735018" cy="917429"/>
+              <a:chOff x="488962" y="2820360"/>
+              <a:chExt cx="735018" cy="917429"/>
+            </a:xfrm>
+          </p:grpSpPr>
+          <p:pic>
+            <p:nvPicPr>
+              <p:cNvPr id="17" name="Graphic 16">
+                <a:extLst>
+                  <a:ext uri="{FF2B5EF4-FFF2-40B4-BE49-F238E27FC236}">
+                    <a16:creationId xmlns:a16="http://schemas.microsoft.com/office/drawing/2014/main" id="{4D5B6D3F-9226-9FAA-41D6-A11BA0664557}"/>
+                  </a:ext>
+                </a:extLst>
+              </p:cNvPr>
+              <p:cNvPicPr>
+                <a:picLocks noChangeAspect="1"/>
+              </p:cNvPicPr>
+              <p:nvPr/>
+            </p:nvPicPr>
+            <p:blipFill>
+              <a:blip r:embed="rId2">
+                <a:extLst>
+                  <a:ext uri="{28A0092B-C50C-407E-A947-70E740481C1C}">
+                    <a14:useLocalDpi xmlns:a14="http://schemas.microsoft.com/office/drawing/2010/main" val="0"/>
+                  </a:ext>
+                  <a:ext uri="{96DAC541-7B7A-43D3-8B79-37D633B846F1}">
+                    <asvg:svgBlip xmlns:asvg="http://schemas.microsoft.com/office/drawing/2016/SVG/main" r:embed="rId3"/>
+                  </a:ext>
+                </a:extLst>
+              </a:blip>
+              <a:stretch>
+                <a:fillRect/>
+              </a:stretch>
+            </p:blipFill>
+            <p:spPr>
+              <a:xfrm>
+                <a:off x="819285" y="2820360"/>
+                <a:ext cx="367509" cy="420010"/>
+              </a:xfrm>
+              <a:prstGeom prst="rect">
+                <a:avLst/>
+              </a:prstGeom>
+            </p:spPr>
+          </p:pic>
+          <p:pic>
+            <p:nvPicPr>
+              <p:cNvPr id="18" name="Graphic 17">
+                <a:extLst>
+                  <a:ext uri="{FF2B5EF4-FFF2-40B4-BE49-F238E27FC236}">
+                    <a16:creationId xmlns:a16="http://schemas.microsoft.com/office/drawing/2014/main" id="{96E4C5CE-4DA3-8815-DA58-89FD364F389C}"/>
+                  </a:ext>
+                </a:extLst>
+              </p:cNvPr>
+              <p:cNvPicPr>
+                <a:picLocks noChangeAspect="1"/>
+              </p:cNvPicPr>
+              <p:nvPr/>
+            </p:nvPicPr>
+            <p:blipFill>
+              <a:blip r:embed="rId2">
+                <a:extLst>
+                  <a:ext uri="{28A0092B-C50C-407E-A947-70E740481C1C}">
+                    <a14:useLocalDpi xmlns:a14="http://schemas.microsoft.com/office/drawing/2010/main" val="0"/>
+                  </a:ext>
+                  <a:ext uri="{96DAC541-7B7A-43D3-8B79-37D633B846F1}">
+                    <asvg:svgBlip xmlns:asvg="http://schemas.microsoft.com/office/drawing/2016/SVG/main" r:embed="rId3"/>
+                  </a:ext>
+                </a:extLst>
+              </a:blip>
+              <a:stretch>
+                <a:fillRect/>
+              </a:stretch>
+            </p:blipFill>
+            <p:spPr>
+              <a:xfrm>
+                <a:off x="488962" y="3030365"/>
+                <a:ext cx="367509" cy="420010"/>
+              </a:xfrm>
+              <a:prstGeom prst="rect">
+                <a:avLst/>
+              </a:prstGeom>
+            </p:spPr>
+          </p:pic>
+          <p:pic>
+            <p:nvPicPr>
+              <p:cNvPr id="19" name="Graphic 18">
+                <a:extLst>
+                  <a:ext uri="{FF2B5EF4-FFF2-40B4-BE49-F238E27FC236}">
+                    <a16:creationId xmlns:a16="http://schemas.microsoft.com/office/drawing/2014/main" id="{BD71C181-D83A-415D-A96B-58DDFD17E2D4}"/>
+                  </a:ext>
+                </a:extLst>
+              </p:cNvPr>
+              <p:cNvPicPr>
+                <a:picLocks noChangeAspect="1"/>
+              </p:cNvPicPr>
+              <p:nvPr/>
+            </p:nvPicPr>
+            <p:blipFill>
+              <a:blip r:embed="rId2">
+                <a:extLst>
+                  <a:ext uri="{28A0092B-C50C-407E-A947-70E740481C1C}">
+                    <a14:useLocalDpi xmlns:a14="http://schemas.microsoft.com/office/drawing/2010/main" val="0"/>
+                  </a:ext>
+                  <a:ext uri="{96DAC541-7B7A-43D3-8B79-37D633B846F1}">
+                    <asvg:svgBlip xmlns:asvg="http://schemas.microsoft.com/office/drawing/2016/SVG/main" r:embed="rId3"/>
+                  </a:ext>
+                </a:extLst>
+              </a:blip>
+              <a:stretch>
+                <a:fillRect/>
+              </a:stretch>
+            </p:blipFill>
+            <p:spPr>
+              <a:xfrm>
+                <a:off x="856471" y="3317779"/>
+                <a:ext cx="367509" cy="420010"/>
+              </a:xfrm>
+              <a:prstGeom prst="rect">
+                <a:avLst/>
+              </a:prstGeom>
+            </p:spPr>
+          </p:pic>
+        </p:grpSp>
+        <p:sp>
+          <p:nvSpPr>
+            <p:cNvPr id="20" name="textruta 53">
+              <a:extLst>
+                <a:ext uri="{FF2B5EF4-FFF2-40B4-BE49-F238E27FC236}">
+                  <a16:creationId xmlns:a16="http://schemas.microsoft.com/office/drawing/2014/main" id="{77B2CA2A-18E8-FA3D-6CAF-AE3522C35FE0}"/>
+                </a:ext>
+              </a:extLst>
+            </p:cNvPr>
+            <p:cNvSpPr txBox="1"/>
+            <p:nvPr/>
+          </p:nvSpPr>
+          <p:spPr>
+            <a:xfrm>
+              <a:off x="285941" y="2052706"/>
+              <a:ext cx="1031051" cy="430887"/>
+            </a:xfrm>
+            <a:prstGeom prst="rect">
+              <a:avLst/>
+            </a:prstGeom>
+            <a:noFill/>
+          </p:spPr>
+          <p:txBody>
+            <a:bodyPr wrap="none" rtlCol="0">
+              <a:spAutoFit/>
+            </a:bodyPr>
+            <a:lstStyle/>
+            <a:p>
+              <a:r>
+                <a:rPr lang="sv-SE" sz="1100" dirty="0"/>
+                <a:t>Manufacturing</a:t>
+              </a:r>
+            </a:p>
+            <a:p>
+              <a:r>
+                <a:rPr lang="sv-SE" sz="1100" dirty="0"/>
+                <a:t>Users</a:t>
+              </a:r>
+            </a:p>
+          </p:txBody>
+        </p:sp>
+      </p:grpSp>
+      <p:cxnSp>
+        <p:nvCxnSpPr>
+          <p:cNvPr id="25" name="Straight Arrow Connector 24">
+            <a:extLst>
+              <a:ext uri="{FF2B5EF4-FFF2-40B4-BE49-F238E27FC236}">
+                <a16:creationId xmlns:a16="http://schemas.microsoft.com/office/drawing/2014/main" id="{9B33D104-B0F9-F50F-37EC-B627B62E81AA}"/>
+              </a:ext>
+            </a:extLst>
+          </p:cNvPr>
+          <p:cNvCxnSpPr/>
+          <p:nvPr/>
+        </p:nvCxnSpPr>
+        <p:spPr>
+          <a:xfrm>
+            <a:off x="1227593" y="3912973"/>
+            <a:ext cx="1631706" cy="0"/>
+          </a:xfrm>
+          <a:prstGeom prst="straightConnector1">
+            <a:avLst/>
+          </a:prstGeom>
+          <a:ln>
+            <a:headEnd type="none" w="med" len="med"/>
+            <a:tailEnd type="triangle" w="med" len="med"/>
+          </a:ln>
+        </p:spPr>
+        <p:style>
+          <a:lnRef idx="1">
+            <a:schemeClr val="accent1"/>
+          </a:lnRef>
+          <a:fillRef idx="0">
+            <a:schemeClr val="accent1"/>
+          </a:fillRef>
+          <a:effectRef idx="0">
+            <a:schemeClr val="accent1"/>
+          </a:effectRef>
+          <a:fontRef idx="minor">
+            <a:schemeClr val="tx1"/>
+          </a:fontRef>
+        </p:style>
+      </p:cxnSp>
+      <p:cxnSp>
+        <p:nvCxnSpPr>
+          <p:cNvPr id="28" name="Straight Arrow Connector 27">
+            <a:extLst>
+              <a:ext uri="{FF2B5EF4-FFF2-40B4-BE49-F238E27FC236}">
+                <a16:creationId xmlns:a16="http://schemas.microsoft.com/office/drawing/2014/main" id="{6070C025-2109-FDA7-2285-A050B2871B28}"/>
+              </a:ext>
+            </a:extLst>
+          </p:cNvPr>
+          <p:cNvCxnSpPr>
+            <a:cxnSpLocks/>
+          </p:cNvCxnSpPr>
+          <p:nvPr/>
+        </p:nvCxnSpPr>
+        <p:spPr>
+          <a:xfrm>
+            <a:off x="1227593" y="2633523"/>
+            <a:ext cx="1631706" cy="0"/>
+          </a:xfrm>
+          <a:prstGeom prst="straightConnector1">
+            <a:avLst/>
+          </a:prstGeom>
+          <a:ln>
+            <a:headEnd type="triangle" w="med" len="med"/>
+            <a:tailEnd type="triangle" w="med" len="med"/>
+          </a:ln>
+        </p:spPr>
+        <p:style>
+          <a:lnRef idx="1">
+            <a:schemeClr val="accent1"/>
+          </a:lnRef>
+          <a:fillRef idx="0">
+            <a:schemeClr val="accent1"/>
+          </a:fillRef>
+          <a:effectRef idx="0">
+            <a:schemeClr val="accent1"/>
+          </a:effectRef>
+          <a:fontRef idx="minor">
+            <a:schemeClr val="tx1"/>
+          </a:fontRef>
+        </p:style>
+      </p:cxnSp>
+      <p:cxnSp>
+        <p:nvCxnSpPr>
+          <p:cNvPr id="31" name="Straight Arrow Connector 30">
+            <a:extLst>
+              <a:ext uri="{FF2B5EF4-FFF2-40B4-BE49-F238E27FC236}">
+                <a16:creationId xmlns:a16="http://schemas.microsoft.com/office/drawing/2014/main" id="{17F6E6B3-983C-9A0D-B9AE-F49B434BD078}"/>
+              </a:ext>
+            </a:extLst>
+          </p:cNvPr>
+          <p:cNvCxnSpPr>
+            <a:cxnSpLocks/>
+          </p:cNvCxnSpPr>
+          <p:nvPr/>
+        </p:nvCxnSpPr>
+        <p:spPr>
+          <a:xfrm>
+            <a:off x="8777893" y="2797982"/>
+            <a:ext cx="1631706" cy="0"/>
+          </a:xfrm>
+          <a:prstGeom prst="straightConnector1">
+            <a:avLst/>
+          </a:prstGeom>
+          <a:ln>
+            <a:headEnd type="none" w="med" len="med"/>
+            <a:tailEnd type="triangle" w="med" len="med"/>
+          </a:ln>
+        </p:spPr>
+        <p:style>
+          <a:lnRef idx="1">
+            <a:schemeClr val="accent1"/>
+          </a:lnRef>
+          <a:fillRef idx="0">
+            <a:schemeClr val="accent1"/>
+          </a:fillRef>
+          <a:effectRef idx="0">
+            <a:schemeClr val="accent1"/>
+          </a:effectRef>
+          <a:fontRef idx="minor">
+            <a:schemeClr val="tx1"/>
+          </a:fontRef>
+        </p:style>
+      </p:cxnSp>
+      <p:sp>
+        <p:nvSpPr>
+          <p:cNvPr id="32" name="textruta 49">
+            <a:extLst>
+              <a:ext uri="{FF2B5EF4-FFF2-40B4-BE49-F238E27FC236}">
+                <a16:creationId xmlns:a16="http://schemas.microsoft.com/office/drawing/2014/main" id="{8E6DA152-596D-EE05-1DEA-8370E2FA7F5C}"/>
+              </a:ext>
+            </a:extLst>
+          </p:cNvPr>
+          <p:cNvSpPr txBox="1"/>
+          <p:nvPr/>
+        </p:nvSpPr>
+        <p:spPr>
+          <a:xfrm>
+            <a:off x="1450178" y="2209984"/>
+            <a:ext cx="1268296" cy="430887"/>
+          </a:xfrm>
+          <a:prstGeom prst="rect">
+            <a:avLst/>
+          </a:prstGeom>
+          <a:noFill/>
+        </p:spPr>
+        <p:txBody>
+          <a:bodyPr wrap="none" rtlCol="0">
+            <a:spAutoFit/>
+          </a:bodyPr>
+          <a:lstStyle/>
+          <a:p>
+            <a:r>
+              <a:rPr lang="sv-SE" sz="1100" dirty="0"/>
+              <a:t>Production Orders </a:t>
+            </a:r>
+          </a:p>
+          <a:p>
+            <a:r>
+              <a:rPr lang="sv-SE" sz="1100" dirty="0"/>
+              <a:t>and Planning</a:t>
+            </a:r>
+          </a:p>
+        </p:txBody>
+      </p:sp>
+      <p:sp>
+        <p:nvSpPr>
+          <p:cNvPr id="33" name="textruta 49">
+            <a:extLst>
+              <a:ext uri="{FF2B5EF4-FFF2-40B4-BE49-F238E27FC236}">
+                <a16:creationId xmlns:a16="http://schemas.microsoft.com/office/drawing/2014/main" id="{7CF0819A-1F0E-7C85-B472-25EEAE70376C}"/>
+              </a:ext>
+            </a:extLst>
+          </p:cNvPr>
+          <p:cNvSpPr txBox="1"/>
+          <p:nvPr/>
+        </p:nvSpPr>
+        <p:spPr>
+          <a:xfrm>
+            <a:off x="1522946" y="3429000"/>
+            <a:ext cx="957313" cy="430887"/>
+          </a:xfrm>
+          <a:prstGeom prst="rect">
+            <a:avLst/>
+          </a:prstGeom>
+          <a:noFill/>
+        </p:spPr>
+        <p:txBody>
+          <a:bodyPr wrap="none" rtlCol="0">
+            <a:spAutoFit/>
+          </a:bodyPr>
+          <a:lstStyle/>
+          <a:p>
+            <a:r>
+              <a:rPr lang="sv-SE" sz="1100" dirty="0"/>
+              <a:t>Materiel </a:t>
+            </a:r>
+          </a:p>
+          <a:p>
+            <a:r>
+              <a:rPr lang="sv-SE" sz="1100" dirty="0"/>
+              <a:t>specifications</a:t>
+            </a:r>
+          </a:p>
+        </p:txBody>
+      </p:sp>
+      <p:sp>
+        <p:nvSpPr>
+          <p:cNvPr id="35" name="textruta 49">
+            <a:extLst>
+              <a:ext uri="{FF2B5EF4-FFF2-40B4-BE49-F238E27FC236}">
+                <a16:creationId xmlns:a16="http://schemas.microsoft.com/office/drawing/2014/main" id="{B0A0665E-2E59-4677-0F19-B0A6E647A123}"/>
+              </a:ext>
+            </a:extLst>
+          </p:cNvPr>
+          <p:cNvSpPr txBox="1"/>
+          <p:nvPr/>
+        </p:nvSpPr>
+        <p:spPr>
+          <a:xfrm>
+            <a:off x="9095601" y="2510066"/>
+            <a:ext cx="889987" cy="261610"/>
+          </a:xfrm>
+          <a:prstGeom prst="rect">
+            <a:avLst/>
+          </a:prstGeom>
+          <a:noFill/>
+        </p:spPr>
+        <p:txBody>
+          <a:bodyPr wrap="none" rtlCol="0">
+            <a:spAutoFit/>
+          </a:bodyPr>
+          <a:lstStyle/>
+          <a:p>
+            <a:r>
+              <a:rPr lang="sv-SE" sz="1100" dirty="0"/>
+              <a:t>Daily Report</a:t>
+            </a:r>
+          </a:p>
+        </p:txBody>
+      </p:sp>
+      <p:pic>
+        <p:nvPicPr>
+          <p:cNvPr id="38" name="Picture 37">
+            <a:extLst>
+              <a:ext uri="{FF2B5EF4-FFF2-40B4-BE49-F238E27FC236}">
+                <a16:creationId xmlns:a16="http://schemas.microsoft.com/office/drawing/2014/main" id="{419BD2E3-13D5-8438-8BEF-B56836FBF769}"/>
+              </a:ext>
+            </a:extLst>
+          </p:cNvPr>
+          <p:cNvPicPr>
+            <a:picLocks noChangeAspect="1"/>
+          </p:cNvPicPr>
+          <p:nvPr/>
+        </p:nvPicPr>
+        <p:blipFill>
+          <a:blip r:embed="rId4"/>
+          <a:stretch>
+            <a:fillRect/>
+          </a:stretch>
+        </p:blipFill>
+        <p:spPr>
+          <a:xfrm>
+            <a:off x="3788850" y="5257767"/>
+            <a:ext cx="553143" cy="442514"/>
+          </a:xfrm>
+          <a:prstGeom prst="rect">
+            <a:avLst/>
+          </a:prstGeom>
+        </p:spPr>
+      </p:pic>
+      <p:cxnSp>
+        <p:nvCxnSpPr>
+          <p:cNvPr id="39" name="Rak pilkoppling 47">
+            <a:extLst>
+              <a:ext uri="{FF2B5EF4-FFF2-40B4-BE49-F238E27FC236}">
+                <a16:creationId xmlns:a16="http://schemas.microsoft.com/office/drawing/2014/main" id="{586E7F4F-79FF-4755-00E0-2AEF61384DDA}"/>
+              </a:ext>
+            </a:extLst>
+          </p:cNvPr>
+          <p:cNvCxnSpPr>
+            <a:cxnSpLocks/>
+          </p:cNvCxnSpPr>
+          <p:nvPr/>
+        </p:nvCxnSpPr>
+        <p:spPr>
+          <a:xfrm>
+            <a:off x="4065422" y="4212007"/>
+            <a:ext cx="0" cy="902634"/>
+          </a:xfrm>
+          <a:prstGeom prst="straightConnector1">
+            <a:avLst/>
+          </a:prstGeom>
+          <a:ln>
+            <a:tailEnd type="triangle"/>
+          </a:ln>
+        </p:spPr>
+        <p:style>
+          <a:lnRef idx="1">
+            <a:schemeClr val="accent1"/>
+          </a:lnRef>
+          <a:fillRef idx="0">
+            <a:schemeClr val="accent1"/>
+          </a:fillRef>
+          <a:effectRef idx="0">
+            <a:schemeClr val="accent1"/>
+          </a:effectRef>
+          <a:fontRef idx="minor">
+            <a:schemeClr val="tx1"/>
+          </a:fontRef>
+        </p:style>
+      </p:cxnSp>
+      <p:sp>
+        <p:nvSpPr>
+          <p:cNvPr id="40" name="textruta 49">
+            <a:extLst>
+              <a:ext uri="{FF2B5EF4-FFF2-40B4-BE49-F238E27FC236}">
+                <a16:creationId xmlns:a16="http://schemas.microsoft.com/office/drawing/2014/main" id="{8523D9A3-6612-0CA6-215C-040685F2073F}"/>
+              </a:ext>
+            </a:extLst>
+          </p:cNvPr>
+          <p:cNvSpPr txBox="1"/>
+          <p:nvPr/>
+        </p:nvSpPr>
+        <p:spPr>
+          <a:xfrm>
+            <a:off x="4136316" y="4478184"/>
+            <a:ext cx="705642" cy="430887"/>
+          </a:xfrm>
+          <a:prstGeom prst="rect">
+            <a:avLst/>
+          </a:prstGeom>
+          <a:noFill/>
+        </p:spPr>
+        <p:txBody>
+          <a:bodyPr wrap="none" rtlCol="0">
+            <a:spAutoFit/>
+          </a:bodyPr>
+          <a:lstStyle/>
+          <a:p>
+            <a:r>
+              <a:rPr lang="sv-SE" sz="1100" dirty="0"/>
+              <a:t>Materiel </a:t>
+            </a:r>
+            <a:br>
+              <a:rPr lang="sv-SE" sz="1100" dirty="0"/>
+            </a:br>
+            <a:r>
+              <a:rPr lang="sv-SE" sz="1100" dirty="0"/>
+              <a:t>order</a:t>
+            </a:r>
+          </a:p>
+        </p:txBody>
+      </p:sp>
+      <p:sp>
+        <p:nvSpPr>
+          <p:cNvPr id="41" name="textruta 53">
+            <a:extLst>
+              <a:ext uri="{FF2B5EF4-FFF2-40B4-BE49-F238E27FC236}">
+                <a16:creationId xmlns:a16="http://schemas.microsoft.com/office/drawing/2014/main" id="{434820C3-9AE1-8748-B7CE-D6B058DFFEB3}"/>
+              </a:ext>
+            </a:extLst>
+          </p:cNvPr>
+          <p:cNvSpPr txBox="1"/>
+          <p:nvPr/>
+        </p:nvSpPr>
+        <p:spPr>
+          <a:xfrm>
+            <a:off x="3730233" y="5700281"/>
+            <a:ext cx="670376" cy="430887"/>
+          </a:xfrm>
+          <a:prstGeom prst="rect">
+            <a:avLst/>
+          </a:prstGeom>
+          <a:noFill/>
+        </p:spPr>
+        <p:txBody>
+          <a:bodyPr wrap="none" rtlCol="0">
+            <a:spAutoFit/>
+          </a:bodyPr>
+          <a:lstStyle/>
+          <a:p>
+            <a:r>
+              <a:rPr lang="sv-SE" sz="1100" dirty="0"/>
+              <a:t>Material</a:t>
+            </a:r>
+          </a:p>
+          <a:p>
+            <a:r>
+              <a:rPr lang="sv-SE" sz="1100" dirty="0"/>
+              <a:t>Supplier</a:t>
+            </a:r>
           </a:p>
         </p:txBody>
       </p:sp>
@@ -6328,6 +9793,893 @@
     <a:masterClrMapping/>
   </p:clrMapOvr>
 </p:sld>
+</file>
+
+<file path=ppt/slides/slide6.xml><?xml version="1.0" encoding="utf-8"?>
+<p:sld xmlns:a="http://schemas.openxmlformats.org/drawingml/2006/main" xmlns:r="http://schemas.openxmlformats.org/officeDocument/2006/relationships" xmlns:p="http://schemas.openxmlformats.org/presentationml/2006/main">
+  <p:cSld>
+    <p:spTree>
+      <p:nvGrpSpPr>
+        <p:cNvPr id="1" name=""/>
+        <p:cNvGrpSpPr/>
+        <p:nvPr/>
+      </p:nvGrpSpPr>
+      <p:grpSpPr>
+        <a:xfrm>
+          <a:off x="0" y="0"/>
+          <a:ext cx="0" cy="0"/>
+          <a:chOff x="0" y="0"/>
+          <a:chExt cx="0" cy="0"/>
+        </a:xfrm>
+      </p:grpSpPr>
+      <p:sp>
+        <p:nvSpPr>
+          <p:cNvPr id="24" name="Rektangel 23">
+            <a:extLst>
+              <a:ext uri="{FF2B5EF4-FFF2-40B4-BE49-F238E27FC236}">
+                <a16:creationId xmlns:a16="http://schemas.microsoft.com/office/drawing/2014/main" id="{5A6DF37E-1538-CC80-1112-7AC8E70A18BD}"/>
+              </a:ext>
+            </a:extLst>
+          </p:cNvPr>
+          <p:cNvSpPr/>
+          <p:nvPr/>
+        </p:nvSpPr>
+        <p:spPr>
+          <a:xfrm>
+            <a:off x="1436685" y="1368724"/>
+            <a:ext cx="1400234" cy="823704"/>
+          </a:xfrm>
+          <a:prstGeom prst="rect">
+            <a:avLst/>
+          </a:prstGeom>
+          <a:solidFill>
+            <a:schemeClr val="accent1">
+              <a:lumMod val="75000"/>
+            </a:schemeClr>
+          </a:solidFill>
+        </p:spPr>
+        <p:style>
+          <a:lnRef idx="2">
+            <a:schemeClr val="accent1">
+              <a:shade val="50000"/>
+            </a:schemeClr>
+          </a:lnRef>
+          <a:fillRef idx="1">
+            <a:schemeClr val="accent1"/>
+          </a:fillRef>
+          <a:effectRef idx="0">
+            <a:schemeClr val="accent1"/>
+          </a:effectRef>
+          <a:fontRef idx="minor">
+            <a:schemeClr val="lt1"/>
+          </a:fontRef>
+        </p:style>
+        <p:txBody>
+          <a:bodyPr rtlCol="0" anchor="ctr"/>
+          <a:lstStyle/>
+          <a:p>
+            <a:pPr algn="ctr"/>
+            <a:r>
+              <a:rPr lang="sv-SE" sz="1600" dirty="0"/>
+              <a:t>Receive Customer Order</a:t>
+            </a:r>
+          </a:p>
+        </p:txBody>
+      </p:sp>
+      <p:cxnSp>
+        <p:nvCxnSpPr>
+          <p:cNvPr id="12" name="Rak pilkoppling 11">
+            <a:extLst>
+              <a:ext uri="{FF2B5EF4-FFF2-40B4-BE49-F238E27FC236}">
+                <a16:creationId xmlns:a16="http://schemas.microsoft.com/office/drawing/2014/main" id="{D283A7A4-99BF-F4CA-5B3C-3BE5DCE0A185}"/>
+              </a:ext>
+            </a:extLst>
+          </p:cNvPr>
+          <p:cNvCxnSpPr>
+            <a:cxnSpLocks/>
+            <a:stCxn id="24" idx="3"/>
+            <a:endCxn id="2" idx="1"/>
+          </p:cNvCxnSpPr>
+          <p:nvPr/>
+        </p:nvCxnSpPr>
+        <p:spPr>
+          <a:xfrm flipV="1">
+            <a:off x="2836919" y="1780051"/>
+            <a:ext cx="917851" cy="525"/>
+          </a:xfrm>
+          <a:prstGeom prst="straightConnector1">
+            <a:avLst/>
+          </a:prstGeom>
+          <a:ln>
+            <a:tailEnd type="triangle"/>
+          </a:ln>
+        </p:spPr>
+        <p:style>
+          <a:lnRef idx="1">
+            <a:schemeClr val="accent1"/>
+          </a:lnRef>
+          <a:fillRef idx="0">
+            <a:schemeClr val="accent1"/>
+          </a:fillRef>
+          <a:effectRef idx="0">
+            <a:schemeClr val="accent1"/>
+          </a:effectRef>
+          <a:fontRef idx="minor">
+            <a:schemeClr val="tx1"/>
+          </a:fontRef>
+        </p:style>
+      </p:cxnSp>
+      <p:sp>
+        <p:nvSpPr>
+          <p:cNvPr id="2" name="Rektangel 23">
+            <a:extLst>
+              <a:ext uri="{FF2B5EF4-FFF2-40B4-BE49-F238E27FC236}">
+                <a16:creationId xmlns:a16="http://schemas.microsoft.com/office/drawing/2014/main" id="{B0D4E49A-D4A2-8151-C004-118BA8AC5383}"/>
+              </a:ext>
+            </a:extLst>
+          </p:cNvPr>
+          <p:cNvSpPr/>
+          <p:nvPr/>
+        </p:nvSpPr>
+        <p:spPr>
+          <a:xfrm>
+            <a:off x="3754770" y="1368199"/>
+            <a:ext cx="1400234" cy="823704"/>
+          </a:xfrm>
+          <a:prstGeom prst="rect">
+            <a:avLst/>
+          </a:prstGeom>
+          <a:solidFill>
+            <a:schemeClr val="accent1">
+              <a:lumMod val="75000"/>
+            </a:schemeClr>
+          </a:solidFill>
+        </p:spPr>
+        <p:style>
+          <a:lnRef idx="2">
+            <a:schemeClr val="accent1">
+              <a:shade val="50000"/>
+            </a:schemeClr>
+          </a:lnRef>
+          <a:fillRef idx="1">
+            <a:schemeClr val="accent1"/>
+          </a:fillRef>
+          <a:effectRef idx="0">
+            <a:schemeClr val="accent1"/>
+          </a:effectRef>
+          <a:fontRef idx="minor">
+            <a:schemeClr val="lt1"/>
+          </a:fontRef>
+        </p:style>
+        <p:txBody>
+          <a:bodyPr rtlCol="0" anchor="ctr"/>
+          <a:lstStyle/>
+          <a:p>
+            <a:pPr algn="ctr"/>
+            <a:r>
+              <a:rPr lang="sv-SE" sz="1600" dirty="0"/>
+              <a:t>Send</a:t>
+            </a:r>
+          </a:p>
+          <a:p>
+            <a:pPr algn="ctr"/>
+            <a:r>
+              <a:rPr lang="sv-SE" sz="1600" dirty="0"/>
+              <a:t>Confirmation</a:t>
+            </a:r>
+          </a:p>
+        </p:txBody>
+      </p:sp>
+      <p:sp>
+        <p:nvSpPr>
+          <p:cNvPr id="3" name="Rektangel 23">
+            <a:extLst>
+              <a:ext uri="{FF2B5EF4-FFF2-40B4-BE49-F238E27FC236}">
+                <a16:creationId xmlns:a16="http://schemas.microsoft.com/office/drawing/2014/main" id="{D77706DE-85D9-81A2-B45F-7626E59F7156}"/>
+              </a:ext>
+            </a:extLst>
+          </p:cNvPr>
+          <p:cNvSpPr/>
+          <p:nvPr/>
+        </p:nvSpPr>
+        <p:spPr>
+          <a:xfrm>
+            <a:off x="5932486" y="2590690"/>
+            <a:ext cx="1400234" cy="823704"/>
+          </a:xfrm>
+          <a:prstGeom prst="rect">
+            <a:avLst/>
+          </a:prstGeom>
+          <a:solidFill>
+            <a:schemeClr val="accent1">
+              <a:lumMod val="75000"/>
+            </a:schemeClr>
+          </a:solidFill>
+        </p:spPr>
+        <p:style>
+          <a:lnRef idx="2">
+            <a:schemeClr val="accent1">
+              <a:shade val="50000"/>
+            </a:schemeClr>
+          </a:lnRef>
+          <a:fillRef idx="1">
+            <a:schemeClr val="accent1"/>
+          </a:fillRef>
+          <a:effectRef idx="0">
+            <a:schemeClr val="accent1"/>
+          </a:effectRef>
+          <a:fontRef idx="minor">
+            <a:schemeClr val="lt1"/>
+          </a:fontRef>
+        </p:style>
+        <p:txBody>
+          <a:bodyPr rtlCol="0" anchor="ctr"/>
+          <a:lstStyle/>
+          <a:p>
+            <a:pPr algn="ctr"/>
+            <a:r>
+              <a:rPr lang="sv-SE" sz="1600" dirty="0"/>
+              <a:t>Plan Production Order</a:t>
+            </a:r>
+          </a:p>
+        </p:txBody>
+      </p:sp>
+      <p:sp>
+        <p:nvSpPr>
+          <p:cNvPr id="5" name="Rektangel 23">
+            <a:extLst>
+              <a:ext uri="{FF2B5EF4-FFF2-40B4-BE49-F238E27FC236}">
+                <a16:creationId xmlns:a16="http://schemas.microsoft.com/office/drawing/2014/main" id="{9FDF264A-1A06-6B8C-A736-C1A4EC1403B3}"/>
+              </a:ext>
+            </a:extLst>
+          </p:cNvPr>
+          <p:cNvSpPr/>
+          <p:nvPr/>
+        </p:nvSpPr>
+        <p:spPr>
+          <a:xfrm>
+            <a:off x="5932486" y="1368199"/>
+            <a:ext cx="1400234" cy="823704"/>
+          </a:xfrm>
+          <a:prstGeom prst="rect">
+            <a:avLst/>
+          </a:prstGeom>
+          <a:solidFill>
+            <a:schemeClr val="accent1">
+              <a:lumMod val="75000"/>
+            </a:schemeClr>
+          </a:solidFill>
+        </p:spPr>
+        <p:style>
+          <a:lnRef idx="2">
+            <a:schemeClr val="accent1">
+              <a:shade val="50000"/>
+            </a:schemeClr>
+          </a:lnRef>
+          <a:fillRef idx="1">
+            <a:schemeClr val="accent1"/>
+          </a:fillRef>
+          <a:effectRef idx="0">
+            <a:schemeClr val="accent1"/>
+          </a:effectRef>
+          <a:fontRef idx="minor">
+            <a:schemeClr val="lt1"/>
+          </a:fontRef>
+        </p:style>
+        <p:txBody>
+          <a:bodyPr rtlCol="0" anchor="ctr"/>
+          <a:lstStyle/>
+          <a:p>
+            <a:pPr algn="ctr"/>
+            <a:r>
+              <a:rPr lang="sv-SE" sz="1600" dirty="0"/>
+              <a:t>Create Production Order</a:t>
+            </a:r>
+          </a:p>
+        </p:txBody>
+      </p:sp>
+      <p:sp>
+        <p:nvSpPr>
+          <p:cNvPr id="14" name="Rektangel 23">
+            <a:extLst>
+              <a:ext uri="{FF2B5EF4-FFF2-40B4-BE49-F238E27FC236}">
+                <a16:creationId xmlns:a16="http://schemas.microsoft.com/office/drawing/2014/main" id="{83063BF2-EF20-2463-C87F-6A8AD84D38B1}"/>
+              </a:ext>
+            </a:extLst>
+          </p:cNvPr>
+          <p:cNvSpPr/>
+          <p:nvPr/>
+        </p:nvSpPr>
+        <p:spPr>
+          <a:xfrm>
+            <a:off x="3754770" y="2577101"/>
+            <a:ext cx="1400234" cy="823704"/>
+          </a:xfrm>
+          <a:prstGeom prst="rect">
+            <a:avLst/>
+          </a:prstGeom>
+          <a:solidFill>
+            <a:schemeClr val="accent1">
+              <a:lumMod val="75000"/>
+            </a:schemeClr>
+          </a:solidFill>
+        </p:spPr>
+        <p:style>
+          <a:lnRef idx="2">
+            <a:schemeClr val="accent1">
+              <a:shade val="50000"/>
+            </a:schemeClr>
+          </a:lnRef>
+          <a:fillRef idx="1">
+            <a:schemeClr val="accent1"/>
+          </a:fillRef>
+          <a:effectRef idx="0">
+            <a:schemeClr val="accent1"/>
+          </a:effectRef>
+          <a:fontRef idx="minor">
+            <a:schemeClr val="lt1"/>
+          </a:fontRef>
+        </p:style>
+        <p:txBody>
+          <a:bodyPr rtlCol="0" anchor="ctr"/>
+          <a:lstStyle/>
+          <a:p>
+            <a:pPr algn="ctr"/>
+            <a:r>
+              <a:rPr lang="sv-SE" sz="1600" dirty="0"/>
+              <a:t>Send</a:t>
+            </a:r>
+          </a:p>
+          <a:p>
+            <a:pPr algn="ctr"/>
+            <a:r>
+              <a:rPr lang="sv-SE" sz="1600" dirty="0"/>
+              <a:t>Out of Stock</a:t>
+            </a:r>
+          </a:p>
+        </p:txBody>
+      </p:sp>
+      <p:cxnSp>
+        <p:nvCxnSpPr>
+          <p:cNvPr id="16" name="Connector: Elbow 15">
+            <a:extLst>
+              <a:ext uri="{FF2B5EF4-FFF2-40B4-BE49-F238E27FC236}">
+                <a16:creationId xmlns:a16="http://schemas.microsoft.com/office/drawing/2014/main" id="{D61A0D9F-760C-95D3-1433-851D6382F29B}"/>
+              </a:ext>
+            </a:extLst>
+          </p:cNvPr>
+          <p:cNvCxnSpPr>
+            <a:stCxn id="24" idx="2"/>
+            <a:endCxn id="14" idx="1"/>
+          </p:cNvCxnSpPr>
+          <p:nvPr/>
+        </p:nvCxnSpPr>
+        <p:spPr>
+          <a:xfrm rot="16200000" flipH="1">
+            <a:off x="2547524" y="1781706"/>
+            <a:ext cx="796525" cy="1617968"/>
+          </a:xfrm>
+          <a:prstGeom prst="bentConnector2">
+            <a:avLst/>
+          </a:prstGeom>
+          <a:ln>
+            <a:tailEnd type="triangle"/>
+          </a:ln>
+        </p:spPr>
+        <p:style>
+          <a:lnRef idx="1">
+            <a:schemeClr val="accent1"/>
+          </a:lnRef>
+          <a:fillRef idx="0">
+            <a:schemeClr val="accent1"/>
+          </a:fillRef>
+          <a:effectRef idx="0">
+            <a:schemeClr val="accent1"/>
+          </a:effectRef>
+          <a:fontRef idx="minor">
+            <a:schemeClr val="tx1"/>
+          </a:fontRef>
+        </p:style>
+      </p:cxnSp>
+      <p:sp>
+        <p:nvSpPr>
+          <p:cNvPr id="17" name="Rektangel 23">
+            <a:extLst>
+              <a:ext uri="{FF2B5EF4-FFF2-40B4-BE49-F238E27FC236}">
+                <a16:creationId xmlns:a16="http://schemas.microsoft.com/office/drawing/2014/main" id="{701E163C-9F02-BC52-F937-D12C2254122B}"/>
+              </a:ext>
+            </a:extLst>
+          </p:cNvPr>
+          <p:cNvSpPr/>
+          <p:nvPr/>
+        </p:nvSpPr>
+        <p:spPr>
+          <a:xfrm>
+            <a:off x="8110202" y="2590690"/>
+            <a:ext cx="1400234" cy="823704"/>
+          </a:xfrm>
+          <a:prstGeom prst="rect">
+            <a:avLst/>
+          </a:prstGeom>
+          <a:solidFill>
+            <a:schemeClr val="accent1">
+              <a:lumMod val="75000"/>
+            </a:schemeClr>
+          </a:solidFill>
+        </p:spPr>
+        <p:style>
+          <a:lnRef idx="2">
+            <a:schemeClr val="accent1">
+              <a:shade val="50000"/>
+            </a:schemeClr>
+          </a:lnRef>
+          <a:fillRef idx="1">
+            <a:schemeClr val="accent1"/>
+          </a:fillRef>
+          <a:effectRef idx="0">
+            <a:schemeClr val="accent1"/>
+          </a:effectRef>
+          <a:fontRef idx="minor">
+            <a:schemeClr val="lt1"/>
+          </a:fontRef>
+        </p:style>
+        <p:txBody>
+          <a:bodyPr rtlCol="0" anchor="ctr"/>
+          <a:lstStyle/>
+          <a:p>
+            <a:pPr algn="ctr"/>
+            <a:r>
+              <a:rPr lang="sv-SE" sz="1600" dirty="0"/>
+              <a:t>Order</a:t>
+            </a:r>
+          </a:p>
+          <a:p>
+            <a:pPr algn="ctr"/>
+            <a:r>
+              <a:rPr lang="sv-SE" sz="1600" dirty="0"/>
+              <a:t>Stock</a:t>
+            </a:r>
+          </a:p>
+        </p:txBody>
+      </p:sp>
+      <p:sp>
+        <p:nvSpPr>
+          <p:cNvPr id="18" name="Rektangel 23">
+            <a:extLst>
+              <a:ext uri="{FF2B5EF4-FFF2-40B4-BE49-F238E27FC236}">
+                <a16:creationId xmlns:a16="http://schemas.microsoft.com/office/drawing/2014/main" id="{C67F1D2A-CFEE-ADDF-380F-A30D01487EE8}"/>
+              </a:ext>
+            </a:extLst>
+          </p:cNvPr>
+          <p:cNvSpPr/>
+          <p:nvPr/>
+        </p:nvSpPr>
+        <p:spPr>
+          <a:xfrm>
+            <a:off x="5932486" y="3991503"/>
+            <a:ext cx="1400234" cy="823704"/>
+          </a:xfrm>
+          <a:prstGeom prst="rect">
+            <a:avLst/>
+          </a:prstGeom>
+          <a:solidFill>
+            <a:schemeClr val="accent1">
+              <a:lumMod val="75000"/>
+            </a:schemeClr>
+          </a:solidFill>
+        </p:spPr>
+        <p:style>
+          <a:lnRef idx="2">
+            <a:schemeClr val="accent1">
+              <a:shade val="50000"/>
+            </a:schemeClr>
+          </a:lnRef>
+          <a:fillRef idx="1">
+            <a:schemeClr val="accent1"/>
+          </a:fillRef>
+          <a:effectRef idx="0">
+            <a:schemeClr val="accent1"/>
+          </a:effectRef>
+          <a:fontRef idx="minor">
+            <a:schemeClr val="lt1"/>
+          </a:fontRef>
+        </p:style>
+        <p:txBody>
+          <a:bodyPr rtlCol="0" anchor="ctr"/>
+          <a:lstStyle/>
+          <a:p>
+            <a:pPr algn="ctr"/>
+            <a:r>
+              <a:rPr lang="sv-SE" sz="1600" dirty="0"/>
+              <a:t>Manufacture</a:t>
+            </a:r>
+          </a:p>
+          <a:p>
+            <a:pPr algn="ctr"/>
+            <a:r>
+              <a:rPr lang="sv-SE" sz="1600" dirty="0"/>
+              <a:t>Order</a:t>
+            </a:r>
+          </a:p>
+        </p:txBody>
+      </p:sp>
+      <p:cxnSp>
+        <p:nvCxnSpPr>
+          <p:cNvPr id="29" name="Straight Arrow Connector 28">
+            <a:extLst>
+              <a:ext uri="{FF2B5EF4-FFF2-40B4-BE49-F238E27FC236}">
+                <a16:creationId xmlns:a16="http://schemas.microsoft.com/office/drawing/2014/main" id="{5988E73D-FDBC-C876-C716-64B119E9EF9B}"/>
+              </a:ext>
+            </a:extLst>
+          </p:cNvPr>
+          <p:cNvCxnSpPr>
+            <a:stCxn id="2" idx="3"/>
+            <a:endCxn id="5" idx="1"/>
+          </p:cNvCxnSpPr>
+          <p:nvPr/>
+        </p:nvCxnSpPr>
+        <p:spPr>
+          <a:xfrm>
+            <a:off x="5155004" y="1780051"/>
+            <a:ext cx="777482" cy="0"/>
+          </a:xfrm>
+          <a:prstGeom prst="straightConnector1">
+            <a:avLst/>
+          </a:prstGeom>
+          <a:ln>
+            <a:tailEnd type="triangle"/>
+          </a:ln>
+        </p:spPr>
+        <p:style>
+          <a:lnRef idx="1">
+            <a:schemeClr val="accent1"/>
+          </a:lnRef>
+          <a:fillRef idx="0">
+            <a:schemeClr val="accent1"/>
+          </a:fillRef>
+          <a:effectRef idx="0">
+            <a:schemeClr val="accent1"/>
+          </a:effectRef>
+          <a:fontRef idx="minor">
+            <a:schemeClr val="tx1"/>
+          </a:fontRef>
+        </p:style>
+      </p:cxnSp>
+      <p:cxnSp>
+        <p:nvCxnSpPr>
+          <p:cNvPr id="33" name="Straight Arrow Connector 32">
+            <a:extLst>
+              <a:ext uri="{FF2B5EF4-FFF2-40B4-BE49-F238E27FC236}">
+                <a16:creationId xmlns:a16="http://schemas.microsoft.com/office/drawing/2014/main" id="{585CBA1C-F3F0-BB3F-D37D-F2020E579254}"/>
+              </a:ext>
+            </a:extLst>
+          </p:cNvPr>
+          <p:cNvCxnSpPr>
+            <a:stCxn id="5" idx="2"/>
+            <a:endCxn id="3" idx="0"/>
+          </p:cNvCxnSpPr>
+          <p:nvPr/>
+        </p:nvCxnSpPr>
+        <p:spPr>
+          <a:xfrm>
+            <a:off x="6632603" y="2191903"/>
+            <a:ext cx="0" cy="398787"/>
+          </a:xfrm>
+          <a:prstGeom prst="straightConnector1">
+            <a:avLst/>
+          </a:prstGeom>
+          <a:ln>
+            <a:tailEnd type="triangle"/>
+          </a:ln>
+        </p:spPr>
+        <p:style>
+          <a:lnRef idx="1">
+            <a:schemeClr val="accent1"/>
+          </a:lnRef>
+          <a:fillRef idx="0">
+            <a:schemeClr val="accent1"/>
+          </a:fillRef>
+          <a:effectRef idx="0">
+            <a:schemeClr val="accent1"/>
+          </a:effectRef>
+          <a:fontRef idx="minor">
+            <a:schemeClr val="tx1"/>
+          </a:fontRef>
+        </p:style>
+      </p:cxnSp>
+      <p:cxnSp>
+        <p:nvCxnSpPr>
+          <p:cNvPr id="36" name="Straight Arrow Connector 35">
+            <a:extLst>
+              <a:ext uri="{FF2B5EF4-FFF2-40B4-BE49-F238E27FC236}">
+                <a16:creationId xmlns:a16="http://schemas.microsoft.com/office/drawing/2014/main" id="{A8360053-3A56-F494-D1C7-9FCEA141AD5E}"/>
+              </a:ext>
+            </a:extLst>
+          </p:cNvPr>
+          <p:cNvCxnSpPr>
+            <a:stCxn id="3" idx="3"/>
+            <a:endCxn id="17" idx="1"/>
+          </p:cNvCxnSpPr>
+          <p:nvPr/>
+        </p:nvCxnSpPr>
+        <p:spPr>
+          <a:xfrm>
+            <a:off x="7332720" y="3002542"/>
+            <a:ext cx="777482" cy="0"/>
+          </a:xfrm>
+          <a:prstGeom prst="straightConnector1">
+            <a:avLst/>
+          </a:prstGeom>
+          <a:ln>
+            <a:tailEnd type="triangle"/>
+          </a:ln>
+        </p:spPr>
+        <p:style>
+          <a:lnRef idx="1">
+            <a:schemeClr val="accent1"/>
+          </a:lnRef>
+          <a:fillRef idx="0">
+            <a:schemeClr val="accent1"/>
+          </a:fillRef>
+          <a:effectRef idx="0">
+            <a:schemeClr val="accent1"/>
+          </a:effectRef>
+          <a:fontRef idx="minor">
+            <a:schemeClr val="tx1"/>
+          </a:fontRef>
+        </p:style>
+      </p:cxnSp>
+      <p:cxnSp>
+        <p:nvCxnSpPr>
+          <p:cNvPr id="39" name="Straight Arrow Connector 38">
+            <a:extLst>
+              <a:ext uri="{FF2B5EF4-FFF2-40B4-BE49-F238E27FC236}">
+                <a16:creationId xmlns:a16="http://schemas.microsoft.com/office/drawing/2014/main" id="{5431C2E7-8E5C-0576-D173-53407E104317}"/>
+              </a:ext>
+            </a:extLst>
+          </p:cNvPr>
+          <p:cNvCxnSpPr>
+            <a:stCxn id="3" idx="2"/>
+            <a:endCxn id="18" idx="0"/>
+          </p:cNvCxnSpPr>
+          <p:nvPr/>
+        </p:nvCxnSpPr>
+        <p:spPr>
+          <a:xfrm>
+            <a:off x="6632603" y="3414394"/>
+            <a:ext cx="0" cy="577109"/>
+          </a:xfrm>
+          <a:prstGeom prst="straightConnector1">
+            <a:avLst/>
+          </a:prstGeom>
+          <a:ln>
+            <a:tailEnd type="triangle"/>
+          </a:ln>
+        </p:spPr>
+        <p:style>
+          <a:lnRef idx="1">
+            <a:schemeClr val="accent1"/>
+          </a:lnRef>
+          <a:fillRef idx="0">
+            <a:schemeClr val="accent1"/>
+          </a:fillRef>
+          <a:effectRef idx="0">
+            <a:schemeClr val="accent1"/>
+          </a:effectRef>
+          <a:fontRef idx="minor">
+            <a:schemeClr val="tx1"/>
+          </a:fontRef>
+        </p:style>
+      </p:cxnSp>
+      <p:sp>
+        <p:nvSpPr>
+          <p:cNvPr id="43" name="Rektangel 23">
+            <a:extLst>
+              <a:ext uri="{FF2B5EF4-FFF2-40B4-BE49-F238E27FC236}">
+                <a16:creationId xmlns:a16="http://schemas.microsoft.com/office/drawing/2014/main" id="{25627814-FCFC-981F-0599-5F676C18548F}"/>
+              </a:ext>
+            </a:extLst>
+          </p:cNvPr>
+          <p:cNvSpPr/>
+          <p:nvPr/>
+        </p:nvSpPr>
+        <p:spPr>
+          <a:xfrm>
+            <a:off x="8110202" y="3991503"/>
+            <a:ext cx="1400234" cy="823704"/>
+          </a:xfrm>
+          <a:prstGeom prst="rect">
+            <a:avLst/>
+          </a:prstGeom>
+          <a:solidFill>
+            <a:schemeClr val="accent1">
+              <a:lumMod val="75000"/>
+            </a:schemeClr>
+          </a:solidFill>
+        </p:spPr>
+        <p:style>
+          <a:lnRef idx="2">
+            <a:schemeClr val="accent1">
+              <a:shade val="50000"/>
+            </a:schemeClr>
+          </a:lnRef>
+          <a:fillRef idx="1">
+            <a:schemeClr val="accent1"/>
+          </a:fillRef>
+          <a:effectRef idx="0">
+            <a:schemeClr val="accent1"/>
+          </a:effectRef>
+          <a:fontRef idx="minor">
+            <a:schemeClr val="lt1"/>
+          </a:fontRef>
+        </p:style>
+        <p:txBody>
+          <a:bodyPr rtlCol="0" anchor="ctr"/>
+          <a:lstStyle/>
+          <a:p>
+            <a:pPr algn="ctr"/>
+            <a:r>
+              <a:rPr lang="sv-SE" sz="1600" dirty="0"/>
+              <a:t>Deliver</a:t>
+            </a:r>
+          </a:p>
+          <a:p>
+            <a:pPr algn="ctr"/>
+            <a:r>
+              <a:rPr lang="sv-SE" sz="1600" dirty="0"/>
+              <a:t>Order</a:t>
+            </a:r>
+          </a:p>
+        </p:txBody>
+      </p:sp>
+      <p:cxnSp>
+        <p:nvCxnSpPr>
+          <p:cNvPr id="47" name="Straight Arrow Connector 46">
+            <a:extLst>
+              <a:ext uri="{FF2B5EF4-FFF2-40B4-BE49-F238E27FC236}">
+                <a16:creationId xmlns:a16="http://schemas.microsoft.com/office/drawing/2014/main" id="{117505FA-DBAC-9562-F0B5-618FD82A4595}"/>
+              </a:ext>
+            </a:extLst>
+          </p:cNvPr>
+          <p:cNvCxnSpPr>
+            <a:stCxn id="18" idx="3"/>
+            <a:endCxn id="43" idx="1"/>
+          </p:cNvCxnSpPr>
+          <p:nvPr/>
+        </p:nvCxnSpPr>
+        <p:spPr>
+          <a:xfrm>
+            <a:off x="7332720" y="4403355"/>
+            <a:ext cx="777482" cy="0"/>
+          </a:xfrm>
+          <a:prstGeom prst="straightConnector1">
+            <a:avLst/>
+          </a:prstGeom>
+          <a:ln>
+            <a:tailEnd type="triangle"/>
+          </a:ln>
+        </p:spPr>
+        <p:style>
+          <a:lnRef idx="1">
+            <a:schemeClr val="accent1"/>
+          </a:lnRef>
+          <a:fillRef idx="0">
+            <a:schemeClr val="accent1"/>
+          </a:fillRef>
+          <a:effectRef idx="0">
+            <a:schemeClr val="accent1"/>
+          </a:effectRef>
+          <a:fontRef idx="minor">
+            <a:schemeClr val="tx1"/>
+          </a:fontRef>
+        </p:style>
+      </p:cxnSp>
+    </p:spTree>
+    <p:extLst>
+      <p:ext uri="{BB962C8B-B14F-4D97-AF65-F5344CB8AC3E}">
+        <p14:creationId xmlns:p14="http://schemas.microsoft.com/office/powerpoint/2010/main" val="2604324044"/>
+      </p:ext>
+    </p:extLst>
+  </p:cSld>
+  <p:clrMapOvr>
+    <a:masterClrMapping/>
+  </p:clrMapOvr>
+</p:sld>
+</file>
+
+<file path=ppt/slides/slide7.xml><?xml version="1.0" encoding="utf-8"?>
+<p:sld xmlns:a="http://schemas.openxmlformats.org/drawingml/2006/main" xmlns:r="http://schemas.openxmlformats.org/officeDocument/2006/relationships" xmlns:p="http://schemas.openxmlformats.org/presentationml/2006/main">
+  <p:cSld>
+    <p:spTree>
+      <p:nvGrpSpPr>
+        <p:cNvPr id="1" name=""/>
+        <p:cNvGrpSpPr/>
+        <p:nvPr/>
+      </p:nvGrpSpPr>
+      <p:grpSpPr>
+        <a:xfrm>
+          <a:off x="0" y="0"/>
+          <a:ext cx="0" cy="0"/>
+          <a:chOff x="0" y="0"/>
+          <a:chExt cx="0" cy="0"/>
+        </a:xfrm>
+      </p:grpSpPr>
+      <p:sp>
+        <p:nvSpPr>
+          <p:cNvPr id="2" name="Slide Number Placeholder 1">
+            <a:extLst>
+              <a:ext uri="{FF2B5EF4-FFF2-40B4-BE49-F238E27FC236}">
+                <a16:creationId xmlns:a16="http://schemas.microsoft.com/office/drawing/2014/main" id="{A5065B2C-541D-F7CF-CDED-DEFD6D3CFC60}"/>
+              </a:ext>
+            </a:extLst>
+          </p:cNvPr>
+          <p:cNvSpPr>
+            <a:spLocks noGrp="1"/>
+          </p:cNvSpPr>
+          <p:nvPr>
+            <p:ph type="sldNum" sz="quarter" idx="12"/>
+          </p:nvPr>
+        </p:nvSpPr>
+        <p:spPr/>
+        <p:txBody>
+          <a:bodyPr/>
+          <a:lstStyle/>
+          <a:p>
+            <a:fld id="{675CBC34-D68A-417C-A62D-60993CEB5261}" type="slidenum">
+              <a:rPr lang="en-US" smtClean="0"/>
+              <a:t>7</a:t>
+            </a:fld>
+            <a:endParaRPr lang="en-US"/>
+          </a:p>
+        </p:txBody>
+      </p:sp>
+      <p:pic>
+        <p:nvPicPr>
+          <p:cNvPr id="4" name="Picture 3">
+            <a:extLst>
+              <a:ext uri="{FF2B5EF4-FFF2-40B4-BE49-F238E27FC236}">
+                <a16:creationId xmlns:a16="http://schemas.microsoft.com/office/drawing/2014/main" id="{5F9ACA6E-C7DE-F2F7-5842-D783BE597EA1}"/>
+              </a:ext>
+            </a:extLst>
+          </p:cNvPr>
+          <p:cNvPicPr>
+            <a:picLocks noChangeAspect="1"/>
+          </p:cNvPicPr>
+          <p:nvPr/>
+        </p:nvPicPr>
+        <p:blipFill>
+          <a:blip r:embed="rId2"/>
+          <a:stretch>
+            <a:fillRect/>
+          </a:stretch>
+        </p:blipFill>
+        <p:spPr>
+          <a:xfrm>
+            <a:off x="1481714" y="1681381"/>
+            <a:ext cx="9228571" cy="3495238"/>
+          </a:xfrm>
+          <a:prstGeom prst="rect">
+            <a:avLst/>
+          </a:prstGeom>
+        </p:spPr>
+      </p:pic>
+    </p:spTree>
+    <p:extLst>
+      <p:ext uri="{BB962C8B-B14F-4D97-AF65-F5344CB8AC3E}">
+        <p14:creationId xmlns:p14="http://schemas.microsoft.com/office/powerpoint/2010/main" val="2737267629"/>
+      </p:ext>
+    </p:extLst>
+  </p:cSld>
+  <p:clrMapOvr>
+    <a:masterClrMapping/>
+  </p:clrMapOvr>
+</p:sld>
+</file>
+
+<file path=ppt/tags/tag1.xml><?xml version="1.0" encoding="utf-8"?>
+<p:tagLst xmlns:a="http://schemas.openxmlformats.org/drawingml/2006/main" xmlns:r="http://schemas.openxmlformats.org/officeDocument/2006/relationships" xmlns:p="http://schemas.openxmlformats.org/presentationml/2006/main">
+  <p:tag name="ARTICULATE_SLIDE_THUMBNAIL_REFRESH" val="1"/>
+</p:tagLst>
 </file>
 
 <file path=ppt/theme/theme1.xml><?xml version="1.0" encoding="utf-8"?>
@@ -6623,4 +10975,299 @@
     </a:ext>
   </a:extLst>
 </a:theme>
+</file>
+
+<file path=ppt/theme/theme2.xml><?xml version="1.0" encoding="utf-8"?>
+<a:theme xmlns:a="http://schemas.openxmlformats.org/drawingml/2006/main" name="Office Theme">
+  <a:themeElements>
+    <a:clrScheme name="Office">
+      <a:dk1>
+        <a:sysClr val="windowText" lastClr="000000"/>
+      </a:dk1>
+      <a:lt1>
+        <a:sysClr val="window" lastClr="FFFFFF"/>
+      </a:lt1>
+      <a:dk2>
+        <a:srgbClr val="44546A"/>
+      </a:dk2>
+      <a:lt2>
+        <a:srgbClr val="E7E6E6"/>
+      </a:lt2>
+      <a:accent1>
+        <a:srgbClr val="4472C4"/>
+      </a:accent1>
+      <a:accent2>
+        <a:srgbClr val="ED7D31"/>
+      </a:accent2>
+      <a:accent3>
+        <a:srgbClr val="A5A5A5"/>
+      </a:accent3>
+      <a:accent4>
+        <a:srgbClr val="FFC000"/>
+      </a:accent4>
+      <a:accent5>
+        <a:srgbClr val="5B9BD5"/>
+      </a:accent5>
+      <a:accent6>
+        <a:srgbClr val="70AD47"/>
+      </a:accent6>
+      <a:hlink>
+        <a:srgbClr val="0563C1"/>
+      </a:hlink>
+      <a:folHlink>
+        <a:srgbClr val="954F72"/>
+      </a:folHlink>
+    </a:clrScheme>
+    <a:fontScheme name="Office">
+      <a:majorFont>
+        <a:latin typeface="Calibri Light" panose="020F0302020204030204"/>
+        <a:ea typeface=""/>
+        <a:cs typeface=""/>
+        <a:font script="Jpan" typeface="游ゴシック Light"/>
+        <a:font script="Hang" typeface="맑은 고딕"/>
+        <a:font script="Hans" typeface="等线 Light"/>
+        <a:font script="Hant" typeface="新細明體"/>
+        <a:font script="Arab" typeface="Times New Roman"/>
+        <a:font script="Hebr" typeface="Times New Roman"/>
+        <a:font script="Thai" typeface="Angsana New"/>
+        <a:font script="Ethi" typeface="Nyala"/>
+        <a:font script="Beng" typeface="Vrinda"/>
+        <a:font script="Gujr" typeface="Shruti"/>
+        <a:font script="Khmr" typeface="MoolBoran"/>
+        <a:font script="Knda" typeface="Tunga"/>
+        <a:font script="Guru" typeface="Raavi"/>
+        <a:font script="Cans" typeface="Euphemia"/>
+        <a:font script="Cher" typeface="Plantagenet Cherokee"/>
+        <a:font script="Yiii" typeface="Microsoft Yi Baiti"/>
+        <a:font script="Tibt" typeface="Microsoft Himalaya"/>
+        <a:font script="Thaa" typeface="MV Boli"/>
+        <a:font script="Deva" typeface="Mangal"/>
+        <a:font script="Telu" typeface="Gautami"/>
+        <a:font script="Taml" typeface="Latha"/>
+        <a:font script="Syrc" typeface="Estrangelo Edessa"/>
+        <a:font script="Orya" typeface="Kalinga"/>
+        <a:font script="Mlym" typeface="Kartika"/>
+        <a:font script="Laoo" typeface="DokChampa"/>
+        <a:font script="Sinh" typeface="Iskoola Pota"/>
+        <a:font script="Mong" typeface="Mongolian Baiti"/>
+        <a:font script="Viet" typeface="Times New Roman"/>
+        <a:font script="Uigh" typeface="Microsoft Uighur"/>
+        <a:font script="Geor" typeface="Sylfaen"/>
+        <a:font script="Armn" typeface="Arial"/>
+        <a:font script="Bugi" typeface="Leelawadee UI"/>
+        <a:font script="Bopo" typeface="Microsoft JhengHei"/>
+        <a:font script="Java" typeface="Javanese Text"/>
+        <a:font script="Lisu" typeface="Segoe UI"/>
+        <a:font script="Mymr" typeface="Myanmar Text"/>
+        <a:font script="Nkoo" typeface="Ebrima"/>
+        <a:font script="Olck" typeface="Nirmala UI"/>
+        <a:font script="Osma" typeface="Ebrima"/>
+        <a:font script="Phag" typeface="Phagspa"/>
+        <a:font script="Syrn" typeface="Estrangelo Edessa"/>
+        <a:font script="Syrj" typeface="Estrangelo Edessa"/>
+        <a:font script="Syre" typeface="Estrangelo Edessa"/>
+        <a:font script="Sora" typeface="Nirmala UI"/>
+        <a:font script="Tale" typeface="Microsoft Tai Le"/>
+        <a:font script="Talu" typeface="Microsoft New Tai Lue"/>
+        <a:font script="Tfng" typeface="Ebrima"/>
+      </a:majorFont>
+      <a:minorFont>
+        <a:latin typeface="Calibri" panose="020F0502020204030204"/>
+        <a:ea typeface=""/>
+        <a:cs typeface=""/>
+        <a:font script="Jpan" typeface="游ゴシック"/>
+        <a:font script="Hang" typeface="맑은 고딕"/>
+        <a:font script="Hans" typeface="等线"/>
+        <a:font script="Hant" typeface="新細明體"/>
+        <a:font script="Arab" typeface="Arial"/>
+        <a:font script="Hebr" typeface="Arial"/>
+        <a:font script="Thai" typeface="Cordia New"/>
+        <a:font script="Ethi" typeface="Nyala"/>
+        <a:font script="Beng" typeface="Vrinda"/>
+        <a:font script="Gujr" typeface="Shruti"/>
+        <a:font script="Khmr" typeface="DaunPenh"/>
+        <a:font script="Knda" typeface="Tunga"/>
+        <a:font script="Guru" typeface="Raavi"/>
+        <a:font script="Cans" typeface="Euphemia"/>
+        <a:font script="Cher" typeface="Plantagenet Cherokee"/>
+        <a:font script="Yiii" typeface="Microsoft Yi Baiti"/>
+        <a:font script="Tibt" typeface="Microsoft Himalaya"/>
+        <a:font script="Thaa" typeface="MV Boli"/>
+        <a:font script="Deva" typeface="Mangal"/>
+        <a:font script="Telu" typeface="Gautami"/>
+        <a:font script="Taml" typeface="Latha"/>
+        <a:font script="Syrc" typeface="Estrangelo Edessa"/>
+        <a:font script="Orya" typeface="Kalinga"/>
+        <a:font script="Mlym" typeface="Kartika"/>
+        <a:font script="Laoo" typeface="DokChampa"/>
+        <a:font script="Sinh" typeface="Iskoola Pota"/>
+        <a:font script="Mong" typeface="Mongolian Baiti"/>
+        <a:font script="Viet" typeface="Arial"/>
+        <a:font script="Uigh" typeface="Microsoft Uighur"/>
+        <a:font script="Geor" typeface="Sylfaen"/>
+        <a:font script="Armn" typeface="Arial"/>
+        <a:font script="Bugi" typeface="Leelawadee UI"/>
+        <a:font script="Bopo" typeface="Microsoft JhengHei"/>
+        <a:font script="Java" typeface="Javanese Text"/>
+        <a:font script="Lisu" typeface="Segoe UI"/>
+        <a:font script="Mymr" typeface="Myanmar Text"/>
+        <a:font script="Nkoo" typeface="Ebrima"/>
+        <a:font script="Olck" typeface="Nirmala UI"/>
+        <a:font script="Osma" typeface="Ebrima"/>
+        <a:font script="Phag" typeface="Phagspa"/>
+        <a:font script="Syrn" typeface="Estrangelo Edessa"/>
+        <a:font script="Syrj" typeface="Estrangelo Edessa"/>
+        <a:font script="Syre" typeface="Estrangelo Edessa"/>
+        <a:font script="Sora" typeface="Nirmala UI"/>
+        <a:font script="Tale" typeface="Microsoft Tai Le"/>
+        <a:font script="Talu" typeface="Microsoft New Tai Lue"/>
+        <a:font script="Tfng" typeface="Ebrima"/>
+      </a:minorFont>
+    </a:fontScheme>
+    <a:fmtScheme name="Office">
+      <a:fillStyleLst>
+        <a:solidFill>
+          <a:schemeClr val="phClr"/>
+        </a:solidFill>
+        <a:gradFill rotWithShape="1">
+          <a:gsLst>
+            <a:gs pos="0">
+              <a:schemeClr val="phClr">
+                <a:lumMod val="110000"/>
+                <a:satMod val="105000"/>
+                <a:tint val="67000"/>
+              </a:schemeClr>
+            </a:gs>
+            <a:gs pos="50000">
+              <a:schemeClr val="phClr">
+                <a:lumMod val="105000"/>
+                <a:satMod val="103000"/>
+                <a:tint val="73000"/>
+              </a:schemeClr>
+            </a:gs>
+            <a:gs pos="100000">
+              <a:schemeClr val="phClr">
+                <a:lumMod val="105000"/>
+                <a:satMod val="109000"/>
+                <a:tint val="81000"/>
+              </a:schemeClr>
+            </a:gs>
+          </a:gsLst>
+          <a:lin ang="5400000" scaled="0"/>
+        </a:gradFill>
+        <a:gradFill rotWithShape="1">
+          <a:gsLst>
+            <a:gs pos="0">
+              <a:schemeClr val="phClr">
+                <a:satMod val="103000"/>
+                <a:lumMod val="102000"/>
+                <a:tint val="94000"/>
+              </a:schemeClr>
+            </a:gs>
+            <a:gs pos="50000">
+              <a:schemeClr val="phClr">
+                <a:satMod val="110000"/>
+                <a:lumMod val="100000"/>
+                <a:shade val="100000"/>
+              </a:schemeClr>
+            </a:gs>
+            <a:gs pos="100000">
+              <a:schemeClr val="phClr">
+                <a:lumMod val="99000"/>
+                <a:satMod val="120000"/>
+                <a:shade val="78000"/>
+              </a:schemeClr>
+            </a:gs>
+          </a:gsLst>
+          <a:lin ang="5400000" scaled="0"/>
+        </a:gradFill>
+      </a:fillStyleLst>
+      <a:lnStyleLst>
+        <a:ln w="6350" cap="flat" cmpd="sng" algn="ctr">
+          <a:solidFill>
+            <a:schemeClr val="phClr"/>
+          </a:solidFill>
+          <a:prstDash val="solid"/>
+          <a:miter lim="800000"/>
+        </a:ln>
+        <a:ln w="12700" cap="flat" cmpd="sng" algn="ctr">
+          <a:solidFill>
+            <a:schemeClr val="phClr"/>
+          </a:solidFill>
+          <a:prstDash val="solid"/>
+          <a:miter lim="800000"/>
+        </a:ln>
+        <a:ln w="19050" cap="flat" cmpd="sng" algn="ctr">
+          <a:solidFill>
+            <a:schemeClr val="phClr"/>
+          </a:solidFill>
+          <a:prstDash val="solid"/>
+          <a:miter lim="800000"/>
+        </a:ln>
+      </a:lnStyleLst>
+      <a:effectStyleLst>
+        <a:effectStyle>
+          <a:effectLst/>
+        </a:effectStyle>
+        <a:effectStyle>
+          <a:effectLst/>
+        </a:effectStyle>
+        <a:effectStyle>
+          <a:effectLst>
+            <a:outerShdw blurRad="57150" dist="19050" dir="5400000" algn="ctr" rotWithShape="0">
+              <a:srgbClr val="000000">
+                <a:alpha val="63000"/>
+              </a:srgbClr>
+            </a:outerShdw>
+          </a:effectLst>
+        </a:effectStyle>
+      </a:effectStyleLst>
+      <a:bgFillStyleLst>
+        <a:solidFill>
+          <a:schemeClr val="phClr"/>
+        </a:solidFill>
+        <a:solidFill>
+          <a:schemeClr val="phClr">
+            <a:tint val="95000"/>
+            <a:satMod val="170000"/>
+          </a:schemeClr>
+        </a:solidFill>
+        <a:gradFill rotWithShape="1">
+          <a:gsLst>
+            <a:gs pos="0">
+              <a:schemeClr val="phClr">
+                <a:tint val="93000"/>
+                <a:satMod val="150000"/>
+                <a:shade val="98000"/>
+                <a:lumMod val="102000"/>
+              </a:schemeClr>
+            </a:gs>
+            <a:gs pos="50000">
+              <a:schemeClr val="phClr">
+                <a:tint val="98000"/>
+                <a:satMod val="130000"/>
+                <a:shade val="90000"/>
+                <a:lumMod val="103000"/>
+              </a:schemeClr>
+            </a:gs>
+            <a:gs pos="100000">
+              <a:schemeClr val="phClr">
+                <a:shade val="63000"/>
+                <a:satMod val="120000"/>
+              </a:schemeClr>
+            </a:gs>
+          </a:gsLst>
+          <a:lin ang="5400000" scaled="0"/>
+        </a:gradFill>
+      </a:bgFillStyleLst>
+    </a:fmtScheme>
+  </a:themeElements>
+  <a:objectDefaults/>
+  <a:extraClrSchemeLst/>
+  <a:extLst>
+    <a:ext uri="{05A4C25C-085E-4340-85A3-A5531E510DB2}">
+      <thm15:themeFamily xmlns:thm15="http://schemas.microsoft.com/office/thememl/2012/main" name="Office Theme" id="{62F939B6-93AF-4DB8-9C6B-D6C7DFDC589F}" vid="{4A3C46E8-61CC-4603-A589-7422A47A8E4A}"/>
+    </a:ext>
+  </a:extLst>
+</a:theme>
 </file>
--- a/pages/engagement_model/media/ppt/Views_pictures.pptx
+++ b/pages/engagement_model/media/ppt/Views_pictures.pptx
@@ -5,7 +5,7 @@
     <p:sldMasterId id="2147483648" r:id="rId1"/>
   </p:sldMasterIdLst>
   <p:notesMasterIdLst>
-    <p:notesMasterId r:id="rId9"/>
+    <p:notesMasterId r:id="rId10"/>
   </p:notesMasterIdLst>
   <p:sldIdLst>
     <p:sldId id="449" r:id="rId2"/>
@@ -14,7 +14,8 @@
     <p:sldId id="258" r:id="rId5"/>
     <p:sldId id="259" r:id="rId6"/>
     <p:sldId id="454" r:id="rId7"/>
-    <p:sldId id="453" r:id="rId8"/>
+    <p:sldId id="455" r:id="rId8"/>
+    <p:sldId id="456" r:id="rId9"/>
   </p:sldIdLst>
   <p:sldSz cx="12192000" cy="6858000"/>
   <p:notesSz cx="6858000" cy="9144000"/>
@@ -203,7 +204,7 @@
           <a:p>
             <a:fld id="{1B656453-B7D9-4ACF-BD3C-ED9CE30BC7CF}" type="datetimeFigureOut">
               <a:rPr lang="sv-SE" smtClean="0"/>
-              <a:t>2022-11-04</a:t>
+              <a:t>2022-11-06</a:t>
             </a:fld>
             <a:endParaRPr lang="sv-SE"/>
           </a:p>
@@ -716,7 +717,7 @@
           <a:p>
             <a:fld id="{8001DB41-40DC-4A0C-8624-198CADB67B00}" type="datetimeFigureOut">
               <a:rPr lang="sv-SE" smtClean="0"/>
-              <a:t>2022-11-04</a:t>
+              <a:t>2022-11-06</a:t>
             </a:fld>
             <a:endParaRPr lang="sv-SE"/>
           </a:p>
@@ -914,7 +915,7 @@
           <a:p>
             <a:fld id="{8001DB41-40DC-4A0C-8624-198CADB67B00}" type="datetimeFigureOut">
               <a:rPr lang="sv-SE" smtClean="0"/>
-              <a:t>2022-11-04</a:t>
+              <a:t>2022-11-06</a:t>
             </a:fld>
             <a:endParaRPr lang="sv-SE"/>
           </a:p>
@@ -1122,7 +1123,7 @@
           <a:p>
             <a:fld id="{8001DB41-40DC-4A0C-8624-198CADB67B00}" type="datetimeFigureOut">
               <a:rPr lang="sv-SE" smtClean="0"/>
-              <a:t>2022-11-04</a:t>
+              <a:t>2022-11-06</a:t>
             </a:fld>
             <a:endParaRPr lang="sv-SE"/>
           </a:p>
@@ -1320,7 +1321,7 @@
           <a:p>
             <a:fld id="{8001DB41-40DC-4A0C-8624-198CADB67B00}" type="datetimeFigureOut">
               <a:rPr lang="sv-SE" smtClean="0"/>
-              <a:t>2022-11-04</a:t>
+              <a:t>2022-11-06</a:t>
             </a:fld>
             <a:endParaRPr lang="sv-SE"/>
           </a:p>
@@ -1595,7 +1596,7 @@
           <a:p>
             <a:fld id="{8001DB41-40DC-4A0C-8624-198CADB67B00}" type="datetimeFigureOut">
               <a:rPr lang="sv-SE" smtClean="0"/>
-              <a:t>2022-11-04</a:t>
+              <a:t>2022-11-06</a:t>
             </a:fld>
             <a:endParaRPr lang="sv-SE"/>
           </a:p>
@@ -1860,7 +1861,7 @@
           <a:p>
             <a:fld id="{8001DB41-40DC-4A0C-8624-198CADB67B00}" type="datetimeFigureOut">
               <a:rPr lang="sv-SE" smtClean="0"/>
-              <a:t>2022-11-04</a:t>
+              <a:t>2022-11-06</a:t>
             </a:fld>
             <a:endParaRPr lang="sv-SE"/>
           </a:p>
@@ -2272,7 +2273,7 @@
           <a:p>
             <a:fld id="{8001DB41-40DC-4A0C-8624-198CADB67B00}" type="datetimeFigureOut">
               <a:rPr lang="sv-SE" smtClean="0"/>
-              <a:t>2022-11-04</a:t>
+              <a:t>2022-11-06</a:t>
             </a:fld>
             <a:endParaRPr lang="sv-SE"/>
           </a:p>
@@ -2413,7 +2414,7 @@
           <a:p>
             <a:fld id="{8001DB41-40DC-4A0C-8624-198CADB67B00}" type="datetimeFigureOut">
               <a:rPr lang="sv-SE" smtClean="0"/>
-              <a:t>2022-11-04</a:t>
+              <a:t>2022-11-06</a:t>
             </a:fld>
             <a:endParaRPr lang="sv-SE"/>
           </a:p>
@@ -2526,7 +2527,7 @@
           <a:p>
             <a:fld id="{8001DB41-40DC-4A0C-8624-198CADB67B00}" type="datetimeFigureOut">
               <a:rPr lang="sv-SE" smtClean="0"/>
-              <a:t>2022-11-04</a:t>
+              <a:t>2022-11-06</a:t>
             </a:fld>
             <a:endParaRPr lang="sv-SE"/>
           </a:p>
@@ -2837,7 +2838,7 @@
           <a:p>
             <a:fld id="{8001DB41-40DC-4A0C-8624-198CADB67B00}" type="datetimeFigureOut">
               <a:rPr lang="sv-SE" smtClean="0"/>
-              <a:t>2022-11-04</a:t>
+              <a:t>2022-11-06</a:t>
             </a:fld>
             <a:endParaRPr lang="sv-SE"/>
           </a:p>
@@ -3125,7 +3126,7 @@
           <a:p>
             <a:fld id="{8001DB41-40DC-4A0C-8624-198CADB67B00}" type="datetimeFigureOut">
               <a:rPr lang="sv-SE" smtClean="0"/>
-              <a:t>2022-11-04</a:t>
+              <a:t>2022-11-06</a:t>
             </a:fld>
             <a:endParaRPr lang="sv-SE"/>
           </a:p>
@@ -3366,7 +3367,7 @@
           <a:p>
             <a:fld id="{8001DB41-40DC-4A0C-8624-198CADB67B00}" type="datetimeFigureOut">
               <a:rPr lang="sv-SE" smtClean="0"/>
-              <a:t>2022-11-04</a:t>
+              <a:t>2022-11-06</a:t>
             </a:fld>
             <a:endParaRPr lang="sv-SE"/>
           </a:p>
@@ -10604,41 +10605,1122 @@
           <a:chExt cx="0" cy="0"/>
         </a:xfrm>
       </p:grpSpPr>
-      <p:sp>
-        <p:nvSpPr>
-          <p:cNvPr id="2" name="Slide Number Placeholder 1">
-            <a:extLst>
-              <a:ext uri="{FF2B5EF4-FFF2-40B4-BE49-F238E27FC236}">
-                <a16:creationId xmlns:a16="http://schemas.microsoft.com/office/drawing/2014/main" id="{A5065B2C-541D-F7CF-CDED-DEFD6D3CFC60}"/>
-              </a:ext>
-            </a:extLst>
-          </p:cNvPr>
-          <p:cNvSpPr>
-            <a:spLocks noGrp="1"/>
-          </p:cNvSpPr>
-          <p:nvPr>
-            <p:ph type="sldNum" sz="quarter" idx="12"/>
-          </p:nvPr>
-        </p:nvSpPr>
-        <p:spPr/>
-        <p:txBody>
-          <a:bodyPr/>
-          <a:lstStyle/>
-          <a:p>
-            <a:fld id="{675CBC34-D68A-417C-A62D-60993CEB5261}" type="slidenum">
-              <a:rPr lang="en-US" smtClean="0"/>
-              <a:t>7</a:t>
-            </a:fld>
-            <a:endParaRPr lang="en-US"/>
-          </a:p>
-        </p:txBody>
-      </p:sp>
+      <p:grpSp>
+        <p:nvGrpSpPr>
+          <p:cNvPr id="7" name="Group 6">
+            <a:extLst>
+              <a:ext uri="{FF2B5EF4-FFF2-40B4-BE49-F238E27FC236}">
+                <a16:creationId xmlns:a16="http://schemas.microsoft.com/office/drawing/2014/main" id="{A2660142-0771-5D95-8E5B-004E40D75817}"/>
+              </a:ext>
+            </a:extLst>
+          </p:cNvPr>
+          <p:cNvGrpSpPr/>
+          <p:nvPr/>
+        </p:nvGrpSpPr>
+        <p:grpSpPr>
+          <a:xfrm>
+            <a:off x="769126" y="2411564"/>
+            <a:ext cx="1540603" cy="823704"/>
+            <a:chOff x="1436685" y="1368724"/>
+            <a:chExt cx="1540603" cy="823704"/>
+          </a:xfrm>
+        </p:grpSpPr>
+        <p:sp>
+          <p:nvSpPr>
+            <p:cNvPr id="24" name="Rektangel 23">
+              <a:extLst>
+                <a:ext uri="{FF2B5EF4-FFF2-40B4-BE49-F238E27FC236}">
+                  <a16:creationId xmlns:a16="http://schemas.microsoft.com/office/drawing/2014/main" id="{5A6DF37E-1538-CC80-1112-7AC8E70A18BD}"/>
+                </a:ext>
+              </a:extLst>
+            </p:cNvPr>
+            <p:cNvSpPr/>
+            <p:nvPr/>
+          </p:nvSpPr>
+          <p:spPr>
+            <a:xfrm>
+              <a:off x="1436685" y="1368724"/>
+              <a:ext cx="1400234" cy="823704"/>
+            </a:xfrm>
+            <a:prstGeom prst="rect">
+              <a:avLst/>
+            </a:prstGeom>
+            <a:solidFill>
+              <a:schemeClr val="accent1">
+                <a:lumMod val="75000"/>
+              </a:schemeClr>
+            </a:solidFill>
+          </p:spPr>
+          <p:style>
+            <a:lnRef idx="2">
+              <a:schemeClr val="accent1">
+                <a:shade val="50000"/>
+              </a:schemeClr>
+            </a:lnRef>
+            <a:fillRef idx="1">
+              <a:schemeClr val="accent1"/>
+            </a:fillRef>
+            <a:effectRef idx="0">
+              <a:schemeClr val="accent1"/>
+            </a:effectRef>
+            <a:fontRef idx="minor">
+              <a:schemeClr val="lt1"/>
+            </a:fontRef>
+          </p:style>
+          <p:txBody>
+            <a:bodyPr rtlCol="0" anchor="ctr"/>
+            <a:lstStyle/>
+            <a:p>
+              <a:pPr algn="ctr"/>
+              <a:r>
+                <a:rPr lang="sv-SE" sz="1600" dirty="0"/>
+                <a:t>OrderWeb</a:t>
+              </a:r>
+            </a:p>
+          </p:txBody>
+        </p:sp>
+        <p:sp>
+          <p:nvSpPr>
+            <p:cNvPr id="4" name="Rectangle 3">
+              <a:extLst>
+                <a:ext uri="{FF2B5EF4-FFF2-40B4-BE49-F238E27FC236}">
+                  <a16:creationId xmlns:a16="http://schemas.microsoft.com/office/drawing/2014/main" id="{1BC7A4EC-4187-BD65-537C-0755224CEE56}"/>
+                </a:ext>
+              </a:extLst>
+            </p:cNvPr>
+            <p:cNvSpPr/>
+            <p:nvPr/>
+          </p:nvSpPr>
+          <p:spPr>
+            <a:xfrm>
+              <a:off x="2580246" y="1406048"/>
+              <a:ext cx="397042" cy="122199"/>
+            </a:xfrm>
+            <a:prstGeom prst="rect">
+              <a:avLst/>
+            </a:prstGeom>
+            <a:ln>
+              <a:solidFill>
+                <a:schemeClr val="tx1"/>
+              </a:solidFill>
+            </a:ln>
+          </p:spPr>
+          <p:style>
+            <a:lnRef idx="2">
+              <a:schemeClr val="accent1">
+                <a:shade val="50000"/>
+              </a:schemeClr>
+            </a:lnRef>
+            <a:fillRef idx="1">
+              <a:schemeClr val="accent1"/>
+            </a:fillRef>
+            <a:effectRef idx="0">
+              <a:schemeClr val="accent1"/>
+            </a:effectRef>
+            <a:fontRef idx="minor">
+              <a:schemeClr val="lt1"/>
+            </a:fontRef>
+          </p:style>
+          <p:txBody>
+            <a:bodyPr rtlCol="0" anchor="ctr"/>
+            <a:lstStyle/>
+            <a:p>
+              <a:pPr algn="ctr"/>
+              <a:endParaRPr lang="sv-SE"/>
+            </a:p>
+          </p:txBody>
+        </p:sp>
+        <p:sp>
+          <p:nvSpPr>
+            <p:cNvPr id="6" name="Rectangle 5">
+              <a:extLst>
+                <a:ext uri="{FF2B5EF4-FFF2-40B4-BE49-F238E27FC236}">
+                  <a16:creationId xmlns:a16="http://schemas.microsoft.com/office/drawing/2014/main" id="{97A57E14-831F-A288-0894-8BE765B16E6A}"/>
+                </a:ext>
+              </a:extLst>
+            </p:cNvPr>
+            <p:cNvSpPr/>
+            <p:nvPr/>
+          </p:nvSpPr>
+          <p:spPr>
+            <a:xfrm>
+              <a:off x="2578295" y="1565469"/>
+              <a:ext cx="397042" cy="122198"/>
+            </a:xfrm>
+            <a:prstGeom prst="rect">
+              <a:avLst/>
+            </a:prstGeom>
+            <a:ln>
+              <a:solidFill>
+                <a:schemeClr val="tx1"/>
+              </a:solidFill>
+            </a:ln>
+          </p:spPr>
+          <p:style>
+            <a:lnRef idx="2">
+              <a:schemeClr val="accent1">
+                <a:shade val="50000"/>
+              </a:schemeClr>
+            </a:lnRef>
+            <a:fillRef idx="1">
+              <a:schemeClr val="accent1"/>
+            </a:fillRef>
+            <a:effectRef idx="0">
+              <a:schemeClr val="accent1"/>
+            </a:effectRef>
+            <a:fontRef idx="minor">
+              <a:schemeClr val="lt1"/>
+            </a:fontRef>
+          </p:style>
+          <p:txBody>
+            <a:bodyPr rtlCol="0" anchor="ctr"/>
+            <a:lstStyle/>
+            <a:p>
+              <a:pPr algn="ctr"/>
+              <a:endParaRPr lang="sv-SE"/>
+            </a:p>
+          </p:txBody>
+        </p:sp>
+      </p:grpSp>
+      <p:grpSp>
+        <p:nvGrpSpPr>
+          <p:cNvPr id="8" name="Group 7">
+            <a:extLst>
+              <a:ext uri="{FF2B5EF4-FFF2-40B4-BE49-F238E27FC236}">
+                <a16:creationId xmlns:a16="http://schemas.microsoft.com/office/drawing/2014/main" id="{EE3CE56B-16B2-BECD-56AA-A0192B1A362F}"/>
+              </a:ext>
+            </a:extLst>
+          </p:cNvPr>
+          <p:cNvGrpSpPr/>
+          <p:nvPr/>
+        </p:nvGrpSpPr>
+        <p:grpSpPr>
+          <a:xfrm>
+            <a:off x="3449388" y="2411564"/>
+            <a:ext cx="1540603" cy="823704"/>
+            <a:chOff x="1436685" y="1368724"/>
+            <a:chExt cx="1540603" cy="823704"/>
+          </a:xfrm>
+        </p:grpSpPr>
+        <p:sp>
+          <p:nvSpPr>
+            <p:cNvPr id="9" name="Rektangel 23">
+              <a:extLst>
+                <a:ext uri="{FF2B5EF4-FFF2-40B4-BE49-F238E27FC236}">
+                  <a16:creationId xmlns:a16="http://schemas.microsoft.com/office/drawing/2014/main" id="{5FA81C66-5EEF-BCEF-99E1-40B45152053B}"/>
+                </a:ext>
+              </a:extLst>
+            </p:cNvPr>
+            <p:cNvSpPr/>
+            <p:nvPr/>
+          </p:nvSpPr>
+          <p:spPr>
+            <a:xfrm>
+              <a:off x="1436685" y="1368724"/>
+              <a:ext cx="1400234" cy="823704"/>
+            </a:xfrm>
+            <a:prstGeom prst="rect">
+              <a:avLst/>
+            </a:prstGeom>
+            <a:solidFill>
+              <a:schemeClr val="accent1">
+                <a:lumMod val="75000"/>
+              </a:schemeClr>
+            </a:solidFill>
+          </p:spPr>
+          <p:style>
+            <a:lnRef idx="2">
+              <a:schemeClr val="accent1">
+                <a:shade val="50000"/>
+              </a:schemeClr>
+            </a:lnRef>
+            <a:fillRef idx="1">
+              <a:schemeClr val="accent1"/>
+            </a:fillRef>
+            <a:effectRef idx="0">
+              <a:schemeClr val="accent1"/>
+            </a:effectRef>
+            <a:fontRef idx="minor">
+              <a:schemeClr val="lt1"/>
+            </a:fontRef>
+          </p:style>
+          <p:txBody>
+            <a:bodyPr rtlCol="0" anchor="ctr"/>
+            <a:lstStyle/>
+            <a:p>
+              <a:pPr algn="ctr"/>
+              <a:r>
+                <a:rPr lang="sv-SE" sz="1600" dirty="0"/>
+                <a:t>OrderApi</a:t>
+              </a:r>
+            </a:p>
+          </p:txBody>
+        </p:sp>
+        <p:sp>
+          <p:nvSpPr>
+            <p:cNvPr id="10" name="Rectangle 9">
+              <a:extLst>
+                <a:ext uri="{FF2B5EF4-FFF2-40B4-BE49-F238E27FC236}">
+                  <a16:creationId xmlns:a16="http://schemas.microsoft.com/office/drawing/2014/main" id="{E818084B-653A-FC14-05AE-C4448EC3BA36}"/>
+                </a:ext>
+              </a:extLst>
+            </p:cNvPr>
+            <p:cNvSpPr/>
+            <p:nvPr/>
+          </p:nvSpPr>
+          <p:spPr>
+            <a:xfrm>
+              <a:off x="2580246" y="1406048"/>
+              <a:ext cx="397042" cy="122199"/>
+            </a:xfrm>
+            <a:prstGeom prst="rect">
+              <a:avLst/>
+            </a:prstGeom>
+          </p:spPr>
+          <p:style>
+            <a:lnRef idx="2">
+              <a:schemeClr val="accent1">
+                <a:shade val="50000"/>
+              </a:schemeClr>
+            </a:lnRef>
+            <a:fillRef idx="1">
+              <a:schemeClr val="accent1"/>
+            </a:fillRef>
+            <a:effectRef idx="0">
+              <a:schemeClr val="accent1"/>
+            </a:effectRef>
+            <a:fontRef idx="minor">
+              <a:schemeClr val="lt1"/>
+            </a:fontRef>
+          </p:style>
+          <p:txBody>
+            <a:bodyPr rtlCol="0" anchor="ctr"/>
+            <a:lstStyle/>
+            <a:p>
+              <a:pPr algn="ctr"/>
+              <a:endParaRPr lang="sv-SE"/>
+            </a:p>
+          </p:txBody>
+        </p:sp>
+        <p:sp>
+          <p:nvSpPr>
+            <p:cNvPr id="11" name="Rectangle 10">
+              <a:extLst>
+                <a:ext uri="{FF2B5EF4-FFF2-40B4-BE49-F238E27FC236}">
+                  <a16:creationId xmlns:a16="http://schemas.microsoft.com/office/drawing/2014/main" id="{59E089B5-2160-4C78-1883-B97F77B9F228}"/>
+                </a:ext>
+              </a:extLst>
+            </p:cNvPr>
+            <p:cNvSpPr/>
+            <p:nvPr/>
+          </p:nvSpPr>
+          <p:spPr>
+            <a:xfrm>
+              <a:off x="2578295" y="1565469"/>
+              <a:ext cx="397042" cy="122198"/>
+            </a:xfrm>
+            <a:prstGeom prst="rect">
+              <a:avLst/>
+            </a:prstGeom>
+          </p:spPr>
+          <p:style>
+            <a:lnRef idx="2">
+              <a:schemeClr val="accent1">
+                <a:shade val="50000"/>
+              </a:schemeClr>
+            </a:lnRef>
+            <a:fillRef idx="1">
+              <a:schemeClr val="accent1"/>
+            </a:fillRef>
+            <a:effectRef idx="0">
+              <a:schemeClr val="accent1"/>
+            </a:effectRef>
+            <a:fontRef idx="minor">
+              <a:schemeClr val="lt1"/>
+            </a:fontRef>
+          </p:style>
+          <p:txBody>
+            <a:bodyPr rtlCol="0" anchor="ctr"/>
+            <a:lstStyle/>
+            <a:p>
+              <a:pPr algn="ctr"/>
+              <a:endParaRPr lang="sv-SE"/>
+            </a:p>
+          </p:txBody>
+        </p:sp>
+      </p:grpSp>
+      <p:grpSp>
+        <p:nvGrpSpPr>
+          <p:cNvPr id="13" name="Group 12">
+            <a:extLst>
+              <a:ext uri="{FF2B5EF4-FFF2-40B4-BE49-F238E27FC236}">
+                <a16:creationId xmlns:a16="http://schemas.microsoft.com/office/drawing/2014/main" id="{9B4A6FEE-2229-341D-24E8-E5E8E5913348}"/>
+              </a:ext>
+            </a:extLst>
+          </p:cNvPr>
+          <p:cNvGrpSpPr/>
+          <p:nvPr/>
+        </p:nvGrpSpPr>
+        <p:grpSpPr>
+          <a:xfrm>
+            <a:off x="6627165" y="1461069"/>
+            <a:ext cx="1540603" cy="823704"/>
+            <a:chOff x="1436685" y="1368724"/>
+            <a:chExt cx="1540603" cy="823704"/>
+          </a:xfrm>
+        </p:grpSpPr>
+        <p:sp>
+          <p:nvSpPr>
+            <p:cNvPr id="15" name="Rektangel 23">
+              <a:extLst>
+                <a:ext uri="{FF2B5EF4-FFF2-40B4-BE49-F238E27FC236}">
+                  <a16:creationId xmlns:a16="http://schemas.microsoft.com/office/drawing/2014/main" id="{0D351771-9FD8-DE61-EB71-01A5809D13E0}"/>
+                </a:ext>
+              </a:extLst>
+            </p:cNvPr>
+            <p:cNvSpPr/>
+            <p:nvPr/>
+          </p:nvSpPr>
+          <p:spPr>
+            <a:xfrm>
+              <a:off x="1436685" y="1368724"/>
+              <a:ext cx="1400234" cy="823704"/>
+            </a:xfrm>
+            <a:prstGeom prst="rect">
+              <a:avLst/>
+            </a:prstGeom>
+            <a:solidFill>
+              <a:schemeClr val="accent1">
+                <a:lumMod val="75000"/>
+              </a:schemeClr>
+            </a:solidFill>
+          </p:spPr>
+          <p:style>
+            <a:lnRef idx="2">
+              <a:schemeClr val="accent1">
+                <a:shade val="50000"/>
+              </a:schemeClr>
+            </a:lnRef>
+            <a:fillRef idx="1">
+              <a:schemeClr val="accent1"/>
+            </a:fillRef>
+            <a:effectRef idx="0">
+              <a:schemeClr val="accent1"/>
+            </a:effectRef>
+            <a:fontRef idx="minor">
+              <a:schemeClr val="lt1"/>
+            </a:fontRef>
+          </p:style>
+          <p:txBody>
+            <a:bodyPr rtlCol="0" anchor="ctr"/>
+            <a:lstStyle/>
+            <a:p>
+              <a:pPr algn="ctr"/>
+              <a:r>
+                <a:rPr lang="sv-SE" sz="1600" dirty="0"/>
+                <a:t>OrderService</a:t>
+              </a:r>
+            </a:p>
+          </p:txBody>
+        </p:sp>
+        <p:sp>
+          <p:nvSpPr>
+            <p:cNvPr id="19" name="Rectangle 18">
+              <a:extLst>
+                <a:ext uri="{FF2B5EF4-FFF2-40B4-BE49-F238E27FC236}">
+                  <a16:creationId xmlns:a16="http://schemas.microsoft.com/office/drawing/2014/main" id="{6133B062-B72F-0650-1364-21EC42785266}"/>
+                </a:ext>
+              </a:extLst>
+            </p:cNvPr>
+            <p:cNvSpPr/>
+            <p:nvPr/>
+          </p:nvSpPr>
+          <p:spPr>
+            <a:xfrm>
+              <a:off x="2580246" y="1406048"/>
+              <a:ext cx="397042" cy="122199"/>
+            </a:xfrm>
+            <a:prstGeom prst="rect">
+              <a:avLst/>
+            </a:prstGeom>
+          </p:spPr>
+          <p:style>
+            <a:lnRef idx="2">
+              <a:schemeClr val="accent1">
+                <a:shade val="50000"/>
+              </a:schemeClr>
+            </a:lnRef>
+            <a:fillRef idx="1">
+              <a:schemeClr val="accent1"/>
+            </a:fillRef>
+            <a:effectRef idx="0">
+              <a:schemeClr val="accent1"/>
+            </a:effectRef>
+            <a:fontRef idx="minor">
+              <a:schemeClr val="lt1"/>
+            </a:fontRef>
+          </p:style>
+          <p:txBody>
+            <a:bodyPr rtlCol="0" anchor="ctr"/>
+            <a:lstStyle/>
+            <a:p>
+              <a:pPr algn="ctr"/>
+              <a:endParaRPr lang="sv-SE"/>
+            </a:p>
+          </p:txBody>
+        </p:sp>
+        <p:sp>
+          <p:nvSpPr>
+            <p:cNvPr id="20" name="Rectangle 19">
+              <a:extLst>
+                <a:ext uri="{FF2B5EF4-FFF2-40B4-BE49-F238E27FC236}">
+                  <a16:creationId xmlns:a16="http://schemas.microsoft.com/office/drawing/2014/main" id="{7FE6E056-BD75-866B-0013-0B507C7AE9D5}"/>
+                </a:ext>
+              </a:extLst>
+            </p:cNvPr>
+            <p:cNvSpPr/>
+            <p:nvPr/>
+          </p:nvSpPr>
+          <p:spPr>
+            <a:xfrm>
+              <a:off x="2578295" y="1565469"/>
+              <a:ext cx="397042" cy="122198"/>
+            </a:xfrm>
+            <a:prstGeom prst="rect">
+              <a:avLst/>
+            </a:prstGeom>
+          </p:spPr>
+          <p:style>
+            <a:lnRef idx="2">
+              <a:schemeClr val="accent1">
+                <a:shade val="50000"/>
+              </a:schemeClr>
+            </a:lnRef>
+            <a:fillRef idx="1">
+              <a:schemeClr val="accent1"/>
+            </a:fillRef>
+            <a:effectRef idx="0">
+              <a:schemeClr val="accent1"/>
+            </a:effectRef>
+            <a:fontRef idx="minor">
+              <a:schemeClr val="lt1"/>
+            </a:fontRef>
+          </p:style>
+          <p:txBody>
+            <a:bodyPr rtlCol="0" anchor="ctr"/>
+            <a:lstStyle/>
+            <a:p>
+              <a:pPr algn="ctr"/>
+              <a:endParaRPr lang="sv-SE"/>
+            </a:p>
+          </p:txBody>
+        </p:sp>
+      </p:grpSp>
+      <p:grpSp>
+        <p:nvGrpSpPr>
+          <p:cNvPr id="21" name="Group 20">
+            <a:extLst>
+              <a:ext uri="{FF2B5EF4-FFF2-40B4-BE49-F238E27FC236}">
+                <a16:creationId xmlns:a16="http://schemas.microsoft.com/office/drawing/2014/main" id="{121673D0-B4D7-FBA6-FA93-5A81754E1462}"/>
+              </a:ext>
+            </a:extLst>
+          </p:cNvPr>
+          <p:cNvGrpSpPr/>
+          <p:nvPr/>
+        </p:nvGrpSpPr>
+        <p:grpSpPr>
+          <a:xfrm>
+            <a:off x="9453866" y="2411564"/>
+            <a:ext cx="1540603" cy="823704"/>
+            <a:chOff x="1436685" y="1368724"/>
+            <a:chExt cx="1540603" cy="823704"/>
+          </a:xfrm>
+        </p:grpSpPr>
+        <p:sp>
+          <p:nvSpPr>
+            <p:cNvPr id="22" name="Rektangel 23">
+              <a:extLst>
+                <a:ext uri="{FF2B5EF4-FFF2-40B4-BE49-F238E27FC236}">
+                  <a16:creationId xmlns:a16="http://schemas.microsoft.com/office/drawing/2014/main" id="{F277B69D-029D-DEA8-82B6-B6829366541A}"/>
+                </a:ext>
+              </a:extLst>
+            </p:cNvPr>
+            <p:cNvSpPr/>
+            <p:nvPr/>
+          </p:nvSpPr>
+          <p:spPr>
+            <a:xfrm>
+              <a:off x="1436685" y="1368724"/>
+              <a:ext cx="1400234" cy="823704"/>
+            </a:xfrm>
+            <a:prstGeom prst="rect">
+              <a:avLst/>
+            </a:prstGeom>
+            <a:solidFill>
+              <a:schemeClr val="accent1">
+                <a:lumMod val="75000"/>
+              </a:schemeClr>
+            </a:solidFill>
+          </p:spPr>
+          <p:style>
+            <a:lnRef idx="2">
+              <a:schemeClr val="accent1">
+                <a:shade val="50000"/>
+              </a:schemeClr>
+            </a:lnRef>
+            <a:fillRef idx="1">
+              <a:schemeClr val="accent1"/>
+            </a:fillRef>
+            <a:effectRef idx="0">
+              <a:schemeClr val="accent1"/>
+            </a:effectRef>
+            <a:fontRef idx="minor">
+              <a:schemeClr val="lt1"/>
+            </a:fontRef>
+          </p:style>
+          <p:txBody>
+            <a:bodyPr rtlCol="0" anchor="ctr"/>
+            <a:lstStyle/>
+            <a:p>
+              <a:pPr algn="ctr"/>
+              <a:r>
+                <a:rPr lang="sv-SE" sz="1600" dirty="0"/>
+                <a:t>Order</a:t>
+              </a:r>
+            </a:p>
+            <a:p>
+              <a:pPr algn="ctr"/>
+              <a:r>
+                <a:rPr lang="sv-SE" sz="1600" dirty="0"/>
+                <a:t>Database</a:t>
+              </a:r>
+            </a:p>
+          </p:txBody>
+        </p:sp>
+        <p:sp>
+          <p:nvSpPr>
+            <p:cNvPr id="23" name="Rectangle 22">
+              <a:extLst>
+                <a:ext uri="{FF2B5EF4-FFF2-40B4-BE49-F238E27FC236}">
+                  <a16:creationId xmlns:a16="http://schemas.microsoft.com/office/drawing/2014/main" id="{6F327724-5F0C-4998-5081-2E851F63FA3B}"/>
+                </a:ext>
+              </a:extLst>
+            </p:cNvPr>
+            <p:cNvSpPr/>
+            <p:nvPr/>
+          </p:nvSpPr>
+          <p:spPr>
+            <a:xfrm>
+              <a:off x="2580246" y="1406048"/>
+              <a:ext cx="397042" cy="122199"/>
+            </a:xfrm>
+            <a:prstGeom prst="rect">
+              <a:avLst/>
+            </a:prstGeom>
+          </p:spPr>
+          <p:style>
+            <a:lnRef idx="2">
+              <a:schemeClr val="accent1">
+                <a:shade val="50000"/>
+              </a:schemeClr>
+            </a:lnRef>
+            <a:fillRef idx="1">
+              <a:schemeClr val="accent1"/>
+            </a:fillRef>
+            <a:effectRef idx="0">
+              <a:schemeClr val="accent1"/>
+            </a:effectRef>
+            <a:fontRef idx="minor">
+              <a:schemeClr val="lt1"/>
+            </a:fontRef>
+          </p:style>
+          <p:txBody>
+            <a:bodyPr rtlCol="0" anchor="ctr"/>
+            <a:lstStyle/>
+            <a:p>
+              <a:pPr algn="ctr"/>
+              <a:endParaRPr lang="sv-SE"/>
+            </a:p>
+          </p:txBody>
+        </p:sp>
+        <p:sp>
+          <p:nvSpPr>
+            <p:cNvPr id="25" name="Rectangle 24">
+              <a:extLst>
+                <a:ext uri="{FF2B5EF4-FFF2-40B4-BE49-F238E27FC236}">
+                  <a16:creationId xmlns:a16="http://schemas.microsoft.com/office/drawing/2014/main" id="{1F2E7FD3-5230-6A58-E53F-B04C7F3EC13D}"/>
+                </a:ext>
+              </a:extLst>
+            </p:cNvPr>
+            <p:cNvSpPr/>
+            <p:nvPr/>
+          </p:nvSpPr>
+          <p:spPr>
+            <a:xfrm>
+              <a:off x="2578295" y="1565469"/>
+              <a:ext cx="397042" cy="122198"/>
+            </a:xfrm>
+            <a:prstGeom prst="rect">
+              <a:avLst/>
+            </a:prstGeom>
+          </p:spPr>
+          <p:style>
+            <a:lnRef idx="2">
+              <a:schemeClr val="accent1">
+                <a:shade val="50000"/>
+              </a:schemeClr>
+            </a:lnRef>
+            <a:fillRef idx="1">
+              <a:schemeClr val="accent1"/>
+            </a:fillRef>
+            <a:effectRef idx="0">
+              <a:schemeClr val="accent1"/>
+            </a:effectRef>
+            <a:fontRef idx="minor">
+              <a:schemeClr val="lt1"/>
+            </a:fontRef>
+          </p:style>
+          <p:txBody>
+            <a:bodyPr rtlCol="0" anchor="ctr"/>
+            <a:lstStyle/>
+            <a:p>
+              <a:pPr algn="ctr"/>
+              <a:endParaRPr lang="sv-SE"/>
+            </a:p>
+          </p:txBody>
+        </p:sp>
+      </p:grpSp>
+      <p:grpSp>
+        <p:nvGrpSpPr>
+          <p:cNvPr id="26" name="Group 25">
+            <a:extLst>
+              <a:ext uri="{FF2B5EF4-FFF2-40B4-BE49-F238E27FC236}">
+                <a16:creationId xmlns:a16="http://schemas.microsoft.com/office/drawing/2014/main" id="{FF21E7BB-D54D-0E99-508B-DE8AC3DFEB9B}"/>
+              </a:ext>
+            </a:extLst>
+          </p:cNvPr>
+          <p:cNvGrpSpPr/>
+          <p:nvPr/>
+        </p:nvGrpSpPr>
+        <p:grpSpPr>
+          <a:xfrm>
+            <a:off x="6625214" y="3315159"/>
+            <a:ext cx="1540603" cy="823704"/>
+            <a:chOff x="1436685" y="1368724"/>
+            <a:chExt cx="1540603" cy="823704"/>
+          </a:xfrm>
+        </p:grpSpPr>
+        <p:sp>
+          <p:nvSpPr>
+            <p:cNvPr id="27" name="Rektangel 23">
+              <a:extLst>
+                <a:ext uri="{FF2B5EF4-FFF2-40B4-BE49-F238E27FC236}">
+                  <a16:creationId xmlns:a16="http://schemas.microsoft.com/office/drawing/2014/main" id="{2E8F7479-3563-93FB-8388-19BC05D49E41}"/>
+                </a:ext>
+              </a:extLst>
+            </p:cNvPr>
+            <p:cNvSpPr/>
+            <p:nvPr/>
+          </p:nvSpPr>
+          <p:spPr>
+            <a:xfrm>
+              <a:off x="1436685" y="1368724"/>
+              <a:ext cx="1400234" cy="823704"/>
+            </a:xfrm>
+            <a:prstGeom prst="rect">
+              <a:avLst/>
+            </a:prstGeom>
+            <a:solidFill>
+              <a:schemeClr val="accent1">
+                <a:lumMod val="75000"/>
+              </a:schemeClr>
+            </a:solidFill>
+          </p:spPr>
+          <p:style>
+            <a:lnRef idx="2">
+              <a:schemeClr val="accent1">
+                <a:shade val="50000"/>
+              </a:schemeClr>
+            </a:lnRef>
+            <a:fillRef idx="1">
+              <a:schemeClr val="accent1"/>
+            </a:fillRef>
+            <a:effectRef idx="0">
+              <a:schemeClr val="accent1"/>
+            </a:effectRef>
+            <a:fontRef idx="minor">
+              <a:schemeClr val="lt1"/>
+            </a:fontRef>
+          </p:style>
+          <p:txBody>
+            <a:bodyPr rtlCol="0" anchor="ctr"/>
+            <a:lstStyle/>
+            <a:p>
+              <a:pPr algn="ctr"/>
+              <a:r>
+                <a:rPr lang="sv-SE" sz="1600" dirty="0"/>
+                <a:t>OrderService</a:t>
+              </a:r>
+            </a:p>
+          </p:txBody>
+        </p:sp>
+        <p:sp>
+          <p:nvSpPr>
+            <p:cNvPr id="28" name="Rectangle 27">
+              <a:extLst>
+                <a:ext uri="{FF2B5EF4-FFF2-40B4-BE49-F238E27FC236}">
+                  <a16:creationId xmlns:a16="http://schemas.microsoft.com/office/drawing/2014/main" id="{7FDB18FF-E852-E7C8-F3C2-E213E6B0F6B1}"/>
+                </a:ext>
+              </a:extLst>
+            </p:cNvPr>
+            <p:cNvSpPr/>
+            <p:nvPr/>
+          </p:nvSpPr>
+          <p:spPr>
+            <a:xfrm>
+              <a:off x="2580246" y="1406048"/>
+              <a:ext cx="397042" cy="122199"/>
+            </a:xfrm>
+            <a:prstGeom prst="rect">
+              <a:avLst/>
+            </a:prstGeom>
+          </p:spPr>
+          <p:style>
+            <a:lnRef idx="2">
+              <a:schemeClr val="accent1">
+                <a:shade val="50000"/>
+              </a:schemeClr>
+            </a:lnRef>
+            <a:fillRef idx="1">
+              <a:schemeClr val="accent1"/>
+            </a:fillRef>
+            <a:effectRef idx="0">
+              <a:schemeClr val="accent1"/>
+            </a:effectRef>
+            <a:fontRef idx="minor">
+              <a:schemeClr val="lt1"/>
+            </a:fontRef>
+          </p:style>
+          <p:txBody>
+            <a:bodyPr rtlCol="0" anchor="ctr"/>
+            <a:lstStyle/>
+            <a:p>
+              <a:pPr algn="ctr"/>
+              <a:endParaRPr lang="sv-SE"/>
+            </a:p>
+          </p:txBody>
+        </p:sp>
+        <p:sp>
+          <p:nvSpPr>
+            <p:cNvPr id="30" name="Rectangle 29">
+              <a:extLst>
+                <a:ext uri="{FF2B5EF4-FFF2-40B4-BE49-F238E27FC236}">
+                  <a16:creationId xmlns:a16="http://schemas.microsoft.com/office/drawing/2014/main" id="{8E297E42-9081-3C92-3179-C6DD2DBBFB34}"/>
+                </a:ext>
+              </a:extLst>
+            </p:cNvPr>
+            <p:cNvSpPr/>
+            <p:nvPr/>
+          </p:nvSpPr>
+          <p:spPr>
+            <a:xfrm>
+              <a:off x="2578295" y="1565469"/>
+              <a:ext cx="397042" cy="122198"/>
+            </a:xfrm>
+            <a:prstGeom prst="rect">
+              <a:avLst/>
+            </a:prstGeom>
+          </p:spPr>
+          <p:style>
+            <a:lnRef idx="2">
+              <a:schemeClr val="accent1">
+                <a:shade val="50000"/>
+              </a:schemeClr>
+            </a:lnRef>
+            <a:fillRef idx="1">
+              <a:schemeClr val="accent1"/>
+            </a:fillRef>
+            <a:effectRef idx="0">
+              <a:schemeClr val="accent1"/>
+            </a:effectRef>
+            <a:fontRef idx="minor">
+              <a:schemeClr val="lt1"/>
+            </a:fontRef>
+          </p:style>
+          <p:txBody>
+            <a:bodyPr rtlCol="0" anchor="ctr"/>
+            <a:lstStyle/>
+            <a:p>
+              <a:pPr algn="ctr"/>
+              <a:endParaRPr lang="sv-SE"/>
+            </a:p>
+          </p:txBody>
+        </p:sp>
+      </p:grpSp>
+      <p:cxnSp>
+        <p:nvCxnSpPr>
+          <p:cNvPr id="32" name="Straight Arrow Connector 31">
+            <a:extLst>
+              <a:ext uri="{FF2B5EF4-FFF2-40B4-BE49-F238E27FC236}">
+                <a16:creationId xmlns:a16="http://schemas.microsoft.com/office/drawing/2014/main" id="{72C80675-4639-E2A5-6FE9-52E3831EAB34}"/>
+              </a:ext>
+            </a:extLst>
+          </p:cNvPr>
+          <p:cNvCxnSpPr>
+            <a:stCxn id="24" idx="3"/>
+            <a:endCxn id="9" idx="1"/>
+          </p:cNvCxnSpPr>
+          <p:nvPr/>
+        </p:nvCxnSpPr>
+        <p:spPr>
+          <a:xfrm>
+            <a:off x="2169360" y="2823416"/>
+            <a:ext cx="1280028" cy="0"/>
+          </a:xfrm>
+          <a:prstGeom prst="straightConnector1">
+            <a:avLst/>
+          </a:prstGeom>
+          <a:ln w="38100">
+            <a:solidFill>
+              <a:schemeClr val="tx1"/>
+            </a:solidFill>
+            <a:prstDash val="dash"/>
+            <a:tailEnd type="triangle"/>
+          </a:ln>
+        </p:spPr>
+        <p:style>
+          <a:lnRef idx="1">
+            <a:schemeClr val="accent1"/>
+          </a:lnRef>
+          <a:fillRef idx="0">
+            <a:schemeClr val="accent1"/>
+          </a:fillRef>
+          <a:effectRef idx="0">
+            <a:schemeClr val="accent1"/>
+          </a:effectRef>
+          <a:fontRef idx="minor">
+            <a:schemeClr val="tx1"/>
+          </a:fontRef>
+        </p:style>
+      </p:cxnSp>
+      <p:cxnSp>
+        <p:nvCxnSpPr>
+          <p:cNvPr id="35" name="Connector: Elbow 34">
+            <a:extLst>
+              <a:ext uri="{FF2B5EF4-FFF2-40B4-BE49-F238E27FC236}">
+                <a16:creationId xmlns:a16="http://schemas.microsoft.com/office/drawing/2014/main" id="{A2441AE4-E8AA-C6BF-BB7E-C16235D742BC}"/>
+              </a:ext>
+            </a:extLst>
+          </p:cNvPr>
+          <p:cNvCxnSpPr>
+            <a:cxnSpLocks/>
+          </p:cNvCxnSpPr>
+          <p:nvPr/>
+        </p:nvCxnSpPr>
+        <p:spPr>
+          <a:xfrm flipV="1">
+            <a:off x="4849622" y="1824793"/>
+            <a:ext cx="1777543" cy="950495"/>
+          </a:xfrm>
+          <a:prstGeom prst="bentConnector3">
+            <a:avLst/>
+          </a:prstGeom>
+          <a:ln w="38100">
+            <a:solidFill>
+              <a:schemeClr val="tx1"/>
+            </a:solidFill>
+            <a:prstDash val="dash"/>
+            <a:tailEnd type="triangle"/>
+          </a:ln>
+        </p:spPr>
+        <p:style>
+          <a:lnRef idx="1">
+            <a:schemeClr val="accent1"/>
+          </a:lnRef>
+          <a:fillRef idx="0">
+            <a:schemeClr val="accent1"/>
+          </a:fillRef>
+          <a:effectRef idx="0">
+            <a:schemeClr val="accent1"/>
+          </a:effectRef>
+          <a:fontRef idx="minor">
+            <a:schemeClr val="tx1"/>
+          </a:fontRef>
+        </p:style>
+      </p:cxnSp>
+      <p:cxnSp>
+        <p:nvCxnSpPr>
+          <p:cNvPr id="38" name="Connector: Elbow 37">
+            <a:extLst>
+              <a:ext uri="{FF2B5EF4-FFF2-40B4-BE49-F238E27FC236}">
+                <a16:creationId xmlns:a16="http://schemas.microsoft.com/office/drawing/2014/main" id="{4DFC7B0D-FD68-774F-6E65-8DB7D8A06A3A}"/>
+              </a:ext>
+            </a:extLst>
+          </p:cNvPr>
+          <p:cNvCxnSpPr>
+            <a:cxnSpLocks/>
+          </p:cNvCxnSpPr>
+          <p:nvPr/>
+        </p:nvCxnSpPr>
+        <p:spPr>
+          <a:xfrm>
+            <a:off x="4849622" y="2895608"/>
+            <a:ext cx="1775592" cy="903595"/>
+          </a:xfrm>
+          <a:prstGeom prst="bentConnector3">
+            <a:avLst/>
+          </a:prstGeom>
+          <a:ln w="38100">
+            <a:solidFill>
+              <a:schemeClr val="tx1"/>
+            </a:solidFill>
+            <a:prstDash val="dash"/>
+            <a:tailEnd type="triangle"/>
+          </a:ln>
+        </p:spPr>
+        <p:style>
+          <a:lnRef idx="1">
+            <a:schemeClr val="accent1"/>
+          </a:lnRef>
+          <a:fillRef idx="0">
+            <a:schemeClr val="accent1"/>
+          </a:fillRef>
+          <a:effectRef idx="0">
+            <a:schemeClr val="accent1"/>
+          </a:effectRef>
+          <a:fontRef idx="minor">
+            <a:schemeClr val="tx1"/>
+          </a:fontRef>
+        </p:style>
+      </p:cxnSp>
+      <p:cxnSp>
+        <p:nvCxnSpPr>
+          <p:cNvPr id="44" name="Connector: Elbow 43">
+            <a:extLst>
+              <a:ext uri="{FF2B5EF4-FFF2-40B4-BE49-F238E27FC236}">
+                <a16:creationId xmlns:a16="http://schemas.microsoft.com/office/drawing/2014/main" id="{DFAB61BA-2E88-83B8-A13A-0CC133DF39DD}"/>
+              </a:ext>
+            </a:extLst>
+          </p:cNvPr>
+          <p:cNvCxnSpPr>
+            <a:stCxn id="15" idx="3"/>
+            <a:endCxn id="22" idx="0"/>
+          </p:cNvCxnSpPr>
+          <p:nvPr/>
+        </p:nvCxnSpPr>
+        <p:spPr>
+          <a:xfrm>
+            <a:off x="8027399" y="1872921"/>
+            <a:ext cx="2126584" cy="538643"/>
+          </a:xfrm>
+          <a:prstGeom prst="bentConnector2">
+            <a:avLst/>
+          </a:prstGeom>
+          <a:ln w="38100">
+            <a:solidFill>
+              <a:schemeClr val="tx1"/>
+            </a:solidFill>
+            <a:prstDash val="dash"/>
+            <a:tailEnd type="triangle"/>
+          </a:ln>
+        </p:spPr>
+        <p:style>
+          <a:lnRef idx="1">
+            <a:schemeClr val="accent1"/>
+          </a:lnRef>
+          <a:fillRef idx="0">
+            <a:schemeClr val="accent1"/>
+          </a:fillRef>
+          <a:effectRef idx="0">
+            <a:schemeClr val="accent1"/>
+          </a:effectRef>
+          <a:fontRef idx="minor">
+            <a:schemeClr val="tx1"/>
+          </a:fontRef>
+        </p:style>
+      </p:cxnSp>
+      <p:cxnSp>
+        <p:nvCxnSpPr>
+          <p:cNvPr id="49" name="Connector: Elbow 48">
+            <a:extLst>
+              <a:ext uri="{FF2B5EF4-FFF2-40B4-BE49-F238E27FC236}">
+                <a16:creationId xmlns:a16="http://schemas.microsoft.com/office/drawing/2014/main" id="{198F2D16-1527-A38F-7276-03BC92048F90}"/>
+              </a:ext>
+            </a:extLst>
+          </p:cNvPr>
+          <p:cNvCxnSpPr>
+            <a:stCxn id="27" idx="3"/>
+            <a:endCxn id="22" idx="2"/>
+          </p:cNvCxnSpPr>
+          <p:nvPr/>
+        </p:nvCxnSpPr>
+        <p:spPr>
+          <a:xfrm flipV="1">
+            <a:off x="8025448" y="3235268"/>
+            <a:ext cx="2128535" cy="491743"/>
+          </a:xfrm>
+          <a:prstGeom prst="bentConnector2">
+            <a:avLst/>
+          </a:prstGeom>
+          <a:ln w="38100">
+            <a:solidFill>
+              <a:schemeClr val="tx1"/>
+            </a:solidFill>
+            <a:prstDash val="dash"/>
+            <a:tailEnd type="triangle"/>
+          </a:ln>
+        </p:spPr>
+        <p:style>
+          <a:lnRef idx="1">
+            <a:schemeClr val="accent1"/>
+          </a:lnRef>
+          <a:fillRef idx="0">
+            <a:schemeClr val="accent1"/>
+          </a:fillRef>
+          <a:effectRef idx="0">
+            <a:schemeClr val="accent1"/>
+          </a:effectRef>
+          <a:fontRef idx="minor">
+            <a:schemeClr val="tx1"/>
+          </a:fontRef>
+        </p:style>
+      </p:cxnSp>
+    </p:spTree>
+    <p:extLst>
+      <p:ext uri="{BB962C8B-B14F-4D97-AF65-F5344CB8AC3E}">
+        <p14:creationId xmlns:p14="http://schemas.microsoft.com/office/powerpoint/2010/main" val="3439176857"/>
+      </p:ext>
+    </p:extLst>
+  </p:cSld>
+  <p:clrMapOvr>
+    <a:masterClrMapping/>
+  </p:clrMapOvr>
+</p:sld>
+</file>
+
+<file path=ppt/slides/slide8.xml><?xml version="1.0" encoding="utf-8"?>
+<p:sld xmlns:a="http://schemas.openxmlformats.org/drawingml/2006/main" xmlns:r="http://schemas.openxmlformats.org/officeDocument/2006/relationships" xmlns:p="http://schemas.openxmlformats.org/presentationml/2006/main">
+  <p:cSld>
+    <p:spTree>
+      <p:nvGrpSpPr>
+        <p:cNvPr id="1" name=""/>
+        <p:cNvGrpSpPr/>
+        <p:nvPr/>
+      </p:nvGrpSpPr>
+      <p:grpSpPr>
+        <a:xfrm>
+          <a:off x="0" y="0"/>
+          <a:ext cx="0" cy="0"/>
+          <a:chOff x="0" y="0"/>
+          <a:chExt cx="0" cy="0"/>
+        </a:xfrm>
+      </p:grpSpPr>
       <p:pic>
         <p:nvPicPr>
-          <p:cNvPr id="4" name="Picture 3">
-            <a:extLst>
-              <a:ext uri="{FF2B5EF4-FFF2-40B4-BE49-F238E27FC236}">
-                <a16:creationId xmlns:a16="http://schemas.microsoft.com/office/drawing/2014/main" id="{5F9ACA6E-C7DE-F2F7-5842-D783BE597EA1}"/>
+          <p:cNvPr id="34" name="Picture 33">
+            <a:extLst>
+              <a:ext uri="{FF2B5EF4-FFF2-40B4-BE49-F238E27FC236}">
+                <a16:creationId xmlns:a16="http://schemas.microsoft.com/office/drawing/2014/main" id="{9A4460B4-4416-01EA-5E0E-68062D6F7C28}"/>
               </a:ext>
             </a:extLst>
           </p:cNvPr>
@@ -10655,8 +11737,8 @@
         </p:blipFill>
         <p:spPr>
           <a:xfrm>
-            <a:off x="1481714" y="1681381"/>
-            <a:ext cx="9228571" cy="3495238"/>
+            <a:off x="2795587" y="1357312"/>
+            <a:ext cx="6600825" cy="4143375"/>
           </a:xfrm>
           <a:prstGeom prst="rect">
             <a:avLst/>
@@ -10666,7 +11748,7 @@
     </p:spTree>
     <p:extLst>
       <p:ext uri="{BB962C8B-B14F-4D97-AF65-F5344CB8AC3E}">
-        <p14:creationId xmlns:p14="http://schemas.microsoft.com/office/powerpoint/2010/main" val="2737267629"/>
+        <p14:creationId xmlns:p14="http://schemas.microsoft.com/office/powerpoint/2010/main" val="2819211686"/>
       </p:ext>
     </p:extLst>
   </p:cSld>
